--- a/Documents/Understending RESTFul API's .pptx
+++ b/Documents/Understending RESTFul API's .pptx
@@ -6,17 +6,61 @@
   </p:sldMasterIdLst>
   <p:sldIdLst>
     <p:sldId id="256" r:id="rId2"/>
-    <p:sldId id="258" r:id="rId3"/>
-    <p:sldId id="259" r:id="rId4"/>
-    <p:sldId id="273" r:id="rId5"/>
-    <p:sldId id="260" r:id="rId6"/>
-    <p:sldId id="261" r:id="rId7"/>
-    <p:sldId id="274" r:id="rId8"/>
-    <p:sldId id="275" r:id="rId9"/>
-    <p:sldId id="276" r:id="rId10"/>
-    <p:sldId id="277" r:id="rId11"/>
-    <p:sldId id="278" r:id="rId12"/>
-    <p:sldId id="279" r:id="rId13"/>
+    <p:sldId id="288" r:id="rId3"/>
+    <p:sldId id="289" r:id="rId4"/>
+    <p:sldId id="290" r:id="rId5"/>
+    <p:sldId id="291" r:id="rId6"/>
+    <p:sldId id="292" r:id="rId7"/>
+    <p:sldId id="293" r:id="rId8"/>
+    <p:sldId id="294" r:id="rId9"/>
+    <p:sldId id="295" r:id="rId10"/>
+    <p:sldId id="296" r:id="rId11"/>
+    <p:sldId id="297" r:id="rId12"/>
+    <p:sldId id="300" r:id="rId13"/>
+    <p:sldId id="301" r:id="rId14"/>
+    <p:sldId id="302" r:id="rId15"/>
+    <p:sldId id="304" r:id="rId16"/>
+    <p:sldId id="305" r:id="rId17"/>
+    <p:sldId id="303" r:id="rId18"/>
+    <p:sldId id="306" r:id="rId19"/>
+    <p:sldId id="307" r:id="rId20"/>
+    <p:sldId id="309" r:id="rId21"/>
+    <p:sldId id="310" r:id="rId22"/>
+    <p:sldId id="308" r:id="rId23"/>
+    <p:sldId id="311" r:id="rId24"/>
+    <p:sldId id="312" r:id="rId25"/>
+    <p:sldId id="313" r:id="rId26"/>
+    <p:sldId id="314" r:id="rId27"/>
+    <p:sldId id="315" r:id="rId28"/>
+    <p:sldId id="299" r:id="rId29"/>
+    <p:sldId id="258" r:id="rId30"/>
+    <p:sldId id="259" r:id="rId31"/>
+    <p:sldId id="273" r:id="rId32"/>
+    <p:sldId id="260" r:id="rId33"/>
+    <p:sldId id="261" r:id="rId34"/>
+    <p:sldId id="274" r:id="rId35"/>
+    <p:sldId id="275" r:id="rId36"/>
+    <p:sldId id="276" r:id="rId37"/>
+    <p:sldId id="277" r:id="rId38"/>
+    <p:sldId id="278" r:id="rId39"/>
+    <p:sldId id="284" r:id="rId40"/>
+    <p:sldId id="286" r:id="rId41"/>
+    <p:sldId id="287" r:id="rId42"/>
+    <p:sldId id="318" r:id="rId43"/>
+    <p:sldId id="319" r:id="rId44"/>
+    <p:sldId id="320" r:id="rId45"/>
+    <p:sldId id="321" r:id="rId46"/>
+    <p:sldId id="322" r:id="rId47"/>
+    <p:sldId id="323" r:id="rId48"/>
+    <p:sldId id="324" r:id="rId49"/>
+    <p:sldId id="316" r:id="rId50"/>
+    <p:sldId id="317" r:id="rId51"/>
+    <p:sldId id="285" r:id="rId52"/>
+    <p:sldId id="279" r:id="rId53"/>
+    <p:sldId id="282" r:id="rId54"/>
+    <p:sldId id="283" r:id="rId55"/>
+    <p:sldId id="281" r:id="rId56"/>
+    <p:sldId id="325" r:id="rId57"/>
   </p:sldIdLst>
   <p:sldSz cx="12192000" cy="6858000"/>
   <p:notesSz cx="6858000" cy="9144000"/>
@@ -5862,10 +5906,48 @@
           <a:chExt cx="0" cy="0"/>
         </a:xfrm>
       </p:grpSpPr>
+      <p:sp>
+        <p:nvSpPr>
+          <p:cNvPr id="2" name="Título 1"/>
+          <p:cNvSpPr>
+            <a:spLocks noGrp="1"/>
+          </p:cNvSpPr>
+          <p:nvPr>
+            <p:ph type="title"/>
+          </p:nvPr>
+        </p:nvSpPr>
+        <p:spPr>
+          <a:xfrm>
+            <a:off x="2207568" y="2924944"/>
+            <a:ext cx="8229600" cy="990600"/>
+          </a:xfrm>
+        </p:spPr>
+        <p:txBody>
+          <a:bodyPr>
+            <a:normAutofit fontScale="90000"/>
+          </a:bodyPr>
+          <a:lstStyle/>
+          <a:p>
+            <a:pPr algn="ctr"/>
+            <a:r>
+              <a:rPr lang="en-US" dirty="0"/>
+              <a:t>SUBMIT REQUESTS</a:t>
+            </a:r>
+            <a:br>
+              <a:rPr lang="en-US" dirty="0"/>
+            </a:br>
+            <a:r>
+              <a:rPr lang="en-US" dirty="0"/>
+              <a:t>POSTMAN</a:t>
+            </a:r>
+            <a:endParaRPr lang="pt-BR" dirty="0"/>
+          </a:p>
+        </p:txBody>
+      </p:sp>
     </p:spTree>
     <p:extLst>
       <p:ext uri="{BB962C8B-B14F-4D97-AF65-F5344CB8AC3E}">
-        <p14:creationId xmlns:p14="http://schemas.microsoft.com/office/powerpoint/2010/main" val="441067410"/>
+        <p14:creationId xmlns:p14="http://schemas.microsoft.com/office/powerpoint/2010/main" val="1488004731"/>
       </p:ext>
     </p:extLst>
   </p:cSld>
@@ -5899,41 +5981,51 @@
           <a:chExt cx="0" cy="0"/>
         </a:xfrm>
       </p:grpSpPr>
-      <p:sp>
-        <p:nvSpPr>
-          <p:cNvPr id="2" name="Título 1"/>
-          <p:cNvSpPr>
-            <a:spLocks noGrp="1"/>
-          </p:cNvSpPr>
-          <p:nvPr>
-            <p:ph type="title"/>
-          </p:nvPr>
-        </p:nvSpPr>
-        <p:spPr>
+      <p:pic>
+        <p:nvPicPr>
+          <p:cNvPr id="8194" name="Picture 2" descr="http://idratherbewriting.com/intro-to-api-documentation/media/rasters/postmansample.png"/>
+          <p:cNvPicPr>
+            <a:picLocks noChangeAspect="1" noChangeArrowheads="1"/>
+          </p:cNvPicPr>
+          <p:nvPr/>
+        </p:nvPicPr>
+        <p:blipFill>
+          <a:blip r:embed="rId2">
+            <a:extLst>
+              <a:ext uri="{28A0092B-C50C-407E-A947-70E740481C1C}">
+                <a14:useLocalDpi xmlns:a14="http://schemas.microsoft.com/office/drawing/2010/main" val="0"/>
+              </a:ext>
+            </a:extLst>
+          </a:blip>
+          <a:srcRect/>
+          <a:stretch>
+            <a:fillRect/>
+          </a:stretch>
+        </p:blipFill>
+        <p:spPr bwMode="auto">
           <a:xfrm>
-            <a:off x="2207568" y="2924944"/>
-            <a:ext cx="8229600" cy="990600"/>
+            <a:off x="0" y="0"/>
+            <a:ext cx="12344400" cy="7039618"/>
           </a:xfrm>
+          <a:prstGeom prst="rect">
+            <a:avLst/>
+          </a:prstGeom>
+          <a:noFill/>
+          <a:extLst>
+            <a:ext uri="{909E8E84-426E-40DD-AFC4-6F175D3DCCD1}">
+              <a14:hiddenFill xmlns:a14="http://schemas.microsoft.com/office/drawing/2010/main">
+                <a:solidFill>
+                  <a:srgbClr val="FFFFFF"/>
+                </a:solidFill>
+              </a14:hiddenFill>
+            </a:ext>
+          </a:extLst>
         </p:spPr>
-        <p:txBody>
-          <a:bodyPr>
-            <a:normAutofit/>
-          </a:bodyPr>
-          <a:lstStyle/>
-          <a:p>
-            <a:pPr algn="ctr"/>
-            <a:r>
-              <a:rPr lang="pt-BR" dirty="0" smtClean="0"/>
-              <a:t>Verbos: DELETE</a:t>
-            </a:r>
-            <a:endParaRPr lang="pt-BR" dirty="0"/>
-          </a:p>
-        </p:txBody>
-      </p:sp>
+      </p:pic>
     </p:spTree>
     <p:extLst>
       <p:ext uri="{BB962C8B-B14F-4D97-AF65-F5344CB8AC3E}">
-        <p14:creationId xmlns:p14="http://schemas.microsoft.com/office/powerpoint/2010/main" val="2622702189"/>
+        <p14:creationId xmlns:p14="http://schemas.microsoft.com/office/powerpoint/2010/main" val="909695532"/>
       </p:ext>
     </p:extLst>
   </p:cSld>
@@ -5967,10 +6059,838 @@
           <a:chExt cx="0" cy="0"/>
         </a:xfrm>
       </p:grpSpPr>
+      <p:sp>
+        <p:nvSpPr>
+          <p:cNvPr id="2" name="Título 1"/>
+          <p:cNvSpPr>
+            <a:spLocks noGrp="1"/>
+          </p:cNvSpPr>
+          <p:nvPr>
+            <p:ph type="title"/>
+          </p:nvPr>
+        </p:nvSpPr>
+        <p:spPr/>
+        <p:txBody>
+          <a:bodyPr/>
+          <a:lstStyle/>
+          <a:p>
+            <a:pPr fontAlgn="base"/>
+            <a:r>
+              <a:rPr lang="pt-BR" cap="all" dirty="0"/>
+              <a:t>DOCUMENTING ENDPOINTS</a:t>
+            </a:r>
+            <a:endParaRPr lang="pt-BR" cap="all" dirty="0"/>
+          </a:p>
+        </p:txBody>
+      </p:sp>
+      <p:sp>
+        <p:nvSpPr>
+          <p:cNvPr id="3" name="Espaço Reservado para Conteúdo 2"/>
+          <p:cNvSpPr>
+            <a:spLocks noGrp="1"/>
+          </p:cNvSpPr>
+          <p:nvPr>
+            <p:ph idx="1"/>
+          </p:nvPr>
+        </p:nvSpPr>
+        <p:spPr/>
+        <p:txBody>
+          <a:bodyPr/>
+          <a:lstStyle/>
+          <a:p>
+            <a:pPr fontAlgn="base">
+              <a:buFont typeface="+mj-lt"/>
+              <a:buAutoNum type="arabicPeriod"/>
+            </a:pPr>
+            <a:r>
+              <a:rPr lang="pt-BR" dirty="0" err="1" smtClean="0"/>
+              <a:t>Resource</a:t>
+            </a:r>
+            <a:r>
+              <a:rPr lang="pt-BR" dirty="0" smtClean="0"/>
+              <a:t> </a:t>
+            </a:r>
+            <a:r>
+              <a:rPr lang="pt-BR" dirty="0" err="1"/>
+              <a:t>description</a:t>
+            </a:r>
+            <a:endParaRPr lang="pt-BR" dirty="0"/>
+          </a:p>
+          <a:p>
+            <a:pPr fontAlgn="base">
+              <a:buFont typeface="+mj-lt"/>
+              <a:buAutoNum type="arabicPeriod"/>
+            </a:pPr>
+            <a:r>
+              <a:rPr lang="pt-BR" dirty="0" err="1"/>
+              <a:t>Resource</a:t>
+            </a:r>
+            <a:r>
+              <a:rPr lang="pt-BR" dirty="0"/>
+              <a:t> URL</a:t>
+            </a:r>
+          </a:p>
+          <a:p>
+            <a:pPr fontAlgn="base">
+              <a:buFont typeface="+mj-lt"/>
+              <a:buAutoNum type="arabicPeriod"/>
+            </a:pPr>
+            <a:r>
+              <a:rPr lang="pt-BR" dirty="0" err="1"/>
+              <a:t>Methods</a:t>
+            </a:r>
+            <a:endParaRPr lang="pt-BR" dirty="0"/>
+          </a:p>
+          <a:p>
+            <a:pPr fontAlgn="base">
+              <a:buFont typeface="+mj-lt"/>
+              <a:buAutoNum type="arabicPeriod"/>
+            </a:pPr>
+            <a:r>
+              <a:rPr lang="pt-BR" dirty="0" err="1"/>
+              <a:t>Parameters</a:t>
+            </a:r>
+            <a:endParaRPr lang="pt-BR" dirty="0"/>
+          </a:p>
+          <a:p>
+            <a:pPr fontAlgn="base">
+              <a:buFont typeface="+mj-lt"/>
+              <a:buAutoNum type="arabicPeriod"/>
+            </a:pPr>
+            <a:r>
+              <a:rPr lang="pt-BR" dirty="0"/>
+              <a:t>Request </a:t>
+            </a:r>
+            <a:r>
+              <a:rPr lang="pt-BR" dirty="0" err="1"/>
+              <a:t>example</a:t>
+            </a:r>
+            <a:endParaRPr lang="pt-BR" dirty="0"/>
+          </a:p>
+          <a:p>
+            <a:pPr fontAlgn="base">
+              <a:buFont typeface="+mj-lt"/>
+              <a:buAutoNum type="arabicPeriod"/>
+            </a:pPr>
+            <a:r>
+              <a:rPr lang="pt-BR" dirty="0"/>
+              <a:t>Response </a:t>
+            </a:r>
+            <a:r>
+              <a:rPr lang="pt-BR" dirty="0" err="1"/>
+              <a:t>example</a:t>
+            </a:r>
+            <a:endParaRPr lang="pt-BR" dirty="0"/>
+          </a:p>
+          <a:p>
+            <a:pPr fontAlgn="base">
+              <a:buFont typeface="+mj-lt"/>
+              <a:buAutoNum type="arabicPeriod"/>
+            </a:pPr>
+            <a:r>
+              <a:rPr lang="pt-BR" dirty="0"/>
+              <a:t>Status </a:t>
+            </a:r>
+            <a:r>
+              <a:rPr lang="pt-BR" dirty="0" err="1"/>
+              <a:t>and</a:t>
+            </a:r>
+            <a:r>
+              <a:rPr lang="pt-BR" dirty="0"/>
+              <a:t> </a:t>
+            </a:r>
+            <a:r>
+              <a:rPr lang="pt-BR" dirty="0" err="1"/>
+              <a:t>error</a:t>
+            </a:r>
+            <a:r>
+              <a:rPr lang="pt-BR" dirty="0"/>
+              <a:t> codes</a:t>
+            </a:r>
+          </a:p>
+          <a:p>
+            <a:pPr fontAlgn="base">
+              <a:buFont typeface="+mj-lt"/>
+              <a:buAutoNum type="arabicPeriod"/>
+            </a:pPr>
+            <a:r>
+              <a:rPr lang="pt-BR" dirty="0"/>
+              <a:t>Code </a:t>
+            </a:r>
+            <a:r>
+              <a:rPr lang="pt-BR" dirty="0" err="1"/>
+              <a:t>samples</a:t>
+            </a:r>
+            <a:endParaRPr lang="pt-BR" dirty="0"/>
+          </a:p>
+          <a:p>
+            <a:endParaRPr lang="pt-BR" dirty="0"/>
+          </a:p>
+        </p:txBody>
+      </p:sp>
     </p:spTree>
     <p:extLst>
       <p:ext uri="{BB962C8B-B14F-4D97-AF65-F5344CB8AC3E}">
-        <p14:creationId xmlns:p14="http://schemas.microsoft.com/office/powerpoint/2010/main" val="3388494736"/>
+        <p14:creationId xmlns:p14="http://schemas.microsoft.com/office/powerpoint/2010/main" val="1503886867"/>
+      </p:ext>
+    </p:extLst>
+  </p:cSld>
+  <p:clrMapOvr>
+    <a:masterClrMapping/>
+  </p:clrMapOvr>
+  <p:timing>
+    <p:tnLst>
+      <p:par>
+        <p:cTn id="1" dur="indefinite" restart="never" nodeType="tmRoot"/>
+      </p:par>
+    </p:tnLst>
+  </p:timing>
+</p:sld>
+</file>
+
+<file path=ppt/slides/slide13.xml><?xml version="1.0" encoding="utf-8"?>
+<p:sld xmlns:a="http://schemas.openxmlformats.org/drawingml/2006/main" xmlns:r="http://schemas.openxmlformats.org/officeDocument/2006/relationships" xmlns:p="http://schemas.openxmlformats.org/presentationml/2006/main">
+  <p:cSld>
+    <p:spTree>
+      <p:nvGrpSpPr>
+        <p:cNvPr id="1" name=""/>
+        <p:cNvGrpSpPr/>
+        <p:nvPr/>
+      </p:nvGrpSpPr>
+      <p:grpSpPr>
+        <a:xfrm>
+          <a:off x="0" y="0"/>
+          <a:ext cx="0" cy="0"/>
+          <a:chOff x="0" y="0"/>
+          <a:chExt cx="0" cy="0"/>
+        </a:xfrm>
+      </p:grpSpPr>
+      <p:sp>
+        <p:nvSpPr>
+          <p:cNvPr id="7" name="Título 6"/>
+          <p:cNvSpPr>
+            <a:spLocks noGrp="1"/>
+          </p:cNvSpPr>
+          <p:nvPr>
+            <p:ph type="title"/>
+          </p:nvPr>
+        </p:nvSpPr>
+        <p:spPr/>
+        <p:txBody>
+          <a:bodyPr/>
+          <a:lstStyle/>
+          <a:p>
+            <a:r>
+              <a:rPr lang="pt-BR" cap="all" dirty="0"/>
+              <a:t>1. RESOURCE DESCRIPTIONS</a:t>
+            </a:r>
+            <a:br>
+              <a:rPr lang="pt-BR" cap="all" dirty="0"/>
+            </a:br>
+            <a:endParaRPr lang="pt-BR" dirty="0"/>
+          </a:p>
+        </p:txBody>
+      </p:sp>
+      <p:sp>
+        <p:nvSpPr>
+          <p:cNvPr id="8" name="Espaço Reservado para Texto 7"/>
+          <p:cNvSpPr>
+            <a:spLocks noGrp="1"/>
+          </p:cNvSpPr>
+          <p:nvPr>
+            <p:ph type="body" idx="1"/>
+          </p:nvPr>
+        </p:nvSpPr>
+        <p:spPr/>
+        <p:txBody>
+          <a:bodyPr/>
+          <a:lstStyle/>
+          <a:p>
+            <a:pPr fontAlgn="base"/>
+            <a:r>
+              <a:rPr lang="en-US" cap="all" dirty="0"/>
+              <a:t>DESCRIPTION</a:t>
+            </a:r>
+          </a:p>
+          <a:p>
+            <a:pPr fontAlgn="base"/>
+            <a:r>
+              <a:rPr lang="en-US" dirty="0"/>
+              <a:t>The information contained in the resource — brief (1-3 sentences) and usually starts with a verb.</a:t>
+            </a:r>
+          </a:p>
+          <a:p>
+            <a:endParaRPr lang="pt-BR" dirty="0" smtClean="0"/>
+          </a:p>
+          <a:p>
+            <a:endParaRPr lang="pt-BR" dirty="0"/>
+          </a:p>
+        </p:txBody>
+      </p:sp>
+    </p:spTree>
+    <p:extLst>
+      <p:ext uri="{BB962C8B-B14F-4D97-AF65-F5344CB8AC3E}">
+        <p14:creationId xmlns:p14="http://schemas.microsoft.com/office/powerpoint/2010/main" val="1429488468"/>
+      </p:ext>
+    </p:extLst>
+  </p:cSld>
+  <p:clrMapOvr>
+    <a:masterClrMapping/>
+  </p:clrMapOvr>
+  <p:timing>
+    <p:tnLst>
+      <p:par>
+        <p:cTn id="1" dur="indefinite" restart="never" nodeType="tmRoot"/>
+      </p:par>
+    </p:tnLst>
+  </p:timing>
+</p:sld>
+</file>
+
+<file path=ppt/slides/slide14.xml><?xml version="1.0" encoding="utf-8"?>
+<p:sld xmlns:a="http://schemas.openxmlformats.org/drawingml/2006/main" xmlns:r="http://schemas.openxmlformats.org/officeDocument/2006/relationships" xmlns:p="http://schemas.openxmlformats.org/presentationml/2006/main">
+  <p:cSld>
+    <p:spTree>
+      <p:nvGrpSpPr>
+        <p:cNvPr id="1" name=""/>
+        <p:cNvGrpSpPr/>
+        <p:nvPr/>
+      </p:nvGrpSpPr>
+      <p:grpSpPr>
+        <a:xfrm>
+          <a:off x="0" y="0"/>
+          <a:ext cx="0" cy="0"/>
+          <a:chOff x="0" y="0"/>
+          <a:chExt cx="0" cy="0"/>
+        </a:xfrm>
+      </p:grpSpPr>
+      <p:sp>
+        <p:nvSpPr>
+          <p:cNvPr id="7" name="Título 6"/>
+          <p:cNvSpPr>
+            <a:spLocks noGrp="1"/>
+          </p:cNvSpPr>
+          <p:nvPr>
+            <p:ph type="title"/>
+          </p:nvPr>
+        </p:nvSpPr>
+        <p:spPr/>
+        <p:txBody>
+          <a:bodyPr/>
+          <a:lstStyle/>
+          <a:p>
+            <a:r>
+              <a:rPr lang="pt-BR" cap="all" dirty="0"/>
+              <a:t>2. RESOURCE URL</a:t>
+            </a:r>
+            <a:br>
+              <a:rPr lang="pt-BR" cap="all" dirty="0"/>
+            </a:br>
+            <a:endParaRPr lang="pt-BR" dirty="0"/>
+          </a:p>
+        </p:txBody>
+      </p:sp>
+      <p:sp>
+        <p:nvSpPr>
+          <p:cNvPr id="8" name="Espaço Reservado para Texto 7"/>
+          <p:cNvSpPr>
+            <a:spLocks noGrp="1"/>
+          </p:cNvSpPr>
+          <p:nvPr>
+            <p:ph type="body" idx="1"/>
+          </p:nvPr>
+        </p:nvSpPr>
+        <p:spPr/>
+        <p:txBody>
+          <a:bodyPr/>
+          <a:lstStyle/>
+          <a:p>
+            <a:pPr fontAlgn="base"/>
+            <a:r>
+              <a:rPr lang="en-US" cap="all" dirty="0"/>
+              <a:t>DESCRIPTION</a:t>
+            </a:r>
+          </a:p>
+          <a:p>
+            <a:pPr fontAlgn="base"/>
+            <a:r>
+              <a:rPr lang="en-US" dirty="0"/>
+              <a:t>The URL path where the resource can be accessed. Doesn't include the base path.</a:t>
+            </a:r>
+          </a:p>
+          <a:p>
+            <a:endParaRPr lang="pt-BR" dirty="0" smtClean="0"/>
+          </a:p>
+          <a:p>
+            <a:endParaRPr lang="pt-BR" dirty="0"/>
+          </a:p>
+        </p:txBody>
+      </p:sp>
+    </p:spTree>
+    <p:extLst>
+      <p:ext uri="{BB962C8B-B14F-4D97-AF65-F5344CB8AC3E}">
+        <p14:creationId xmlns:p14="http://schemas.microsoft.com/office/powerpoint/2010/main" val="53435730"/>
+      </p:ext>
+    </p:extLst>
+  </p:cSld>
+  <p:clrMapOvr>
+    <a:masterClrMapping/>
+  </p:clrMapOvr>
+  <p:timing>
+    <p:tnLst>
+      <p:par>
+        <p:cTn id="1" dur="indefinite" restart="never" nodeType="tmRoot"/>
+      </p:par>
+    </p:tnLst>
+  </p:timing>
+</p:sld>
+</file>
+
+<file path=ppt/slides/slide15.xml><?xml version="1.0" encoding="utf-8"?>
+<p:sld xmlns:a="http://schemas.openxmlformats.org/drawingml/2006/main" xmlns:r="http://schemas.openxmlformats.org/officeDocument/2006/relationships" xmlns:p="http://schemas.openxmlformats.org/presentationml/2006/main">
+  <p:cSld>
+    <p:spTree>
+      <p:nvGrpSpPr>
+        <p:cNvPr id="1" name=""/>
+        <p:cNvGrpSpPr/>
+        <p:nvPr/>
+      </p:nvGrpSpPr>
+      <p:grpSpPr>
+        <a:xfrm>
+          <a:off x="0" y="0"/>
+          <a:ext cx="0" cy="0"/>
+          <a:chOff x="0" y="0"/>
+          <a:chExt cx="0" cy="0"/>
+        </a:xfrm>
+      </p:grpSpPr>
+      <p:pic>
+        <p:nvPicPr>
+          <p:cNvPr id="12290" name="Picture 2" descr="http://idratherbewriting.com/intro-to-api-documentation/media/rasters/instagramurlexample.png"/>
+          <p:cNvPicPr>
+            <a:picLocks noChangeAspect="1" noChangeArrowheads="1"/>
+          </p:cNvPicPr>
+          <p:nvPr/>
+        </p:nvPicPr>
+        <p:blipFill>
+          <a:blip r:embed="rId2">
+            <a:extLst>
+              <a:ext uri="{28A0092B-C50C-407E-A947-70E740481C1C}">
+                <a14:useLocalDpi xmlns:a14="http://schemas.microsoft.com/office/drawing/2010/main" val="0"/>
+              </a:ext>
+            </a:extLst>
+          </a:blip>
+          <a:srcRect/>
+          <a:stretch>
+            <a:fillRect/>
+          </a:stretch>
+        </p:blipFill>
+        <p:spPr bwMode="auto">
+          <a:xfrm>
+            <a:off x="0" y="-15240"/>
+            <a:ext cx="13383536" cy="6995160"/>
+          </a:xfrm>
+          <a:prstGeom prst="rect">
+            <a:avLst/>
+          </a:prstGeom>
+          <a:noFill/>
+          <a:extLst>
+            <a:ext uri="{909E8E84-426E-40DD-AFC4-6F175D3DCCD1}">
+              <a14:hiddenFill xmlns:a14="http://schemas.microsoft.com/office/drawing/2010/main">
+                <a:solidFill>
+                  <a:srgbClr val="FFFFFF"/>
+                </a:solidFill>
+              </a14:hiddenFill>
+            </a:ext>
+          </a:extLst>
+        </p:spPr>
+      </p:pic>
+    </p:spTree>
+    <p:extLst>
+      <p:ext uri="{BB962C8B-B14F-4D97-AF65-F5344CB8AC3E}">
+        <p14:creationId xmlns:p14="http://schemas.microsoft.com/office/powerpoint/2010/main" val="2746443084"/>
+      </p:ext>
+    </p:extLst>
+  </p:cSld>
+  <p:clrMapOvr>
+    <a:masterClrMapping/>
+  </p:clrMapOvr>
+  <p:timing>
+    <p:tnLst>
+      <p:par>
+        <p:cTn id="1" dur="indefinite" restart="never" nodeType="tmRoot"/>
+      </p:par>
+    </p:tnLst>
+  </p:timing>
+</p:sld>
+</file>
+
+<file path=ppt/slides/slide16.xml><?xml version="1.0" encoding="utf-8"?>
+<p:sld xmlns:a="http://schemas.openxmlformats.org/drawingml/2006/main" xmlns:r="http://schemas.openxmlformats.org/officeDocument/2006/relationships" xmlns:p="http://schemas.openxmlformats.org/presentationml/2006/main">
+  <p:cSld>
+    <p:spTree>
+      <p:nvGrpSpPr>
+        <p:cNvPr id="1" name=""/>
+        <p:cNvGrpSpPr/>
+        <p:nvPr/>
+      </p:nvGrpSpPr>
+      <p:grpSpPr>
+        <a:xfrm>
+          <a:off x="0" y="0"/>
+          <a:ext cx="0" cy="0"/>
+          <a:chOff x="0" y="0"/>
+          <a:chExt cx="0" cy="0"/>
+        </a:xfrm>
+      </p:grpSpPr>
+      <p:sp>
+        <p:nvSpPr>
+          <p:cNvPr id="2" name="Título 1"/>
+          <p:cNvSpPr>
+            <a:spLocks noGrp="1"/>
+          </p:cNvSpPr>
+          <p:nvPr>
+            <p:ph type="title"/>
+          </p:nvPr>
+        </p:nvSpPr>
+        <p:spPr/>
+        <p:txBody>
+          <a:bodyPr/>
+          <a:lstStyle/>
+          <a:p>
+            <a:r>
+              <a:rPr lang="en-US" cap="all" dirty="0"/>
+              <a:t>PUT PATH PARAMETERS IN CURLY BRACES</a:t>
+            </a:r>
+            <a:br>
+              <a:rPr lang="en-US" cap="all" dirty="0"/>
+            </a:br>
+            <a:endParaRPr lang="pt-BR" dirty="0"/>
+          </a:p>
+        </p:txBody>
+      </p:sp>
+      <p:pic>
+        <p:nvPicPr>
+          <p:cNvPr id="4" name="Espaço Reservado para Conteúdo 3"/>
+          <p:cNvPicPr>
+            <a:picLocks noGrp="1" noChangeAspect="1"/>
+          </p:cNvPicPr>
+          <p:nvPr>
+            <p:ph idx="1"/>
+          </p:nvPr>
+        </p:nvPicPr>
+        <p:blipFill>
+          <a:blip r:embed="rId2"/>
+          <a:stretch>
+            <a:fillRect/>
+          </a:stretch>
+        </p:blipFill>
+        <p:spPr>
+          <a:xfrm>
+            <a:off x="403543" y="2603206"/>
+            <a:ext cx="11467498" cy="1557314"/>
+          </a:xfrm>
+          <a:prstGeom prst="rect">
+            <a:avLst/>
+          </a:prstGeom>
+        </p:spPr>
+      </p:pic>
+    </p:spTree>
+    <p:extLst>
+      <p:ext uri="{BB962C8B-B14F-4D97-AF65-F5344CB8AC3E}">
+        <p14:creationId xmlns:p14="http://schemas.microsoft.com/office/powerpoint/2010/main" val="1066940495"/>
+      </p:ext>
+    </p:extLst>
+  </p:cSld>
+  <p:clrMapOvr>
+    <a:masterClrMapping/>
+  </p:clrMapOvr>
+  <p:timing>
+    <p:tnLst>
+      <p:par>
+        <p:cTn id="1" dur="indefinite" restart="never" nodeType="tmRoot"/>
+      </p:par>
+    </p:tnLst>
+  </p:timing>
+</p:sld>
+</file>
+
+<file path=ppt/slides/slide17.xml><?xml version="1.0" encoding="utf-8"?>
+<p:sld xmlns:a="http://schemas.openxmlformats.org/drawingml/2006/main" xmlns:r="http://schemas.openxmlformats.org/officeDocument/2006/relationships" xmlns:p="http://schemas.openxmlformats.org/presentationml/2006/main">
+  <p:cSld>
+    <p:spTree>
+      <p:nvGrpSpPr>
+        <p:cNvPr id="1" name=""/>
+        <p:cNvGrpSpPr/>
+        <p:nvPr/>
+      </p:nvGrpSpPr>
+      <p:grpSpPr>
+        <a:xfrm>
+          <a:off x="0" y="0"/>
+          <a:ext cx="0" cy="0"/>
+          <a:chOff x="0" y="0"/>
+          <a:chExt cx="0" cy="0"/>
+        </a:xfrm>
+      </p:grpSpPr>
+      <p:sp>
+        <p:nvSpPr>
+          <p:cNvPr id="7" name="Título 6"/>
+          <p:cNvSpPr>
+            <a:spLocks noGrp="1"/>
+          </p:cNvSpPr>
+          <p:nvPr>
+            <p:ph type="title"/>
+          </p:nvPr>
+        </p:nvSpPr>
+        <p:spPr/>
+        <p:txBody>
+          <a:bodyPr/>
+          <a:lstStyle/>
+          <a:p>
+            <a:r>
+              <a:rPr lang="pt-BR" cap="all" dirty="0"/>
+              <a:t>3. METHOD</a:t>
+            </a:r>
+            <a:br>
+              <a:rPr lang="pt-BR" cap="all" dirty="0"/>
+            </a:br>
+            <a:endParaRPr lang="pt-BR" dirty="0"/>
+          </a:p>
+        </p:txBody>
+      </p:sp>
+      <p:sp>
+        <p:nvSpPr>
+          <p:cNvPr id="8" name="Espaço Reservado para Texto 7"/>
+          <p:cNvSpPr>
+            <a:spLocks noGrp="1"/>
+          </p:cNvSpPr>
+          <p:nvPr>
+            <p:ph type="body" idx="1"/>
+          </p:nvPr>
+        </p:nvSpPr>
+        <p:spPr/>
+        <p:txBody>
+          <a:bodyPr/>
+          <a:lstStyle/>
+          <a:p>
+            <a:pPr fontAlgn="base"/>
+            <a:r>
+              <a:rPr lang="en-US" cap="all" dirty="0"/>
+              <a:t>DESCRIPTION</a:t>
+            </a:r>
+          </a:p>
+          <a:p>
+            <a:pPr fontAlgn="base"/>
+            <a:r>
+              <a:rPr lang="en-US" dirty="0"/>
+              <a:t>The operations allowed for the resource URL (GET, POST, PUT, DELETE, etc.)</a:t>
+            </a:r>
+          </a:p>
+          <a:p>
+            <a:endParaRPr lang="pt-BR" dirty="0" smtClean="0"/>
+          </a:p>
+          <a:p>
+            <a:endParaRPr lang="pt-BR" dirty="0"/>
+          </a:p>
+        </p:txBody>
+      </p:sp>
+    </p:spTree>
+    <p:extLst>
+      <p:ext uri="{BB962C8B-B14F-4D97-AF65-F5344CB8AC3E}">
+        <p14:creationId xmlns:p14="http://schemas.microsoft.com/office/powerpoint/2010/main" val="919823422"/>
+      </p:ext>
+    </p:extLst>
+  </p:cSld>
+  <p:clrMapOvr>
+    <a:masterClrMapping/>
+  </p:clrMapOvr>
+  <p:timing>
+    <p:tnLst>
+      <p:par>
+        <p:cTn id="1" dur="indefinite" restart="never" nodeType="tmRoot"/>
+      </p:par>
+    </p:tnLst>
+  </p:timing>
+</p:sld>
+</file>
+
+<file path=ppt/slides/slide18.xml><?xml version="1.0" encoding="utf-8"?>
+<p:sld xmlns:a="http://schemas.openxmlformats.org/drawingml/2006/main" xmlns:r="http://schemas.openxmlformats.org/officeDocument/2006/relationships" xmlns:p="http://schemas.openxmlformats.org/presentationml/2006/main">
+  <p:cSld>
+    <p:spTree>
+      <p:nvGrpSpPr>
+        <p:cNvPr id="1" name=""/>
+        <p:cNvGrpSpPr/>
+        <p:nvPr/>
+      </p:nvGrpSpPr>
+      <p:grpSpPr>
+        <a:xfrm>
+          <a:off x="0" y="0"/>
+          <a:ext cx="0" cy="0"/>
+          <a:chOff x="0" y="0"/>
+          <a:chExt cx="0" cy="0"/>
+        </a:xfrm>
+      </p:grpSpPr>
+      <p:sp>
+        <p:nvSpPr>
+          <p:cNvPr id="7" name="Título 6"/>
+          <p:cNvSpPr>
+            <a:spLocks noGrp="1"/>
+          </p:cNvSpPr>
+          <p:nvPr>
+            <p:ph type="title"/>
+          </p:nvPr>
+        </p:nvSpPr>
+        <p:spPr/>
+        <p:txBody>
+          <a:bodyPr/>
+          <a:lstStyle/>
+          <a:p>
+            <a:r>
+              <a:rPr lang="pt-BR" cap="all" dirty="0"/>
+              <a:t>4. PARAMETERS</a:t>
+            </a:r>
+            <a:br>
+              <a:rPr lang="pt-BR" cap="all" dirty="0"/>
+            </a:br>
+            <a:endParaRPr lang="pt-BR" dirty="0"/>
+          </a:p>
+        </p:txBody>
+      </p:sp>
+      <p:sp>
+        <p:nvSpPr>
+          <p:cNvPr id="8" name="Espaço Reservado para Texto 7"/>
+          <p:cNvSpPr>
+            <a:spLocks noGrp="1"/>
+          </p:cNvSpPr>
+          <p:nvPr>
+            <p:ph type="body" idx="1"/>
+          </p:nvPr>
+        </p:nvSpPr>
+        <p:spPr/>
+        <p:txBody>
+          <a:bodyPr/>
+          <a:lstStyle/>
+          <a:p>
+            <a:pPr fontAlgn="base"/>
+            <a:r>
+              <a:rPr lang="en-US" cap="all" dirty="0"/>
+              <a:t>DESCRIPTION</a:t>
+            </a:r>
+          </a:p>
+          <a:p>
+            <a:pPr fontAlgn="base"/>
+            <a:r>
+              <a:rPr lang="en-US" dirty="0"/>
+              <a:t>Options you can use with the endpoint. There are four types of parameters: header, path, query string, and request body.</a:t>
+            </a:r>
+          </a:p>
+          <a:p>
+            <a:endParaRPr lang="pt-BR" dirty="0" smtClean="0"/>
+          </a:p>
+          <a:p>
+            <a:endParaRPr lang="pt-BR" dirty="0"/>
+          </a:p>
+        </p:txBody>
+      </p:sp>
+    </p:spTree>
+    <p:extLst>
+      <p:ext uri="{BB962C8B-B14F-4D97-AF65-F5344CB8AC3E}">
+        <p14:creationId xmlns:p14="http://schemas.microsoft.com/office/powerpoint/2010/main" val="1490718296"/>
+      </p:ext>
+    </p:extLst>
+  </p:cSld>
+  <p:clrMapOvr>
+    <a:masterClrMapping/>
+  </p:clrMapOvr>
+  <p:timing>
+    <p:tnLst>
+      <p:par>
+        <p:cTn id="1" dur="indefinite" restart="never" nodeType="tmRoot"/>
+      </p:par>
+    </p:tnLst>
+  </p:timing>
+</p:sld>
+</file>
+
+<file path=ppt/slides/slide19.xml><?xml version="1.0" encoding="utf-8"?>
+<p:sld xmlns:a="http://schemas.openxmlformats.org/drawingml/2006/main" xmlns:r="http://schemas.openxmlformats.org/officeDocument/2006/relationships" xmlns:p="http://schemas.openxmlformats.org/presentationml/2006/main">
+  <p:cSld>
+    <p:spTree>
+      <p:nvGrpSpPr>
+        <p:cNvPr id="1" name=""/>
+        <p:cNvGrpSpPr/>
+        <p:nvPr/>
+      </p:nvGrpSpPr>
+      <p:grpSpPr>
+        <a:xfrm>
+          <a:off x="0" y="0"/>
+          <a:ext cx="0" cy="0"/>
+          <a:chOff x="0" y="0"/>
+          <a:chExt cx="0" cy="0"/>
+        </a:xfrm>
+      </p:grpSpPr>
+      <p:sp>
+        <p:nvSpPr>
+          <p:cNvPr id="2" name="Título 1"/>
+          <p:cNvSpPr>
+            <a:spLocks noGrp="1"/>
+          </p:cNvSpPr>
+          <p:nvPr>
+            <p:ph type="title"/>
+          </p:nvPr>
+        </p:nvSpPr>
+        <p:spPr/>
+        <p:txBody>
+          <a:bodyPr>
+            <a:normAutofit fontScale="90000"/>
+          </a:bodyPr>
+          <a:lstStyle/>
+          <a:p>
+            <a:r>
+              <a:rPr lang="pt-BR" cap="all" dirty="0"/>
+              <a:t>PARAMETER ORDER IS IRRELEVANT</a:t>
+            </a:r>
+            <a:br>
+              <a:rPr lang="pt-BR" cap="all" dirty="0"/>
+            </a:br>
+            <a:r>
+              <a:rPr lang="en-US" cap="all" dirty="0"/>
+              <a:t/>
+            </a:r>
+            <a:br>
+              <a:rPr lang="en-US" cap="all" dirty="0"/>
+            </a:br>
+            <a:endParaRPr lang="pt-BR" dirty="0"/>
+          </a:p>
+        </p:txBody>
+      </p:sp>
+      <p:pic>
+        <p:nvPicPr>
+          <p:cNvPr id="5" name="Imagem 4"/>
+          <p:cNvPicPr>
+            <a:picLocks noChangeAspect="1"/>
+          </p:cNvPicPr>
+          <p:nvPr/>
+        </p:nvPicPr>
+        <p:blipFill>
+          <a:blip r:embed="rId2"/>
+          <a:stretch>
+            <a:fillRect/>
+          </a:stretch>
+        </p:blipFill>
+        <p:spPr>
+          <a:xfrm>
+            <a:off x="900112" y="2509837"/>
+            <a:ext cx="10391775" cy="1838325"/>
+          </a:xfrm>
+          <a:prstGeom prst="rect">
+            <a:avLst/>
+          </a:prstGeom>
+        </p:spPr>
+      </p:pic>
+    </p:spTree>
+    <p:extLst>
+      <p:ext uri="{BB962C8B-B14F-4D97-AF65-F5344CB8AC3E}">
+        <p14:creationId xmlns:p14="http://schemas.microsoft.com/office/powerpoint/2010/main" val="671665072"/>
       </p:ext>
     </p:extLst>
   </p:cSld>
@@ -6022,6 +6942,957 @@
         </p:spPr>
         <p:txBody>
           <a:bodyPr>
+            <a:normAutofit fontScale="90000"/>
+          </a:bodyPr>
+          <a:lstStyle/>
+          <a:p>
+            <a:pPr algn="ctr"/>
+            <a:r>
+              <a:rPr lang="en-US" dirty="0"/>
+              <a:t>WHAT IS A REST API?</a:t>
+            </a:r>
+            <a:br>
+              <a:rPr lang="en-US" dirty="0"/>
+            </a:br>
+            <a:r>
+              <a:rPr lang="en-US" dirty="0"/>
+              <a:t>ALLOWS SYSTEMS TO INTERACT</a:t>
+            </a:r>
+            <a:endParaRPr lang="pt-BR" dirty="0"/>
+          </a:p>
+        </p:txBody>
+      </p:sp>
+    </p:spTree>
+    <p:extLst>
+      <p:ext uri="{BB962C8B-B14F-4D97-AF65-F5344CB8AC3E}">
+        <p14:creationId xmlns:p14="http://schemas.microsoft.com/office/powerpoint/2010/main" val="907062442"/>
+      </p:ext>
+    </p:extLst>
+  </p:cSld>
+  <p:clrMapOvr>
+    <a:masterClrMapping/>
+  </p:clrMapOvr>
+  <p:timing>
+    <p:tnLst>
+      <p:par>
+        <p:cTn id="1" dur="indefinite" restart="never" nodeType="tmRoot"/>
+      </p:par>
+    </p:tnLst>
+  </p:timing>
+</p:sld>
+</file>
+
+<file path=ppt/slides/slide20.xml><?xml version="1.0" encoding="utf-8"?>
+<p:sld xmlns:a="http://schemas.openxmlformats.org/drawingml/2006/main" xmlns:r="http://schemas.openxmlformats.org/officeDocument/2006/relationships" xmlns:p="http://schemas.openxmlformats.org/presentationml/2006/main">
+  <p:cSld>
+    <p:spTree>
+      <p:nvGrpSpPr>
+        <p:cNvPr id="1" name=""/>
+        <p:cNvGrpSpPr/>
+        <p:nvPr/>
+      </p:nvGrpSpPr>
+      <p:grpSpPr>
+        <a:xfrm>
+          <a:off x="0" y="0"/>
+          <a:ext cx="0" cy="0"/>
+          <a:chOff x="0" y="0"/>
+          <a:chExt cx="0" cy="0"/>
+        </a:xfrm>
+      </p:grpSpPr>
+      <p:sp>
+        <p:nvSpPr>
+          <p:cNvPr id="2" name="Título 1"/>
+          <p:cNvSpPr>
+            <a:spLocks noGrp="1"/>
+          </p:cNvSpPr>
+          <p:nvPr>
+            <p:ph type="title"/>
+          </p:nvPr>
+        </p:nvSpPr>
+        <p:spPr/>
+        <p:txBody>
+          <a:bodyPr>
+            <a:normAutofit fontScale="90000"/>
+          </a:bodyPr>
+          <a:lstStyle/>
+          <a:p>
+            <a:r>
+              <a:rPr lang="en-US" cap="all" dirty="0"/>
+              <a:t>NOTE THE DATA TYPES IF IMPORTANT</a:t>
+            </a:r>
+            <a:br>
+              <a:rPr lang="en-US" cap="all" dirty="0"/>
+            </a:br>
+            <a:r>
+              <a:rPr lang="en-US" cap="all" dirty="0"/>
+              <a:t/>
+            </a:r>
+            <a:br>
+              <a:rPr lang="en-US" cap="all" dirty="0"/>
+            </a:br>
+            <a:endParaRPr lang="pt-BR" dirty="0"/>
+          </a:p>
+        </p:txBody>
+      </p:sp>
+      <p:sp>
+        <p:nvSpPr>
+          <p:cNvPr id="3" name="Espaço Reservado para Conteúdo 2"/>
+          <p:cNvSpPr>
+            <a:spLocks noGrp="1"/>
+          </p:cNvSpPr>
+          <p:nvPr>
+            <p:ph idx="1"/>
+          </p:nvPr>
+        </p:nvSpPr>
+        <p:spPr/>
+        <p:txBody>
+          <a:bodyPr/>
+          <a:lstStyle/>
+          <a:p>
+            <a:pPr fontAlgn="base"/>
+            <a:r>
+              <a:rPr lang="en-US" sz="3600" dirty="0" smtClean="0"/>
+              <a:t>string</a:t>
+            </a:r>
+            <a:endParaRPr lang="en-US" sz="3600" dirty="0"/>
+          </a:p>
+          <a:p>
+            <a:pPr fontAlgn="base"/>
+            <a:r>
+              <a:rPr lang="en-US" sz="3600" dirty="0"/>
+              <a:t>integer</a:t>
+            </a:r>
+          </a:p>
+          <a:p>
+            <a:pPr fontAlgn="base"/>
+            <a:r>
+              <a:rPr lang="en-US" sz="3600" dirty="0" err="1"/>
+              <a:t>boolean</a:t>
+            </a:r>
+            <a:endParaRPr lang="en-US" sz="3600" dirty="0"/>
+          </a:p>
+          <a:p>
+            <a:pPr fontAlgn="base"/>
+            <a:r>
+              <a:rPr lang="en-US" sz="3600" dirty="0"/>
+              <a:t>object</a:t>
+            </a:r>
+          </a:p>
+          <a:p>
+            <a:endParaRPr lang="pt-BR" dirty="0"/>
+          </a:p>
+        </p:txBody>
+      </p:sp>
+    </p:spTree>
+    <p:extLst>
+      <p:ext uri="{BB962C8B-B14F-4D97-AF65-F5344CB8AC3E}">
+        <p14:creationId xmlns:p14="http://schemas.microsoft.com/office/powerpoint/2010/main" val="1802587541"/>
+      </p:ext>
+    </p:extLst>
+  </p:cSld>
+  <p:clrMapOvr>
+    <a:masterClrMapping/>
+  </p:clrMapOvr>
+  <p:timing>
+    <p:tnLst>
+      <p:par>
+        <p:cTn id="1" dur="indefinite" restart="never" nodeType="tmRoot"/>
+      </p:par>
+    </p:tnLst>
+  </p:timing>
+</p:sld>
+</file>
+
+<file path=ppt/slides/slide21.xml><?xml version="1.0" encoding="utf-8"?>
+<p:sld xmlns:a="http://schemas.openxmlformats.org/drawingml/2006/main" xmlns:r="http://schemas.openxmlformats.org/officeDocument/2006/relationships" xmlns:p="http://schemas.openxmlformats.org/presentationml/2006/main">
+  <p:cSld>
+    <p:spTree>
+      <p:nvGrpSpPr>
+        <p:cNvPr id="1" name=""/>
+        <p:cNvGrpSpPr/>
+        <p:nvPr/>
+      </p:nvGrpSpPr>
+      <p:grpSpPr>
+        <a:xfrm>
+          <a:off x="0" y="0"/>
+          <a:ext cx="0" cy="0"/>
+          <a:chOff x="0" y="0"/>
+          <a:chExt cx="0" cy="0"/>
+        </a:xfrm>
+      </p:grpSpPr>
+      <p:sp>
+        <p:nvSpPr>
+          <p:cNvPr id="2" name="Título 1"/>
+          <p:cNvSpPr>
+            <a:spLocks noGrp="1"/>
+          </p:cNvSpPr>
+          <p:nvPr>
+            <p:ph type="title"/>
+          </p:nvPr>
+        </p:nvSpPr>
+        <p:spPr/>
+        <p:txBody>
+          <a:bodyPr>
+            <a:normAutofit fontScale="90000"/>
+          </a:bodyPr>
+          <a:lstStyle/>
+          <a:p>
+            <a:r>
+              <a:rPr lang="pt-BR" cap="all" dirty="0"/>
+              <a:t>REQUEST BODY PARAMETER EXAMPLE</a:t>
+            </a:r>
+            <a:br>
+              <a:rPr lang="pt-BR" cap="all" dirty="0"/>
+            </a:br>
+            <a:r>
+              <a:rPr lang="pt-BR" cap="all" dirty="0"/>
+              <a:t/>
+            </a:r>
+            <a:br>
+              <a:rPr lang="pt-BR" cap="all" dirty="0"/>
+            </a:br>
+            <a:r>
+              <a:rPr lang="en-US" cap="all" dirty="0"/>
+              <a:t/>
+            </a:r>
+            <a:br>
+              <a:rPr lang="en-US" cap="all" dirty="0"/>
+            </a:br>
+            <a:endParaRPr lang="pt-BR" dirty="0"/>
+          </a:p>
+        </p:txBody>
+      </p:sp>
+      <p:pic>
+        <p:nvPicPr>
+          <p:cNvPr id="3" name="Imagem 2"/>
+          <p:cNvPicPr>
+            <a:picLocks noChangeAspect="1"/>
+          </p:cNvPicPr>
+          <p:nvPr/>
+        </p:nvPicPr>
+        <p:blipFill>
+          <a:blip r:embed="rId2"/>
+          <a:stretch>
+            <a:fillRect/>
+          </a:stretch>
+        </p:blipFill>
+        <p:spPr>
+          <a:xfrm>
+            <a:off x="894397" y="2259330"/>
+            <a:ext cx="10525125" cy="2857500"/>
+          </a:xfrm>
+          <a:prstGeom prst="rect">
+            <a:avLst/>
+          </a:prstGeom>
+        </p:spPr>
+      </p:pic>
+    </p:spTree>
+    <p:extLst>
+      <p:ext uri="{BB962C8B-B14F-4D97-AF65-F5344CB8AC3E}">
+        <p14:creationId xmlns:p14="http://schemas.microsoft.com/office/powerpoint/2010/main" val="992282386"/>
+      </p:ext>
+    </p:extLst>
+  </p:cSld>
+  <p:clrMapOvr>
+    <a:masterClrMapping/>
+  </p:clrMapOvr>
+  <p:timing>
+    <p:tnLst>
+      <p:par>
+        <p:cTn id="1" dur="indefinite" restart="never" nodeType="tmRoot"/>
+      </p:par>
+    </p:tnLst>
+  </p:timing>
+</p:sld>
+</file>
+
+<file path=ppt/slides/slide22.xml><?xml version="1.0" encoding="utf-8"?>
+<p:sld xmlns:a="http://schemas.openxmlformats.org/drawingml/2006/main" xmlns:r="http://schemas.openxmlformats.org/officeDocument/2006/relationships" xmlns:p="http://schemas.openxmlformats.org/presentationml/2006/main">
+  <p:cSld>
+    <p:spTree>
+      <p:nvGrpSpPr>
+        <p:cNvPr id="1" name=""/>
+        <p:cNvGrpSpPr/>
+        <p:nvPr/>
+      </p:nvGrpSpPr>
+      <p:grpSpPr>
+        <a:xfrm>
+          <a:off x="0" y="0"/>
+          <a:ext cx="0" cy="0"/>
+          <a:chOff x="0" y="0"/>
+          <a:chExt cx="0" cy="0"/>
+        </a:xfrm>
+      </p:grpSpPr>
+      <p:sp>
+        <p:nvSpPr>
+          <p:cNvPr id="7" name="Título 6"/>
+          <p:cNvSpPr>
+            <a:spLocks noGrp="1"/>
+          </p:cNvSpPr>
+          <p:nvPr>
+            <p:ph type="title"/>
+          </p:nvPr>
+        </p:nvSpPr>
+        <p:spPr/>
+        <p:txBody>
+          <a:bodyPr/>
+          <a:lstStyle/>
+          <a:p>
+            <a:pPr fontAlgn="base"/>
+            <a:r>
+              <a:rPr lang="pt-BR" cap="all" dirty="0"/>
+              <a:t>5. REQUEST </a:t>
+            </a:r>
+            <a:r>
+              <a:rPr lang="pt-BR" cap="all" dirty="0" smtClean="0"/>
+              <a:t>EXAMPLE</a:t>
+            </a:r>
+            <a:br>
+              <a:rPr lang="pt-BR" cap="all" dirty="0" smtClean="0"/>
+            </a:br>
+            <a:endParaRPr lang="pt-BR" cap="all" dirty="0"/>
+          </a:p>
+        </p:txBody>
+      </p:sp>
+      <p:sp>
+        <p:nvSpPr>
+          <p:cNvPr id="8" name="Espaço Reservado para Texto 7"/>
+          <p:cNvSpPr>
+            <a:spLocks noGrp="1"/>
+          </p:cNvSpPr>
+          <p:nvPr>
+            <p:ph type="body" idx="1"/>
+          </p:nvPr>
+        </p:nvSpPr>
+        <p:spPr/>
+        <p:txBody>
+          <a:bodyPr/>
+          <a:lstStyle/>
+          <a:p>
+            <a:pPr fontAlgn="base"/>
+            <a:r>
+              <a:rPr lang="en-US" cap="all" dirty="0"/>
+              <a:t>DESCRIPTION</a:t>
+            </a:r>
+          </a:p>
+          <a:p>
+            <a:pPr fontAlgn="base"/>
+            <a:r>
+              <a:rPr lang="en-US" dirty="0"/>
+              <a:t>A sample request to the resource, showing the endpoint and parameters configured.</a:t>
+            </a:r>
+          </a:p>
+          <a:p>
+            <a:endParaRPr lang="pt-BR" dirty="0" smtClean="0"/>
+          </a:p>
+          <a:p>
+            <a:endParaRPr lang="pt-BR" dirty="0"/>
+          </a:p>
+        </p:txBody>
+      </p:sp>
+    </p:spTree>
+    <p:extLst>
+      <p:ext uri="{BB962C8B-B14F-4D97-AF65-F5344CB8AC3E}">
+        <p14:creationId xmlns:p14="http://schemas.microsoft.com/office/powerpoint/2010/main" val="114758951"/>
+      </p:ext>
+    </p:extLst>
+  </p:cSld>
+  <p:clrMapOvr>
+    <a:masterClrMapping/>
+  </p:clrMapOvr>
+  <p:timing>
+    <p:tnLst>
+      <p:par>
+        <p:cTn id="1" dur="indefinite" restart="never" nodeType="tmRoot"/>
+      </p:par>
+    </p:tnLst>
+  </p:timing>
+</p:sld>
+</file>
+
+<file path=ppt/slides/slide23.xml><?xml version="1.0" encoding="utf-8"?>
+<p:sld xmlns:a="http://schemas.openxmlformats.org/drawingml/2006/main" xmlns:r="http://schemas.openxmlformats.org/officeDocument/2006/relationships" xmlns:p="http://schemas.openxmlformats.org/presentationml/2006/main">
+  <p:cSld>
+    <p:spTree>
+      <p:nvGrpSpPr>
+        <p:cNvPr id="1" name=""/>
+        <p:cNvGrpSpPr/>
+        <p:nvPr/>
+      </p:nvGrpSpPr>
+      <p:grpSpPr>
+        <a:xfrm>
+          <a:off x="0" y="0"/>
+          <a:ext cx="0" cy="0"/>
+          <a:chOff x="0" y="0"/>
+          <a:chExt cx="0" cy="0"/>
+        </a:xfrm>
+      </p:grpSpPr>
+      <p:sp>
+        <p:nvSpPr>
+          <p:cNvPr id="2" name="Título 1"/>
+          <p:cNvSpPr>
+            <a:spLocks noGrp="1"/>
+          </p:cNvSpPr>
+          <p:nvPr>
+            <p:ph type="title"/>
+          </p:nvPr>
+        </p:nvSpPr>
+        <p:spPr/>
+        <p:txBody>
+          <a:bodyPr>
+            <a:normAutofit fontScale="90000"/>
+          </a:bodyPr>
+          <a:lstStyle/>
+          <a:p>
+            <a:r>
+              <a:rPr lang="pt-BR" cap="all" dirty="0"/>
+              <a:t>REQUEST BODY PARAMETER EXAMPLE</a:t>
+            </a:r>
+            <a:br>
+              <a:rPr lang="pt-BR" cap="all" dirty="0"/>
+            </a:br>
+            <a:r>
+              <a:rPr lang="pt-BR" cap="all" dirty="0"/>
+              <a:t/>
+            </a:r>
+            <a:br>
+              <a:rPr lang="pt-BR" cap="all" dirty="0"/>
+            </a:br>
+            <a:r>
+              <a:rPr lang="en-US" cap="all" dirty="0"/>
+              <a:t/>
+            </a:r>
+            <a:br>
+              <a:rPr lang="en-US" cap="all" dirty="0"/>
+            </a:br>
+            <a:endParaRPr lang="pt-BR" dirty="0"/>
+          </a:p>
+        </p:txBody>
+      </p:sp>
+      <p:pic>
+        <p:nvPicPr>
+          <p:cNvPr id="15362" name="Picture 2" descr="http://idratherbewriting.com/intro-to-api-documentation/media/rasters/twitterrequestexample.png"/>
+          <p:cNvPicPr>
+            <a:picLocks noChangeAspect="1" noChangeArrowheads="1"/>
+          </p:cNvPicPr>
+          <p:nvPr/>
+        </p:nvPicPr>
+        <p:blipFill>
+          <a:blip r:embed="rId2">
+            <a:extLst>
+              <a:ext uri="{28A0092B-C50C-407E-A947-70E740481C1C}">
+                <a14:useLocalDpi xmlns:a14="http://schemas.microsoft.com/office/drawing/2010/main" val="0"/>
+              </a:ext>
+            </a:extLst>
+          </a:blip>
+          <a:srcRect/>
+          <a:stretch>
+            <a:fillRect/>
+          </a:stretch>
+        </p:blipFill>
+        <p:spPr bwMode="auto">
+          <a:xfrm>
+            <a:off x="-289560" y="-1523365"/>
+            <a:ext cx="12649200" cy="8547066"/>
+          </a:xfrm>
+          <a:prstGeom prst="rect">
+            <a:avLst/>
+          </a:prstGeom>
+          <a:noFill/>
+          <a:extLst>
+            <a:ext uri="{909E8E84-426E-40DD-AFC4-6F175D3DCCD1}">
+              <a14:hiddenFill xmlns:a14="http://schemas.microsoft.com/office/drawing/2010/main">
+                <a:solidFill>
+                  <a:srgbClr val="FFFFFF"/>
+                </a:solidFill>
+              </a14:hiddenFill>
+            </a:ext>
+          </a:extLst>
+        </p:spPr>
+      </p:pic>
+    </p:spTree>
+    <p:extLst>
+      <p:ext uri="{BB962C8B-B14F-4D97-AF65-F5344CB8AC3E}">
+        <p14:creationId xmlns:p14="http://schemas.microsoft.com/office/powerpoint/2010/main" val="3602092926"/>
+      </p:ext>
+    </p:extLst>
+  </p:cSld>
+  <p:clrMapOvr>
+    <a:masterClrMapping/>
+  </p:clrMapOvr>
+  <p:timing>
+    <p:tnLst>
+      <p:par>
+        <p:cTn id="1" dur="indefinite" restart="never" nodeType="tmRoot"/>
+      </p:par>
+    </p:tnLst>
+  </p:timing>
+</p:sld>
+</file>
+
+<file path=ppt/slides/slide24.xml><?xml version="1.0" encoding="utf-8"?>
+<p:sld xmlns:a="http://schemas.openxmlformats.org/drawingml/2006/main" xmlns:r="http://schemas.openxmlformats.org/officeDocument/2006/relationships" xmlns:p="http://schemas.openxmlformats.org/presentationml/2006/main">
+  <p:cSld>
+    <p:spTree>
+      <p:nvGrpSpPr>
+        <p:cNvPr id="1" name=""/>
+        <p:cNvGrpSpPr/>
+        <p:nvPr/>
+      </p:nvGrpSpPr>
+      <p:grpSpPr>
+        <a:xfrm>
+          <a:off x="0" y="0"/>
+          <a:ext cx="0" cy="0"/>
+          <a:chOff x="0" y="0"/>
+          <a:chExt cx="0" cy="0"/>
+        </a:xfrm>
+      </p:grpSpPr>
+      <p:sp>
+        <p:nvSpPr>
+          <p:cNvPr id="7" name="Título 6"/>
+          <p:cNvSpPr>
+            <a:spLocks noGrp="1"/>
+          </p:cNvSpPr>
+          <p:nvPr>
+            <p:ph type="title"/>
+          </p:nvPr>
+        </p:nvSpPr>
+        <p:spPr/>
+        <p:txBody>
+          <a:bodyPr/>
+          <a:lstStyle/>
+          <a:p>
+            <a:pPr fontAlgn="base"/>
+            <a:r>
+              <a:rPr lang="pt-BR" cap="all" dirty="0"/>
+              <a:t>6. RESPONSE EXAMPLE</a:t>
+            </a:r>
+            <a:br>
+              <a:rPr lang="pt-BR" cap="all" dirty="0"/>
+            </a:br>
+            <a:endParaRPr lang="pt-BR" cap="all" dirty="0"/>
+          </a:p>
+        </p:txBody>
+      </p:sp>
+      <p:sp>
+        <p:nvSpPr>
+          <p:cNvPr id="8" name="Espaço Reservado para Texto 7"/>
+          <p:cNvSpPr>
+            <a:spLocks noGrp="1"/>
+          </p:cNvSpPr>
+          <p:nvPr>
+            <p:ph type="body" idx="1"/>
+          </p:nvPr>
+        </p:nvSpPr>
+        <p:spPr/>
+        <p:txBody>
+          <a:bodyPr/>
+          <a:lstStyle/>
+          <a:p>
+            <a:pPr fontAlgn="base"/>
+            <a:r>
+              <a:rPr lang="en-US" cap="all" dirty="0"/>
+              <a:t>DESCRIPTION</a:t>
+            </a:r>
+          </a:p>
+          <a:p>
+            <a:pPr fontAlgn="base"/>
+            <a:r>
+              <a:rPr lang="en-US" dirty="0"/>
+              <a:t>A sample request to the resource, showing the endpoint and parameters configured.</a:t>
+            </a:r>
+          </a:p>
+          <a:p>
+            <a:endParaRPr lang="pt-BR" dirty="0" smtClean="0"/>
+          </a:p>
+          <a:p>
+            <a:endParaRPr lang="pt-BR" dirty="0"/>
+          </a:p>
+        </p:txBody>
+      </p:sp>
+    </p:spTree>
+    <p:extLst>
+      <p:ext uri="{BB962C8B-B14F-4D97-AF65-F5344CB8AC3E}">
+        <p14:creationId xmlns:p14="http://schemas.microsoft.com/office/powerpoint/2010/main" val="4176649530"/>
+      </p:ext>
+    </p:extLst>
+  </p:cSld>
+  <p:clrMapOvr>
+    <a:masterClrMapping/>
+  </p:clrMapOvr>
+  <p:timing>
+    <p:tnLst>
+      <p:par>
+        <p:cTn id="1" dur="indefinite" restart="never" nodeType="tmRoot"/>
+      </p:par>
+    </p:tnLst>
+  </p:timing>
+</p:sld>
+</file>
+
+<file path=ppt/slides/slide25.xml><?xml version="1.0" encoding="utf-8"?>
+<p:sld xmlns:a="http://schemas.openxmlformats.org/drawingml/2006/main" xmlns:r="http://schemas.openxmlformats.org/officeDocument/2006/relationships" xmlns:p="http://schemas.openxmlformats.org/presentationml/2006/main">
+  <p:cSld>
+    <p:spTree>
+      <p:nvGrpSpPr>
+        <p:cNvPr id="1" name=""/>
+        <p:cNvGrpSpPr/>
+        <p:nvPr/>
+      </p:nvGrpSpPr>
+      <p:grpSpPr>
+        <a:xfrm>
+          <a:off x="0" y="0"/>
+          <a:ext cx="0" cy="0"/>
+          <a:chOff x="0" y="0"/>
+          <a:chExt cx="0" cy="0"/>
+        </a:xfrm>
+      </p:grpSpPr>
+      <p:pic>
+        <p:nvPicPr>
+          <p:cNvPr id="4" name="Imagem 3"/>
+          <p:cNvPicPr>
+            <a:picLocks noChangeAspect="1"/>
+          </p:cNvPicPr>
+          <p:nvPr/>
+        </p:nvPicPr>
+        <p:blipFill>
+          <a:blip r:embed="rId2"/>
+          <a:stretch>
+            <a:fillRect/>
+          </a:stretch>
+        </p:blipFill>
+        <p:spPr>
+          <a:xfrm>
+            <a:off x="-288424" y="-108585"/>
+            <a:ext cx="14996833" cy="6966585"/>
+          </a:xfrm>
+          <a:prstGeom prst="rect">
+            <a:avLst/>
+          </a:prstGeom>
+        </p:spPr>
+      </p:pic>
+    </p:spTree>
+    <p:extLst>
+      <p:ext uri="{BB962C8B-B14F-4D97-AF65-F5344CB8AC3E}">
+        <p14:creationId xmlns:p14="http://schemas.microsoft.com/office/powerpoint/2010/main" val="4168610353"/>
+      </p:ext>
+    </p:extLst>
+  </p:cSld>
+  <p:clrMapOvr>
+    <a:masterClrMapping/>
+  </p:clrMapOvr>
+  <p:timing>
+    <p:tnLst>
+      <p:par>
+        <p:cTn id="1" dur="indefinite" restart="never" nodeType="tmRoot"/>
+      </p:par>
+    </p:tnLst>
+  </p:timing>
+</p:sld>
+</file>
+
+<file path=ppt/slides/slide26.xml><?xml version="1.0" encoding="utf-8"?>
+<p:sld xmlns:a="http://schemas.openxmlformats.org/drawingml/2006/main" xmlns:r="http://schemas.openxmlformats.org/officeDocument/2006/relationships" xmlns:p="http://schemas.openxmlformats.org/presentationml/2006/main">
+  <p:cSld>
+    <p:spTree>
+      <p:nvGrpSpPr>
+        <p:cNvPr id="1" name=""/>
+        <p:cNvGrpSpPr/>
+        <p:nvPr/>
+      </p:nvGrpSpPr>
+      <p:grpSpPr>
+        <a:xfrm>
+          <a:off x="0" y="0"/>
+          <a:ext cx="0" cy="0"/>
+          <a:chOff x="0" y="0"/>
+          <a:chExt cx="0" cy="0"/>
+        </a:xfrm>
+      </p:grpSpPr>
+      <p:sp>
+        <p:nvSpPr>
+          <p:cNvPr id="7" name="Título 6"/>
+          <p:cNvSpPr>
+            <a:spLocks noGrp="1"/>
+          </p:cNvSpPr>
+          <p:nvPr>
+            <p:ph type="title"/>
+          </p:nvPr>
+        </p:nvSpPr>
+        <p:spPr/>
+        <p:txBody>
+          <a:bodyPr/>
+          <a:lstStyle/>
+          <a:p>
+            <a:pPr fontAlgn="base"/>
+            <a:r>
+              <a:rPr lang="en-US" cap="all" dirty="0"/>
+              <a:t>7. STATUS AND ERROR CODES</a:t>
+            </a:r>
+            <a:br>
+              <a:rPr lang="en-US" cap="all" dirty="0"/>
+            </a:br>
+            <a:endParaRPr lang="pt-BR" cap="all" dirty="0"/>
+          </a:p>
+        </p:txBody>
+      </p:sp>
+      <p:sp>
+        <p:nvSpPr>
+          <p:cNvPr id="8" name="Espaço Reservado para Texto 7"/>
+          <p:cNvSpPr>
+            <a:spLocks noGrp="1"/>
+          </p:cNvSpPr>
+          <p:nvPr>
+            <p:ph type="body" idx="1"/>
+          </p:nvPr>
+        </p:nvSpPr>
+        <p:spPr/>
+        <p:txBody>
+          <a:bodyPr/>
+          <a:lstStyle/>
+          <a:p>
+            <a:pPr fontAlgn="base"/>
+            <a:r>
+              <a:rPr lang="en-US" cap="all" dirty="0"/>
+              <a:t>DESCRIPTION</a:t>
+            </a:r>
+          </a:p>
+          <a:p>
+            <a:pPr fontAlgn="base"/>
+            <a:r>
+              <a:rPr lang="en-US" dirty="0"/>
+              <a:t>Code in the response that indicates a general status of the response. Most status codes (e.g., 200, 302, 500, etc.) are </a:t>
+            </a:r>
+            <a:r>
+              <a:rPr lang="en-US" dirty="0">
+                <a:hlinkClick r:id="rId2"/>
+              </a:rPr>
+              <a:t>standard</a:t>
+            </a:r>
+            <a:r>
+              <a:rPr lang="en-US" dirty="0"/>
+              <a:t>.</a:t>
+            </a:r>
+          </a:p>
+          <a:p>
+            <a:endParaRPr lang="pt-BR" dirty="0" smtClean="0"/>
+          </a:p>
+          <a:p>
+            <a:endParaRPr lang="pt-BR" dirty="0"/>
+          </a:p>
+        </p:txBody>
+      </p:sp>
+    </p:spTree>
+    <p:extLst>
+      <p:ext uri="{BB962C8B-B14F-4D97-AF65-F5344CB8AC3E}">
+        <p14:creationId xmlns:p14="http://schemas.microsoft.com/office/powerpoint/2010/main" val="1992958305"/>
+      </p:ext>
+    </p:extLst>
+  </p:cSld>
+  <p:clrMapOvr>
+    <a:masterClrMapping/>
+  </p:clrMapOvr>
+  <p:timing>
+    <p:tnLst>
+      <p:par>
+        <p:cTn id="1" dur="indefinite" restart="never" nodeType="tmRoot"/>
+      </p:par>
+    </p:tnLst>
+  </p:timing>
+</p:sld>
+</file>
+
+<file path=ppt/slides/slide27.xml><?xml version="1.0" encoding="utf-8"?>
+<p:sld xmlns:a="http://schemas.openxmlformats.org/drawingml/2006/main" xmlns:r="http://schemas.openxmlformats.org/officeDocument/2006/relationships" xmlns:p="http://schemas.openxmlformats.org/presentationml/2006/main">
+  <p:cSld>
+    <p:spTree>
+      <p:nvGrpSpPr>
+        <p:cNvPr id="1" name=""/>
+        <p:cNvGrpSpPr/>
+        <p:nvPr/>
+      </p:nvGrpSpPr>
+      <p:grpSpPr>
+        <a:xfrm>
+          <a:off x="0" y="0"/>
+          <a:ext cx="0" cy="0"/>
+          <a:chOff x="0" y="0"/>
+          <a:chExt cx="0" cy="0"/>
+        </a:xfrm>
+      </p:grpSpPr>
+      <p:sp>
+        <p:nvSpPr>
+          <p:cNvPr id="2" name="Título 1"/>
+          <p:cNvSpPr>
+            <a:spLocks noGrp="1"/>
+          </p:cNvSpPr>
+          <p:nvPr>
+            <p:ph type="title"/>
+          </p:nvPr>
+        </p:nvSpPr>
+        <p:spPr/>
+        <p:txBody>
+          <a:bodyPr>
+            <a:normAutofit fontScale="90000"/>
+          </a:bodyPr>
+          <a:lstStyle/>
+          <a:p>
+            <a:r>
+              <a:rPr lang="pt-BR" cap="all" dirty="0"/>
+              <a:t>REQUEST BODY PARAMETER EXAMPLE</a:t>
+            </a:r>
+            <a:br>
+              <a:rPr lang="pt-BR" cap="all" dirty="0"/>
+            </a:br>
+            <a:r>
+              <a:rPr lang="pt-BR" cap="all" dirty="0"/>
+              <a:t/>
+            </a:r>
+            <a:br>
+              <a:rPr lang="pt-BR" cap="all" dirty="0"/>
+            </a:br>
+            <a:r>
+              <a:rPr lang="en-US" cap="all" dirty="0"/>
+              <a:t/>
+            </a:r>
+            <a:br>
+              <a:rPr lang="en-US" cap="all" dirty="0"/>
+            </a:br>
+            <a:endParaRPr lang="pt-BR" dirty="0"/>
+          </a:p>
+        </p:txBody>
+      </p:sp>
+      <p:pic>
+        <p:nvPicPr>
+          <p:cNvPr id="15362" name="Picture 2" descr="http://idratherbewriting.com/intro-to-api-documentation/media/rasters/twitterrequestexample.png"/>
+          <p:cNvPicPr>
+            <a:picLocks noChangeAspect="1" noChangeArrowheads="1"/>
+          </p:cNvPicPr>
+          <p:nvPr/>
+        </p:nvPicPr>
+        <p:blipFill>
+          <a:blip r:embed="rId2">
+            <a:extLst>
+              <a:ext uri="{28A0092B-C50C-407E-A947-70E740481C1C}">
+                <a14:useLocalDpi xmlns:a14="http://schemas.microsoft.com/office/drawing/2010/main" val="0"/>
+              </a:ext>
+            </a:extLst>
+          </a:blip>
+          <a:srcRect/>
+          <a:stretch>
+            <a:fillRect/>
+          </a:stretch>
+        </p:blipFill>
+        <p:spPr bwMode="auto">
+          <a:xfrm>
+            <a:off x="-289560" y="-1523365"/>
+            <a:ext cx="12649200" cy="8547066"/>
+          </a:xfrm>
+          <a:prstGeom prst="rect">
+            <a:avLst/>
+          </a:prstGeom>
+          <a:noFill/>
+          <a:extLst>
+            <a:ext uri="{909E8E84-426E-40DD-AFC4-6F175D3DCCD1}">
+              <a14:hiddenFill xmlns:a14="http://schemas.microsoft.com/office/drawing/2010/main">
+                <a:solidFill>
+                  <a:srgbClr val="FFFFFF"/>
+                </a:solidFill>
+              </a14:hiddenFill>
+            </a:ext>
+          </a:extLst>
+        </p:spPr>
+      </p:pic>
+    </p:spTree>
+    <p:extLst>
+      <p:ext uri="{BB962C8B-B14F-4D97-AF65-F5344CB8AC3E}">
+        <p14:creationId xmlns:p14="http://schemas.microsoft.com/office/powerpoint/2010/main" val="2206914707"/>
+      </p:ext>
+    </p:extLst>
+  </p:cSld>
+  <p:clrMapOvr>
+    <a:masterClrMapping/>
+  </p:clrMapOvr>
+  <p:timing>
+    <p:tnLst>
+      <p:par>
+        <p:cTn id="1" dur="indefinite" restart="never" nodeType="tmRoot"/>
+      </p:par>
+    </p:tnLst>
+  </p:timing>
+</p:sld>
+</file>
+
+<file path=ppt/slides/slide28.xml><?xml version="1.0" encoding="utf-8"?>
+<p:sld xmlns:a="http://schemas.openxmlformats.org/drawingml/2006/main" xmlns:r="http://schemas.openxmlformats.org/officeDocument/2006/relationships" xmlns:p="http://schemas.openxmlformats.org/presentationml/2006/main">
+  <p:cSld>
+    <p:spTree>
+      <p:nvGrpSpPr>
+        <p:cNvPr id="1" name=""/>
+        <p:cNvGrpSpPr/>
+        <p:nvPr/>
+      </p:nvGrpSpPr>
+      <p:grpSpPr>
+        <a:xfrm>
+          <a:off x="0" y="0"/>
+          <a:ext cx="0" cy="0"/>
+          <a:chOff x="0" y="0"/>
+          <a:chExt cx="0" cy="0"/>
+        </a:xfrm>
+      </p:grpSpPr>
+    </p:spTree>
+    <p:extLst>
+      <p:ext uri="{BB962C8B-B14F-4D97-AF65-F5344CB8AC3E}">
+        <p14:creationId xmlns:p14="http://schemas.microsoft.com/office/powerpoint/2010/main" val="1811583702"/>
+      </p:ext>
+    </p:extLst>
+  </p:cSld>
+  <p:clrMapOvr>
+    <a:masterClrMapping/>
+  </p:clrMapOvr>
+  <p:timing>
+    <p:tnLst>
+      <p:par>
+        <p:cTn id="1" dur="indefinite" restart="never" nodeType="tmRoot"/>
+      </p:par>
+    </p:tnLst>
+  </p:timing>
+</p:sld>
+</file>
+
+<file path=ppt/slides/slide29.xml><?xml version="1.0" encoding="utf-8"?>
+<p:sld xmlns:a="http://schemas.openxmlformats.org/drawingml/2006/main" xmlns:r="http://schemas.openxmlformats.org/officeDocument/2006/relationships" xmlns:p="http://schemas.openxmlformats.org/presentationml/2006/main">
+  <p:cSld>
+    <p:spTree>
+      <p:nvGrpSpPr>
+        <p:cNvPr id="1" name=""/>
+        <p:cNvGrpSpPr/>
+        <p:nvPr/>
+      </p:nvGrpSpPr>
+      <p:grpSpPr>
+        <a:xfrm>
+          <a:off x="0" y="0"/>
+          <a:ext cx="0" cy="0"/>
+          <a:chOff x="0" y="0"/>
+          <a:chExt cx="0" cy="0"/>
+        </a:xfrm>
+      </p:grpSpPr>
+      <p:sp>
+        <p:nvSpPr>
+          <p:cNvPr id="2" name="Título 1"/>
+          <p:cNvSpPr>
+            <a:spLocks noGrp="1"/>
+          </p:cNvSpPr>
+          <p:nvPr>
+            <p:ph type="title"/>
+          </p:nvPr>
+        </p:nvSpPr>
+        <p:spPr>
+          <a:xfrm>
+            <a:off x="2207568" y="2924944"/>
+            <a:ext cx="8229600" cy="990600"/>
+          </a:xfrm>
+        </p:spPr>
+        <p:txBody>
+          <a:bodyPr>
             <a:normAutofit/>
           </a:bodyPr>
           <a:lstStyle/>
@@ -6060,6 +7931,84 @@
 </file>
 
 <file path=ppt/slides/slide3.xml><?xml version="1.0" encoding="utf-8"?>
+<p:sld xmlns:a="http://schemas.openxmlformats.org/drawingml/2006/main" xmlns:r="http://schemas.openxmlformats.org/officeDocument/2006/relationships" xmlns:p="http://schemas.openxmlformats.org/presentationml/2006/main">
+  <p:cSld>
+    <p:spTree>
+      <p:nvGrpSpPr>
+        <p:cNvPr id="1" name=""/>
+        <p:cNvGrpSpPr/>
+        <p:nvPr/>
+      </p:nvGrpSpPr>
+      <p:grpSpPr>
+        <a:xfrm>
+          <a:off x="0" y="0"/>
+          <a:ext cx="0" cy="0"/>
+          <a:chOff x="0" y="0"/>
+          <a:chExt cx="0" cy="0"/>
+        </a:xfrm>
+      </p:grpSpPr>
+      <p:pic>
+        <p:nvPicPr>
+          <p:cNvPr id="3076" name="Picture 4" descr="Resultado de imagem para engrenagens"/>
+          <p:cNvPicPr>
+            <a:picLocks noChangeAspect="1" noChangeArrowheads="1"/>
+          </p:cNvPicPr>
+          <p:nvPr/>
+        </p:nvPicPr>
+        <p:blipFill>
+          <a:blip r:embed="rId2">
+            <a:extLst>
+              <a:ext uri="{28A0092B-C50C-407E-A947-70E740481C1C}">
+                <a14:useLocalDpi xmlns:a14="http://schemas.microsoft.com/office/drawing/2010/main" val="0"/>
+              </a:ext>
+            </a:extLst>
+          </a:blip>
+          <a:srcRect/>
+          <a:stretch>
+            <a:fillRect/>
+          </a:stretch>
+        </p:blipFill>
+        <p:spPr bwMode="auto">
+          <a:xfrm>
+            <a:off x="-990600" y="0"/>
+            <a:ext cx="16361229" cy="6858000"/>
+          </a:xfrm>
+          <a:prstGeom prst="rect">
+            <a:avLst/>
+          </a:prstGeom>
+          <a:noFill/>
+          <a:extLst>
+            <a:ext uri="{909E8E84-426E-40DD-AFC4-6F175D3DCCD1}">
+              <a14:hiddenFill xmlns:a14="http://schemas.microsoft.com/office/drawing/2010/main">
+                <a:solidFill>
+                  <a:srgbClr val="FFFFFF"/>
+                </a:solidFill>
+              </a14:hiddenFill>
+            </a:ext>
+          </a:extLst>
+        </p:spPr>
+      </p:pic>
+    </p:spTree>
+    <p:extLst>
+      <p:ext uri="{BB962C8B-B14F-4D97-AF65-F5344CB8AC3E}">
+        <p14:creationId xmlns:p14="http://schemas.microsoft.com/office/powerpoint/2010/main" val="1619292642"/>
+      </p:ext>
+    </p:extLst>
+  </p:cSld>
+  <p:clrMapOvr>
+    <a:masterClrMapping/>
+  </p:clrMapOvr>
+  <p:timing>
+    <p:tnLst>
+      <p:par>
+        <p:cTn id="1" dur="indefinite" restart="never" nodeType="tmRoot"/>
+      </p:par>
+    </p:tnLst>
+  </p:timing>
+</p:sld>
+</file>
+
+<file path=ppt/slides/slide30.xml><?xml version="1.0" encoding="utf-8"?>
 <p:sld xmlns:a="http://schemas.openxmlformats.org/drawingml/2006/main" xmlns:r="http://schemas.openxmlformats.org/officeDocument/2006/relationships" xmlns:p="http://schemas.openxmlformats.org/presentationml/2006/main">
   <p:cSld>
     <p:spTree>
@@ -6120,7 +8069,7 @@
 </p:sld>
 </file>
 
-<file path=ppt/slides/slide4.xml><?xml version="1.0" encoding="utf-8"?>
+<file path=ppt/slides/slide31.xml><?xml version="1.0" encoding="utf-8"?>
 <p:sld xmlns:a="http://schemas.openxmlformats.org/drawingml/2006/main" xmlns:r="http://schemas.openxmlformats.org/officeDocument/2006/relationships" xmlns:p="http://schemas.openxmlformats.org/presentationml/2006/main">
   <p:cSld>
     <p:spTree>
@@ -6209,10 +8158,17 @@
   <p:clrMapOvr>
     <a:masterClrMapping/>
   </p:clrMapOvr>
+  <p:timing>
+    <p:tnLst>
+      <p:par>
+        <p:cTn id="1" dur="indefinite" restart="never" nodeType="tmRoot"/>
+      </p:par>
+    </p:tnLst>
+  </p:timing>
 </p:sld>
 </file>
 
-<file path=ppt/slides/slide5.xml><?xml version="1.0" encoding="utf-8"?>
+<file path=ppt/slides/slide32.xml><?xml version="1.0" encoding="utf-8"?>
 <p:sld xmlns:a="http://schemas.openxmlformats.org/drawingml/2006/main" xmlns:r="http://schemas.openxmlformats.org/officeDocument/2006/relationships" xmlns:p="http://schemas.openxmlformats.org/presentationml/2006/main">
   <p:cSld>
     <p:spTree>
@@ -6280,7 +8236,7 @@
 </p:sld>
 </file>
 
-<file path=ppt/slides/slide6.xml><?xml version="1.0" encoding="utf-8"?>
+<file path=ppt/slides/slide33.xml><?xml version="1.0" encoding="utf-8"?>
 <p:sld xmlns:a="http://schemas.openxmlformats.org/drawingml/2006/main" xmlns:r="http://schemas.openxmlformats.org/officeDocument/2006/relationships" xmlns:p="http://schemas.openxmlformats.org/presentationml/2006/main">
   <p:cSld>
     <p:spTree>
@@ -6317,7 +8273,7 @@
 </p:sld>
 </file>
 
-<file path=ppt/slides/slide7.xml><?xml version="1.0" encoding="utf-8"?>
+<file path=ppt/slides/slide34.xml><?xml version="1.0" encoding="utf-8"?>
 <p:sld xmlns:a="http://schemas.openxmlformats.org/drawingml/2006/main" xmlns:r="http://schemas.openxmlformats.org/officeDocument/2006/relationships" xmlns:p="http://schemas.openxmlformats.org/presentationml/2006/main">
   <p:cSld>
     <p:spTree>
@@ -6385,7 +8341,7 @@
 </p:sld>
 </file>
 
-<file path=ppt/slides/slide8.xml><?xml version="1.0" encoding="utf-8"?>
+<file path=ppt/slides/slide35.xml><?xml version="1.0" encoding="utf-8"?>
 <p:sld xmlns:a="http://schemas.openxmlformats.org/drawingml/2006/main" xmlns:r="http://schemas.openxmlformats.org/officeDocument/2006/relationships" xmlns:p="http://schemas.openxmlformats.org/presentationml/2006/main">
   <p:cSld>
     <p:spTree>
@@ -6422,6 +8378,2065 @@
 </p:sld>
 </file>
 
+<file path=ppt/slides/slide36.xml><?xml version="1.0" encoding="utf-8"?>
+<p:sld xmlns:a="http://schemas.openxmlformats.org/drawingml/2006/main" xmlns:r="http://schemas.openxmlformats.org/officeDocument/2006/relationships" xmlns:p="http://schemas.openxmlformats.org/presentationml/2006/main">
+  <p:cSld>
+    <p:spTree>
+      <p:nvGrpSpPr>
+        <p:cNvPr id="1" name=""/>
+        <p:cNvGrpSpPr/>
+        <p:nvPr/>
+      </p:nvGrpSpPr>
+      <p:grpSpPr>
+        <a:xfrm>
+          <a:off x="0" y="0"/>
+          <a:ext cx="0" cy="0"/>
+          <a:chOff x="0" y="0"/>
+          <a:chExt cx="0" cy="0"/>
+        </a:xfrm>
+      </p:grpSpPr>
+      <p:sp>
+        <p:nvSpPr>
+          <p:cNvPr id="2" name="Título 1"/>
+          <p:cNvSpPr>
+            <a:spLocks noGrp="1"/>
+          </p:cNvSpPr>
+          <p:nvPr>
+            <p:ph type="title"/>
+          </p:nvPr>
+        </p:nvSpPr>
+        <p:spPr>
+          <a:xfrm>
+            <a:off x="2207568" y="2924944"/>
+            <a:ext cx="8229600" cy="990600"/>
+          </a:xfrm>
+        </p:spPr>
+        <p:txBody>
+          <a:bodyPr>
+            <a:normAutofit/>
+          </a:bodyPr>
+          <a:lstStyle/>
+          <a:p>
+            <a:pPr algn="ctr"/>
+            <a:r>
+              <a:rPr lang="pt-BR" dirty="0" smtClean="0"/>
+              <a:t>Verbos: PUT</a:t>
+            </a:r>
+            <a:endParaRPr lang="pt-BR" dirty="0"/>
+          </a:p>
+        </p:txBody>
+      </p:sp>
+    </p:spTree>
+    <p:extLst>
+      <p:ext uri="{BB962C8B-B14F-4D97-AF65-F5344CB8AC3E}">
+        <p14:creationId xmlns:p14="http://schemas.microsoft.com/office/powerpoint/2010/main" val="4152563322"/>
+      </p:ext>
+    </p:extLst>
+  </p:cSld>
+  <p:clrMapOvr>
+    <a:masterClrMapping/>
+  </p:clrMapOvr>
+  <p:timing>
+    <p:tnLst>
+      <p:par>
+        <p:cTn id="1" dur="indefinite" restart="never" nodeType="tmRoot"/>
+      </p:par>
+    </p:tnLst>
+  </p:timing>
+</p:sld>
+</file>
+
+<file path=ppt/slides/slide37.xml><?xml version="1.0" encoding="utf-8"?>
+<p:sld xmlns:a="http://schemas.openxmlformats.org/drawingml/2006/main" xmlns:r="http://schemas.openxmlformats.org/officeDocument/2006/relationships" xmlns:p="http://schemas.openxmlformats.org/presentationml/2006/main">
+  <p:cSld>
+    <p:spTree>
+      <p:nvGrpSpPr>
+        <p:cNvPr id="1" name=""/>
+        <p:cNvGrpSpPr/>
+        <p:nvPr/>
+      </p:nvGrpSpPr>
+      <p:grpSpPr>
+        <a:xfrm>
+          <a:off x="0" y="0"/>
+          <a:ext cx="0" cy="0"/>
+          <a:chOff x="0" y="0"/>
+          <a:chExt cx="0" cy="0"/>
+        </a:xfrm>
+      </p:grpSpPr>
+    </p:spTree>
+    <p:extLst>
+      <p:ext uri="{BB962C8B-B14F-4D97-AF65-F5344CB8AC3E}">
+        <p14:creationId xmlns:p14="http://schemas.microsoft.com/office/powerpoint/2010/main" val="441067410"/>
+      </p:ext>
+    </p:extLst>
+  </p:cSld>
+  <p:clrMapOvr>
+    <a:masterClrMapping/>
+  </p:clrMapOvr>
+  <p:timing>
+    <p:tnLst>
+      <p:par>
+        <p:cTn id="1" dur="indefinite" restart="never" nodeType="tmRoot"/>
+      </p:par>
+    </p:tnLst>
+  </p:timing>
+</p:sld>
+</file>
+
+<file path=ppt/slides/slide38.xml><?xml version="1.0" encoding="utf-8"?>
+<p:sld xmlns:a="http://schemas.openxmlformats.org/drawingml/2006/main" xmlns:r="http://schemas.openxmlformats.org/officeDocument/2006/relationships" xmlns:p="http://schemas.openxmlformats.org/presentationml/2006/main">
+  <p:cSld>
+    <p:spTree>
+      <p:nvGrpSpPr>
+        <p:cNvPr id="1" name=""/>
+        <p:cNvGrpSpPr/>
+        <p:nvPr/>
+      </p:nvGrpSpPr>
+      <p:grpSpPr>
+        <a:xfrm>
+          <a:off x="0" y="0"/>
+          <a:ext cx="0" cy="0"/>
+          <a:chOff x="0" y="0"/>
+          <a:chExt cx="0" cy="0"/>
+        </a:xfrm>
+      </p:grpSpPr>
+      <p:sp>
+        <p:nvSpPr>
+          <p:cNvPr id="2" name="Título 1"/>
+          <p:cNvSpPr>
+            <a:spLocks noGrp="1"/>
+          </p:cNvSpPr>
+          <p:nvPr>
+            <p:ph type="title"/>
+          </p:nvPr>
+        </p:nvSpPr>
+        <p:spPr>
+          <a:xfrm>
+            <a:off x="2207568" y="2924944"/>
+            <a:ext cx="8229600" cy="990600"/>
+          </a:xfrm>
+        </p:spPr>
+        <p:txBody>
+          <a:bodyPr>
+            <a:normAutofit/>
+          </a:bodyPr>
+          <a:lstStyle/>
+          <a:p>
+            <a:pPr algn="ctr"/>
+            <a:r>
+              <a:rPr lang="pt-BR" dirty="0" smtClean="0"/>
+              <a:t>Verbos: DELETE</a:t>
+            </a:r>
+            <a:endParaRPr lang="pt-BR" dirty="0"/>
+          </a:p>
+        </p:txBody>
+      </p:sp>
+    </p:spTree>
+    <p:extLst>
+      <p:ext uri="{BB962C8B-B14F-4D97-AF65-F5344CB8AC3E}">
+        <p14:creationId xmlns:p14="http://schemas.microsoft.com/office/powerpoint/2010/main" val="2622702189"/>
+      </p:ext>
+    </p:extLst>
+  </p:cSld>
+  <p:clrMapOvr>
+    <a:masterClrMapping/>
+  </p:clrMapOvr>
+  <p:timing>
+    <p:tnLst>
+      <p:par>
+        <p:cTn id="1" dur="indefinite" restart="never" nodeType="tmRoot"/>
+      </p:par>
+    </p:tnLst>
+  </p:timing>
+</p:sld>
+</file>
+
+<file path=ppt/slides/slide39.xml><?xml version="1.0" encoding="utf-8"?>
+<p:sld xmlns:a="http://schemas.openxmlformats.org/drawingml/2006/main" xmlns:r="http://schemas.openxmlformats.org/officeDocument/2006/relationships" xmlns:p="http://schemas.openxmlformats.org/presentationml/2006/main">
+  <p:cSld>
+    <p:spTree>
+      <p:nvGrpSpPr>
+        <p:cNvPr id="1" name=""/>
+        <p:cNvGrpSpPr/>
+        <p:nvPr/>
+      </p:nvGrpSpPr>
+      <p:grpSpPr>
+        <a:xfrm>
+          <a:off x="0" y="0"/>
+          <a:ext cx="0" cy="0"/>
+          <a:chOff x="0" y="0"/>
+          <a:chExt cx="0" cy="0"/>
+        </a:xfrm>
+      </p:grpSpPr>
+    </p:spTree>
+    <p:extLst>
+      <p:ext uri="{BB962C8B-B14F-4D97-AF65-F5344CB8AC3E}">
+        <p14:creationId xmlns:p14="http://schemas.microsoft.com/office/powerpoint/2010/main" val="194777113"/>
+      </p:ext>
+    </p:extLst>
+  </p:cSld>
+  <p:clrMapOvr>
+    <a:masterClrMapping/>
+  </p:clrMapOvr>
+  <p:timing>
+    <p:tnLst>
+      <p:par>
+        <p:cTn id="1" dur="indefinite" restart="never" nodeType="tmRoot"/>
+      </p:par>
+    </p:tnLst>
+  </p:timing>
+</p:sld>
+</file>
+
+<file path=ppt/slides/slide4.xml><?xml version="1.0" encoding="utf-8"?>
+<p:sld xmlns:a="http://schemas.openxmlformats.org/drawingml/2006/main" xmlns:r="http://schemas.openxmlformats.org/officeDocument/2006/relationships" xmlns:p="http://schemas.openxmlformats.org/presentationml/2006/main">
+  <p:cSld>
+    <p:spTree>
+      <p:nvGrpSpPr>
+        <p:cNvPr id="1" name=""/>
+        <p:cNvGrpSpPr/>
+        <p:nvPr/>
+      </p:nvGrpSpPr>
+      <p:grpSpPr>
+        <a:xfrm>
+          <a:off x="0" y="0"/>
+          <a:ext cx="0" cy="0"/>
+          <a:chOff x="0" y="0"/>
+          <a:chExt cx="0" cy="0"/>
+        </a:xfrm>
+      </p:grpSpPr>
+      <p:sp>
+        <p:nvSpPr>
+          <p:cNvPr id="2" name="Título 1"/>
+          <p:cNvSpPr>
+            <a:spLocks noGrp="1"/>
+          </p:cNvSpPr>
+          <p:nvPr>
+            <p:ph type="title"/>
+          </p:nvPr>
+        </p:nvSpPr>
+        <p:spPr>
+          <a:xfrm>
+            <a:off x="2207568" y="2924944"/>
+            <a:ext cx="8229600" cy="990600"/>
+          </a:xfrm>
+        </p:spPr>
+        <p:txBody>
+          <a:bodyPr>
+            <a:normAutofit fontScale="90000"/>
+          </a:bodyPr>
+          <a:lstStyle/>
+          <a:p>
+            <a:pPr algn="ctr"/>
+            <a:r>
+              <a:rPr lang="en-US" dirty="0"/>
+              <a:t>WHAT IS A REST API?</a:t>
+            </a:r>
+            <a:br>
+              <a:rPr lang="en-US" dirty="0"/>
+            </a:br>
+            <a:r>
+              <a:rPr lang="en-US" dirty="0" smtClean="0"/>
+              <a:t>FUNCTIONS </a:t>
+            </a:r>
+            <a:r>
+              <a:rPr lang="en-US" dirty="0"/>
+              <a:t>BELOW INTERFACES</a:t>
+            </a:r>
+            <a:endParaRPr lang="pt-BR" dirty="0"/>
+          </a:p>
+        </p:txBody>
+      </p:sp>
+    </p:spTree>
+    <p:extLst>
+      <p:ext uri="{BB962C8B-B14F-4D97-AF65-F5344CB8AC3E}">
+        <p14:creationId xmlns:p14="http://schemas.microsoft.com/office/powerpoint/2010/main" val="3483007610"/>
+      </p:ext>
+    </p:extLst>
+  </p:cSld>
+  <p:clrMapOvr>
+    <a:masterClrMapping/>
+  </p:clrMapOvr>
+  <p:timing>
+    <p:tnLst>
+      <p:par>
+        <p:cTn id="1" dur="indefinite" restart="never" nodeType="tmRoot"/>
+      </p:par>
+    </p:tnLst>
+  </p:timing>
+</p:sld>
+</file>
+
+<file path=ppt/slides/slide40.xml><?xml version="1.0" encoding="utf-8"?>
+<p:sld xmlns:a="http://schemas.openxmlformats.org/drawingml/2006/main" xmlns:r="http://schemas.openxmlformats.org/officeDocument/2006/relationships" xmlns:p="http://schemas.openxmlformats.org/presentationml/2006/main">
+  <p:cSld>
+    <p:spTree>
+      <p:nvGrpSpPr>
+        <p:cNvPr id="1" name=""/>
+        <p:cNvGrpSpPr/>
+        <p:nvPr/>
+      </p:nvGrpSpPr>
+      <p:grpSpPr>
+        <a:xfrm>
+          <a:off x="0" y="0"/>
+          <a:ext cx="0" cy="0"/>
+          <a:chOff x="0" y="0"/>
+          <a:chExt cx="0" cy="0"/>
+        </a:xfrm>
+      </p:grpSpPr>
+      <p:sp>
+        <p:nvSpPr>
+          <p:cNvPr id="2" name="Título 1"/>
+          <p:cNvSpPr>
+            <a:spLocks noGrp="1"/>
+          </p:cNvSpPr>
+          <p:nvPr>
+            <p:ph type="title"/>
+          </p:nvPr>
+        </p:nvSpPr>
+        <p:spPr>
+          <a:xfrm>
+            <a:off x="2207568" y="2924944"/>
+            <a:ext cx="8229600" cy="990600"/>
+          </a:xfrm>
+        </p:spPr>
+        <p:txBody>
+          <a:bodyPr>
+            <a:normAutofit/>
+          </a:bodyPr>
+          <a:lstStyle/>
+          <a:p>
+            <a:pPr algn="ctr"/>
+            <a:r>
+              <a:rPr lang="pt-BR" dirty="0"/>
+              <a:t>RATE LIMITING AND THRESHOLDS</a:t>
+            </a:r>
+            <a:endParaRPr lang="pt-BR" dirty="0"/>
+          </a:p>
+        </p:txBody>
+      </p:sp>
+    </p:spTree>
+    <p:extLst>
+      <p:ext uri="{BB962C8B-B14F-4D97-AF65-F5344CB8AC3E}">
+        <p14:creationId xmlns:p14="http://schemas.microsoft.com/office/powerpoint/2010/main" val="1304159359"/>
+      </p:ext>
+    </p:extLst>
+  </p:cSld>
+  <p:clrMapOvr>
+    <a:masterClrMapping/>
+  </p:clrMapOvr>
+  <p:timing>
+    <p:tnLst>
+      <p:par>
+        <p:cTn id="1" dur="indefinite" restart="never" nodeType="tmRoot"/>
+      </p:par>
+    </p:tnLst>
+  </p:timing>
+</p:sld>
+</file>
+
+<file path=ppt/slides/slide41.xml><?xml version="1.0" encoding="utf-8"?>
+<p:sld xmlns:a="http://schemas.openxmlformats.org/drawingml/2006/main" xmlns:r="http://schemas.openxmlformats.org/officeDocument/2006/relationships" xmlns:p="http://schemas.openxmlformats.org/presentationml/2006/main">
+  <p:cSld>
+    <p:spTree>
+      <p:nvGrpSpPr>
+        <p:cNvPr id="1" name=""/>
+        <p:cNvGrpSpPr/>
+        <p:nvPr/>
+      </p:nvGrpSpPr>
+      <p:grpSpPr>
+        <a:xfrm>
+          <a:off x="0" y="0"/>
+          <a:ext cx="0" cy="0"/>
+          <a:chOff x="0" y="0"/>
+          <a:chExt cx="0" cy="0"/>
+        </a:xfrm>
+      </p:grpSpPr>
+      <p:pic>
+        <p:nvPicPr>
+          <p:cNvPr id="3" name="Imagem 2"/>
+          <p:cNvPicPr>
+            <a:picLocks noChangeAspect="1"/>
+          </p:cNvPicPr>
+          <p:nvPr/>
+        </p:nvPicPr>
+        <p:blipFill>
+          <a:blip r:embed="rId2"/>
+          <a:stretch>
+            <a:fillRect/>
+          </a:stretch>
+        </p:blipFill>
+        <p:spPr>
+          <a:xfrm>
+            <a:off x="-1993583" y="-218123"/>
+            <a:ext cx="16626362" cy="7213283"/>
+          </a:xfrm>
+          <a:prstGeom prst="rect">
+            <a:avLst/>
+          </a:prstGeom>
+        </p:spPr>
+      </p:pic>
+    </p:spTree>
+    <p:extLst>
+      <p:ext uri="{BB962C8B-B14F-4D97-AF65-F5344CB8AC3E}">
+        <p14:creationId xmlns:p14="http://schemas.microsoft.com/office/powerpoint/2010/main" val="3611230541"/>
+      </p:ext>
+    </p:extLst>
+  </p:cSld>
+  <p:clrMapOvr>
+    <a:masterClrMapping/>
+  </p:clrMapOvr>
+  <p:timing>
+    <p:tnLst>
+      <p:par>
+        <p:cTn id="1" dur="indefinite" restart="never" nodeType="tmRoot"/>
+      </p:par>
+    </p:tnLst>
+  </p:timing>
+</p:sld>
+</file>
+
+<file path=ppt/slides/slide42.xml><?xml version="1.0" encoding="utf-8"?>
+<p:sld xmlns:a="http://schemas.openxmlformats.org/drawingml/2006/main" xmlns:r="http://schemas.openxmlformats.org/officeDocument/2006/relationships" xmlns:p="http://schemas.openxmlformats.org/presentationml/2006/main">
+  <p:cSld>
+    <p:spTree>
+      <p:nvGrpSpPr>
+        <p:cNvPr id="1" name=""/>
+        <p:cNvGrpSpPr/>
+        <p:nvPr/>
+      </p:nvGrpSpPr>
+      <p:grpSpPr>
+        <a:xfrm>
+          <a:off x="0" y="0"/>
+          <a:ext cx="0" cy="0"/>
+          <a:chOff x="0" y="0"/>
+          <a:chExt cx="0" cy="0"/>
+        </a:xfrm>
+      </p:grpSpPr>
+      <p:sp>
+        <p:nvSpPr>
+          <p:cNvPr id="2" name="Título 1"/>
+          <p:cNvSpPr>
+            <a:spLocks noGrp="1"/>
+          </p:cNvSpPr>
+          <p:nvPr>
+            <p:ph type="title"/>
+          </p:nvPr>
+        </p:nvSpPr>
+        <p:spPr>
+          <a:xfrm>
+            <a:off x="2207568" y="2924944"/>
+            <a:ext cx="8229600" cy="990600"/>
+          </a:xfrm>
+        </p:spPr>
+        <p:txBody>
+          <a:bodyPr>
+            <a:normAutofit fontScale="90000"/>
+          </a:bodyPr>
+          <a:lstStyle/>
+          <a:p>
+            <a:pPr algn="ctr"/>
+            <a:r>
+              <a:rPr lang="pt-BR" cap="all" dirty="0"/>
+              <a:t>SDKS AND SAMPLE APPS</a:t>
+            </a:r>
+            <a:br>
+              <a:rPr lang="pt-BR" cap="all" dirty="0"/>
+            </a:br>
+            <a:endParaRPr lang="pt-BR" dirty="0"/>
+          </a:p>
+        </p:txBody>
+      </p:sp>
+    </p:spTree>
+    <p:extLst>
+      <p:ext uri="{BB962C8B-B14F-4D97-AF65-F5344CB8AC3E}">
+        <p14:creationId xmlns:p14="http://schemas.microsoft.com/office/powerpoint/2010/main" val="2872970833"/>
+      </p:ext>
+    </p:extLst>
+  </p:cSld>
+  <p:clrMapOvr>
+    <a:masterClrMapping/>
+  </p:clrMapOvr>
+  <p:timing>
+    <p:tnLst>
+      <p:par>
+        <p:cTn id="1" dur="indefinite" restart="never" nodeType="tmRoot"/>
+      </p:par>
+    </p:tnLst>
+  </p:timing>
+</p:sld>
+</file>
+
+<file path=ppt/slides/slide43.xml><?xml version="1.0" encoding="utf-8"?>
+<p:sld xmlns:a="http://schemas.openxmlformats.org/drawingml/2006/main" xmlns:r="http://schemas.openxmlformats.org/officeDocument/2006/relationships" xmlns:p="http://schemas.openxmlformats.org/presentationml/2006/main">
+  <p:cSld>
+    <p:spTree>
+      <p:nvGrpSpPr>
+        <p:cNvPr id="1" name=""/>
+        <p:cNvGrpSpPr/>
+        <p:nvPr/>
+      </p:nvGrpSpPr>
+      <p:grpSpPr>
+        <a:xfrm>
+          <a:off x="0" y="0"/>
+          <a:ext cx="0" cy="0"/>
+          <a:chOff x="0" y="0"/>
+          <a:chExt cx="0" cy="0"/>
+        </a:xfrm>
+      </p:grpSpPr>
+      <p:pic>
+        <p:nvPicPr>
+          <p:cNvPr id="2" name="Imagem 1"/>
+          <p:cNvPicPr>
+            <a:picLocks noChangeAspect="1"/>
+          </p:cNvPicPr>
+          <p:nvPr/>
+        </p:nvPicPr>
+        <p:blipFill>
+          <a:blip r:embed="rId2"/>
+          <a:stretch>
+            <a:fillRect/>
+          </a:stretch>
+        </p:blipFill>
+        <p:spPr>
+          <a:xfrm>
+            <a:off x="-1444943" y="-220028"/>
+            <a:ext cx="15913483" cy="7108508"/>
+          </a:xfrm>
+          <a:prstGeom prst="rect">
+            <a:avLst/>
+          </a:prstGeom>
+        </p:spPr>
+      </p:pic>
+    </p:spTree>
+    <p:extLst>
+      <p:ext uri="{BB962C8B-B14F-4D97-AF65-F5344CB8AC3E}">
+        <p14:creationId xmlns:p14="http://schemas.microsoft.com/office/powerpoint/2010/main" val="548446317"/>
+      </p:ext>
+    </p:extLst>
+  </p:cSld>
+  <p:clrMapOvr>
+    <a:masterClrMapping/>
+  </p:clrMapOvr>
+  <p:timing>
+    <p:tnLst>
+      <p:par>
+        <p:cTn id="1" dur="indefinite" restart="never" nodeType="tmRoot"/>
+      </p:par>
+    </p:tnLst>
+  </p:timing>
+</p:sld>
+</file>
+
+<file path=ppt/slides/slide44.xml><?xml version="1.0" encoding="utf-8"?>
+<p:sld xmlns:a="http://schemas.openxmlformats.org/drawingml/2006/main" xmlns:r="http://schemas.openxmlformats.org/officeDocument/2006/relationships" xmlns:p="http://schemas.openxmlformats.org/presentationml/2006/main">
+  <p:cSld>
+    <p:spTree>
+      <p:nvGrpSpPr>
+        <p:cNvPr id="1" name=""/>
+        <p:cNvGrpSpPr/>
+        <p:nvPr/>
+      </p:nvGrpSpPr>
+      <p:grpSpPr>
+        <a:xfrm>
+          <a:off x="0" y="0"/>
+          <a:ext cx="0" cy="0"/>
+          <a:chOff x="0" y="0"/>
+          <a:chExt cx="0" cy="0"/>
+        </a:xfrm>
+      </p:grpSpPr>
+      <p:sp>
+        <p:nvSpPr>
+          <p:cNvPr id="2" name="Título 1"/>
+          <p:cNvSpPr>
+            <a:spLocks noGrp="1"/>
+          </p:cNvSpPr>
+          <p:nvPr>
+            <p:ph type="title"/>
+          </p:nvPr>
+        </p:nvSpPr>
+        <p:spPr>
+          <a:xfrm>
+            <a:off x="2207568" y="2924944"/>
+            <a:ext cx="8229600" cy="990600"/>
+          </a:xfrm>
+        </p:spPr>
+        <p:txBody>
+          <a:bodyPr>
+            <a:normAutofit fontScale="90000"/>
+          </a:bodyPr>
+          <a:lstStyle/>
+          <a:p>
+            <a:pPr algn="ctr"/>
+            <a:r>
+              <a:rPr lang="pt-BR" cap="all" dirty="0"/>
+              <a:t>QUICK REFERENCE</a:t>
+            </a:r>
+            <a:br>
+              <a:rPr lang="pt-BR" cap="all" dirty="0"/>
+            </a:br>
+            <a:r>
+              <a:rPr lang="pt-BR" cap="all" dirty="0"/>
+              <a:t/>
+            </a:r>
+            <a:br>
+              <a:rPr lang="pt-BR" cap="all" dirty="0"/>
+            </a:br>
+            <a:endParaRPr lang="pt-BR" dirty="0"/>
+          </a:p>
+        </p:txBody>
+      </p:sp>
+    </p:spTree>
+    <p:extLst>
+      <p:ext uri="{BB962C8B-B14F-4D97-AF65-F5344CB8AC3E}">
+        <p14:creationId xmlns:p14="http://schemas.microsoft.com/office/powerpoint/2010/main" val="3235070844"/>
+      </p:ext>
+    </p:extLst>
+  </p:cSld>
+  <p:clrMapOvr>
+    <a:masterClrMapping/>
+  </p:clrMapOvr>
+  <p:timing>
+    <p:tnLst>
+      <p:par>
+        <p:cTn id="1" dur="indefinite" restart="never" nodeType="tmRoot"/>
+      </p:par>
+    </p:tnLst>
+  </p:timing>
+</p:sld>
+</file>
+
+<file path=ppt/slides/slide45.xml><?xml version="1.0" encoding="utf-8"?>
+<p:sld xmlns:a="http://schemas.openxmlformats.org/drawingml/2006/main" xmlns:r="http://schemas.openxmlformats.org/officeDocument/2006/relationships" xmlns:p="http://schemas.openxmlformats.org/presentationml/2006/main">
+  <p:cSld>
+    <p:spTree>
+      <p:nvGrpSpPr>
+        <p:cNvPr id="1" name=""/>
+        <p:cNvGrpSpPr/>
+        <p:nvPr/>
+      </p:nvGrpSpPr>
+      <p:grpSpPr>
+        <a:xfrm>
+          <a:off x="0" y="0"/>
+          <a:ext cx="0" cy="0"/>
+          <a:chOff x="0" y="0"/>
+          <a:chExt cx="0" cy="0"/>
+        </a:xfrm>
+      </p:grpSpPr>
+      <p:pic>
+        <p:nvPicPr>
+          <p:cNvPr id="3" name="Imagem 2"/>
+          <p:cNvPicPr>
+            <a:picLocks noChangeAspect="1"/>
+          </p:cNvPicPr>
+          <p:nvPr/>
+        </p:nvPicPr>
+        <p:blipFill>
+          <a:blip r:embed="rId2"/>
+          <a:stretch>
+            <a:fillRect/>
+          </a:stretch>
+        </p:blipFill>
+        <p:spPr>
+          <a:xfrm>
+            <a:off x="-1073468" y="-165736"/>
+            <a:ext cx="14341930" cy="7176135"/>
+          </a:xfrm>
+          <a:prstGeom prst="rect">
+            <a:avLst/>
+          </a:prstGeom>
+        </p:spPr>
+      </p:pic>
+    </p:spTree>
+    <p:extLst>
+      <p:ext uri="{BB962C8B-B14F-4D97-AF65-F5344CB8AC3E}">
+        <p14:creationId xmlns:p14="http://schemas.microsoft.com/office/powerpoint/2010/main" val="330918518"/>
+      </p:ext>
+    </p:extLst>
+  </p:cSld>
+  <p:clrMapOvr>
+    <a:masterClrMapping/>
+  </p:clrMapOvr>
+  <p:timing>
+    <p:tnLst>
+      <p:par>
+        <p:cTn id="1" dur="indefinite" restart="never" nodeType="tmRoot"/>
+      </p:par>
+    </p:tnLst>
+  </p:timing>
+</p:sld>
+</file>
+
+<file path=ppt/slides/slide46.xml><?xml version="1.0" encoding="utf-8"?>
+<p:sld xmlns:a="http://schemas.openxmlformats.org/drawingml/2006/main" xmlns:r="http://schemas.openxmlformats.org/officeDocument/2006/relationships" xmlns:p="http://schemas.openxmlformats.org/presentationml/2006/main">
+  <p:cSld>
+    <p:spTree>
+      <p:nvGrpSpPr>
+        <p:cNvPr id="1" name=""/>
+        <p:cNvGrpSpPr/>
+        <p:nvPr/>
+      </p:nvGrpSpPr>
+      <p:grpSpPr>
+        <a:xfrm>
+          <a:off x="0" y="0"/>
+          <a:ext cx="0" cy="0"/>
+          <a:chOff x="0" y="0"/>
+          <a:chExt cx="0" cy="0"/>
+        </a:xfrm>
+      </p:grpSpPr>
+      <p:sp>
+        <p:nvSpPr>
+          <p:cNvPr id="2" name="Título 1"/>
+          <p:cNvSpPr>
+            <a:spLocks noGrp="1"/>
+          </p:cNvSpPr>
+          <p:nvPr>
+            <p:ph type="title"/>
+          </p:nvPr>
+        </p:nvSpPr>
+        <p:spPr>
+          <a:xfrm>
+            <a:off x="2207568" y="2924944"/>
+            <a:ext cx="8229600" cy="990600"/>
+          </a:xfrm>
+        </p:spPr>
+        <p:txBody>
+          <a:bodyPr>
+            <a:normAutofit fontScale="90000"/>
+          </a:bodyPr>
+          <a:lstStyle/>
+          <a:p>
+            <a:pPr algn="ctr"/>
+            <a:r>
+              <a:rPr lang="pt-BR" cap="all" dirty="0"/>
+              <a:t>BEST PRACTICES</a:t>
+            </a:r>
+            <a:br>
+              <a:rPr lang="pt-BR" cap="all" dirty="0"/>
+            </a:br>
+            <a:r>
+              <a:rPr lang="pt-BR" cap="all" dirty="0"/>
+              <a:t/>
+            </a:r>
+            <a:br>
+              <a:rPr lang="pt-BR" cap="all" dirty="0"/>
+            </a:br>
+            <a:r>
+              <a:rPr lang="pt-BR" cap="all" dirty="0"/>
+              <a:t/>
+            </a:r>
+            <a:br>
+              <a:rPr lang="pt-BR" cap="all" dirty="0"/>
+            </a:br>
+            <a:endParaRPr lang="pt-BR" dirty="0"/>
+          </a:p>
+        </p:txBody>
+      </p:sp>
+    </p:spTree>
+    <p:extLst>
+      <p:ext uri="{BB962C8B-B14F-4D97-AF65-F5344CB8AC3E}">
+        <p14:creationId xmlns:p14="http://schemas.microsoft.com/office/powerpoint/2010/main" val="2711349131"/>
+      </p:ext>
+    </p:extLst>
+  </p:cSld>
+  <p:clrMapOvr>
+    <a:masterClrMapping/>
+  </p:clrMapOvr>
+  <p:timing>
+    <p:tnLst>
+      <p:par>
+        <p:cTn id="1" dur="indefinite" restart="never" nodeType="tmRoot"/>
+      </p:par>
+    </p:tnLst>
+  </p:timing>
+</p:sld>
+</file>
+
+<file path=ppt/slides/slide47.xml><?xml version="1.0" encoding="utf-8"?>
+<p:sld xmlns:a="http://schemas.openxmlformats.org/drawingml/2006/main" xmlns:r="http://schemas.openxmlformats.org/officeDocument/2006/relationships" xmlns:p="http://schemas.openxmlformats.org/presentationml/2006/main">
+  <p:cSld>
+    <p:spTree>
+      <p:nvGrpSpPr>
+        <p:cNvPr id="1" name=""/>
+        <p:cNvGrpSpPr/>
+        <p:nvPr/>
+      </p:nvGrpSpPr>
+      <p:grpSpPr>
+        <a:xfrm>
+          <a:off x="0" y="0"/>
+          <a:ext cx="0" cy="0"/>
+          <a:chOff x="0" y="0"/>
+          <a:chExt cx="0" cy="0"/>
+        </a:xfrm>
+      </p:grpSpPr>
+      <p:pic>
+        <p:nvPicPr>
+          <p:cNvPr id="4" name="Imagem 3"/>
+          <p:cNvPicPr>
+            <a:picLocks noChangeAspect="1"/>
+          </p:cNvPicPr>
+          <p:nvPr/>
+        </p:nvPicPr>
+        <p:blipFill>
+          <a:blip r:embed="rId2"/>
+          <a:stretch>
+            <a:fillRect/>
+          </a:stretch>
+        </p:blipFill>
+        <p:spPr>
+          <a:xfrm>
+            <a:off x="-343853" y="-264796"/>
+            <a:ext cx="14435232" cy="7519035"/>
+          </a:xfrm>
+          <a:prstGeom prst="rect">
+            <a:avLst/>
+          </a:prstGeom>
+        </p:spPr>
+      </p:pic>
+    </p:spTree>
+    <p:extLst>
+      <p:ext uri="{BB962C8B-B14F-4D97-AF65-F5344CB8AC3E}">
+        <p14:creationId xmlns:p14="http://schemas.microsoft.com/office/powerpoint/2010/main" val="1013917312"/>
+      </p:ext>
+    </p:extLst>
+  </p:cSld>
+  <p:clrMapOvr>
+    <a:masterClrMapping/>
+  </p:clrMapOvr>
+  <p:timing>
+    <p:tnLst>
+      <p:par>
+        <p:cTn id="1" dur="indefinite" restart="never" nodeType="tmRoot"/>
+      </p:par>
+    </p:tnLst>
+  </p:timing>
+</p:sld>
+</file>
+
+<file path=ppt/slides/slide48.xml><?xml version="1.0" encoding="utf-8"?>
+<p:sld xmlns:a="http://schemas.openxmlformats.org/drawingml/2006/main" xmlns:r="http://schemas.openxmlformats.org/officeDocument/2006/relationships" xmlns:p="http://schemas.openxmlformats.org/presentationml/2006/main">
+  <p:cSld>
+    <p:spTree>
+      <p:nvGrpSpPr>
+        <p:cNvPr id="1" name=""/>
+        <p:cNvGrpSpPr/>
+        <p:nvPr/>
+      </p:nvGrpSpPr>
+      <p:grpSpPr>
+        <a:xfrm>
+          <a:off x="0" y="0"/>
+          <a:ext cx="0" cy="0"/>
+          <a:chOff x="0" y="0"/>
+          <a:chExt cx="0" cy="0"/>
+        </a:xfrm>
+      </p:grpSpPr>
+      <p:sp>
+        <p:nvSpPr>
+          <p:cNvPr id="2" name="Título 1"/>
+          <p:cNvSpPr>
+            <a:spLocks noGrp="1"/>
+          </p:cNvSpPr>
+          <p:nvPr>
+            <p:ph type="title"/>
+          </p:nvPr>
+        </p:nvSpPr>
+        <p:spPr/>
+        <p:txBody>
+          <a:bodyPr/>
+          <a:lstStyle/>
+          <a:p>
+            <a:pPr fontAlgn="base"/>
+            <a:r>
+              <a:rPr lang="pt-BR" dirty="0" err="1"/>
+              <a:t>Sample</a:t>
+            </a:r>
+            <a:r>
+              <a:rPr lang="pt-BR" dirty="0"/>
+              <a:t> </a:t>
+            </a:r>
+            <a:r>
+              <a:rPr lang="pt-BR" dirty="0" err="1"/>
+              <a:t>best</a:t>
+            </a:r>
+            <a:r>
+              <a:rPr lang="pt-BR" dirty="0"/>
+              <a:t> </a:t>
+            </a:r>
+            <a:r>
+              <a:rPr lang="pt-BR" dirty="0" err="1"/>
+              <a:t>practice</a:t>
+            </a:r>
+            <a:r>
+              <a:rPr lang="pt-BR" dirty="0"/>
+              <a:t> </a:t>
+            </a:r>
+            <a:r>
+              <a:rPr lang="pt-BR" dirty="0" err="1"/>
+              <a:t>topics</a:t>
+            </a:r>
+            <a:endParaRPr lang="pt-BR" dirty="0"/>
+          </a:p>
+        </p:txBody>
+      </p:sp>
+      <p:sp>
+        <p:nvSpPr>
+          <p:cNvPr id="3" name="Espaço Reservado para Conteúdo 2"/>
+          <p:cNvSpPr>
+            <a:spLocks noGrp="1"/>
+          </p:cNvSpPr>
+          <p:nvPr>
+            <p:ph idx="1"/>
+          </p:nvPr>
+        </p:nvSpPr>
+        <p:spPr/>
+        <p:txBody>
+          <a:bodyPr>
+            <a:noAutofit/>
+          </a:bodyPr>
+          <a:lstStyle/>
+          <a:p>
+            <a:pPr marL="0" indent="0" algn="ctr">
+              <a:buNone/>
+            </a:pPr>
+            <a:r>
+              <a:rPr lang="pt-BR" sz="3600" dirty="0" err="1"/>
+              <a:t>pagination</a:t>
+            </a:r>
+            <a:r>
+              <a:rPr lang="pt-BR" sz="3600" dirty="0"/>
+              <a:t>, </a:t>
+            </a:r>
+            <a:r>
+              <a:rPr lang="pt-BR" sz="3600" dirty="0" smtClean="0"/>
+              <a:t>time </a:t>
+            </a:r>
+            <a:r>
+              <a:rPr lang="pt-BR" sz="3600" dirty="0"/>
+              <a:t>ranges</a:t>
+            </a:r>
+            <a:r>
+              <a:rPr lang="pt-BR" sz="3600" dirty="0" smtClean="0"/>
+              <a:t>, </a:t>
+            </a:r>
+            <a:r>
+              <a:rPr lang="pt-BR" sz="3600" dirty="0" err="1"/>
+              <a:t>fault</a:t>
+            </a:r>
+            <a:r>
+              <a:rPr lang="pt-BR" sz="3600" dirty="0"/>
+              <a:t> </a:t>
+            </a:r>
+            <a:r>
+              <a:rPr lang="pt-BR" sz="3600" dirty="0" err="1"/>
+              <a:t>tolerance</a:t>
+            </a:r>
+            <a:r>
+              <a:rPr lang="pt-BR" sz="3600" dirty="0" smtClean="0"/>
+              <a:t>, </a:t>
+            </a:r>
+            <a:r>
+              <a:rPr lang="pt-BR" sz="3600" dirty="0"/>
+              <a:t>cache </a:t>
+            </a:r>
+            <a:r>
+              <a:rPr lang="pt-BR" sz="3600" dirty="0" err="1"/>
+              <a:t>values</a:t>
+            </a:r>
+            <a:r>
+              <a:rPr lang="pt-BR" sz="3600" dirty="0" smtClean="0"/>
+              <a:t>, </a:t>
+            </a:r>
+            <a:r>
+              <a:rPr lang="pt-BR" sz="3600" dirty="0" err="1"/>
+              <a:t>connectivity</a:t>
+            </a:r>
+            <a:r>
+              <a:rPr lang="pt-BR" sz="3600" dirty="0"/>
+              <a:t>, </a:t>
+            </a:r>
+            <a:r>
+              <a:rPr lang="pt-BR" sz="3600" dirty="0" smtClean="0"/>
+              <a:t>timeouts, </a:t>
+            </a:r>
+            <a:r>
+              <a:rPr lang="pt-BR" sz="3600" dirty="0" err="1"/>
+              <a:t>downtime</a:t>
+            </a:r>
+            <a:r>
+              <a:rPr lang="pt-BR" sz="3600" dirty="0" smtClean="0"/>
+              <a:t>, </a:t>
+            </a:r>
+            <a:r>
+              <a:rPr lang="pt-BR" sz="3600" dirty="0"/>
+              <a:t>SSL, </a:t>
+            </a:r>
+            <a:r>
+              <a:rPr lang="pt-BR" sz="3600" dirty="0" err="1"/>
+              <a:t>versions</a:t>
+            </a:r>
+            <a:r>
+              <a:rPr lang="pt-BR" sz="3600" dirty="0"/>
+              <a:t>, </a:t>
+            </a:r>
+            <a:r>
+              <a:rPr lang="pt-BR" sz="3600" dirty="0" err="1"/>
+              <a:t>testing</a:t>
+            </a:r>
+            <a:r>
+              <a:rPr lang="pt-BR" sz="3600" dirty="0"/>
+              <a:t> </a:t>
+            </a:r>
+            <a:r>
+              <a:rPr lang="pt-BR" sz="3600" dirty="0" err="1"/>
+              <a:t>and</a:t>
+            </a:r>
+            <a:r>
+              <a:rPr lang="pt-BR" sz="3600" dirty="0"/>
+              <a:t> </a:t>
+            </a:r>
+            <a:r>
+              <a:rPr lang="pt-BR" sz="3600" dirty="0" err="1"/>
+              <a:t>validation</a:t>
+            </a:r>
+            <a:r>
+              <a:rPr lang="pt-BR" sz="3600" dirty="0"/>
+              <a:t>, </a:t>
+            </a:r>
+            <a:r>
+              <a:rPr lang="pt-BR" sz="3600" dirty="0" err="1"/>
+              <a:t>exports</a:t>
+            </a:r>
+            <a:r>
+              <a:rPr lang="pt-BR" sz="3600" dirty="0"/>
+              <a:t>, </a:t>
+            </a:r>
+            <a:r>
+              <a:rPr lang="pt-BR" sz="3600" dirty="0" err="1"/>
+              <a:t>languages</a:t>
+            </a:r>
+            <a:r>
+              <a:rPr lang="pt-BR" sz="3600" dirty="0"/>
+              <a:t>, </a:t>
+            </a:r>
+            <a:r>
+              <a:rPr lang="pt-BR" sz="3600" dirty="0" err="1"/>
+              <a:t>number</a:t>
+            </a:r>
+            <a:r>
+              <a:rPr lang="pt-BR" sz="3600" dirty="0"/>
+              <a:t> </a:t>
+            </a:r>
+            <a:r>
+              <a:rPr lang="pt-BR" sz="3600" dirty="0" err="1"/>
+              <a:t>handling</a:t>
+            </a:r>
+            <a:r>
+              <a:rPr lang="pt-BR" sz="3600" dirty="0"/>
+              <a:t>, </a:t>
+            </a:r>
+            <a:r>
+              <a:rPr lang="pt-BR" sz="3600" dirty="0" err="1"/>
+              <a:t>expanding</a:t>
+            </a:r>
+            <a:r>
+              <a:rPr lang="pt-BR" sz="3600" dirty="0"/>
+              <a:t> </a:t>
+            </a:r>
+            <a:r>
+              <a:rPr lang="pt-BR" sz="3600" dirty="0" err="1"/>
+              <a:t>resources</a:t>
+            </a:r>
+            <a:r>
+              <a:rPr lang="pt-BR" sz="3600" dirty="0"/>
+              <a:t>, </a:t>
+            </a:r>
+            <a:r>
+              <a:rPr lang="pt-BR" sz="3600" dirty="0" err="1"/>
+              <a:t>notifications</a:t>
+            </a:r>
+            <a:r>
+              <a:rPr lang="pt-BR" sz="3600" dirty="0"/>
+              <a:t>, etc.</a:t>
+            </a:r>
+            <a:endParaRPr lang="pt-BR" sz="3600" dirty="0"/>
+          </a:p>
+        </p:txBody>
+      </p:sp>
+    </p:spTree>
+    <p:extLst>
+      <p:ext uri="{BB962C8B-B14F-4D97-AF65-F5344CB8AC3E}">
+        <p14:creationId xmlns:p14="http://schemas.microsoft.com/office/powerpoint/2010/main" val="186262122"/>
+      </p:ext>
+    </p:extLst>
+  </p:cSld>
+  <p:clrMapOvr>
+    <a:masterClrMapping/>
+  </p:clrMapOvr>
+  <p:timing>
+    <p:tnLst>
+      <p:par>
+        <p:cTn id="1" dur="indefinite" restart="never" nodeType="tmRoot"/>
+      </p:par>
+    </p:tnLst>
+  </p:timing>
+</p:sld>
+</file>
+
+<file path=ppt/slides/slide49.xml><?xml version="1.0" encoding="utf-8"?>
+<p:sld xmlns:a="http://schemas.openxmlformats.org/drawingml/2006/main" xmlns:r="http://schemas.openxmlformats.org/officeDocument/2006/relationships" xmlns:p="http://schemas.openxmlformats.org/presentationml/2006/main">
+  <p:cSld>
+    <p:spTree>
+      <p:nvGrpSpPr>
+        <p:cNvPr id="1" name=""/>
+        <p:cNvGrpSpPr/>
+        <p:nvPr/>
+      </p:nvGrpSpPr>
+      <p:grpSpPr>
+        <a:xfrm>
+          <a:off x="0" y="0"/>
+          <a:ext cx="0" cy="0"/>
+          <a:chOff x="0" y="0"/>
+          <a:chExt cx="0" cy="0"/>
+        </a:xfrm>
+      </p:grpSpPr>
+      <p:sp>
+        <p:nvSpPr>
+          <p:cNvPr id="2" name="Título 1"/>
+          <p:cNvSpPr>
+            <a:spLocks noGrp="1"/>
+          </p:cNvSpPr>
+          <p:nvPr>
+            <p:ph type="title"/>
+          </p:nvPr>
+        </p:nvSpPr>
+        <p:spPr>
+          <a:xfrm>
+            <a:off x="2207568" y="2924944"/>
+            <a:ext cx="8229600" cy="990600"/>
+          </a:xfrm>
+        </p:spPr>
+        <p:txBody>
+          <a:bodyPr>
+            <a:normAutofit/>
+          </a:bodyPr>
+          <a:lstStyle/>
+          <a:p>
+            <a:pPr algn="ctr"/>
+            <a:r>
+              <a:rPr lang="pt-BR" dirty="0"/>
+              <a:t>STATUS AND ERROR CODES</a:t>
+            </a:r>
+            <a:endParaRPr lang="pt-BR" dirty="0"/>
+          </a:p>
+        </p:txBody>
+      </p:sp>
+    </p:spTree>
+    <p:extLst>
+      <p:ext uri="{BB962C8B-B14F-4D97-AF65-F5344CB8AC3E}">
+        <p14:creationId xmlns:p14="http://schemas.microsoft.com/office/powerpoint/2010/main" val="449248358"/>
+      </p:ext>
+    </p:extLst>
+  </p:cSld>
+  <p:clrMapOvr>
+    <a:masterClrMapping/>
+  </p:clrMapOvr>
+  <p:timing>
+    <p:tnLst>
+      <p:par>
+        <p:cTn id="1" dur="indefinite" restart="never" nodeType="tmRoot"/>
+      </p:par>
+    </p:tnLst>
+  </p:timing>
+</p:sld>
+</file>
+
+<file path=ppt/slides/slide5.xml><?xml version="1.0" encoding="utf-8"?>
+<p:sld xmlns:a="http://schemas.openxmlformats.org/drawingml/2006/main" xmlns:r="http://schemas.openxmlformats.org/officeDocument/2006/relationships" xmlns:p="http://schemas.openxmlformats.org/presentationml/2006/main">
+  <p:cSld>
+    <p:spTree>
+      <p:nvGrpSpPr>
+        <p:cNvPr id="1" name=""/>
+        <p:cNvGrpSpPr/>
+        <p:nvPr/>
+      </p:nvGrpSpPr>
+      <p:grpSpPr>
+        <a:xfrm>
+          <a:off x="0" y="0"/>
+          <a:ext cx="0" cy="0"/>
+          <a:chOff x="0" y="0"/>
+          <a:chExt cx="0" cy="0"/>
+        </a:xfrm>
+      </p:grpSpPr>
+      <p:pic>
+        <p:nvPicPr>
+          <p:cNvPr id="5122" name="Picture 2" descr="http://idratherbewriting.com/learnapidoc/images/calculator.png"/>
+          <p:cNvPicPr>
+            <a:picLocks noChangeAspect="1" noChangeArrowheads="1"/>
+          </p:cNvPicPr>
+          <p:nvPr/>
+        </p:nvPicPr>
+        <p:blipFill>
+          <a:blip r:embed="rId2">
+            <a:extLst>
+              <a:ext uri="{28A0092B-C50C-407E-A947-70E740481C1C}">
+                <a14:useLocalDpi xmlns:a14="http://schemas.microsoft.com/office/drawing/2010/main" val="0"/>
+              </a:ext>
+            </a:extLst>
+          </a:blip>
+          <a:srcRect/>
+          <a:stretch>
+            <a:fillRect/>
+          </a:stretch>
+        </p:blipFill>
+        <p:spPr bwMode="auto">
+          <a:xfrm>
+            <a:off x="3904615" y="1028930"/>
+            <a:ext cx="3684905" cy="5082628"/>
+          </a:xfrm>
+          <a:prstGeom prst="rect">
+            <a:avLst/>
+          </a:prstGeom>
+          <a:noFill/>
+          <a:extLst>
+            <a:ext uri="{909E8E84-426E-40DD-AFC4-6F175D3DCCD1}">
+              <a14:hiddenFill xmlns:a14="http://schemas.microsoft.com/office/drawing/2010/main">
+                <a:solidFill>
+                  <a:srgbClr val="FFFFFF"/>
+                </a:solidFill>
+              </a14:hiddenFill>
+            </a:ext>
+          </a:extLst>
+        </p:spPr>
+      </p:pic>
+    </p:spTree>
+    <p:extLst>
+      <p:ext uri="{BB962C8B-B14F-4D97-AF65-F5344CB8AC3E}">
+        <p14:creationId xmlns:p14="http://schemas.microsoft.com/office/powerpoint/2010/main" val="1175463554"/>
+      </p:ext>
+    </p:extLst>
+  </p:cSld>
+  <p:clrMapOvr>
+    <a:masterClrMapping/>
+  </p:clrMapOvr>
+  <p:timing>
+    <p:tnLst>
+      <p:par>
+        <p:cTn id="1" dur="indefinite" restart="never" nodeType="tmRoot"/>
+      </p:par>
+    </p:tnLst>
+  </p:timing>
+</p:sld>
+</file>
+
+<file path=ppt/slides/slide50.xml><?xml version="1.0" encoding="utf-8"?>
+<p:sld xmlns:a="http://schemas.openxmlformats.org/drawingml/2006/main" xmlns:r="http://schemas.openxmlformats.org/officeDocument/2006/relationships" xmlns:p="http://schemas.openxmlformats.org/presentationml/2006/main">
+  <p:cSld>
+    <p:spTree>
+      <p:nvGrpSpPr>
+        <p:cNvPr id="1" name=""/>
+        <p:cNvGrpSpPr/>
+        <p:nvPr/>
+      </p:nvGrpSpPr>
+      <p:grpSpPr>
+        <a:xfrm>
+          <a:off x="0" y="0"/>
+          <a:ext cx="0" cy="0"/>
+          <a:chOff x="0" y="0"/>
+          <a:chExt cx="0" cy="0"/>
+        </a:xfrm>
+      </p:grpSpPr>
+      <p:pic>
+        <p:nvPicPr>
+          <p:cNvPr id="2" name="Imagem 1"/>
+          <p:cNvPicPr>
+            <a:picLocks noChangeAspect="1"/>
+          </p:cNvPicPr>
+          <p:nvPr/>
+        </p:nvPicPr>
+        <p:blipFill>
+          <a:blip r:embed="rId2"/>
+          <a:stretch>
+            <a:fillRect/>
+          </a:stretch>
+        </p:blipFill>
+        <p:spPr>
+          <a:xfrm>
+            <a:off x="-2316481" y="-209550"/>
+            <a:ext cx="16716309" cy="7174230"/>
+          </a:xfrm>
+          <a:prstGeom prst="rect">
+            <a:avLst/>
+          </a:prstGeom>
+        </p:spPr>
+      </p:pic>
+    </p:spTree>
+    <p:extLst>
+      <p:ext uri="{BB962C8B-B14F-4D97-AF65-F5344CB8AC3E}">
+        <p14:creationId xmlns:p14="http://schemas.microsoft.com/office/powerpoint/2010/main" val="3368832831"/>
+      </p:ext>
+    </p:extLst>
+  </p:cSld>
+  <p:clrMapOvr>
+    <a:masterClrMapping/>
+  </p:clrMapOvr>
+  <p:timing>
+    <p:tnLst>
+      <p:par>
+        <p:cTn id="1" dur="indefinite" restart="never" nodeType="tmRoot"/>
+      </p:par>
+    </p:tnLst>
+  </p:timing>
+</p:sld>
+</file>
+
+<file path=ppt/slides/slide51.xml><?xml version="1.0" encoding="utf-8"?>
+<p:sld xmlns:a="http://schemas.openxmlformats.org/drawingml/2006/main" xmlns:r="http://schemas.openxmlformats.org/officeDocument/2006/relationships" xmlns:p="http://schemas.openxmlformats.org/presentationml/2006/main">
+  <p:cSld>
+    <p:spTree>
+      <p:nvGrpSpPr>
+        <p:cNvPr id="1" name=""/>
+        <p:cNvGrpSpPr/>
+        <p:nvPr/>
+      </p:nvGrpSpPr>
+      <p:grpSpPr>
+        <a:xfrm>
+          <a:off x="0" y="0"/>
+          <a:ext cx="0" cy="0"/>
+          <a:chOff x="0" y="0"/>
+          <a:chExt cx="0" cy="0"/>
+        </a:xfrm>
+      </p:grpSpPr>
+      <p:sp>
+        <p:nvSpPr>
+          <p:cNvPr id="2" name="Título 1"/>
+          <p:cNvSpPr>
+            <a:spLocks noGrp="1"/>
+          </p:cNvSpPr>
+          <p:nvPr>
+            <p:ph type="title"/>
+          </p:nvPr>
+        </p:nvSpPr>
+        <p:spPr>
+          <a:xfrm>
+            <a:off x="2207568" y="2924944"/>
+            <a:ext cx="8229600" cy="990600"/>
+          </a:xfrm>
+        </p:spPr>
+        <p:txBody>
+          <a:bodyPr>
+            <a:normAutofit/>
+          </a:bodyPr>
+          <a:lstStyle/>
+          <a:p>
+            <a:pPr algn="ctr"/>
+            <a:r>
+              <a:rPr lang="pt-BR" dirty="0" smtClean="0"/>
+              <a:t>Documentando </a:t>
+            </a:r>
+            <a:r>
+              <a:rPr lang="pt-BR" dirty="0" err="1" smtClean="0"/>
+              <a:t>RESTFull</a:t>
+            </a:r>
+            <a:r>
+              <a:rPr lang="pt-BR" dirty="0" smtClean="0"/>
+              <a:t> </a:t>
+            </a:r>
+            <a:r>
+              <a:rPr lang="pt-BR" dirty="0" err="1" smtClean="0"/>
+              <a:t>API’s</a:t>
+            </a:r>
+            <a:endParaRPr lang="pt-BR" dirty="0"/>
+          </a:p>
+        </p:txBody>
+      </p:sp>
+    </p:spTree>
+    <p:extLst>
+      <p:ext uri="{BB962C8B-B14F-4D97-AF65-F5344CB8AC3E}">
+        <p14:creationId xmlns:p14="http://schemas.microsoft.com/office/powerpoint/2010/main" val="1272573886"/>
+      </p:ext>
+    </p:extLst>
+  </p:cSld>
+  <p:clrMapOvr>
+    <a:masterClrMapping/>
+  </p:clrMapOvr>
+  <p:timing>
+    <p:tnLst>
+      <p:par>
+        <p:cTn id="1" dur="indefinite" restart="never" nodeType="tmRoot"/>
+      </p:par>
+    </p:tnLst>
+  </p:timing>
+</p:sld>
+</file>
+
+<file path=ppt/slides/slide52.xml><?xml version="1.0" encoding="utf-8"?>
+<p:sld xmlns:a="http://schemas.openxmlformats.org/drawingml/2006/main" xmlns:r="http://schemas.openxmlformats.org/officeDocument/2006/relationships" xmlns:p="http://schemas.openxmlformats.org/presentationml/2006/main">
+  <p:cSld>
+    <p:spTree>
+      <p:nvGrpSpPr>
+        <p:cNvPr id="1" name=""/>
+        <p:cNvGrpSpPr/>
+        <p:nvPr/>
+      </p:nvGrpSpPr>
+      <p:grpSpPr>
+        <a:xfrm>
+          <a:off x="0" y="0"/>
+          <a:ext cx="0" cy="0"/>
+          <a:chOff x="0" y="0"/>
+          <a:chExt cx="0" cy="0"/>
+        </a:xfrm>
+      </p:grpSpPr>
+      <p:pic>
+        <p:nvPicPr>
+          <p:cNvPr id="2" name="Imagem 1"/>
+          <p:cNvPicPr>
+            <a:picLocks noChangeAspect="1"/>
+          </p:cNvPicPr>
+          <p:nvPr/>
+        </p:nvPicPr>
+        <p:blipFill>
+          <a:blip r:embed="rId2"/>
+          <a:stretch>
+            <a:fillRect/>
+          </a:stretch>
+        </p:blipFill>
+        <p:spPr>
+          <a:xfrm>
+            <a:off x="0" y="-1051932"/>
+            <a:ext cx="12192000" cy="7909932"/>
+          </a:xfrm>
+          <a:prstGeom prst="rect">
+            <a:avLst/>
+          </a:prstGeom>
+        </p:spPr>
+      </p:pic>
+    </p:spTree>
+    <p:extLst>
+      <p:ext uri="{BB962C8B-B14F-4D97-AF65-F5344CB8AC3E}">
+        <p14:creationId xmlns:p14="http://schemas.microsoft.com/office/powerpoint/2010/main" val="3388494736"/>
+      </p:ext>
+    </p:extLst>
+  </p:cSld>
+  <p:clrMapOvr>
+    <a:masterClrMapping/>
+  </p:clrMapOvr>
+  <p:timing>
+    <p:tnLst>
+      <p:par>
+        <p:cTn id="1" dur="indefinite" restart="never" nodeType="tmRoot"/>
+      </p:par>
+    </p:tnLst>
+  </p:timing>
+</p:sld>
+</file>
+
+<file path=ppt/slides/slide53.xml><?xml version="1.0" encoding="utf-8"?>
+<p:sld xmlns:a="http://schemas.openxmlformats.org/drawingml/2006/main" xmlns:r="http://schemas.openxmlformats.org/officeDocument/2006/relationships" xmlns:p="http://schemas.openxmlformats.org/presentationml/2006/main">
+  <p:cSld>
+    <p:spTree>
+      <p:nvGrpSpPr>
+        <p:cNvPr id="1" name=""/>
+        <p:cNvGrpSpPr/>
+        <p:nvPr/>
+      </p:nvGrpSpPr>
+      <p:grpSpPr>
+        <a:xfrm>
+          <a:off x="0" y="0"/>
+          <a:ext cx="0" cy="0"/>
+          <a:chOff x="0" y="0"/>
+          <a:chExt cx="0" cy="0"/>
+        </a:xfrm>
+      </p:grpSpPr>
+      <p:sp>
+        <p:nvSpPr>
+          <p:cNvPr id="2" name="Título 1"/>
+          <p:cNvSpPr>
+            <a:spLocks noGrp="1"/>
+          </p:cNvSpPr>
+          <p:nvPr>
+            <p:ph type="title"/>
+          </p:nvPr>
+        </p:nvSpPr>
+        <p:spPr/>
+        <p:txBody>
+          <a:bodyPr/>
+          <a:lstStyle/>
+          <a:p>
+            <a:endParaRPr lang="pt-BR"/>
+          </a:p>
+        </p:txBody>
+      </p:sp>
+      <p:sp>
+        <p:nvSpPr>
+          <p:cNvPr id="3" name="Espaço Reservado para Conteúdo 2"/>
+          <p:cNvSpPr>
+            <a:spLocks noGrp="1"/>
+          </p:cNvSpPr>
+          <p:nvPr>
+            <p:ph idx="1"/>
+          </p:nvPr>
+        </p:nvSpPr>
+        <p:spPr/>
+        <p:txBody>
+          <a:bodyPr/>
+          <a:lstStyle/>
+          <a:p>
+            <a:r>
+              <a:rPr lang="en-US" dirty="0"/>
+              <a:t>Concepts more than technical details</a:t>
+            </a:r>
+          </a:p>
+          <a:p>
+            <a:r>
+              <a:rPr lang="en-US" dirty="0"/>
+              <a:t>The kind of documentation engineers want</a:t>
+            </a:r>
+          </a:p>
+          <a:p>
+            <a:r>
+              <a:rPr lang="en-US" dirty="0"/>
+              <a:t>Swagger UI and how to use it</a:t>
+            </a:r>
+          </a:p>
+          <a:p>
+            <a:r>
+              <a:rPr lang="en-US" dirty="0" err="1"/>
+              <a:t>OpenAPI</a:t>
+            </a:r>
+            <a:r>
+              <a:rPr lang="en-US" dirty="0"/>
+              <a:t> specification and how to create them</a:t>
+            </a:r>
+          </a:p>
+          <a:p>
+            <a:r>
+              <a:rPr lang="en-US" dirty="0"/>
+              <a:t>Other interactive documentation platforms</a:t>
+            </a:r>
+            <a:endParaRPr lang="pt-BR" dirty="0"/>
+          </a:p>
+        </p:txBody>
+      </p:sp>
+    </p:spTree>
+    <p:extLst>
+      <p:ext uri="{BB962C8B-B14F-4D97-AF65-F5344CB8AC3E}">
+        <p14:creationId xmlns:p14="http://schemas.microsoft.com/office/powerpoint/2010/main" val="62104314"/>
+      </p:ext>
+    </p:extLst>
+  </p:cSld>
+  <p:clrMapOvr>
+    <a:masterClrMapping/>
+  </p:clrMapOvr>
+  <p:timing>
+    <p:tnLst>
+      <p:par>
+        <p:cTn id="1" dur="indefinite" restart="never" nodeType="tmRoot"/>
+      </p:par>
+    </p:tnLst>
+  </p:timing>
+</p:sld>
+</file>
+
+<file path=ppt/slides/slide54.xml><?xml version="1.0" encoding="utf-8"?>
+<p:sld xmlns:a="http://schemas.openxmlformats.org/drawingml/2006/main" xmlns:r="http://schemas.openxmlformats.org/officeDocument/2006/relationships" xmlns:p="http://schemas.openxmlformats.org/presentationml/2006/main">
+  <p:cSld>
+    <p:spTree>
+      <p:nvGrpSpPr>
+        <p:cNvPr id="1" name=""/>
+        <p:cNvGrpSpPr/>
+        <p:nvPr/>
+      </p:nvGrpSpPr>
+      <p:grpSpPr>
+        <a:xfrm>
+          <a:off x="0" y="0"/>
+          <a:ext cx="0" cy="0"/>
+          <a:chOff x="0" y="0"/>
+          <a:chExt cx="0" cy="0"/>
+        </a:xfrm>
+      </p:grpSpPr>
+      <p:sp>
+        <p:nvSpPr>
+          <p:cNvPr id="2" name="Título 1"/>
+          <p:cNvSpPr>
+            <a:spLocks noGrp="1"/>
+          </p:cNvSpPr>
+          <p:nvPr>
+            <p:ph type="title"/>
+          </p:nvPr>
+        </p:nvSpPr>
+        <p:spPr>
+          <a:xfrm>
+            <a:off x="2207568" y="2924944"/>
+            <a:ext cx="8229600" cy="990600"/>
+          </a:xfrm>
+        </p:spPr>
+        <p:txBody>
+          <a:bodyPr>
+            <a:normAutofit/>
+          </a:bodyPr>
+          <a:lstStyle/>
+          <a:p>
+            <a:pPr fontAlgn="base"/>
+            <a:r>
+              <a:rPr lang="pt-BR" cap="all" dirty="0"/>
+              <a:t>AUTHORIZATION AND AUTHENTICATION</a:t>
+            </a:r>
+          </a:p>
+        </p:txBody>
+      </p:sp>
+    </p:spTree>
+    <p:extLst>
+      <p:ext uri="{BB962C8B-B14F-4D97-AF65-F5344CB8AC3E}">
+        <p14:creationId xmlns:p14="http://schemas.microsoft.com/office/powerpoint/2010/main" val="1188841835"/>
+      </p:ext>
+    </p:extLst>
+  </p:cSld>
+  <p:clrMapOvr>
+    <a:masterClrMapping/>
+  </p:clrMapOvr>
+  <p:timing>
+    <p:tnLst>
+      <p:par>
+        <p:cTn id="1" dur="indefinite" restart="never" nodeType="tmRoot"/>
+      </p:par>
+    </p:tnLst>
+  </p:timing>
+</p:sld>
+</file>
+
+<file path=ppt/slides/slide55.xml><?xml version="1.0" encoding="utf-8"?>
+<p:sld xmlns:a="http://schemas.openxmlformats.org/drawingml/2006/main" xmlns:r="http://schemas.openxmlformats.org/officeDocument/2006/relationships" xmlns:p="http://schemas.openxmlformats.org/presentationml/2006/main">
+  <p:cSld>
+    <p:spTree>
+      <p:nvGrpSpPr>
+        <p:cNvPr id="1" name=""/>
+        <p:cNvGrpSpPr/>
+        <p:nvPr/>
+      </p:nvGrpSpPr>
+      <p:grpSpPr>
+        <a:xfrm>
+          <a:off x="0" y="0"/>
+          <a:ext cx="0" cy="0"/>
+          <a:chOff x="0" y="0"/>
+          <a:chExt cx="0" cy="0"/>
+        </a:xfrm>
+      </p:grpSpPr>
+      <p:sp>
+        <p:nvSpPr>
+          <p:cNvPr id="4" name="AutoShape 6" descr="http://idratherbewriting.com/nonref-content-api-docs/media/vectors/nonref-docs-preso_authenticationauthorization.svg"/>
+          <p:cNvSpPr>
+            <a:spLocks noChangeAspect="1" noChangeArrowheads="1"/>
+          </p:cNvSpPr>
+          <p:nvPr/>
+        </p:nvSpPr>
+        <p:spPr bwMode="auto">
+          <a:xfrm>
+            <a:off x="155575" y="-144463"/>
+            <a:ext cx="304800" cy="304801"/>
+          </a:xfrm>
+          <a:prstGeom prst="rect">
+            <a:avLst/>
+          </a:prstGeom>
+          <a:noFill/>
+          <a:extLst>
+            <a:ext uri="{909E8E84-426E-40DD-AFC4-6F175D3DCCD1}">
+              <a14:hiddenFill xmlns:a14="http://schemas.microsoft.com/office/drawing/2010/main">
+                <a:solidFill>
+                  <a:srgbClr val="FFFFFF"/>
+                </a:solidFill>
+              </a14:hiddenFill>
+            </a:ext>
+          </a:extLst>
+        </p:spPr>
+        <p:txBody>
+          <a:bodyPr vert="horz" wrap="square" lIns="91440" tIns="45720" rIns="91440" bIns="45720" numCol="1" anchor="t" anchorCtr="0" compatLnSpc="1">
+            <a:prstTxWarp prst="textNoShape">
+              <a:avLst/>
+            </a:prstTxWarp>
+          </a:bodyPr>
+          <a:lstStyle/>
+          <a:p>
+            <a:endParaRPr lang="pt-BR"/>
+          </a:p>
+        </p:txBody>
+      </p:sp>
+      <p:pic>
+        <p:nvPicPr>
+          <p:cNvPr id="5" name="Imagem 4"/>
+          <p:cNvPicPr>
+            <a:picLocks noChangeAspect="1"/>
+          </p:cNvPicPr>
+          <p:nvPr/>
+        </p:nvPicPr>
+        <p:blipFill>
+          <a:blip r:embed="rId2"/>
+          <a:stretch>
+            <a:fillRect/>
+          </a:stretch>
+        </p:blipFill>
+        <p:spPr>
+          <a:xfrm>
+            <a:off x="-274319" y="0"/>
+            <a:ext cx="12954890" cy="6858000"/>
+          </a:xfrm>
+          <a:prstGeom prst="rect">
+            <a:avLst/>
+          </a:prstGeom>
+        </p:spPr>
+      </p:pic>
+    </p:spTree>
+    <p:extLst>
+      <p:ext uri="{BB962C8B-B14F-4D97-AF65-F5344CB8AC3E}">
+        <p14:creationId xmlns:p14="http://schemas.microsoft.com/office/powerpoint/2010/main" val="1459223222"/>
+      </p:ext>
+    </p:extLst>
+  </p:cSld>
+  <p:clrMapOvr>
+    <a:masterClrMapping/>
+  </p:clrMapOvr>
+  <p:timing>
+    <p:tnLst>
+      <p:par>
+        <p:cTn id="1" dur="indefinite" restart="never" nodeType="tmRoot"/>
+      </p:par>
+    </p:tnLst>
+  </p:timing>
+</p:sld>
+</file>
+
+<file path=ppt/slides/slide56.xml><?xml version="1.0" encoding="utf-8"?>
+<p:sld xmlns:a="http://schemas.openxmlformats.org/drawingml/2006/main" xmlns:r="http://schemas.openxmlformats.org/officeDocument/2006/relationships" xmlns:p="http://schemas.openxmlformats.org/presentationml/2006/main">
+  <p:cSld>
+    <p:spTree>
+      <p:nvGrpSpPr>
+        <p:cNvPr id="1" name=""/>
+        <p:cNvGrpSpPr/>
+        <p:nvPr/>
+      </p:nvGrpSpPr>
+      <p:grpSpPr>
+        <a:xfrm>
+          <a:off x="0" y="0"/>
+          <a:ext cx="0" cy="0"/>
+          <a:chOff x="0" y="0"/>
+          <a:chExt cx="0" cy="0"/>
+        </a:xfrm>
+      </p:grpSpPr>
+      <p:sp>
+        <p:nvSpPr>
+          <p:cNvPr id="2" name="Título 1"/>
+          <p:cNvSpPr>
+            <a:spLocks noGrp="1"/>
+          </p:cNvSpPr>
+          <p:nvPr>
+            <p:ph type="title"/>
+          </p:nvPr>
+        </p:nvSpPr>
+        <p:spPr/>
+        <p:txBody>
+          <a:bodyPr/>
+          <a:lstStyle/>
+          <a:p>
+            <a:r>
+              <a:rPr lang="pt-BR" dirty="0" smtClean="0"/>
+              <a:t>REFERÊNCIAS</a:t>
+            </a:r>
+            <a:endParaRPr lang="pt-BR" dirty="0"/>
+          </a:p>
+        </p:txBody>
+      </p:sp>
+      <p:sp>
+        <p:nvSpPr>
+          <p:cNvPr id="3" name="Espaço Reservado para Conteúdo 2"/>
+          <p:cNvSpPr>
+            <a:spLocks noGrp="1"/>
+          </p:cNvSpPr>
+          <p:nvPr>
+            <p:ph idx="1"/>
+          </p:nvPr>
+        </p:nvSpPr>
+        <p:spPr/>
+        <p:txBody>
+          <a:bodyPr/>
+          <a:lstStyle/>
+          <a:p>
+            <a:r>
+              <a:rPr lang="en-US" dirty="0">
+                <a:hlinkClick r:id="rId2"/>
+              </a:rPr>
+              <a:t>http://</a:t>
+            </a:r>
+            <a:r>
+              <a:rPr lang="en-US" dirty="0" smtClean="0">
+                <a:hlinkClick r:id="rId2"/>
+              </a:rPr>
+              <a:t>idratherbewriting.com/learnapidoc/docapis_introtoapis.html</a:t>
+            </a:r>
+            <a:endParaRPr lang="en-US" dirty="0" smtClean="0"/>
+          </a:p>
+          <a:p>
+            <a:endParaRPr lang="en-US" dirty="0"/>
+          </a:p>
+          <a:p>
+            <a:r>
+              <a:rPr lang="pt-BR" dirty="0">
+                <a:hlinkClick r:id="rId3"/>
+              </a:rPr>
+              <a:t>https://</a:t>
+            </a:r>
+            <a:r>
+              <a:rPr lang="pt-BR" dirty="0" smtClean="0">
+                <a:hlinkClick r:id="rId3"/>
+              </a:rPr>
+              <a:t>github.com/nbarbettini/BeautifulRestApi</a:t>
+            </a:r>
+            <a:endParaRPr lang="pt-BR" dirty="0" smtClean="0"/>
+          </a:p>
+          <a:p>
+            <a:endParaRPr lang="pt-BR"/>
+          </a:p>
+          <a:p>
+            <a:endParaRPr lang="pt-BR" dirty="0"/>
+          </a:p>
+        </p:txBody>
+      </p:sp>
+    </p:spTree>
+    <p:extLst>
+      <p:ext uri="{BB962C8B-B14F-4D97-AF65-F5344CB8AC3E}">
+        <p14:creationId xmlns:p14="http://schemas.microsoft.com/office/powerpoint/2010/main" val="1004777352"/>
+      </p:ext>
+    </p:extLst>
+  </p:cSld>
+  <p:clrMapOvr>
+    <a:masterClrMapping/>
+  </p:clrMapOvr>
+  <p:timing>
+    <p:tnLst>
+      <p:par>
+        <p:cTn id="1" dur="indefinite" restart="never" nodeType="tmRoot"/>
+      </p:par>
+    </p:tnLst>
+  </p:timing>
+</p:sld>
+</file>
+
+<file path=ppt/slides/slide6.xml><?xml version="1.0" encoding="utf-8"?>
+<p:sld xmlns:a="http://schemas.openxmlformats.org/drawingml/2006/main" xmlns:r="http://schemas.openxmlformats.org/officeDocument/2006/relationships" xmlns:p="http://schemas.openxmlformats.org/presentationml/2006/main">
+  <p:cSld>
+    <p:spTree>
+      <p:nvGrpSpPr>
+        <p:cNvPr id="1" name=""/>
+        <p:cNvGrpSpPr/>
+        <p:nvPr/>
+      </p:nvGrpSpPr>
+      <p:grpSpPr>
+        <a:xfrm>
+          <a:off x="0" y="0"/>
+          <a:ext cx="0" cy="0"/>
+          <a:chOff x="0" y="0"/>
+          <a:chExt cx="0" cy="0"/>
+        </a:xfrm>
+      </p:grpSpPr>
+      <p:sp>
+        <p:nvSpPr>
+          <p:cNvPr id="2" name="Título 1"/>
+          <p:cNvSpPr>
+            <a:spLocks noGrp="1"/>
+          </p:cNvSpPr>
+          <p:nvPr>
+            <p:ph type="title"/>
+          </p:nvPr>
+        </p:nvSpPr>
+        <p:spPr>
+          <a:xfrm>
+            <a:off x="2207568" y="2924944"/>
+            <a:ext cx="8229600" cy="990600"/>
+          </a:xfrm>
+        </p:spPr>
+        <p:txBody>
+          <a:bodyPr>
+            <a:normAutofit fontScale="90000"/>
+          </a:bodyPr>
+          <a:lstStyle/>
+          <a:p>
+            <a:pPr algn="ctr"/>
+            <a:r>
+              <a:rPr lang="en-US" dirty="0"/>
+              <a:t>WHAT IS A REST API?</a:t>
+            </a:r>
+            <a:br>
+              <a:rPr lang="en-US" dirty="0"/>
+            </a:br>
+            <a:r>
+              <a:rPr lang="en-US" dirty="0"/>
+              <a:t/>
+            </a:r>
+            <a:br>
+              <a:rPr lang="en-US" dirty="0"/>
+            </a:br>
+            <a:r>
+              <a:rPr lang="en-US" dirty="0"/>
+              <a:t>REQUESTS AND RESPONSES</a:t>
+            </a:r>
+            <a:endParaRPr lang="pt-BR" dirty="0"/>
+          </a:p>
+        </p:txBody>
+      </p:sp>
+    </p:spTree>
+    <p:extLst>
+      <p:ext uri="{BB962C8B-B14F-4D97-AF65-F5344CB8AC3E}">
+        <p14:creationId xmlns:p14="http://schemas.microsoft.com/office/powerpoint/2010/main" val="3828666716"/>
+      </p:ext>
+    </p:extLst>
+  </p:cSld>
+  <p:clrMapOvr>
+    <a:masterClrMapping/>
+  </p:clrMapOvr>
+  <p:timing>
+    <p:tnLst>
+      <p:par>
+        <p:cTn id="1" dur="indefinite" restart="never" nodeType="tmRoot"/>
+      </p:par>
+    </p:tnLst>
+  </p:timing>
+</p:sld>
+</file>
+
+<file path=ppt/slides/slide7.xml><?xml version="1.0" encoding="utf-8"?>
+<p:sld xmlns:a="http://schemas.openxmlformats.org/drawingml/2006/main" xmlns:r="http://schemas.openxmlformats.org/officeDocument/2006/relationships" xmlns:p="http://schemas.openxmlformats.org/presentationml/2006/main">
+  <p:cSld>
+    <p:spTree>
+      <p:nvGrpSpPr>
+        <p:cNvPr id="1" name=""/>
+        <p:cNvGrpSpPr/>
+        <p:nvPr/>
+      </p:nvGrpSpPr>
+      <p:grpSpPr>
+        <a:xfrm>
+          <a:off x="0" y="0"/>
+          <a:ext cx="0" cy="0"/>
+          <a:chOff x="0" y="0"/>
+          <a:chExt cx="0" cy="0"/>
+        </a:xfrm>
+      </p:grpSpPr>
+      <p:pic>
+        <p:nvPicPr>
+          <p:cNvPr id="3" name="Imagem 2"/>
+          <p:cNvPicPr>
+            <a:picLocks noChangeAspect="1"/>
+          </p:cNvPicPr>
+          <p:nvPr/>
+        </p:nvPicPr>
+        <p:blipFill>
+          <a:blip r:embed="rId2"/>
+          <a:stretch>
+            <a:fillRect/>
+          </a:stretch>
+        </p:blipFill>
+        <p:spPr>
+          <a:xfrm>
+            <a:off x="-1429703" y="-41463"/>
+            <a:ext cx="15435263" cy="6940580"/>
+          </a:xfrm>
+          <a:prstGeom prst="rect">
+            <a:avLst/>
+          </a:prstGeom>
+        </p:spPr>
+      </p:pic>
+    </p:spTree>
+    <p:extLst>
+      <p:ext uri="{BB962C8B-B14F-4D97-AF65-F5344CB8AC3E}">
+        <p14:creationId xmlns:p14="http://schemas.microsoft.com/office/powerpoint/2010/main" val="3164888043"/>
+      </p:ext>
+    </p:extLst>
+  </p:cSld>
+  <p:clrMapOvr>
+    <a:masterClrMapping/>
+  </p:clrMapOvr>
+  <p:timing>
+    <p:tnLst>
+      <p:par>
+        <p:cTn id="1" dur="indefinite" restart="never" nodeType="tmRoot"/>
+      </p:par>
+    </p:tnLst>
+  </p:timing>
+</p:sld>
+</file>
+
+<file path=ppt/slides/slide8.xml><?xml version="1.0" encoding="utf-8"?>
+<p:sld xmlns:a="http://schemas.openxmlformats.org/drawingml/2006/main" xmlns:r="http://schemas.openxmlformats.org/officeDocument/2006/relationships" xmlns:p="http://schemas.openxmlformats.org/presentationml/2006/main">
+  <p:cSld>
+    <p:spTree>
+      <p:nvGrpSpPr>
+        <p:cNvPr id="1" name=""/>
+        <p:cNvGrpSpPr/>
+        <p:nvPr/>
+      </p:nvGrpSpPr>
+      <p:grpSpPr>
+        <a:xfrm>
+          <a:off x="0" y="0"/>
+          <a:ext cx="0" cy="0"/>
+          <a:chOff x="0" y="0"/>
+          <a:chExt cx="0" cy="0"/>
+        </a:xfrm>
+      </p:grpSpPr>
+      <p:sp>
+        <p:nvSpPr>
+          <p:cNvPr id="2" name="Título 1"/>
+          <p:cNvSpPr>
+            <a:spLocks noGrp="1"/>
+          </p:cNvSpPr>
+          <p:nvPr>
+            <p:ph type="title"/>
+          </p:nvPr>
+        </p:nvSpPr>
+        <p:spPr>
+          <a:xfrm>
+            <a:off x="2207568" y="2924944"/>
+            <a:ext cx="8229600" cy="990600"/>
+          </a:xfrm>
+        </p:spPr>
+        <p:txBody>
+          <a:bodyPr>
+            <a:normAutofit fontScale="90000"/>
+          </a:bodyPr>
+          <a:lstStyle/>
+          <a:p>
+            <a:pPr algn="ctr"/>
+            <a:r>
+              <a:rPr lang="en-US" dirty="0"/>
+              <a:t>WHAT IS A REST API?</a:t>
+            </a:r>
+            <a:br>
+              <a:rPr lang="en-US" dirty="0"/>
+            </a:br>
+            <a:r>
+              <a:rPr lang="en-US" dirty="0"/>
+              <a:t>THE WEB FOLLOWS REST</a:t>
+            </a:r>
+            <a:endParaRPr lang="pt-BR" dirty="0"/>
+          </a:p>
+        </p:txBody>
+      </p:sp>
+    </p:spTree>
+    <p:extLst>
+      <p:ext uri="{BB962C8B-B14F-4D97-AF65-F5344CB8AC3E}">
+        <p14:creationId xmlns:p14="http://schemas.microsoft.com/office/powerpoint/2010/main" val="4207980367"/>
+      </p:ext>
+    </p:extLst>
+  </p:cSld>
+  <p:clrMapOvr>
+    <a:masterClrMapping/>
+  </p:clrMapOvr>
+  <p:timing>
+    <p:tnLst>
+      <p:par>
+        <p:cTn id="1" dur="indefinite" restart="never" nodeType="tmRoot"/>
+      </p:par>
+    </p:tnLst>
+  </p:timing>
+</p:sld>
+</file>
+
 <file path=ppt/slides/slide9.xml><?xml version="1.0" encoding="utf-8"?>
 <p:sld xmlns:a="http://schemas.openxmlformats.org/drawingml/2006/main" xmlns:r="http://schemas.openxmlformats.org/officeDocument/2006/relationships" xmlns:p="http://schemas.openxmlformats.org/presentationml/2006/main">
   <p:cSld>
@@ -6439,41 +10454,34 @@
           <a:chExt cx="0" cy="0"/>
         </a:xfrm>
       </p:grpSpPr>
-      <p:sp>
-        <p:nvSpPr>
-          <p:cNvPr id="2" name="Título 1"/>
-          <p:cNvSpPr>
-            <a:spLocks noGrp="1"/>
-          </p:cNvSpPr>
-          <p:nvPr>
-            <p:ph type="title"/>
-          </p:nvPr>
-        </p:nvSpPr>
+      <p:pic>
+        <p:nvPicPr>
+          <p:cNvPr id="2" name="Imagem 1"/>
+          <p:cNvPicPr>
+            <a:picLocks noChangeAspect="1"/>
+          </p:cNvPicPr>
+          <p:nvPr/>
+        </p:nvPicPr>
+        <p:blipFill>
+          <a:blip r:embed="rId2"/>
+          <a:stretch>
+            <a:fillRect/>
+          </a:stretch>
+        </p:blipFill>
         <p:spPr>
           <a:xfrm>
-            <a:off x="2207568" y="2924944"/>
-            <a:ext cx="8229600" cy="990600"/>
+            <a:off x="-1668780" y="-225552"/>
+            <a:ext cx="15737888" cy="7098792"/>
           </a:xfrm>
+          <a:prstGeom prst="rect">
+            <a:avLst/>
+          </a:prstGeom>
         </p:spPr>
-        <p:txBody>
-          <a:bodyPr>
-            <a:normAutofit/>
-          </a:bodyPr>
-          <a:lstStyle/>
-          <a:p>
-            <a:pPr algn="ctr"/>
-            <a:r>
-              <a:rPr lang="pt-BR" dirty="0" smtClean="0"/>
-              <a:t>Verbos: PUT</a:t>
-            </a:r>
-            <a:endParaRPr lang="pt-BR" dirty="0"/>
-          </a:p>
-        </p:txBody>
-      </p:sp>
+      </p:pic>
     </p:spTree>
     <p:extLst>
       <p:ext uri="{BB962C8B-B14F-4D97-AF65-F5344CB8AC3E}">
-        <p14:creationId xmlns:p14="http://schemas.microsoft.com/office/powerpoint/2010/main" val="4152563322"/>
+        <p14:creationId xmlns:p14="http://schemas.microsoft.com/office/powerpoint/2010/main" val="2654688204"/>
       </p:ext>
     </p:extLst>
   </p:cSld>

--- a/Documents/Understending RESTFul API's .pptx
+++ b/Documents/Understending RESTFul API's .pptx
@@ -10192,7 +10192,7 @@
             <a:endParaRPr lang="pt-BR" dirty="0" smtClean="0"/>
           </a:p>
           <a:p>
-            <a:endParaRPr lang="pt-BR"/>
+            <a:endParaRPr lang="pt-BR" dirty="0"/>
           </a:p>
           <a:p>
             <a:endParaRPr lang="pt-BR" dirty="0"/>

--- a/Documents/Understending RESTFul API's .pptx
+++ b/Documents/Understending RESTFul API's .pptx
@@ -4,63 +4,67 @@
   <p:sldMasterIdLst>
     <p:sldMasterId id="2147483648" r:id="rId1"/>
   </p:sldMasterIdLst>
+  <p:notesMasterIdLst>
+    <p:notesMasterId r:id="rId59"/>
+  </p:notesMasterIdLst>
   <p:sldIdLst>
     <p:sldId id="256" r:id="rId2"/>
-    <p:sldId id="288" r:id="rId3"/>
-    <p:sldId id="289" r:id="rId4"/>
-    <p:sldId id="290" r:id="rId5"/>
-    <p:sldId id="291" r:id="rId6"/>
-    <p:sldId id="292" r:id="rId7"/>
-    <p:sldId id="293" r:id="rId8"/>
-    <p:sldId id="294" r:id="rId9"/>
-    <p:sldId id="295" r:id="rId10"/>
-    <p:sldId id="296" r:id="rId11"/>
-    <p:sldId id="297" r:id="rId12"/>
-    <p:sldId id="300" r:id="rId13"/>
-    <p:sldId id="301" r:id="rId14"/>
-    <p:sldId id="302" r:id="rId15"/>
-    <p:sldId id="304" r:id="rId16"/>
-    <p:sldId id="305" r:id="rId17"/>
-    <p:sldId id="303" r:id="rId18"/>
-    <p:sldId id="306" r:id="rId19"/>
-    <p:sldId id="307" r:id="rId20"/>
-    <p:sldId id="309" r:id="rId21"/>
-    <p:sldId id="310" r:id="rId22"/>
-    <p:sldId id="308" r:id="rId23"/>
-    <p:sldId id="311" r:id="rId24"/>
-    <p:sldId id="312" r:id="rId25"/>
-    <p:sldId id="313" r:id="rId26"/>
-    <p:sldId id="314" r:id="rId27"/>
-    <p:sldId id="315" r:id="rId28"/>
-    <p:sldId id="299" r:id="rId29"/>
-    <p:sldId id="258" r:id="rId30"/>
-    <p:sldId id="259" r:id="rId31"/>
-    <p:sldId id="273" r:id="rId32"/>
-    <p:sldId id="260" r:id="rId33"/>
-    <p:sldId id="261" r:id="rId34"/>
-    <p:sldId id="274" r:id="rId35"/>
-    <p:sldId id="275" r:id="rId36"/>
-    <p:sldId id="276" r:id="rId37"/>
-    <p:sldId id="277" r:id="rId38"/>
-    <p:sldId id="278" r:id="rId39"/>
-    <p:sldId id="284" r:id="rId40"/>
-    <p:sldId id="286" r:id="rId41"/>
-    <p:sldId id="287" r:id="rId42"/>
-    <p:sldId id="318" r:id="rId43"/>
-    <p:sldId id="319" r:id="rId44"/>
-    <p:sldId id="320" r:id="rId45"/>
-    <p:sldId id="321" r:id="rId46"/>
-    <p:sldId id="322" r:id="rId47"/>
-    <p:sldId id="323" r:id="rId48"/>
-    <p:sldId id="324" r:id="rId49"/>
-    <p:sldId id="316" r:id="rId50"/>
-    <p:sldId id="317" r:id="rId51"/>
-    <p:sldId id="285" r:id="rId52"/>
-    <p:sldId id="279" r:id="rId53"/>
-    <p:sldId id="282" r:id="rId54"/>
-    <p:sldId id="283" r:id="rId55"/>
-    <p:sldId id="281" r:id="rId56"/>
-    <p:sldId id="325" r:id="rId57"/>
+    <p:sldId id="289" r:id="rId3"/>
+    <p:sldId id="326" r:id="rId4"/>
+    <p:sldId id="327" r:id="rId5"/>
+    <p:sldId id="290" r:id="rId6"/>
+    <p:sldId id="291" r:id="rId7"/>
+    <p:sldId id="292" r:id="rId8"/>
+    <p:sldId id="293" r:id="rId9"/>
+    <p:sldId id="329" r:id="rId10"/>
+    <p:sldId id="330" r:id="rId11"/>
+    <p:sldId id="361" r:id="rId12"/>
+    <p:sldId id="332" r:id="rId13"/>
+    <p:sldId id="362" r:id="rId14"/>
+    <p:sldId id="360" r:id="rId15"/>
+    <p:sldId id="363" r:id="rId16"/>
+    <p:sldId id="364" r:id="rId17"/>
+    <p:sldId id="365" r:id="rId18"/>
+    <p:sldId id="316" r:id="rId19"/>
+    <p:sldId id="317" r:id="rId20"/>
+    <p:sldId id="359" r:id="rId21"/>
+    <p:sldId id="343" r:id="rId22"/>
+    <p:sldId id="331" r:id="rId23"/>
+    <p:sldId id="333" r:id="rId24"/>
+    <p:sldId id="334" r:id="rId25"/>
+    <p:sldId id="336" r:id="rId26"/>
+    <p:sldId id="338" r:id="rId27"/>
+    <p:sldId id="339" r:id="rId28"/>
+    <p:sldId id="341" r:id="rId29"/>
+    <p:sldId id="340" r:id="rId30"/>
+    <p:sldId id="355" r:id="rId31"/>
+    <p:sldId id="335" r:id="rId32"/>
+    <p:sldId id="342" r:id="rId33"/>
+    <p:sldId id="356" r:id="rId34"/>
+    <p:sldId id="337" r:id="rId35"/>
+    <p:sldId id="349" r:id="rId36"/>
+    <p:sldId id="348" r:id="rId37"/>
+    <p:sldId id="358" r:id="rId38"/>
+    <p:sldId id="344" r:id="rId39"/>
+    <p:sldId id="345" r:id="rId40"/>
+    <p:sldId id="357" r:id="rId41"/>
+    <p:sldId id="351" r:id="rId42"/>
+    <p:sldId id="350" r:id="rId43"/>
+    <p:sldId id="352" r:id="rId44"/>
+    <p:sldId id="353" r:id="rId45"/>
+    <p:sldId id="354" r:id="rId46"/>
+    <p:sldId id="279" r:id="rId47"/>
+    <p:sldId id="281" r:id="rId48"/>
+    <p:sldId id="259" r:id="rId49"/>
+    <p:sldId id="366" r:id="rId50"/>
+    <p:sldId id="287" r:id="rId51"/>
+    <p:sldId id="319" r:id="rId52"/>
+    <p:sldId id="321" r:id="rId53"/>
+    <p:sldId id="323" r:id="rId54"/>
+    <p:sldId id="367" r:id="rId55"/>
+    <p:sldId id="324" r:id="rId56"/>
+    <p:sldId id="368" r:id="rId57"/>
+    <p:sldId id="325" r:id="rId58"/>
   </p:sldIdLst>
   <p:sldSz cx="12192000" cy="6858000"/>
   <p:notesSz cx="6858000" cy="9144000"/>
@@ -165,6 +169,729 @@
     </p:ext>
   </p:extLst>
 </p:presentation>
+</file>
+
+<file path=ppt/commentAuthors.xml><?xml version="1.0" encoding="utf-8"?>
+<p:cmAuthorLst xmlns:a="http://schemas.openxmlformats.org/drawingml/2006/main" xmlns:r="http://schemas.openxmlformats.org/officeDocument/2006/relationships" xmlns:p="http://schemas.openxmlformats.org/presentationml/2006/main">
+  <p:cmAuthor id="1" name="LEANDRO" initials="L" lastIdx="1" clrIdx="0">
+    <p:extLst>
+      <p:ext uri="{19B8F6BF-5375-455C-9EA6-DF929625EA0E}">
+        <p15:presenceInfo xmlns:p15="http://schemas.microsoft.com/office/powerpoint/2012/main" userId="LEANDRO" providerId="None"/>
+      </p:ext>
+    </p:extLst>
+  </p:cmAuthor>
+</p:cmAuthorLst>
+</file>
+
+<file path=ppt/comments/comment1.xml><?xml version="1.0" encoding="utf-8"?>
+<p:cmLst xmlns:a="http://schemas.openxmlformats.org/drawingml/2006/main" xmlns:r="http://schemas.openxmlformats.org/officeDocument/2006/relationships" xmlns:p="http://schemas.openxmlformats.org/presentationml/2006/main">
+  <p:cm authorId="1" dt="2018-05-27T12:20:42.729" idx="1">
+    <p:pos x="10" y="10"/>
+    <p:text>Um Serviço nada mais é que uma aplicação interoperável hospedada e acessada através da web através do protocolo HTTP por meio de um browser ou de diferentes tipos de clientes, como outras aplicações ou serviços. Deixando um pouco mais claro quando você cria um website em PHP a saída padrão é HTML e seu alvo é o browser e por extensão nós podemos visualizar a página no browser. Um web service não é direcionado para humanos e sim para outros programas.</p:text>
+    <p:extLst>
+      <p:ext uri="{C676402C-5697-4E1C-873F-D02D1690AC5C}">
+        <p15:threadingInfo xmlns:p15="http://schemas.microsoft.com/office/powerpoint/2012/main" timeZoneBias="180"/>
+      </p:ext>
+    </p:extLst>
+  </p:cm>
+</p:cmLst>
+</file>
+
+<file path=ppt/notesMasters/notesMaster1.xml><?xml version="1.0" encoding="utf-8"?>
+<p:notesMaster xmlns:a="http://schemas.openxmlformats.org/drawingml/2006/main" xmlns:r="http://schemas.openxmlformats.org/officeDocument/2006/relationships" xmlns:p="http://schemas.openxmlformats.org/presentationml/2006/main">
+  <p:cSld>
+    <p:bg>
+      <p:bgRef idx="1001">
+        <a:schemeClr val="bg1"/>
+      </p:bgRef>
+    </p:bg>
+    <p:spTree>
+      <p:nvGrpSpPr>
+        <p:cNvPr id="1" name=""/>
+        <p:cNvGrpSpPr/>
+        <p:nvPr/>
+      </p:nvGrpSpPr>
+      <p:grpSpPr>
+        <a:xfrm>
+          <a:off x="0" y="0"/>
+          <a:ext cx="0" cy="0"/>
+          <a:chOff x="0" y="0"/>
+          <a:chExt cx="0" cy="0"/>
+        </a:xfrm>
+      </p:grpSpPr>
+      <p:sp>
+        <p:nvSpPr>
+          <p:cNvPr id="2" name="Espaço Reservado para Cabeçalho 1"/>
+          <p:cNvSpPr>
+            <a:spLocks noGrp="1"/>
+          </p:cNvSpPr>
+          <p:nvPr>
+            <p:ph type="hdr" sz="quarter"/>
+          </p:nvPr>
+        </p:nvSpPr>
+        <p:spPr>
+          <a:xfrm>
+            <a:off x="0" y="0"/>
+            <a:ext cx="2971800" cy="458788"/>
+          </a:xfrm>
+          <a:prstGeom prst="rect">
+            <a:avLst/>
+          </a:prstGeom>
+        </p:spPr>
+        <p:txBody>
+          <a:bodyPr vert="horz" lIns="91440" tIns="45720" rIns="91440" bIns="45720" rtlCol="0"/>
+          <a:lstStyle>
+            <a:lvl1pPr algn="l">
+              <a:defRPr sz="1200"/>
+            </a:lvl1pPr>
+          </a:lstStyle>
+          <a:p>
+            <a:endParaRPr lang="pt-BR"/>
+          </a:p>
+        </p:txBody>
+      </p:sp>
+      <p:sp>
+        <p:nvSpPr>
+          <p:cNvPr id="3" name="Espaço Reservado para Data 2"/>
+          <p:cNvSpPr>
+            <a:spLocks noGrp="1"/>
+          </p:cNvSpPr>
+          <p:nvPr>
+            <p:ph type="dt" idx="1"/>
+          </p:nvPr>
+        </p:nvSpPr>
+        <p:spPr>
+          <a:xfrm>
+            <a:off x="3884613" y="0"/>
+            <a:ext cx="2971800" cy="458788"/>
+          </a:xfrm>
+          <a:prstGeom prst="rect">
+            <a:avLst/>
+          </a:prstGeom>
+        </p:spPr>
+        <p:txBody>
+          <a:bodyPr vert="horz" lIns="91440" tIns="45720" rIns="91440" bIns="45720" rtlCol="0"/>
+          <a:lstStyle>
+            <a:lvl1pPr algn="r">
+              <a:defRPr sz="1200"/>
+            </a:lvl1pPr>
+          </a:lstStyle>
+          <a:p>
+            <a:fld id="{06BE0E7D-5AE7-4DC3-9E4F-7EF8B0A78968}" type="datetimeFigureOut">
+              <a:rPr lang="pt-BR" smtClean="0"/>
+              <a:t>27/05/2018</a:t>
+            </a:fld>
+            <a:endParaRPr lang="pt-BR"/>
+          </a:p>
+        </p:txBody>
+      </p:sp>
+      <p:sp>
+        <p:nvSpPr>
+          <p:cNvPr id="4" name="Espaço Reservado para Imagem de Slide 3"/>
+          <p:cNvSpPr>
+            <a:spLocks noGrp="1" noRot="1" noChangeAspect="1"/>
+          </p:cNvSpPr>
+          <p:nvPr>
+            <p:ph type="sldImg" idx="2"/>
+          </p:nvPr>
+        </p:nvSpPr>
+        <p:spPr>
+          <a:xfrm>
+            <a:off x="685800" y="1143000"/>
+            <a:ext cx="5486400" cy="3086100"/>
+          </a:xfrm>
+          <a:prstGeom prst="rect">
+            <a:avLst/>
+          </a:prstGeom>
+          <a:noFill/>
+          <a:ln w="12700">
+            <a:solidFill>
+              <a:prstClr val="black"/>
+            </a:solidFill>
+          </a:ln>
+        </p:spPr>
+        <p:txBody>
+          <a:bodyPr vert="horz" lIns="91440" tIns="45720" rIns="91440" bIns="45720" rtlCol="0" anchor="ctr"/>
+          <a:lstStyle/>
+          <a:p>
+            <a:endParaRPr lang="pt-BR"/>
+          </a:p>
+        </p:txBody>
+      </p:sp>
+      <p:sp>
+        <p:nvSpPr>
+          <p:cNvPr id="5" name="Espaço Reservado para Anotações 4"/>
+          <p:cNvSpPr>
+            <a:spLocks noGrp="1"/>
+          </p:cNvSpPr>
+          <p:nvPr>
+            <p:ph type="body" sz="quarter" idx="3"/>
+          </p:nvPr>
+        </p:nvSpPr>
+        <p:spPr>
+          <a:xfrm>
+            <a:off x="685800" y="4400550"/>
+            <a:ext cx="5486400" cy="3600450"/>
+          </a:xfrm>
+          <a:prstGeom prst="rect">
+            <a:avLst/>
+          </a:prstGeom>
+        </p:spPr>
+        <p:txBody>
+          <a:bodyPr vert="horz" lIns="91440" tIns="45720" rIns="91440" bIns="45720" rtlCol="0"/>
+          <a:lstStyle/>
+          <a:p>
+            <a:pPr lvl="0"/>
+            <a:r>
+              <a:rPr lang="pt-BR" smtClean="0"/>
+              <a:t>Clique para editar o texto mestre</a:t>
+            </a:r>
+          </a:p>
+          <a:p>
+            <a:pPr lvl="1"/>
+            <a:r>
+              <a:rPr lang="pt-BR" smtClean="0"/>
+              <a:t>Segundo nível</a:t>
+            </a:r>
+          </a:p>
+          <a:p>
+            <a:pPr lvl="2"/>
+            <a:r>
+              <a:rPr lang="pt-BR" smtClean="0"/>
+              <a:t>Terceiro nível</a:t>
+            </a:r>
+          </a:p>
+          <a:p>
+            <a:pPr lvl="3"/>
+            <a:r>
+              <a:rPr lang="pt-BR" smtClean="0"/>
+              <a:t>Quarto nível</a:t>
+            </a:r>
+          </a:p>
+          <a:p>
+            <a:pPr lvl="4"/>
+            <a:r>
+              <a:rPr lang="pt-BR" smtClean="0"/>
+              <a:t>Quinto nível</a:t>
+            </a:r>
+            <a:endParaRPr lang="pt-BR"/>
+          </a:p>
+        </p:txBody>
+      </p:sp>
+      <p:sp>
+        <p:nvSpPr>
+          <p:cNvPr id="6" name="Espaço Reservado para Rodapé 5"/>
+          <p:cNvSpPr>
+            <a:spLocks noGrp="1"/>
+          </p:cNvSpPr>
+          <p:nvPr>
+            <p:ph type="ftr" sz="quarter" idx="4"/>
+          </p:nvPr>
+        </p:nvSpPr>
+        <p:spPr>
+          <a:xfrm>
+            <a:off x="0" y="8685213"/>
+            <a:ext cx="2971800" cy="458787"/>
+          </a:xfrm>
+          <a:prstGeom prst="rect">
+            <a:avLst/>
+          </a:prstGeom>
+        </p:spPr>
+        <p:txBody>
+          <a:bodyPr vert="horz" lIns="91440" tIns="45720" rIns="91440" bIns="45720" rtlCol="0" anchor="b"/>
+          <a:lstStyle>
+            <a:lvl1pPr algn="l">
+              <a:defRPr sz="1200"/>
+            </a:lvl1pPr>
+          </a:lstStyle>
+          <a:p>
+            <a:endParaRPr lang="pt-BR"/>
+          </a:p>
+        </p:txBody>
+      </p:sp>
+      <p:sp>
+        <p:nvSpPr>
+          <p:cNvPr id="7" name="Espaço Reservado para Número de Slide 6"/>
+          <p:cNvSpPr>
+            <a:spLocks noGrp="1"/>
+          </p:cNvSpPr>
+          <p:nvPr>
+            <p:ph type="sldNum" sz="quarter" idx="5"/>
+          </p:nvPr>
+        </p:nvSpPr>
+        <p:spPr>
+          <a:xfrm>
+            <a:off x="3884613" y="8685213"/>
+            <a:ext cx="2971800" cy="458787"/>
+          </a:xfrm>
+          <a:prstGeom prst="rect">
+            <a:avLst/>
+          </a:prstGeom>
+        </p:spPr>
+        <p:txBody>
+          <a:bodyPr vert="horz" lIns="91440" tIns="45720" rIns="91440" bIns="45720" rtlCol="0" anchor="b"/>
+          <a:lstStyle>
+            <a:lvl1pPr algn="r">
+              <a:defRPr sz="1200"/>
+            </a:lvl1pPr>
+          </a:lstStyle>
+          <a:p>
+            <a:fld id="{F90704DD-7D0D-4137-857E-DCB9364EA87A}" type="slidenum">
+              <a:rPr lang="pt-BR" smtClean="0"/>
+              <a:t>‹nº›</a:t>
+            </a:fld>
+            <a:endParaRPr lang="pt-BR"/>
+          </a:p>
+        </p:txBody>
+      </p:sp>
+    </p:spTree>
+    <p:extLst>
+      <p:ext uri="{BB962C8B-B14F-4D97-AF65-F5344CB8AC3E}">
+        <p14:creationId xmlns:p14="http://schemas.microsoft.com/office/powerpoint/2010/main" val="1035987385"/>
+      </p:ext>
+    </p:extLst>
+  </p:cSld>
+  <p:clrMap bg1="lt1" tx1="dk1" bg2="lt2" tx2="dk2" accent1="accent1" accent2="accent2" accent3="accent3" accent4="accent4" accent5="accent5" accent6="accent6" hlink="hlink" folHlink="folHlink"/>
+  <p:notesStyle>
+    <a:lvl1pPr marL="0" algn="l" defTabSz="914400" rtl="0" eaLnBrk="1" latinLnBrk="0" hangingPunct="1">
+      <a:defRPr sz="1200" kern="1200">
+        <a:solidFill>
+          <a:schemeClr val="tx1"/>
+        </a:solidFill>
+        <a:latin typeface="+mn-lt"/>
+        <a:ea typeface="+mn-ea"/>
+        <a:cs typeface="+mn-cs"/>
+      </a:defRPr>
+    </a:lvl1pPr>
+    <a:lvl2pPr marL="457200" algn="l" defTabSz="914400" rtl="0" eaLnBrk="1" latinLnBrk="0" hangingPunct="1">
+      <a:defRPr sz="1200" kern="1200">
+        <a:solidFill>
+          <a:schemeClr val="tx1"/>
+        </a:solidFill>
+        <a:latin typeface="+mn-lt"/>
+        <a:ea typeface="+mn-ea"/>
+        <a:cs typeface="+mn-cs"/>
+      </a:defRPr>
+    </a:lvl2pPr>
+    <a:lvl3pPr marL="914400" algn="l" defTabSz="914400" rtl="0" eaLnBrk="1" latinLnBrk="0" hangingPunct="1">
+      <a:defRPr sz="1200" kern="1200">
+        <a:solidFill>
+          <a:schemeClr val="tx1"/>
+        </a:solidFill>
+        <a:latin typeface="+mn-lt"/>
+        <a:ea typeface="+mn-ea"/>
+        <a:cs typeface="+mn-cs"/>
+      </a:defRPr>
+    </a:lvl3pPr>
+    <a:lvl4pPr marL="1371600" algn="l" defTabSz="914400" rtl="0" eaLnBrk="1" latinLnBrk="0" hangingPunct="1">
+      <a:defRPr sz="1200" kern="1200">
+        <a:solidFill>
+          <a:schemeClr val="tx1"/>
+        </a:solidFill>
+        <a:latin typeface="+mn-lt"/>
+        <a:ea typeface="+mn-ea"/>
+        <a:cs typeface="+mn-cs"/>
+      </a:defRPr>
+    </a:lvl4pPr>
+    <a:lvl5pPr marL="1828800" algn="l" defTabSz="914400" rtl="0" eaLnBrk="1" latinLnBrk="0" hangingPunct="1">
+      <a:defRPr sz="1200" kern="1200">
+        <a:solidFill>
+          <a:schemeClr val="tx1"/>
+        </a:solidFill>
+        <a:latin typeface="+mn-lt"/>
+        <a:ea typeface="+mn-ea"/>
+        <a:cs typeface="+mn-cs"/>
+      </a:defRPr>
+    </a:lvl5pPr>
+    <a:lvl6pPr marL="2286000" algn="l" defTabSz="914400" rtl="0" eaLnBrk="1" latinLnBrk="0" hangingPunct="1">
+      <a:defRPr sz="1200" kern="1200">
+        <a:solidFill>
+          <a:schemeClr val="tx1"/>
+        </a:solidFill>
+        <a:latin typeface="+mn-lt"/>
+        <a:ea typeface="+mn-ea"/>
+        <a:cs typeface="+mn-cs"/>
+      </a:defRPr>
+    </a:lvl6pPr>
+    <a:lvl7pPr marL="2743200" algn="l" defTabSz="914400" rtl="0" eaLnBrk="1" latinLnBrk="0" hangingPunct="1">
+      <a:defRPr sz="1200" kern="1200">
+        <a:solidFill>
+          <a:schemeClr val="tx1"/>
+        </a:solidFill>
+        <a:latin typeface="+mn-lt"/>
+        <a:ea typeface="+mn-ea"/>
+        <a:cs typeface="+mn-cs"/>
+      </a:defRPr>
+    </a:lvl7pPr>
+    <a:lvl8pPr marL="3200400" algn="l" defTabSz="914400" rtl="0" eaLnBrk="1" latinLnBrk="0" hangingPunct="1">
+      <a:defRPr sz="1200" kern="1200">
+        <a:solidFill>
+          <a:schemeClr val="tx1"/>
+        </a:solidFill>
+        <a:latin typeface="+mn-lt"/>
+        <a:ea typeface="+mn-ea"/>
+        <a:cs typeface="+mn-cs"/>
+      </a:defRPr>
+    </a:lvl8pPr>
+    <a:lvl9pPr marL="3657600" algn="l" defTabSz="914400" rtl="0" eaLnBrk="1" latinLnBrk="0" hangingPunct="1">
+      <a:defRPr sz="1200" kern="1200">
+        <a:solidFill>
+          <a:schemeClr val="tx1"/>
+        </a:solidFill>
+        <a:latin typeface="+mn-lt"/>
+        <a:ea typeface="+mn-ea"/>
+        <a:cs typeface="+mn-cs"/>
+      </a:defRPr>
+    </a:lvl9pPr>
+  </p:notesStyle>
+</p:notesMaster>
+</file>
+
+<file path=ppt/notesSlides/notesSlide1.xml><?xml version="1.0" encoding="utf-8"?>
+<p:notes xmlns:a="http://schemas.openxmlformats.org/drawingml/2006/main" xmlns:r="http://schemas.openxmlformats.org/officeDocument/2006/relationships" xmlns:p="http://schemas.openxmlformats.org/presentationml/2006/main">
+  <p:cSld>
+    <p:spTree>
+      <p:nvGrpSpPr>
+        <p:cNvPr id="1" name=""/>
+        <p:cNvGrpSpPr/>
+        <p:nvPr/>
+      </p:nvGrpSpPr>
+      <p:grpSpPr>
+        <a:xfrm>
+          <a:off x="0" y="0"/>
+          <a:ext cx="0" cy="0"/>
+          <a:chOff x="0" y="0"/>
+          <a:chExt cx="0" cy="0"/>
+        </a:xfrm>
+      </p:grpSpPr>
+      <p:sp>
+        <p:nvSpPr>
+          <p:cNvPr id="2" name="Espaço Reservado para Imagem de Slide 1"/>
+          <p:cNvSpPr>
+            <a:spLocks noGrp="1" noRot="1" noChangeAspect="1"/>
+          </p:cNvSpPr>
+          <p:nvPr>
+            <p:ph type="sldImg"/>
+          </p:nvPr>
+        </p:nvSpPr>
+        <p:spPr/>
+      </p:sp>
+      <p:sp>
+        <p:nvSpPr>
+          <p:cNvPr id="3" name="Espaço Reservado para Anotações 2"/>
+          <p:cNvSpPr>
+            <a:spLocks noGrp="1"/>
+          </p:cNvSpPr>
+          <p:nvPr>
+            <p:ph type="body" idx="1"/>
+          </p:nvPr>
+        </p:nvSpPr>
+        <p:spPr/>
+        <p:txBody>
+          <a:bodyPr/>
+          <a:lstStyle/>
+          <a:p>
+            <a:r>
+              <a:rPr lang="pt-BR" sz="1200" kern="1200" dirty="0" smtClean="0">
+                <a:solidFill>
+                  <a:schemeClr val="tx1"/>
+                </a:solidFill>
+                <a:effectLst/>
+                <a:latin typeface="+mn-lt"/>
+                <a:ea typeface="+mn-ea"/>
+                <a:cs typeface="+mn-cs"/>
+              </a:rPr>
+              <a:t>Um Serviço nada mais é que uma aplicação </a:t>
+            </a:r>
+            <a:r>
+              <a:rPr lang="pt-BR" sz="1200" kern="1200" dirty="0" err="1" smtClean="0">
+                <a:solidFill>
+                  <a:schemeClr val="tx1"/>
+                </a:solidFill>
+                <a:effectLst/>
+                <a:latin typeface="+mn-lt"/>
+                <a:ea typeface="+mn-ea"/>
+                <a:cs typeface="+mn-cs"/>
+              </a:rPr>
+              <a:t>interoperável</a:t>
+            </a:r>
+            <a:r>
+              <a:rPr lang="pt-BR" sz="1200" kern="1200" dirty="0" smtClean="0">
+                <a:solidFill>
+                  <a:schemeClr val="tx1"/>
+                </a:solidFill>
+                <a:effectLst/>
+                <a:latin typeface="+mn-lt"/>
+                <a:ea typeface="+mn-ea"/>
+                <a:cs typeface="+mn-cs"/>
+              </a:rPr>
+              <a:t> hospedada e acessada através da web através do protocolo </a:t>
+            </a:r>
+            <a:r>
+              <a:rPr lang="pt-BR" sz="1200" b="1" kern="1200" dirty="0" smtClean="0">
+                <a:solidFill>
+                  <a:schemeClr val="tx1"/>
+                </a:solidFill>
+                <a:effectLst/>
+                <a:latin typeface="+mn-lt"/>
+                <a:ea typeface="+mn-ea"/>
+                <a:cs typeface="+mn-cs"/>
+              </a:rPr>
+              <a:t>HTTP</a:t>
+            </a:r>
+            <a:r>
+              <a:rPr lang="pt-BR" sz="1200" kern="1200" dirty="0" smtClean="0">
+                <a:solidFill>
+                  <a:schemeClr val="tx1"/>
+                </a:solidFill>
+                <a:effectLst/>
+                <a:latin typeface="+mn-lt"/>
+                <a:ea typeface="+mn-ea"/>
+                <a:cs typeface="+mn-cs"/>
+              </a:rPr>
+              <a:t> por meio de um browser ou de diferentes tipos de clientes, como outras aplicações ou serviços. Deixando um pouco mais claro quando você cria um website em PHP a saída padrão é HTML e seu alvo é o browser e por extensão nós podemos visualizar a página no browser. Um web </a:t>
+            </a:r>
+            <a:r>
+              <a:rPr lang="pt-BR" sz="1200" kern="1200" dirty="0" err="1" smtClean="0">
+                <a:solidFill>
+                  <a:schemeClr val="tx1"/>
+                </a:solidFill>
+                <a:effectLst/>
+                <a:latin typeface="+mn-lt"/>
+                <a:ea typeface="+mn-ea"/>
+                <a:cs typeface="+mn-cs"/>
+              </a:rPr>
+              <a:t>service</a:t>
+            </a:r>
+            <a:r>
+              <a:rPr lang="pt-BR" sz="1200" kern="1200" dirty="0" smtClean="0">
+                <a:solidFill>
+                  <a:schemeClr val="tx1"/>
+                </a:solidFill>
+                <a:effectLst/>
+                <a:latin typeface="+mn-lt"/>
+                <a:ea typeface="+mn-ea"/>
+                <a:cs typeface="+mn-cs"/>
+              </a:rPr>
+              <a:t> não é direcionado para humanos e sim para outros programas.</a:t>
+            </a:r>
+            <a:br>
+              <a:rPr lang="pt-BR" sz="1200" kern="1200" dirty="0" smtClean="0">
+                <a:solidFill>
+                  <a:schemeClr val="tx1"/>
+                </a:solidFill>
+                <a:effectLst/>
+                <a:latin typeface="+mn-lt"/>
+                <a:ea typeface="+mn-ea"/>
+                <a:cs typeface="+mn-cs"/>
+              </a:rPr>
+            </a:br>
+            <a:endParaRPr lang="pt-BR" dirty="0"/>
+          </a:p>
+        </p:txBody>
+      </p:sp>
+      <p:sp>
+        <p:nvSpPr>
+          <p:cNvPr id="4" name="Espaço Reservado para Número de Slide 3"/>
+          <p:cNvSpPr>
+            <a:spLocks noGrp="1"/>
+          </p:cNvSpPr>
+          <p:nvPr>
+            <p:ph type="sldNum" sz="quarter" idx="10"/>
+          </p:nvPr>
+        </p:nvSpPr>
+        <p:spPr/>
+        <p:txBody>
+          <a:bodyPr/>
+          <a:lstStyle/>
+          <a:p>
+            <a:fld id="{F90704DD-7D0D-4137-857E-DCB9364EA87A}" type="slidenum">
+              <a:rPr lang="pt-BR" smtClean="0"/>
+              <a:t>2</a:t>
+            </a:fld>
+            <a:endParaRPr lang="pt-BR"/>
+          </a:p>
+        </p:txBody>
+      </p:sp>
+    </p:spTree>
+    <p:extLst>
+      <p:ext uri="{BB962C8B-B14F-4D97-AF65-F5344CB8AC3E}">
+        <p14:creationId xmlns:p14="http://schemas.microsoft.com/office/powerpoint/2010/main" val="2084900953"/>
+      </p:ext>
+    </p:extLst>
+  </p:cSld>
+  <p:clrMapOvr>
+    <a:masterClrMapping/>
+  </p:clrMapOvr>
+</p:notes>
+</file>
+
+<file path=ppt/notesSlides/notesSlide2.xml><?xml version="1.0" encoding="utf-8"?>
+<p:notes xmlns:a="http://schemas.openxmlformats.org/drawingml/2006/main" xmlns:r="http://schemas.openxmlformats.org/officeDocument/2006/relationships" xmlns:p="http://schemas.openxmlformats.org/presentationml/2006/main">
+  <p:cSld>
+    <p:spTree>
+      <p:nvGrpSpPr>
+        <p:cNvPr id="1" name=""/>
+        <p:cNvGrpSpPr/>
+        <p:nvPr/>
+      </p:nvGrpSpPr>
+      <p:grpSpPr>
+        <a:xfrm>
+          <a:off x="0" y="0"/>
+          <a:ext cx="0" cy="0"/>
+          <a:chOff x="0" y="0"/>
+          <a:chExt cx="0" cy="0"/>
+        </a:xfrm>
+      </p:grpSpPr>
+      <p:sp>
+        <p:nvSpPr>
+          <p:cNvPr id="2" name="Espaço Reservado para Imagem de Slide 1"/>
+          <p:cNvSpPr>
+            <a:spLocks noGrp="1" noRot="1" noChangeAspect="1"/>
+          </p:cNvSpPr>
+          <p:nvPr>
+            <p:ph type="sldImg"/>
+          </p:nvPr>
+        </p:nvSpPr>
+        <p:spPr/>
+      </p:sp>
+      <p:sp>
+        <p:nvSpPr>
+          <p:cNvPr id="3" name="Espaço Reservado para Anotações 2"/>
+          <p:cNvSpPr>
+            <a:spLocks noGrp="1"/>
+          </p:cNvSpPr>
+          <p:nvPr>
+            <p:ph type="body" idx="1"/>
+          </p:nvPr>
+        </p:nvSpPr>
+        <p:spPr/>
+        <p:txBody>
+          <a:bodyPr/>
+          <a:lstStyle/>
+          <a:p>
+            <a:endParaRPr lang="pt-BR" dirty="0"/>
+          </a:p>
+        </p:txBody>
+      </p:sp>
+      <p:sp>
+        <p:nvSpPr>
+          <p:cNvPr id="4" name="Espaço Reservado para Número de Slide 3"/>
+          <p:cNvSpPr>
+            <a:spLocks noGrp="1"/>
+          </p:cNvSpPr>
+          <p:nvPr>
+            <p:ph type="sldNum" sz="quarter" idx="10"/>
+          </p:nvPr>
+        </p:nvSpPr>
+        <p:spPr/>
+        <p:txBody>
+          <a:bodyPr/>
+          <a:lstStyle/>
+          <a:p>
+            <a:fld id="{F90704DD-7D0D-4137-857E-DCB9364EA87A}" type="slidenum">
+              <a:rPr lang="pt-BR" smtClean="0"/>
+              <a:t>16</a:t>
+            </a:fld>
+            <a:endParaRPr lang="pt-BR"/>
+          </a:p>
+        </p:txBody>
+      </p:sp>
+    </p:spTree>
+    <p:extLst>
+      <p:ext uri="{BB962C8B-B14F-4D97-AF65-F5344CB8AC3E}">
+        <p14:creationId xmlns:p14="http://schemas.microsoft.com/office/powerpoint/2010/main" val="3341373246"/>
+      </p:ext>
+    </p:extLst>
+  </p:cSld>
+  <p:clrMapOvr>
+    <a:masterClrMapping/>
+  </p:clrMapOvr>
+</p:notes>
+</file>
+
+<file path=ppt/notesSlides/notesSlide3.xml><?xml version="1.0" encoding="utf-8"?>
+<p:notes xmlns:a="http://schemas.openxmlformats.org/drawingml/2006/main" xmlns:r="http://schemas.openxmlformats.org/officeDocument/2006/relationships" xmlns:p="http://schemas.openxmlformats.org/presentationml/2006/main">
+  <p:cSld>
+    <p:spTree>
+      <p:nvGrpSpPr>
+        <p:cNvPr id="1" name=""/>
+        <p:cNvGrpSpPr/>
+        <p:nvPr/>
+      </p:nvGrpSpPr>
+      <p:grpSpPr>
+        <a:xfrm>
+          <a:off x="0" y="0"/>
+          <a:ext cx="0" cy="0"/>
+          <a:chOff x="0" y="0"/>
+          <a:chExt cx="0" cy="0"/>
+        </a:xfrm>
+      </p:grpSpPr>
+      <p:sp>
+        <p:nvSpPr>
+          <p:cNvPr id="2" name="Espaço Reservado para Imagem de Slide 1"/>
+          <p:cNvSpPr>
+            <a:spLocks noGrp="1" noRot="1" noChangeAspect="1"/>
+          </p:cNvSpPr>
+          <p:nvPr>
+            <p:ph type="sldImg"/>
+          </p:nvPr>
+        </p:nvSpPr>
+        <p:spPr/>
+      </p:sp>
+      <p:sp>
+        <p:nvSpPr>
+          <p:cNvPr id="3" name="Espaço Reservado para Anotações 2"/>
+          <p:cNvSpPr>
+            <a:spLocks noGrp="1"/>
+          </p:cNvSpPr>
+          <p:nvPr>
+            <p:ph type="body" idx="1"/>
+          </p:nvPr>
+        </p:nvSpPr>
+        <p:spPr/>
+        <p:txBody>
+          <a:bodyPr/>
+          <a:lstStyle/>
+          <a:p>
+            <a:endParaRPr lang="pt-BR" dirty="0"/>
+          </a:p>
+        </p:txBody>
+      </p:sp>
+      <p:sp>
+        <p:nvSpPr>
+          <p:cNvPr id="4" name="Espaço Reservado para Número de Slide 3"/>
+          <p:cNvSpPr>
+            <a:spLocks noGrp="1"/>
+          </p:cNvSpPr>
+          <p:nvPr>
+            <p:ph type="sldNum" sz="quarter" idx="10"/>
+          </p:nvPr>
+        </p:nvSpPr>
+        <p:spPr/>
+        <p:txBody>
+          <a:bodyPr/>
+          <a:lstStyle/>
+          <a:p>
+            <a:fld id="{F90704DD-7D0D-4137-857E-DCB9364EA87A}" type="slidenum">
+              <a:rPr lang="pt-BR" smtClean="0"/>
+              <a:t>52</a:t>
+            </a:fld>
+            <a:endParaRPr lang="pt-BR"/>
+          </a:p>
+        </p:txBody>
+      </p:sp>
+    </p:spTree>
+    <p:extLst>
+      <p:ext uri="{BB962C8B-B14F-4D97-AF65-F5344CB8AC3E}">
+        <p14:creationId xmlns:p14="http://schemas.microsoft.com/office/powerpoint/2010/main" val="3835410680"/>
+      </p:ext>
+    </p:extLst>
+  </p:cSld>
+  <p:clrMapOvr>
+    <a:masterClrMapping/>
+  </p:clrMapOvr>
+</p:notes>
 </file>
 
 <file path=ppt/slideLayouts/slideLayout1.xml><?xml version="1.0" encoding="utf-8"?>
@@ -890,7 +1617,7 @@
             <a:fld id="{B61BEF0D-F0BB-DE4B-95CE-6DB70DBA9567}" type="datetimeFigureOut">
               <a:rPr lang="en-US" dirty="0"/>
               <a:pPr/>
-              <a:t>5/13/2018</a:t>
+              <a:t>5/27/2018</a:t>
             </a:fld>
             <a:endParaRPr lang="en-US" dirty="0"/>
           </a:p>
@@ -1138,7 +1865,7 @@
             <a:fld id="{B61BEF0D-F0BB-DE4B-95CE-6DB70DBA9567}" type="datetimeFigureOut">
               <a:rPr lang="en-US" dirty="0"/>
               <a:pPr/>
-              <a:t>5/13/2018</a:t>
+              <a:t>5/27/2018</a:t>
             </a:fld>
             <a:endParaRPr lang="en-US" dirty="0"/>
           </a:p>
@@ -1449,7 +2176,7 @@
             <a:fld id="{B61BEF0D-F0BB-DE4B-95CE-6DB70DBA9567}" type="datetimeFigureOut">
               <a:rPr lang="en-US" dirty="0"/>
               <a:pPr/>
-              <a:t>5/13/2018</a:t>
+              <a:t>5/27/2018</a:t>
             </a:fld>
             <a:endParaRPr lang="en-US" dirty="0"/>
           </a:p>
@@ -1787,7 +2514,7 @@
             <a:fld id="{B61BEF0D-F0BB-DE4B-95CE-6DB70DBA9567}" type="datetimeFigureOut">
               <a:rPr lang="en-US" dirty="0"/>
               <a:pPr/>
-              <a:t>5/13/2018</a:t>
+              <a:t>5/27/2018</a:t>
             </a:fld>
             <a:endParaRPr lang="en-US" dirty="0"/>
           </a:p>
@@ -2098,7 +2825,7 @@
             <a:fld id="{B61BEF0D-F0BB-DE4B-95CE-6DB70DBA9567}" type="datetimeFigureOut">
               <a:rPr lang="en-US" dirty="0"/>
               <a:pPr/>
-              <a:t>5/13/2018</a:t>
+              <a:t>5/27/2018</a:t>
             </a:fld>
             <a:endParaRPr lang="en-US" dirty="0"/>
           </a:p>
@@ -2488,7 +3215,7 @@
             <a:fld id="{B61BEF0D-F0BB-DE4B-95CE-6DB70DBA9567}" type="datetimeFigureOut">
               <a:rPr lang="en-US" dirty="0"/>
               <a:pPr/>
-              <a:t>5/13/2018</a:t>
+              <a:t>5/27/2018</a:t>
             </a:fld>
             <a:endParaRPr lang="en-US" dirty="0"/>
           </a:p>
@@ -2654,7 +3381,7 @@
           <a:p>
             <a:fld id="{55C6B4A9-1611-4792-9094-5F34BCA07E0B}" type="datetimeFigureOut">
               <a:rPr lang="en-US" dirty="0"/>
-              <a:t>5/13/2018</a:t>
+              <a:t>5/27/2018</a:t>
             </a:fld>
             <a:endParaRPr lang="en-US" dirty="0"/>
           </a:p>
@@ -2830,7 +3557,7 @@
             <a:fld id="{B61BEF0D-F0BB-DE4B-95CE-6DB70DBA9567}" type="datetimeFigureOut">
               <a:rPr lang="en-US" dirty="0"/>
               <a:pPr/>
-              <a:t>5/13/2018</a:t>
+              <a:t>5/27/2018</a:t>
             </a:fld>
             <a:endParaRPr lang="en-US" dirty="0"/>
           </a:p>
@@ -3003,7 +3730,7 @@
             <a:fld id="{B61BEF0D-F0BB-DE4B-95CE-6DB70DBA9567}" type="datetimeFigureOut">
               <a:rPr lang="en-US" dirty="0"/>
               <a:pPr/>
-              <a:t>5/13/2018</a:t>
+              <a:t>5/27/2018</a:t>
             </a:fld>
             <a:endParaRPr lang="en-US" dirty="0"/>
           </a:p>
@@ -3247,7 +3974,7 @@
             <a:fld id="{B61BEF0D-F0BB-DE4B-95CE-6DB70DBA9567}" type="datetimeFigureOut">
               <a:rPr lang="en-US" dirty="0"/>
               <a:pPr/>
-              <a:t>5/13/2018</a:t>
+              <a:t>5/27/2018</a:t>
             </a:fld>
             <a:endParaRPr lang="en-US" dirty="0"/>
           </a:p>
@@ -3475,7 +4202,7 @@
           <a:p>
             <a:fld id="{EB712588-04B1-427B-82EE-E8DB90309F08}" type="datetimeFigureOut">
               <a:rPr lang="en-US" dirty="0"/>
-              <a:t>5/13/2018</a:t>
+              <a:t>5/27/2018</a:t>
             </a:fld>
             <a:endParaRPr lang="en-US" dirty="0"/>
           </a:p>
@@ -3845,7 +4572,7 @@
             <a:fld id="{B61BEF0D-F0BB-DE4B-95CE-6DB70DBA9567}" type="datetimeFigureOut">
               <a:rPr lang="en-US" dirty="0"/>
               <a:pPr/>
-              <a:t>5/13/2018</a:t>
+              <a:t>5/27/2018</a:t>
             </a:fld>
             <a:endParaRPr lang="en-US" dirty="0"/>
           </a:p>
@@ -3965,7 +4692,7 @@
             <a:fld id="{B61BEF0D-F0BB-DE4B-95CE-6DB70DBA9567}" type="datetimeFigureOut">
               <a:rPr lang="en-US" dirty="0"/>
               <a:pPr/>
-              <a:t>5/13/2018</a:t>
+              <a:t>5/27/2018</a:t>
             </a:fld>
             <a:endParaRPr lang="en-US" dirty="0"/>
           </a:p>
@@ -4057,7 +4784,7 @@
             <a:fld id="{B61BEF0D-F0BB-DE4B-95CE-6DB70DBA9567}" type="datetimeFigureOut">
               <a:rPr lang="en-US" dirty="0"/>
               <a:pPr/>
-              <a:t>5/13/2018</a:t>
+              <a:t>5/27/2018</a:t>
             </a:fld>
             <a:endParaRPr lang="en-US" dirty="0"/>
           </a:p>
@@ -4308,7 +5035,7 @@
           <a:p>
             <a:fld id="{42A54C80-263E-416B-A8E0-580EDEADCBDC}" type="datetimeFigureOut">
               <a:rPr lang="en-US" dirty="0"/>
-              <a:t>5/13/2018</a:t>
+              <a:t>5/27/2018</a:t>
             </a:fld>
             <a:endParaRPr lang="en-US" dirty="0"/>
           </a:p>
@@ -4567,7 +5294,7 @@
             <a:fld id="{B61BEF0D-F0BB-DE4B-95CE-6DB70DBA9567}" type="datetimeFigureOut">
               <a:rPr lang="en-US" dirty="0"/>
               <a:pPr/>
-              <a:t>5/13/2018</a:t>
+              <a:t>5/27/2018</a:t>
             </a:fld>
             <a:endParaRPr lang="en-US" dirty="0"/>
           </a:p>
@@ -5307,7 +6034,7 @@
             <a:fld id="{B61BEF0D-F0BB-DE4B-95CE-6DB70DBA9567}" type="datetimeFigureOut">
               <a:rPr lang="en-US" dirty="0"/>
               <a:pPr/>
-              <a:t>5/13/2018</a:t>
+              <a:t>5/27/2018</a:t>
             </a:fld>
             <a:endParaRPr lang="en-US" dirty="0"/>
           </a:p>
@@ -5837,35 +6564,41 @@
             <p:ph type="ctrTitle"/>
           </p:nvPr>
         </p:nvSpPr>
-        <p:spPr/>
+        <p:spPr>
+          <a:xfrm>
+            <a:off x="0" y="0"/>
+            <a:ext cx="12192000" cy="4053840"/>
+          </a:xfrm>
+        </p:spPr>
         <p:txBody>
           <a:bodyPr/>
           <a:lstStyle/>
           <a:p>
+            <a:pPr algn="ctr"/>
+            <a:r>
+              <a:rPr lang="pt-BR" dirty="0" err="1" smtClean="0"/>
+              <a:t>RESTFul</a:t>
+            </a:r>
             <a:r>
               <a:rPr lang="pt-BR" dirty="0" smtClean="0"/>
-              <a:t>CURSO DE REST</a:t>
+              <a:t> </a:t>
+            </a:r>
+            <a:r>
+              <a:rPr lang="pt-BR" dirty="0" err="1" smtClean="0"/>
+              <a:t>API’s</a:t>
+            </a:r>
+            <a:r>
+              <a:rPr lang="pt-BR" dirty="0" smtClean="0"/>
+              <a:t> com ASP.NET</a:t>
+            </a:r>
+            <a:br>
+              <a:rPr lang="pt-BR" dirty="0" smtClean="0"/>
+            </a:br>
+            <a:r>
+              <a:rPr lang="pt-BR" dirty="0" smtClean="0"/>
+              <a:t>Core 2.0 do Zero A Nuvem</a:t>
             </a:r>
             <a:endParaRPr lang="pt-BR" dirty="0"/>
-          </a:p>
-        </p:txBody>
-      </p:sp>
-      <p:sp>
-        <p:nvSpPr>
-          <p:cNvPr id="3" name="Subtítulo 2"/>
-          <p:cNvSpPr>
-            <a:spLocks noGrp="1"/>
-          </p:cNvSpPr>
-          <p:nvPr>
-            <p:ph type="subTitle" idx="1"/>
-          </p:nvPr>
-        </p:nvSpPr>
-        <p:spPr/>
-        <p:txBody>
-          <a:bodyPr/>
-          <a:lstStyle/>
-          <a:p>
-            <a:endParaRPr lang="pt-BR"/>
           </a:p>
         </p:txBody>
       </p:sp>
@@ -5916,38 +6649,91 @@
             <p:ph type="title"/>
           </p:nvPr>
         </p:nvSpPr>
+        <p:spPr/>
+        <p:txBody>
+          <a:bodyPr/>
+          <a:lstStyle/>
+          <a:p>
+            <a:pPr algn="ctr"/>
+            <a:r>
+              <a:rPr lang="pt-BR" b="1" dirty="0"/>
+              <a:t>Vantagens dos Web Services </a:t>
+            </a:r>
+            <a:r>
+              <a:rPr lang="pt-BR" b="1" dirty="0" err="1"/>
+              <a:t>RESTful</a:t>
+            </a:r>
+            <a:endParaRPr lang="pt-BR" dirty="0"/>
+          </a:p>
+        </p:txBody>
+      </p:sp>
+      <p:sp>
+        <p:nvSpPr>
+          <p:cNvPr id="3" name="Espaço Reservado para Conteúdo 2"/>
+          <p:cNvSpPr>
+            <a:spLocks noGrp="1"/>
+          </p:cNvSpPr>
+          <p:nvPr>
+            <p:ph idx="1"/>
+          </p:nvPr>
+        </p:nvSpPr>
         <p:spPr>
           <a:xfrm>
-            <a:off x="2207568" y="2924944"/>
-            <a:ext cx="8229600" cy="990600"/>
+            <a:off x="677334" y="2160589"/>
+            <a:ext cx="8596668" cy="4697411"/>
           </a:xfrm>
         </p:spPr>
         <p:txBody>
           <a:bodyPr>
-            <a:normAutofit fontScale="90000"/>
+            <a:normAutofit/>
           </a:bodyPr>
           <a:lstStyle/>
           <a:p>
-            <a:pPr algn="ctr"/>
-            <a:r>
-              <a:rPr lang="en-US" dirty="0"/>
-              <a:t>SUBMIT REQUESTS</a:t>
-            </a:r>
-            <a:br>
-              <a:rPr lang="en-US" dirty="0"/>
-            </a:br>
-            <a:r>
-              <a:rPr lang="en-US" dirty="0"/>
-              <a:t>POSTMAN</a:t>
-            </a:r>
-            <a:endParaRPr lang="pt-BR" dirty="0"/>
+            <a:r>
+              <a:rPr lang="pt-BR" sz="2400" dirty="0"/>
+              <a:t>REST é um padrão arquitetural basicamente leve por natureza. Então quando você tiver limitações de banda prefira web services REST;</a:t>
+            </a:r>
+          </a:p>
+          <a:p>
+            <a:r>
+              <a:rPr lang="pt-BR" sz="2400" dirty="0"/>
+              <a:t>Desenvolvimento fácil e rápido;</a:t>
+            </a:r>
+          </a:p>
+          <a:p>
+            <a:r>
+              <a:rPr lang="pt-BR" sz="2400" dirty="0"/>
+              <a:t>Grandes sites como </a:t>
+            </a:r>
+            <a:r>
+              <a:rPr lang="pt-BR" sz="2400" dirty="0" err="1"/>
+              <a:t>Twitter</a:t>
+            </a:r>
+            <a:r>
+              <a:rPr lang="pt-BR" sz="2400" dirty="0"/>
+              <a:t>, Yahoo, Google, </a:t>
+            </a:r>
+            <a:r>
+              <a:rPr lang="pt-BR" sz="2400" dirty="0" err="1"/>
+              <a:t>Facebook</a:t>
+            </a:r>
+            <a:r>
+              <a:rPr lang="pt-BR" sz="2400" dirty="0"/>
+              <a:t> usam este padrão.</a:t>
+            </a:r>
+          </a:p>
+          <a:p>
+            <a:r>
+              <a:rPr lang="pt-BR" sz="2400" dirty="0"/>
+              <a:t>Aplicativos Mobile tem ganhado cada vez mais espaço e precisam interagir rapidamente com os servidores e o padrão REST é mais rápido no processamento de dados das requests e responses.</a:t>
+            </a:r>
           </a:p>
         </p:txBody>
       </p:sp>
     </p:spTree>
     <p:extLst>
       <p:ext uri="{BB962C8B-B14F-4D97-AF65-F5344CB8AC3E}">
-        <p14:creationId xmlns:p14="http://schemas.microsoft.com/office/powerpoint/2010/main" val="1488004731"/>
+        <p14:creationId xmlns:p14="http://schemas.microsoft.com/office/powerpoint/2010/main" val="624432599"/>
       </p:ext>
     </p:extLst>
   </p:cSld>
@@ -5981,16 +6767,92 @@
           <a:chExt cx="0" cy="0"/>
         </a:xfrm>
       </p:grpSpPr>
+      <p:sp>
+        <p:nvSpPr>
+          <p:cNvPr id="2" name="Título 1"/>
+          <p:cNvSpPr>
+            <a:spLocks noGrp="1"/>
+          </p:cNvSpPr>
+          <p:nvPr>
+            <p:ph type="title"/>
+          </p:nvPr>
+        </p:nvSpPr>
+        <p:spPr>
+          <a:xfrm>
+            <a:off x="677334" y="0"/>
+            <a:ext cx="10752666" cy="1320800"/>
+          </a:xfrm>
+        </p:spPr>
+        <p:txBody>
+          <a:bodyPr/>
+          <a:lstStyle/>
+          <a:p>
+            <a:pPr algn="ctr"/>
+            <a:r>
+              <a:rPr lang="pt-BR" b="1" dirty="0" smtClean="0"/>
+              <a:t>Request e Response</a:t>
+            </a:r>
+            <a:endParaRPr lang="pt-BR" dirty="0"/>
+          </a:p>
+        </p:txBody>
+      </p:sp>
+      <p:sp>
+        <p:nvSpPr>
+          <p:cNvPr id="3" name="Espaço Reservado para Conteúdo 2"/>
+          <p:cNvSpPr>
+            <a:spLocks noGrp="1"/>
+          </p:cNvSpPr>
+          <p:nvPr>
+            <p:ph idx="1"/>
+          </p:nvPr>
+        </p:nvSpPr>
+        <p:spPr>
+          <a:xfrm>
+            <a:off x="0" y="533400"/>
+            <a:ext cx="12192000" cy="6324601"/>
+          </a:xfrm>
+        </p:spPr>
+        <p:txBody>
+          <a:bodyPr>
+            <a:normAutofit/>
+          </a:bodyPr>
+          <a:lstStyle/>
+          <a:p>
+            <a:pPr marL="0" indent="0" algn="ctr">
+              <a:buNone/>
+            </a:pPr>
+            <a:r>
+              <a:rPr lang="pt-BR" sz="2400" dirty="0">
+                <a:hlinkClick r:id="rId2"/>
+              </a:rPr>
+              <a:t>https://</a:t>
+            </a:r>
+            <a:r>
+              <a:rPr lang="pt-BR" sz="2400" dirty="0" smtClean="0">
+                <a:hlinkClick r:id="rId2"/>
+              </a:rPr>
+              <a:t>docs.trafficserver.apache.org/en/5.3.x/sdk/http-headers.en.html</a:t>
+            </a:r>
+            <a:endParaRPr lang="pt-BR" sz="2400" dirty="0" smtClean="0"/>
+          </a:p>
+          <a:p>
+            <a:pPr marL="0" indent="0" algn="ctr">
+              <a:buNone/>
+            </a:pPr>
+            <a:endParaRPr lang="pt-BR" sz="2400" b="1" dirty="0"/>
+          </a:p>
+        </p:txBody>
+      </p:sp>
       <p:pic>
         <p:nvPicPr>
-          <p:cNvPr id="8194" name="Picture 2" descr="http://idratherbewriting.com/intro-to-api-documentation/media/rasters/postmansample.png"/>
+          <p:cNvPr id="1028" name="Picture 4" descr="Marshal Buffers and Header Locations"/>
           <p:cNvPicPr>
             <a:picLocks noChangeAspect="1" noChangeArrowheads="1"/>
           </p:cNvPicPr>
           <p:nvPr/>
         </p:nvPicPr>
         <p:blipFill>
-          <a:blip r:embed="rId2">
+          <a:blip r:embed="rId3">
             <a:extLst>
               <a:ext uri="{28A0092B-C50C-407E-A947-70E740481C1C}">
                 <a14:useLocalDpi xmlns:a14="http://schemas.microsoft.com/office/drawing/2010/main" val="0"/>
@@ -6004,8 +6866,8 @@
         </p:blipFill>
         <p:spPr bwMode="auto">
           <a:xfrm>
-            <a:off x="0" y="0"/>
-            <a:ext cx="12344400" cy="7039618"/>
+            <a:off x="3727047" y="934864"/>
+            <a:ext cx="4112871" cy="5969437"/>
           </a:xfrm>
           <a:prstGeom prst="rect">
             <a:avLst/>
@@ -6025,7 +6887,7 @@
     </p:spTree>
     <p:extLst>
       <p:ext uri="{BB962C8B-B14F-4D97-AF65-F5344CB8AC3E}">
-        <p14:creationId xmlns:p14="http://schemas.microsoft.com/office/powerpoint/2010/main" val="909695532"/>
+        <p14:creationId xmlns:p14="http://schemas.microsoft.com/office/powerpoint/2010/main" val="3212237973"/>
       </p:ext>
     </p:extLst>
   </p:cSld>
@@ -6069,17 +6931,22 @@
             <p:ph type="title"/>
           </p:nvPr>
         </p:nvSpPr>
-        <p:spPr/>
+        <p:spPr>
+          <a:xfrm>
+            <a:off x="677334" y="0"/>
+            <a:ext cx="10752666" cy="1320800"/>
+          </a:xfrm>
+        </p:spPr>
         <p:txBody>
           <a:bodyPr/>
           <a:lstStyle/>
           <a:p>
-            <a:pPr fontAlgn="base"/>
-            <a:r>
-              <a:rPr lang="pt-BR" cap="all" dirty="0"/>
-              <a:t>DOCUMENTING ENDPOINTS</a:t>
-            </a:r>
-            <a:endParaRPr lang="pt-BR" cap="all" dirty="0"/>
+            <a:pPr algn="ctr"/>
+            <a:r>
+              <a:rPr lang="pt-BR" b="1" dirty="0" smtClean="0"/>
+              <a:t>Request</a:t>
+            </a:r>
+            <a:endParaRPr lang="pt-BR" dirty="0"/>
           </a:p>
         </p:txBody>
       </p:sp>
@@ -6093,145 +6960,88 @@
             <p:ph idx="1"/>
           </p:nvPr>
         </p:nvSpPr>
-        <p:spPr/>
-        <p:txBody>
-          <a:bodyPr/>
-          <a:lstStyle/>
-          <a:p>
-            <a:pPr fontAlgn="base">
-              <a:buFont typeface="+mj-lt"/>
-              <a:buAutoNum type="arabicPeriod"/>
+        <p:spPr>
+          <a:xfrm>
+            <a:off x="0" y="533400"/>
+            <a:ext cx="12192000" cy="6324601"/>
+          </a:xfrm>
+        </p:spPr>
+        <p:txBody>
+          <a:bodyPr>
+            <a:normAutofit/>
+          </a:bodyPr>
+          <a:lstStyle/>
+          <a:p>
+            <a:pPr marL="0" indent="0" algn="ctr">
+              <a:buNone/>
             </a:pPr>
             <a:r>
-              <a:rPr lang="pt-BR" dirty="0" err="1" smtClean="0"/>
-              <a:t>Resource</a:t>
-            </a:r>
-            <a:r>
-              <a:rPr lang="pt-BR" dirty="0" smtClean="0"/>
-              <a:t> </a:t>
-            </a:r>
-            <a:r>
-              <a:rPr lang="pt-BR" dirty="0" err="1"/>
-              <a:t>description</a:t>
-            </a:r>
-            <a:endParaRPr lang="pt-BR" dirty="0"/>
-          </a:p>
-          <a:p>
-            <a:pPr fontAlgn="base">
-              <a:buFont typeface="+mj-lt"/>
-              <a:buAutoNum type="arabicPeriod"/>
+              <a:rPr lang="pt-BR" sz="2400" dirty="0">
+                <a:hlinkClick r:id="rId2"/>
+              </a:rPr>
+              <a:t>https://</a:t>
+            </a:r>
+            <a:r>
+              <a:rPr lang="pt-BR" sz="2400" dirty="0" smtClean="0">
+                <a:hlinkClick r:id="rId2"/>
+              </a:rPr>
+              <a:t>www.ntu.edu.sg/home/ehchua/programming/webprogramming/HTTP_Basics.html</a:t>
+            </a:r>
+            <a:endParaRPr lang="pt-BR" sz="2400" dirty="0" smtClean="0"/>
+          </a:p>
+          <a:p>
+            <a:pPr marL="0" indent="0" algn="ctr">
+              <a:buNone/>
             </a:pPr>
-            <a:r>
-              <a:rPr lang="pt-BR" dirty="0" err="1"/>
-              <a:t>Resource</a:t>
-            </a:r>
-            <a:r>
-              <a:rPr lang="pt-BR" dirty="0"/>
-              <a:t> URL</a:t>
-            </a:r>
-          </a:p>
-          <a:p>
-            <a:pPr fontAlgn="base">
-              <a:buFont typeface="+mj-lt"/>
-              <a:buAutoNum type="arabicPeriod"/>
-            </a:pPr>
-            <a:r>
-              <a:rPr lang="pt-BR" dirty="0" err="1"/>
-              <a:t>Methods</a:t>
-            </a:r>
-            <a:endParaRPr lang="pt-BR" dirty="0"/>
-          </a:p>
-          <a:p>
-            <a:pPr fontAlgn="base">
-              <a:buFont typeface="+mj-lt"/>
-              <a:buAutoNum type="arabicPeriod"/>
-            </a:pPr>
-            <a:r>
-              <a:rPr lang="pt-BR" dirty="0" err="1"/>
-              <a:t>Parameters</a:t>
-            </a:r>
-            <a:endParaRPr lang="pt-BR" dirty="0"/>
-          </a:p>
-          <a:p>
-            <a:pPr fontAlgn="base">
-              <a:buFont typeface="+mj-lt"/>
-              <a:buAutoNum type="arabicPeriod"/>
-            </a:pPr>
-            <a:r>
-              <a:rPr lang="pt-BR" dirty="0"/>
-              <a:t>Request </a:t>
-            </a:r>
-            <a:r>
-              <a:rPr lang="pt-BR" dirty="0" err="1"/>
-              <a:t>example</a:t>
-            </a:r>
-            <a:endParaRPr lang="pt-BR" dirty="0"/>
-          </a:p>
-          <a:p>
-            <a:pPr fontAlgn="base">
-              <a:buFont typeface="+mj-lt"/>
-              <a:buAutoNum type="arabicPeriod"/>
-            </a:pPr>
-            <a:r>
-              <a:rPr lang="pt-BR" dirty="0"/>
-              <a:t>Response </a:t>
-            </a:r>
-            <a:r>
-              <a:rPr lang="pt-BR" dirty="0" err="1"/>
-              <a:t>example</a:t>
-            </a:r>
-            <a:endParaRPr lang="pt-BR" dirty="0"/>
-          </a:p>
-          <a:p>
-            <a:pPr fontAlgn="base">
-              <a:buFont typeface="+mj-lt"/>
-              <a:buAutoNum type="arabicPeriod"/>
-            </a:pPr>
-            <a:r>
-              <a:rPr lang="pt-BR" dirty="0"/>
-              <a:t>Status </a:t>
-            </a:r>
-            <a:r>
-              <a:rPr lang="pt-BR" dirty="0" err="1"/>
-              <a:t>and</a:t>
-            </a:r>
-            <a:r>
-              <a:rPr lang="pt-BR" dirty="0"/>
-              <a:t> </a:t>
-            </a:r>
-            <a:r>
-              <a:rPr lang="pt-BR" dirty="0" err="1"/>
-              <a:t>error</a:t>
-            </a:r>
-            <a:r>
-              <a:rPr lang="pt-BR" dirty="0"/>
-              <a:t> codes</a:t>
-            </a:r>
-          </a:p>
-          <a:p>
-            <a:pPr fontAlgn="base">
-              <a:buFont typeface="+mj-lt"/>
-              <a:buAutoNum type="arabicPeriod"/>
-            </a:pPr>
-            <a:r>
-              <a:rPr lang="pt-BR" dirty="0"/>
-              <a:t>Code </a:t>
-            </a:r>
-            <a:r>
-              <a:rPr lang="pt-BR" dirty="0" err="1"/>
-              <a:t>samples</a:t>
-            </a:r>
-            <a:endParaRPr lang="pt-BR" dirty="0"/>
-          </a:p>
-          <a:p>
-            <a:endParaRPr lang="pt-BR" dirty="0"/>
-          </a:p>
-        </p:txBody>
-      </p:sp>
+            <a:endParaRPr lang="pt-BR" sz="2400" b="1" dirty="0"/>
+          </a:p>
+        </p:txBody>
+      </p:sp>
+      <p:pic>
+        <p:nvPicPr>
+          <p:cNvPr id="1034" name="Picture 10" descr="https://www.ntu.edu.sg/home/ehchua/programming/webprogramming/images/HTTP_RequestMessageExample.png"/>
+          <p:cNvPicPr>
+            <a:picLocks noChangeAspect="1" noChangeArrowheads="1"/>
+          </p:cNvPicPr>
+          <p:nvPr/>
+        </p:nvPicPr>
+        <p:blipFill>
+          <a:blip r:embed="rId3">
+            <a:extLst>
+              <a:ext uri="{28A0092B-C50C-407E-A947-70E740481C1C}">
+                <a14:useLocalDpi xmlns:a14="http://schemas.microsoft.com/office/drawing/2010/main" val="0"/>
+              </a:ext>
+            </a:extLst>
+          </a:blip>
+          <a:srcRect/>
+          <a:stretch>
+            <a:fillRect/>
+          </a:stretch>
+        </p:blipFill>
+        <p:spPr bwMode="auto">
+          <a:xfrm>
+            <a:off x="1684412" y="2209478"/>
+            <a:ext cx="8823175" cy="2972443"/>
+          </a:xfrm>
+          <a:prstGeom prst="rect">
+            <a:avLst/>
+          </a:prstGeom>
+          <a:noFill/>
+          <a:extLst>
+            <a:ext uri="{909E8E84-426E-40DD-AFC4-6F175D3DCCD1}">
+              <a14:hiddenFill xmlns:a14="http://schemas.microsoft.com/office/drawing/2010/main">
+                <a:solidFill>
+                  <a:srgbClr val="FFFFFF"/>
+                </a:solidFill>
+              </a14:hiddenFill>
+            </a:ext>
+          </a:extLst>
+        </p:spPr>
+      </p:pic>
     </p:spTree>
     <p:extLst>
       <p:ext uri="{BB962C8B-B14F-4D97-AF65-F5344CB8AC3E}">
-        <p14:creationId xmlns:p14="http://schemas.microsoft.com/office/powerpoint/2010/main" val="1503886867"/>
+        <p14:creationId xmlns:p14="http://schemas.microsoft.com/office/powerpoint/2010/main" val="3875783887"/>
       </p:ext>
     </p:extLst>
   </p:cSld>
@@ -6267,7 +7077,7 @@
       </p:grpSpPr>
       <p:sp>
         <p:nvSpPr>
-          <p:cNvPr id="7" name="Título 6"/>
+          <p:cNvPr id="2" name="Título 1"/>
           <p:cNvSpPr>
             <a:spLocks noGrp="1"/>
           </p:cNvSpPr>
@@ -6275,62 +7085,117 @@
             <p:ph type="title"/>
           </p:nvPr>
         </p:nvSpPr>
-        <p:spPr/>
+        <p:spPr>
+          <a:xfrm>
+            <a:off x="677334" y="0"/>
+            <a:ext cx="10752666" cy="1320800"/>
+          </a:xfrm>
+        </p:spPr>
         <p:txBody>
           <a:bodyPr/>
           <a:lstStyle/>
           <a:p>
-            <a:r>
-              <a:rPr lang="pt-BR" cap="all" dirty="0"/>
-              <a:t>1. RESOURCE DESCRIPTIONS</a:t>
-            </a:r>
-            <a:br>
-              <a:rPr lang="pt-BR" cap="all" dirty="0"/>
-            </a:br>
+            <a:pPr algn="ctr"/>
+            <a:r>
+              <a:rPr lang="pt-BR" b="1" dirty="0" smtClean="0"/>
+              <a:t>Response</a:t>
+            </a:r>
             <a:endParaRPr lang="pt-BR" dirty="0"/>
           </a:p>
         </p:txBody>
       </p:sp>
       <p:sp>
         <p:nvSpPr>
-          <p:cNvPr id="8" name="Espaço Reservado para Texto 7"/>
-          <p:cNvSpPr>
-            <a:spLocks noGrp="1"/>
-          </p:cNvSpPr>
-          <p:nvPr>
-            <p:ph type="body" idx="1"/>
-          </p:nvPr>
-        </p:nvSpPr>
-        <p:spPr/>
-        <p:txBody>
-          <a:bodyPr/>
-          <a:lstStyle/>
-          <a:p>
-            <a:pPr fontAlgn="base"/>
-            <a:r>
-              <a:rPr lang="en-US" cap="all" dirty="0"/>
-              <a:t>DESCRIPTION</a:t>
-            </a:r>
-          </a:p>
-          <a:p>
-            <a:pPr fontAlgn="base"/>
-            <a:r>
-              <a:rPr lang="en-US" dirty="0"/>
-              <a:t>The information contained in the resource — brief (1-3 sentences) and usually starts with a verb.</a:t>
-            </a:r>
-          </a:p>
-          <a:p>
-            <a:endParaRPr lang="pt-BR" dirty="0" smtClean="0"/>
-          </a:p>
-          <a:p>
-            <a:endParaRPr lang="pt-BR" dirty="0"/>
-          </a:p>
-        </p:txBody>
-      </p:sp>
+          <p:cNvPr id="3" name="Espaço Reservado para Conteúdo 2"/>
+          <p:cNvSpPr>
+            <a:spLocks noGrp="1"/>
+          </p:cNvSpPr>
+          <p:nvPr>
+            <p:ph idx="1"/>
+          </p:nvPr>
+        </p:nvSpPr>
+        <p:spPr>
+          <a:xfrm>
+            <a:off x="0" y="533400"/>
+            <a:ext cx="12192000" cy="6324601"/>
+          </a:xfrm>
+        </p:spPr>
+        <p:txBody>
+          <a:bodyPr>
+            <a:normAutofit/>
+          </a:bodyPr>
+          <a:lstStyle/>
+          <a:p>
+            <a:pPr marL="0" indent="0" algn="ctr">
+              <a:buNone/>
+            </a:pPr>
+            <a:r>
+              <a:rPr lang="pt-BR" sz="2400" dirty="0">
+                <a:hlinkClick r:id="rId2"/>
+              </a:rPr>
+              <a:t>https://</a:t>
+            </a:r>
+            <a:r>
+              <a:rPr lang="pt-BR" sz="2400" dirty="0" smtClean="0">
+                <a:hlinkClick r:id="rId2"/>
+              </a:rPr>
+              <a:t>en.wikibooks.org/wiki/Communication_Networks/HTTP_Protocol</a:t>
+            </a:r>
+            <a:endParaRPr lang="pt-BR" sz="2400" dirty="0" smtClean="0"/>
+          </a:p>
+          <a:p>
+            <a:pPr marL="0" indent="0" algn="ctr">
+              <a:buNone/>
+            </a:pPr>
+            <a:endParaRPr lang="pt-BR" sz="2400" b="1" dirty="0"/>
+          </a:p>
+        </p:txBody>
+      </p:sp>
+      <p:pic>
+        <p:nvPicPr>
+          <p:cNvPr id="1030" name="Picture 6" descr="https://www.ntu.edu.sg/home/ehchua/programming/webprogramming/images/HTTP_ResponseMessageExample.png"/>
+          <p:cNvPicPr>
+            <a:picLocks noChangeAspect="1" noChangeArrowheads="1"/>
+          </p:cNvPicPr>
+          <p:nvPr/>
+        </p:nvPicPr>
+        <p:blipFill>
+          <a:blip r:embed="rId3">
+            <a:extLst>
+              <a:ext uri="{28A0092B-C50C-407E-A947-70E740481C1C}">
+                <a14:useLocalDpi xmlns:a14="http://schemas.microsoft.com/office/drawing/2010/main" val="0"/>
+              </a:ext>
+            </a:extLst>
+          </a:blip>
+          <a:srcRect/>
+          <a:stretch>
+            <a:fillRect/>
+          </a:stretch>
+        </p:blipFill>
+        <p:spPr bwMode="auto">
+          <a:xfrm>
+            <a:off x="1867489" y="2273641"/>
+            <a:ext cx="8440575" cy="3201184"/>
+          </a:xfrm>
+          <a:prstGeom prst="rect">
+            <a:avLst/>
+          </a:prstGeom>
+          <a:noFill/>
+          <a:extLst>
+            <a:ext uri="{909E8E84-426E-40DD-AFC4-6F175D3DCCD1}">
+              <a14:hiddenFill xmlns:a14="http://schemas.microsoft.com/office/drawing/2010/main">
+                <a:solidFill>
+                  <a:srgbClr val="FFFFFF"/>
+                </a:solidFill>
+              </a14:hiddenFill>
+            </a:ext>
+          </a:extLst>
+        </p:spPr>
+      </p:pic>
     </p:spTree>
     <p:extLst>
       <p:ext uri="{BB962C8B-B14F-4D97-AF65-F5344CB8AC3E}">
-        <p14:creationId xmlns:p14="http://schemas.microsoft.com/office/powerpoint/2010/main" val="1429488468"/>
+        <p14:creationId xmlns:p14="http://schemas.microsoft.com/office/powerpoint/2010/main" val="695447669"/>
       </p:ext>
     </p:extLst>
   </p:cSld>
@@ -6366,7 +7231,7 @@
       </p:grpSpPr>
       <p:sp>
         <p:nvSpPr>
-          <p:cNvPr id="7" name="Título 6"/>
+          <p:cNvPr id="2" name="Título 1"/>
           <p:cNvSpPr>
             <a:spLocks noGrp="1"/>
           </p:cNvSpPr>
@@ -6374,62 +7239,63 @@
             <p:ph type="title"/>
           </p:nvPr>
         </p:nvSpPr>
-        <p:spPr/>
+        <p:spPr>
+          <a:xfrm>
+            <a:off x="0" y="0"/>
+            <a:ext cx="10486663" cy="1320800"/>
+          </a:xfrm>
+        </p:spPr>
         <p:txBody>
           <a:bodyPr/>
           <a:lstStyle/>
           <a:p>
-            <a:r>
-              <a:rPr lang="pt-BR" cap="all" dirty="0"/>
-              <a:t>2. RESOURCE URL</a:t>
-            </a:r>
-            <a:br>
-              <a:rPr lang="pt-BR" cap="all" dirty="0"/>
-            </a:br>
+            <a:pPr algn="ctr"/>
+            <a:r>
+              <a:rPr lang="pt-BR" b="1" dirty="0" smtClean="0"/>
+              <a:t>Tipos </a:t>
+            </a:r>
+            <a:r>
+              <a:rPr lang="pt-BR" b="1" dirty="0"/>
+              <a:t>de Parâmetros - Path </a:t>
+            </a:r>
+            <a:r>
+              <a:rPr lang="pt-BR" b="1" dirty="0" err="1"/>
+              <a:t>Params</a:t>
+            </a:r>
             <a:endParaRPr lang="pt-BR" dirty="0"/>
           </a:p>
         </p:txBody>
       </p:sp>
-      <p:sp>
-        <p:nvSpPr>
-          <p:cNvPr id="8" name="Espaço Reservado para Texto 7"/>
-          <p:cNvSpPr>
-            <a:spLocks noGrp="1"/>
-          </p:cNvSpPr>
-          <p:nvPr>
-            <p:ph type="body" idx="1"/>
-          </p:nvPr>
-        </p:nvSpPr>
-        <p:spPr/>
-        <p:txBody>
-          <a:bodyPr/>
-          <a:lstStyle/>
-          <a:p>
-            <a:pPr fontAlgn="base"/>
-            <a:r>
-              <a:rPr lang="en-US" cap="all" dirty="0"/>
-              <a:t>DESCRIPTION</a:t>
-            </a:r>
-          </a:p>
-          <a:p>
-            <a:pPr fontAlgn="base"/>
-            <a:r>
-              <a:rPr lang="en-US" dirty="0"/>
-              <a:t>The URL path where the resource can be accessed. Doesn't include the base path.</a:t>
-            </a:r>
-          </a:p>
-          <a:p>
-            <a:endParaRPr lang="pt-BR" dirty="0" smtClean="0"/>
-          </a:p>
-          <a:p>
-            <a:endParaRPr lang="pt-BR" dirty="0"/>
-          </a:p>
-        </p:txBody>
-      </p:sp>
+      <p:pic>
+        <p:nvPicPr>
+          <p:cNvPr id="4" name="Espaço Reservado para Conteúdo 3"/>
+          <p:cNvPicPr>
+            <a:picLocks noGrp="1" noChangeAspect="1"/>
+          </p:cNvPicPr>
+          <p:nvPr>
+            <p:ph idx="1"/>
+          </p:nvPr>
+        </p:nvPicPr>
+        <p:blipFill>
+          <a:blip r:embed="rId2"/>
+          <a:stretch>
+            <a:fillRect/>
+          </a:stretch>
+        </p:blipFill>
+        <p:spPr>
+          <a:xfrm>
+            <a:off x="-12689" y="1930801"/>
+            <a:ext cx="12642226" cy="2594900"/>
+          </a:xfrm>
+          <a:prstGeom prst="rect">
+            <a:avLst/>
+          </a:prstGeom>
+        </p:spPr>
+      </p:pic>
     </p:spTree>
     <p:extLst>
       <p:ext uri="{BB962C8B-B14F-4D97-AF65-F5344CB8AC3E}">
-        <p14:creationId xmlns:p14="http://schemas.microsoft.com/office/powerpoint/2010/main" val="53435730"/>
+        <p14:creationId xmlns:p14="http://schemas.microsoft.com/office/powerpoint/2010/main" val="1586946479"/>
       </p:ext>
     </p:extLst>
   </p:cSld>
@@ -6463,51 +7329,77 @@
           <a:chExt cx="0" cy="0"/>
         </a:xfrm>
       </p:grpSpPr>
+      <p:sp>
+        <p:nvSpPr>
+          <p:cNvPr id="2" name="Título 1"/>
+          <p:cNvSpPr>
+            <a:spLocks noGrp="1"/>
+          </p:cNvSpPr>
+          <p:nvPr>
+            <p:ph type="title"/>
+          </p:nvPr>
+        </p:nvSpPr>
+        <p:spPr>
+          <a:xfrm>
+            <a:off x="0" y="0"/>
+            <a:ext cx="10741306" cy="1320800"/>
+          </a:xfrm>
+        </p:spPr>
+        <p:txBody>
+          <a:bodyPr/>
+          <a:lstStyle/>
+          <a:p>
+            <a:pPr algn="ctr"/>
+            <a:r>
+              <a:rPr lang="pt-BR" b="1" dirty="0" smtClean="0"/>
+              <a:t>Tipos </a:t>
+            </a:r>
+            <a:r>
+              <a:rPr lang="pt-BR" b="1" dirty="0"/>
+              <a:t>de Parâmetros </a:t>
+            </a:r>
+            <a:r>
+              <a:rPr lang="pt-BR" b="1" dirty="0" smtClean="0"/>
+              <a:t>– Query </a:t>
+            </a:r>
+            <a:r>
+              <a:rPr lang="pt-BR" b="1" dirty="0" err="1" smtClean="0"/>
+              <a:t>Params</a:t>
+            </a:r>
+            <a:endParaRPr lang="pt-BR" dirty="0"/>
+          </a:p>
+        </p:txBody>
+      </p:sp>
       <p:pic>
         <p:nvPicPr>
-          <p:cNvPr id="12290" name="Picture 2" descr="http://idratherbewriting.com/intro-to-api-documentation/media/rasters/instagramurlexample.png"/>
+          <p:cNvPr id="4" name="Espaço Reservado para Conteúdo 3"/>
           <p:cNvPicPr>
-            <a:picLocks noChangeAspect="1" noChangeArrowheads="1"/>
+            <a:picLocks noGrp="1" noChangeAspect="1"/>
           </p:cNvPicPr>
-          <p:nvPr/>
+          <p:nvPr>
+            <p:ph idx="1"/>
+          </p:nvPr>
         </p:nvPicPr>
         <p:blipFill>
-          <a:blip r:embed="rId2">
-            <a:extLst>
-              <a:ext uri="{28A0092B-C50C-407E-A947-70E740481C1C}">
-                <a14:useLocalDpi xmlns:a14="http://schemas.microsoft.com/office/drawing/2010/main" val="0"/>
-              </a:ext>
-            </a:extLst>
-          </a:blip>
-          <a:srcRect/>
+          <a:blip r:embed="rId2"/>
           <a:stretch>
             <a:fillRect/>
           </a:stretch>
         </p:blipFill>
-        <p:spPr bwMode="auto">
+        <p:spPr>
           <a:xfrm>
-            <a:off x="0" y="-15240"/>
-            <a:ext cx="13383536" cy="6995160"/>
+            <a:off x="-1" y="2395959"/>
+            <a:ext cx="12195257" cy="2546431"/>
           </a:xfrm>
           <a:prstGeom prst="rect">
             <a:avLst/>
           </a:prstGeom>
-          <a:noFill/>
-          <a:extLst>
-            <a:ext uri="{909E8E84-426E-40DD-AFC4-6F175D3DCCD1}">
-              <a14:hiddenFill xmlns:a14="http://schemas.microsoft.com/office/drawing/2010/main">
-                <a:solidFill>
-                  <a:srgbClr val="FFFFFF"/>
-                </a:solidFill>
-              </a14:hiddenFill>
-            </a:ext>
-          </a:extLst>
         </p:spPr>
       </p:pic>
     </p:spTree>
     <p:extLst>
       <p:ext uri="{BB962C8B-B14F-4D97-AF65-F5344CB8AC3E}">
-        <p14:creationId xmlns:p14="http://schemas.microsoft.com/office/powerpoint/2010/main" val="2746443084"/>
+        <p14:creationId xmlns:p14="http://schemas.microsoft.com/office/powerpoint/2010/main" val="3042836245"/>
       </p:ext>
     </p:extLst>
   </p:cSld>
@@ -6551,18 +7443,29 @@
             <p:ph type="title"/>
           </p:nvPr>
         </p:nvSpPr>
-        <p:spPr/>
+        <p:spPr>
+          <a:xfrm>
+            <a:off x="0" y="0"/>
+            <a:ext cx="10278319" cy="1320800"/>
+          </a:xfrm>
+        </p:spPr>
         <p:txBody>
           <a:bodyPr/>
           <a:lstStyle/>
           <a:p>
-            <a:r>
-              <a:rPr lang="en-US" cap="all" dirty="0"/>
-              <a:t>PUT PATH PARAMETERS IN CURLY BRACES</a:t>
-            </a:r>
-            <a:br>
-              <a:rPr lang="en-US" cap="all" dirty="0"/>
-            </a:br>
+            <a:pPr algn="ctr"/>
+            <a:r>
+              <a:rPr lang="pt-BR" b="1" dirty="0" smtClean="0"/>
+              <a:t>Tipos </a:t>
+            </a:r>
+            <a:r>
+              <a:rPr lang="pt-BR" b="1" dirty="0"/>
+              <a:t>de Parâmetros - Header </a:t>
+            </a:r>
+            <a:r>
+              <a:rPr lang="pt-BR" b="1" dirty="0" err="1"/>
+              <a:t>Params</a:t>
+            </a:r>
             <a:endParaRPr lang="pt-BR" dirty="0"/>
           </a:p>
         </p:txBody>
@@ -6578,15 +7481,15 @@
           </p:nvPr>
         </p:nvPicPr>
         <p:blipFill>
-          <a:blip r:embed="rId2"/>
+          <a:blip r:embed="rId3"/>
           <a:stretch>
             <a:fillRect/>
           </a:stretch>
         </p:blipFill>
         <p:spPr>
           <a:xfrm>
-            <a:off x="403543" y="2603206"/>
-            <a:ext cx="11467498" cy="1557314"/>
+            <a:off x="0" y="2059882"/>
+            <a:ext cx="12192000" cy="3237759"/>
           </a:xfrm>
           <a:prstGeom prst="rect">
             <a:avLst/>
@@ -6596,7 +7499,7 @@
     </p:spTree>
     <p:extLst>
       <p:ext uri="{BB962C8B-B14F-4D97-AF65-F5344CB8AC3E}">
-        <p14:creationId xmlns:p14="http://schemas.microsoft.com/office/powerpoint/2010/main" val="1066940495"/>
+        <p14:creationId xmlns:p14="http://schemas.microsoft.com/office/powerpoint/2010/main" val="2764525676"/>
       </p:ext>
     </p:extLst>
   </p:cSld>
@@ -6632,7 +7535,7 @@
       </p:grpSpPr>
       <p:sp>
         <p:nvSpPr>
-          <p:cNvPr id="7" name="Título 6"/>
+          <p:cNvPr id="2" name="Título 1"/>
           <p:cNvSpPr>
             <a:spLocks noGrp="1"/>
           </p:cNvSpPr>
@@ -6640,62 +7543,71 @@
             <p:ph type="title"/>
           </p:nvPr>
         </p:nvSpPr>
-        <p:spPr/>
+        <p:spPr>
+          <a:xfrm>
+            <a:off x="0" y="0"/>
+            <a:ext cx="10428790" cy="1320800"/>
+          </a:xfrm>
+        </p:spPr>
         <p:txBody>
           <a:bodyPr/>
           <a:lstStyle/>
           <a:p>
-            <a:r>
-              <a:rPr lang="pt-BR" cap="all" dirty="0"/>
-              <a:t>3. METHOD</a:t>
-            </a:r>
-            <a:br>
-              <a:rPr lang="pt-BR" cap="all" dirty="0"/>
-            </a:br>
+            <a:pPr algn="ctr"/>
+            <a:r>
+              <a:rPr lang="pt-BR" b="1" dirty="0" smtClean="0"/>
+              <a:t>Tipos </a:t>
+            </a:r>
+            <a:r>
+              <a:rPr lang="pt-BR" b="1" dirty="0"/>
+              <a:t>de Parâmetros - </a:t>
+            </a:r>
+            <a:r>
+              <a:rPr lang="pt-BR" b="1" dirty="0" err="1"/>
+              <a:t>Body</a:t>
+            </a:r>
+            <a:r>
+              <a:rPr lang="pt-BR" b="1" dirty="0"/>
+              <a:t> </a:t>
+            </a:r>
+            <a:r>
+              <a:rPr lang="pt-BR" b="1" dirty="0" err="1"/>
+              <a:t>Params</a:t>
+            </a:r>
             <a:endParaRPr lang="pt-BR" dirty="0"/>
           </a:p>
         </p:txBody>
       </p:sp>
-      <p:sp>
-        <p:nvSpPr>
-          <p:cNvPr id="8" name="Espaço Reservado para Texto 7"/>
-          <p:cNvSpPr>
-            <a:spLocks noGrp="1"/>
-          </p:cNvSpPr>
-          <p:nvPr>
-            <p:ph type="body" idx="1"/>
-          </p:nvPr>
-        </p:nvSpPr>
-        <p:spPr/>
-        <p:txBody>
-          <a:bodyPr/>
-          <a:lstStyle/>
-          <a:p>
-            <a:pPr fontAlgn="base"/>
-            <a:r>
-              <a:rPr lang="en-US" cap="all" dirty="0"/>
-              <a:t>DESCRIPTION</a:t>
-            </a:r>
-          </a:p>
-          <a:p>
-            <a:pPr fontAlgn="base"/>
-            <a:r>
-              <a:rPr lang="en-US" dirty="0"/>
-              <a:t>The operations allowed for the resource URL (GET, POST, PUT, DELETE, etc.)</a:t>
-            </a:r>
-          </a:p>
-          <a:p>
-            <a:endParaRPr lang="pt-BR" dirty="0" smtClean="0"/>
-          </a:p>
-          <a:p>
-            <a:endParaRPr lang="pt-BR" dirty="0"/>
-          </a:p>
-        </p:txBody>
-      </p:sp>
+      <p:pic>
+        <p:nvPicPr>
+          <p:cNvPr id="4" name="Espaço Reservado para Conteúdo 3"/>
+          <p:cNvPicPr>
+            <a:picLocks noGrp="1" noChangeAspect="1"/>
+          </p:cNvPicPr>
+          <p:nvPr>
+            <p:ph idx="1"/>
+          </p:nvPr>
+        </p:nvPicPr>
+        <p:blipFill>
+          <a:blip r:embed="rId2"/>
+          <a:stretch>
+            <a:fillRect/>
+          </a:stretch>
+        </p:blipFill>
+        <p:spPr>
+          <a:xfrm>
+            <a:off x="0" y="1574157"/>
+            <a:ext cx="12497740" cy="3900668"/>
+          </a:xfrm>
+          <a:prstGeom prst="rect">
+            <a:avLst/>
+          </a:prstGeom>
+        </p:spPr>
+      </p:pic>
     </p:spTree>
     <p:extLst>
       <p:ext uri="{BB962C8B-B14F-4D97-AF65-F5344CB8AC3E}">
-        <p14:creationId xmlns:p14="http://schemas.microsoft.com/office/powerpoint/2010/main" val="919823422"/>
+        <p14:creationId xmlns:p14="http://schemas.microsoft.com/office/powerpoint/2010/main" val="3984329294"/>
       </p:ext>
     </p:extLst>
   </p:cSld>
@@ -6731,7 +7643,7 @@
       </p:grpSpPr>
       <p:sp>
         <p:nvSpPr>
-          <p:cNvPr id="7" name="Título 6"/>
+          <p:cNvPr id="2" name="Título 1"/>
           <p:cNvSpPr>
             <a:spLocks noGrp="1"/>
           </p:cNvSpPr>
@@ -6739,54 +7651,23 @@
             <p:ph type="title"/>
           </p:nvPr>
         </p:nvSpPr>
-        <p:spPr/>
-        <p:txBody>
-          <a:bodyPr/>
-          <a:lstStyle/>
-          <a:p>
-            <a:r>
-              <a:rPr lang="pt-BR" cap="all" dirty="0"/>
-              <a:t>4. PARAMETERS</a:t>
-            </a:r>
-            <a:br>
-              <a:rPr lang="pt-BR" cap="all" dirty="0"/>
-            </a:br>
-            <a:endParaRPr lang="pt-BR" dirty="0"/>
-          </a:p>
-        </p:txBody>
-      </p:sp>
-      <p:sp>
-        <p:nvSpPr>
-          <p:cNvPr id="8" name="Espaço Reservado para Texto 7"/>
-          <p:cNvSpPr>
-            <a:spLocks noGrp="1"/>
-          </p:cNvSpPr>
-          <p:nvPr>
-            <p:ph type="body" idx="1"/>
-          </p:nvPr>
-        </p:nvSpPr>
-        <p:spPr/>
-        <p:txBody>
-          <a:bodyPr/>
-          <a:lstStyle/>
-          <a:p>
-            <a:pPr fontAlgn="base"/>
-            <a:r>
-              <a:rPr lang="en-US" cap="all" dirty="0"/>
-              <a:t>DESCRIPTION</a:t>
-            </a:r>
-          </a:p>
-          <a:p>
-            <a:pPr fontAlgn="base"/>
-            <a:r>
-              <a:rPr lang="en-US" dirty="0"/>
-              <a:t>Options you can use with the endpoint. There are four types of parameters: header, path, query string, and request body.</a:t>
-            </a:r>
-          </a:p>
-          <a:p>
-            <a:endParaRPr lang="pt-BR" dirty="0" smtClean="0"/>
-          </a:p>
-          <a:p>
+        <p:spPr>
+          <a:xfrm>
+            <a:off x="2207568" y="2924944"/>
+            <a:ext cx="8229600" cy="990600"/>
+          </a:xfrm>
+        </p:spPr>
+        <p:txBody>
+          <a:bodyPr>
+            <a:normAutofit/>
+          </a:bodyPr>
+          <a:lstStyle/>
+          <a:p>
+            <a:pPr algn="ctr"/>
+            <a:r>
+              <a:rPr lang="pt-BR" b="1" dirty="0"/>
+              <a:t>HTTP Status Codes</a:t>
+            </a:r>
             <a:endParaRPr lang="pt-BR" dirty="0"/>
           </a:p>
         </p:txBody>
@@ -6794,7 +7675,7 @@
     </p:spTree>
     <p:extLst>
       <p:ext uri="{BB962C8B-B14F-4D97-AF65-F5344CB8AC3E}">
-        <p14:creationId xmlns:p14="http://schemas.microsoft.com/office/powerpoint/2010/main" val="1490718296"/>
+        <p14:creationId xmlns:p14="http://schemas.microsoft.com/office/powerpoint/2010/main" val="449248358"/>
       </p:ext>
     </p:extLst>
   </p:cSld>
@@ -6828,44 +7709,9 @@
           <a:chExt cx="0" cy="0"/>
         </a:xfrm>
       </p:grpSpPr>
-      <p:sp>
-        <p:nvSpPr>
-          <p:cNvPr id="2" name="Título 1"/>
-          <p:cNvSpPr>
-            <a:spLocks noGrp="1"/>
-          </p:cNvSpPr>
-          <p:nvPr>
-            <p:ph type="title"/>
-          </p:nvPr>
-        </p:nvSpPr>
-        <p:spPr/>
-        <p:txBody>
-          <a:bodyPr>
-            <a:normAutofit fontScale="90000"/>
-          </a:bodyPr>
-          <a:lstStyle/>
-          <a:p>
-            <a:r>
-              <a:rPr lang="pt-BR" cap="all" dirty="0"/>
-              <a:t>PARAMETER ORDER IS IRRELEVANT</a:t>
-            </a:r>
-            <a:br>
-              <a:rPr lang="pt-BR" cap="all" dirty="0"/>
-            </a:br>
-            <a:r>
-              <a:rPr lang="en-US" cap="all" dirty="0"/>
-              <a:t/>
-            </a:r>
-            <a:br>
-              <a:rPr lang="en-US" cap="all" dirty="0"/>
-            </a:br>
-            <a:endParaRPr lang="pt-BR" dirty="0"/>
-          </a:p>
-        </p:txBody>
-      </p:sp>
       <p:pic>
         <p:nvPicPr>
-          <p:cNvPr id="5" name="Imagem 4"/>
+          <p:cNvPr id="2" name="Imagem 1"/>
           <p:cNvPicPr>
             <a:picLocks noChangeAspect="1"/>
           </p:cNvPicPr>
@@ -6879,8 +7725,8 @@
         </p:blipFill>
         <p:spPr>
           <a:xfrm>
-            <a:off x="900112" y="2509837"/>
-            <a:ext cx="10391775" cy="1838325"/>
+            <a:off x="-2316481" y="-209550"/>
+            <a:ext cx="16716309" cy="7174230"/>
           </a:xfrm>
           <a:prstGeom prst="rect">
             <a:avLst/>
@@ -6890,7 +7736,7 @@
     </p:spTree>
     <p:extLst>
       <p:ext uri="{BB962C8B-B14F-4D97-AF65-F5344CB8AC3E}">
-        <p14:creationId xmlns:p14="http://schemas.microsoft.com/office/powerpoint/2010/main" val="671665072"/>
+        <p14:creationId xmlns:p14="http://schemas.microsoft.com/office/powerpoint/2010/main" val="3368832831"/>
       </p:ext>
     </p:extLst>
   </p:cSld>
@@ -6924,9 +7770,50 @@
           <a:chExt cx="0" cy="0"/>
         </a:xfrm>
       </p:grpSpPr>
-      <p:sp>
-        <p:nvSpPr>
-          <p:cNvPr id="2" name="Título 1"/>
+      <p:pic>
+        <p:nvPicPr>
+          <p:cNvPr id="4098" name="Picture 2" descr="Resultado de imagem para Indo alÃ©m do RESTFul"/>
+          <p:cNvPicPr>
+            <a:picLocks noChangeAspect="1" noChangeArrowheads="1"/>
+          </p:cNvPicPr>
+          <p:nvPr/>
+        </p:nvPicPr>
+        <p:blipFill>
+          <a:blip r:embed="rId3">
+            <a:extLst>
+              <a:ext uri="{28A0092B-C50C-407E-A947-70E740481C1C}">
+                <a14:useLocalDpi xmlns:a14="http://schemas.microsoft.com/office/drawing/2010/main" val="0"/>
+              </a:ext>
+            </a:extLst>
+          </a:blip>
+          <a:srcRect/>
+          <a:stretch>
+            <a:fillRect/>
+          </a:stretch>
+        </p:blipFill>
+        <p:spPr bwMode="auto">
+          <a:xfrm>
+            <a:off x="0" y="0"/>
+            <a:ext cx="12192001" cy="6858000"/>
+          </a:xfrm>
+          <a:prstGeom prst="rect">
+            <a:avLst/>
+          </a:prstGeom>
+          <a:noFill/>
+          <a:extLst>
+            <a:ext uri="{909E8E84-426E-40DD-AFC4-6F175D3DCCD1}">
+              <a14:hiddenFill xmlns:a14="http://schemas.microsoft.com/office/drawing/2010/main">
+                <a:solidFill>
+                  <a:srgbClr val="FFFFFF"/>
+                </a:solidFill>
+              </a14:hiddenFill>
+            </a:ext>
+          </a:extLst>
+        </p:spPr>
+      </p:pic>
+      <p:sp>
+        <p:nvSpPr>
+          <p:cNvPr id="4" name="Título 1"/>
           <p:cNvSpPr>
             <a:spLocks noGrp="1"/>
           </p:cNvSpPr>
@@ -6936,36 +7823,61 @@
         </p:nvSpPr>
         <p:spPr>
           <a:xfrm>
-            <a:off x="2207568" y="2924944"/>
+            <a:off x="2161270" y="2933700"/>
             <a:ext cx="8229600" cy="990600"/>
           </a:xfrm>
         </p:spPr>
         <p:txBody>
           <a:bodyPr>
-            <a:normAutofit fontScale="90000"/>
+            <a:normAutofit/>
           </a:bodyPr>
           <a:lstStyle/>
           <a:p>
             <a:pPr algn="ctr"/>
             <a:r>
-              <a:rPr lang="en-US" dirty="0"/>
-              <a:t>WHAT IS A REST API?</a:t>
-            </a:r>
-            <a:br>
-              <a:rPr lang="en-US" dirty="0"/>
-            </a:br>
-            <a:r>
-              <a:rPr lang="en-US" dirty="0"/>
-              <a:t>ALLOWS SYSTEMS TO INTERACT</a:t>
-            </a:r>
-            <a:endParaRPr lang="pt-BR" dirty="0"/>
+              <a:rPr lang="en-US" sz="4400" b="1" dirty="0" smtClean="0">
+                <a:solidFill>
+                  <a:srgbClr val="FFFF00"/>
+                </a:solidFill>
+              </a:rPr>
+              <a:t>O que </a:t>
+            </a:r>
+            <a:r>
+              <a:rPr lang="en-US" sz="4400" b="1" dirty="0" err="1" smtClean="0">
+                <a:solidFill>
+                  <a:srgbClr val="FFFF00"/>
+                </a:solidFill>
+              </a:rPr>
+              <a:t>são</a:t>
+            </a:r>
+            <a:r>
+              <a:rPr lang="en-US" sz="4400" b="1" dirty="0" smtClean="0">
+                <a:solidFill>
+                  <a:srgbClr val="FFFF00"/>
+                </a:solidFill>
+              </a:rPr>
+              <a:t> </a:t>
+            </a:r>
+            <a:r>
+              <a:rPr lang="en-US" sz="4400" b="1" dirty="0" err="1" smtClean="0">
+                <a:solidFill>
+                  <a:srgbClr val="FFFF00"/>
+                </a:solidFill>
+              </a:rPr>
+              <a:t>Webservices</a:t>
+            </a:r>
+            <a:endParaRPr lang="pt-BR" sz="4400" b="1" dirty="0">
+              <a:solidFill>
+                <a:srgbClr val="FFFF00"/>
+              </a:solidFill>
+            </a:endParaRPr>
           </a:p>
         </p:txBody>
       </p:sp>
     </p:spTree>
     <p:extLst>
       <p:ext uri="{BB962C8B-B14F-4D97-AF65-F5344CB8AC3E}">
-        <p14:creationId xmlns:p14="http://schemas.microsoft.com/office/powerpoint/2010/main" val="907062442"/>
+        <p14:creationId xmlns:p14="http://schemas.microsoft.com/office/powerpoint/2010/main" val="1619292642"/>
       </p:ext>
     </p:extLst>
   </p:cSld>
@@ -7009,84 +7921,101 @@
             <p:ph type="title"/>
           </p:nvPr>
         </p:nvSpPr>
-        <p:spPr/>
+        <p:spPr>
+          <a:xfrm>
+            <a:off x="677334" y="0"/>
+            <a:ext cx="10752666" cy="1320800"/>
+          </a:xfrm>
+        </p:spPr>
+        <p:txBody>
+          <a:bodyPr/>
+          <a:lstStyle/>
+          <a:p>
+            <a:pPr algn="ctr"/>
+            <a:r>
+              <a:rPr lang="pt-BR" b="1" dirty="0"/>
+              <a:t>HTTP Status </a:t>
+            </a:r>
+            <a:r>
+              <a:rPr lang="pt-BR" b="1" dirty="0" smtClean="0"/>
+              <a:t>Codes</a:t>
+            </a:r>
+            <a:endParaRPr lang="pt-BR" dirty="0"/>
+          </a:p>
+        </p:txBody>
+      </p:sp>
+      <p:sp>
+        <p:nvSpPr>
+          <p:cNvPr id="3" name="Espaço Reservado para Conteúdo 2"/>
+          <p:cNvSpPr>
+            <a:spLocks noGrp="1"/>
+          </p:cNvSpPr>
+          <p:nvPr>
+            <p:ph idx="1"/>
+          </p:nvPr>
+        </p:nvSpPr>
+        <p:spPr>
+          <a:xfrm>
+            <a:off x="0" y="533400"/>
+            <a:ext cx="12192000" cy="6324601"/>
+          </a:xfrm>
+        </p:spPr>
         <p:txBody>
           <a:bodyPr>
-            <a:normAutofit fontScale="90000"/>
+            <a:normAutofit/>
           </a:bodyPr>
           <a:lstStyle/>
           <a:p>
-            <a:r>
-              <a:rPr lang="en-US" cap="all" dirty="0"/>
-              <a:t>NOTE THE DATA TYPES IF IMPORTANT</a:t>
-            </a:r>
-            <a:br>
-              <a:rPr lang="en-US" cap="all" dirty="0"/>
-            </a:br>
-            <a:r>
-              <a:rPr lang="en-US" cap="all" dirty="0"/>
-              <a:t/>
-            </a:r>
-            <a:br>
-              <a:rPr lang="en-US" cap="all" dirty="0"/>
-            </a:br>
-            <a:endParaRPr lang="pt-BR" dirty="0"/>
-          </a:p>
-        </p:txBody>
-      </p:sp>
-      <p:sp>
-        <p:nvSpPr>
-          <p:cNvPr id="3" name="Espaço Reservado para Conteúdo 2"/>
-          <p:cNvSpPr>
-            <a:spLocks noGrp="1"/>
-          </p:cNvSpPr>
-          <p:nvPr>
-            <p:ph idx="1"/>
-          </p:nvPr>
-        </p:nvSpPr>
-        <p:spPr/>
-        <p:txBody>
-          <a:bodyPr/>
-          <a:lstStyle/>
-          <a:p>
-            <a:pPr fontAlgn="base"/>
-            <a:r>
-              <a:rPr lang="en-US" sz="3600" dirty="0" smtClean="0"/>
-              <a:t>string</a:t>
-            </a:r>
-            <a:endParaRPr lang="en-US" sz="3600" dirty="0"/>
-          </a:p>
-          <a:p>
-            <a:pPr fontAlgn="base"/>
-            <a:r>
-              <a:rPr lang="en-US" sz="3600" dirty="0"/>
-              <a:t>integer</a:t>
-            </a:r>
-          </a:p>
-          <a:p>
-            <a:pPr fontAlgn="base"/>
-            <a:r>
-              <a:rPr lang="en-US" sz="3600" dirty="0" err="1"/>
-              <a:t>boolean</a:t>
-            </a:r>
-            <a:endParaRPr lang="en-US" sz="3600" dirty="0"/>
-          </a:p>
-          <a:p>
-            <a:pPr fontAlgn="base"/>
-            <a:r>
-              <a:rPr lang="en-US" sz="3600" dirty="0"/>
-              <a:t>object</a:t>
-            </a:r>
-          </a:p>
-          <a:p>
-            <a:endParaRPr lang="pt-BR" dirty="0"/>
-          </a:p>
-        </p:txBody>
-      </p:sp>
+            <a:pPr marL="0" indent="0" algn="ctr">
+              <a:buNone/>
+            </a:pPr>
+            <a:r>
+              <a:rPr lang="pt-BR" sz="2400" dirty="0">
+                <a:hlinkClick r:id="rId2"/>
+              </a:rPr>
+              <a:t>https://httpstatuses.com</a:t>
+            </a:r>
+            <a:r>
+              <a:rPr lang="pt-BR" sz="2400" dirty="0" smtClean="0">
+                <a:hlinkClick r:id="rId2"/>
+              </a:rPr>
+              <a:t>/</a:t>
+            </a:r>
+            <a:endParaRPr lang="pt-BR" sz="2400" dirty="0" smtClean="0"/>
+          </a:p>
+          <a:p>
+            <a:endParaRPr lang="pt-BR" sz="2400" b="1" dirty="0"/>
+          </a:p>
+        </p:txBody>
+      </p:sp>
+      <p:pic>
+        <p:nvPicPr>
+          <p:cNvPr id="4" name="Imagem 3"/>
+          <p:cNvPicPr>
+            <a:picLocks noChangeAspect="1"/>
+          </p:cNvPicPr>
+          <p:nvPr/>
+        </p:nvPicPr>
+        <p:blipFill>
+          <a:blip r:embed="rId3"/>
+          <a:stretch>
+            <a:fillRect/>
+          </a:stretch>
+        </p:blipFill>
+        <p:spPr>
+          <a:xfrm>
+            <a:off x="0" y="945227"/>
+            <a:ext cx="12192000" cy="5912773"/>
+          </a:xfrm>
+          <a:prstGeom prst="rect">
+            <a:avLst/>
+          </a:prstGeom>
+        </p:spPr>
+      </p:pic>
     </p:spTree>
     <p:extLst>
       <p:ext uri="{BB962C8B-B14F-4D97-AF65-F5344CB8AC3E}">
-        <p14:creationId xmlns:p14="http://schemas.microsoft.com/office/powerpoint/2010/main" val="1802587541"/>
+        <p14:creationId xmlns:p14="http://schemas.microsoft.com/office/powerpoint/2010/main" val="1772530104"/>
       </p:ext>
     </p:extLst>
   </p:cSld>
@@ -7132,64 +8061,108 @@
         </p:nvSpPr>
         <p:spPr/>
         <p:txBody>
-          <a:bodyPr>
-            <a:normAutofit fontScale="90000"/>
-          </a:bodyPr>
-          <a:lstStyle/>
-          <a:p>
-            <a:r>
-              <a:rPr lang="pt-BR" cap="all" dirty="0"/>
-              <a:t>REQUEST BODY PARAMETER EXAMPLE</a:t>
-            </a:r>
-            <a:br>
-              <a:rPr lang="pt-BR" cap="all" dirty="0"/>
-            </a:br>
-            <a:r>
-              <a:rPr lang="pt-BR" cap="all" dirty="0"/>
-              <a:t/>
-            </a:r>
-            <a:br>
-              <a:rPr lang="pt-BR" cap="all" dirty="0"/>
-            </a:br>
-            <a:r>
-              <a:rPr lang="en-US" cap="all" dirty="0"/>
-              <a:t/>
-            </a:r>
-            <a:br>
-              <a:rPr lang="en-US" cap="all" dirty="0"/>
-            </a:br>
+          <a:bodyPr/>
+          <a:lstStyle/>
+          <a:p>
+            <a:r>
+              <a:rPr lang="pt-BR" b="1" dirty="0"/>
+              <a:t>HTTP Status Codes em Serviços REST</a:t>
+            </a:r>
             <a:endParaRPr lang="pt-BR" dirty="0"/>
           </a:p>
         </p:txBody>
       </p:sp>
-      <p:pic>
-        <p:nvPicPr>
-          <p:cNvPr id="3" name="Imagem 2"/>
-          <p:cNvPicPr>
-            <a:picLocks noChangeAspect="1"/>
-          </p:cNvPicPr>
-          <p:nvPr/>
-        </p:nvPicPr>
-        <p:blipFill>
-          <a:blip r:embed="rId2"/>
-          <a:stretch>
-            <a:fillRect/>
-          </a:stretch>
-        </p:blipFill>
+      <p:sp>
+        <p:nvSpPr>
+          <p:cNvPr id="3" name="Espaço Reservado para Conteúdo 2"/>
+          <p:cNvSpPr>
+            <a:spLocks noGrp="1"/>
+          </p:cNvSpPr>
+          <p:nvPr>
+            <p:ph idx="1"/>
+          </p:nvPr>
+        </p:nvSpPr>
         <p:spPr>
           <a:xfrm>
-            <a:off x="894397" y="2259330"/>
-            <a:ext cx="10525125" cy="2857500"/>
+            <a:off x="677334" y="2160589"/>
+            <a:ext cx="8596668" cy="4697411"/>
           </a:xfrm>
-          <a:prstGeom prst="rect">
-            <a:avLst/>
-          </a:prstGeom>
         </p:spPr>
-      </p:pic>
+        <p:txBody>
+          <a:bodyPr>
+            <a:normAutofit fontScale="92500"/>
+          </a:bodyPr>
+          <a:lstStyle/>
+          <a:p>
+            <a:r>
+              <a:rPr lang="pt-BR" sz="2400" b="1" dirty="0"/>
+              <a:t>200 OK</a:t>
+            </a:r>
+            <a:r>
+              <a:rPr lang="pt-BR" sz="2400" dirty="0"/>
+              <a:t> – Request de criação ou deleção executada com sucesso.</a:t>
+            </a:r>
+            <a:br>
+              <a:rPr lang="pt-BR" sz="2400" dirty="0"/>
+            </a:br>
+            <a:r>
+              <a:rPr lang="pt-BR" sz="2400" dirty="0"/>
+              <a:t/>
+            </a:r>
+            <a:br>
+              <a:rPr lang="pt-BR" sz="2400" dirty="0"/>
+            </a:br>
+            <a:r>
+              <a:rPr lang="pt-BR" sz="2400" dirty="0"/>
+              <a:t/>
+            </a:r>
+            <a:br>
+              <a:rPr lang="pt-BR" sz="2400" dirty="0"/>
+            </a:br>
+            <a:r>
+              <a:rPr lang="pt-BR" sz="2400" b="1" dirty="0"/>
+              <a:t>201 Created</a:t>
+            </a:r>
+            <a:r>
+              <a:rPr lang="pt-BR" sz="2400" dirty="0"/>
+              <a:t> – Criação de uma fila, tópico, fila temporária, tópico temporária, session, producer, consumer, listener, queue browser ou mensagem realizada com sucesso.</a:t>
+            </a:r>
+            <a:br>
+              <a:rPr lang="pt-BR" sz="2400" dirty="0"/>
+            </a:br>
+            <a:r>
+              <a:rPr lang="pt-BR" sz="2400" dirty="0"/>
+              <a:t/>
+            </a:r>
+            <a:br>
+              <a:rPr lang="pt-BR" sz="2400" dirty="0"/>
+            </a:br>
+            <a:r>
+              <a:rPr lang="pt-BR" sz="2400" dirty="0"/>
+              <a:t/>
+            </a:r>
+            <a:br>
+              <a:rPr lang="pt-BR" sz="2400" dirty="0"/>
+            </a:br>
+            <a:r>
+              <a:rPr lang="pt-BR" sz="2400" b="1" dirty="0"/>
+              <a:t>204 No Content</a:t>
+            </a:r>
+            <a:r>
+              <a:rPr lang="pt-BR" sz="2400" dirty="0"/>
+              <a:t> – deleção de uma fila, tópico, sessão, producer ou listener bem sucedida mas sem retorno de conteúdo.</a:t>
+            </a:r>
+            <a:br>
+              <a:rPr lang="pt-BR" sz="2400" dirty="0"/>
+            </a:br>
+            <a:endParaRPr lang="pt-BR" sz="2400" dirty="0"/>
+          </a:p>
+        </p:txBody>
+      </p:sp>
     </p:spTree>
     <p:extLst>
       <p:ext uri="{BB962C8B-B14F-4D97-AF65-F5344CB8AC3E}">
-        <p14:creationId xmlns:p14="http://schemas.microsoft.com/office/powerpoint/2010/main" val="992282386"/>
+        <p14:creationId xmlns:p14="http://schemas.microsoft.com/office/powerpoint/2010/main" val="1732206056"/>
       </p:ext>
     </p:extLst>
   </p:cSld>
@@ -7225,7 +8198,7 @@
       </p:grpSpPr>
       <p:sp>
         <p:nvSpPr>
-          <p:cNvPr id="7" name="Título 6"/>
+          <p:cNvPr id="2" name="Título 1"/>
           <p:cNvSpPr>
             <a:spLocks noGrp="1"/>
           </p:cNvSpPr>
@@ -7238,62 +8211,118 @@
           <a:bodyPr/>
           <a:lstStyle/>
           <a:p>
-            <a:pPr fontAlgn="base"/>
-            <a:r>
-              <a:rPr lang="pt-BR" cap="all" dirty="0"/>
-              <a:t>5. REQUEST </a:t>
-            </a:r>
-            <a:r>
-              <a:rPr lang="pt-BR" cap="all" dirty="0" smtClean="0"/>
-              <a:t>EXAMPLE</a:t>
+            <a:r>
+              <a:rPr lang="pt-BR" b="1" dirty="0"/>
+              <a:t>HTTP Status Codes em Serviços REST</a:t>
+            </a:r>
+            <a:endParaRPr lang="pt-BR" dirty="0"/>
+          </a:p>
+        </p:txBody>
+      </p:sp>
+      <p:sp>
+        <p:nvSpPr>
+          <p:cNvPr id="3" name="Espaço Reservado para Conteúdo 2"/>
+          <p:cNvSpPr>
+            <a:spLocks noGrp="1"/>
+          </p:cNvSpPr>
+          <p:nvPr>
+            <p:ph idx="1"/>
+          </p:nvPr>
+        </p:nvSpPr>
+        <p:spPr>
+          <a:xfrm>
+            <a:off x="677334" y="2160589"/>
+            <a:ext cx="8596668" cy="4697411"/>
+          </a:xfrm>
+        </p:spPr>
+        <p:txBody>
+          <a:bodyPr>
+            <a:normAutofit fontScale="92500" lnSpcReduction="10000"/>
+          </a:bodyPr>
+          <a:lstStyle/>
+          <a:p>
+            <a:r>
+              <a:rPr lang="pt-BR" sz="2400" b="1" dirty="0" smtClean="0"/>
+              <a:t>400 </a:t>
+            </a:r>
+            <a:r>
+              <a:rPr lang="pt-BR" sz="2400" b="1" dirty="0"/>
+              <a:t>Bad Request</a:t>
+            </a:r>
+            <a:r>
+              <a:rPr lang="pt-BR" sz="2400" dirty="0"/>
+              <a:t> – O path informado está em um formato incorreto, um parâmetro ou valor do corpo da requisição não está formatado corretamente ou um parâmetro obrigatório não foi informado,</a:t>
             </a:r>
             <a:br>
-              <a:rPr lang="pt-BR" cap="all" dirty="0" smtClean="0"/>
+              <a:rPr lang="pt-BR" sz="2400" dirty="0"/>
             </a:br>
-            <a:endParaRPr lang="pt-BR" cap="all" dirty="0"/>
-          </a:p>
-        </p:txBody>
-      </p:sp>
-      <p:sp>
-        <p:nvSpPr>
-          <p:cNvPr id="8" name="Espaço Reservado para Texto 7"/>
-          <p:cNvSpPr>
-            <a:spLocks noGrp="1"/>
-          </p:cNvSpPr>
-          <p:nvPr>
-            <p:ph type="body" idx="1"/>
-          </p:nvPr>
-        </p:nvSpPr>
-        <p:spPr/>
-        <p:txBody>
-          <a:bodyPr/>
-          <a:lstStyle/>
-          <a:p>
-            <a:pPr fontAlgn="base"/>
-            <a:r>
-              <a:rPr lang="en-US" cap="all" dirty="0"/>
-              <a:t>DESCRIPTION</a:t>
-            </a:r>
-          </a:p>
-          <a:p>
-            <a:pPr fontAlgn="base"/>
-            <a:r>
-              <a:rPr lang="en-US" dirty="0"/>
-              <a:t>A sample request to the resource, showing the endpoint and parameters configured.</a:t>
-            </a:r>
-          </a:p>
-          <a:p>
-            <a:endParaRPr lang="pt-BR" dirty="0" smtClean="0"/>
-          </a:p>
-          <a:p>
-            <a:endParaRPr lang="pt-BR" dirty="0"/>
+            <a:r>
+              <a:rPr lang="pt-BR" sz="2400" dirty="0"/>
+              <a:t>ou está formatado corretamente mas pode estar eventualmente inválido (por exemplo, o ID informado não existe – NullPointerException, o conteúdo retornado é muito grande ou o ID informado já está em uso).</a:t>
+            </a:r>
+            <a:br>
+              <a:rPr lang="pt-BR" sz="2400" dirty="0"/>
+            </a:br>
+            <a:endParaRPr lang="pt-BR" sz="2400" dirty="0" smtClean="0"/>
+          </a:p>
+          <a:p>
+            <a:r>
+              <a:rPr lang="pt-BR" sz="2400" b="1" dirty="0"/>
+              <a:t>401 </a:t>
+            </a:r>
+            <a:r>
+              <a:rPr lang="pt-BR" sz="2400" b="1" dirty="0" err="1" smtClean="0"/>
+              <a:t>Unauthorized</a:t>
+            </a:r>
+            <a:r>
+              <a:rPr lang="pt-BR" sz="2400" dirty="0"/>
+              <a:t> – O cliente não tem </a:t>
+            </a:r>
+            <a:r>
+              <a:rPr lang="pt-BR" sz="2400" dirty="0" smtClean="0"/>
+              <a:t>autorização </a:t>
+            </a:r>
+            <a:r>
+              <a:rPr lang="pt-BR" sz="2400" dirty="0"/>
+              <a:t>para executar requisições na operação em questão</a:t>
+            </a:r>
+            <a:r>
+              <a:rPr lang="pt-BR" sz="2400" dirty="0" smtClean="0"/>
+              <a:t>.</a:t>
+            </a:r>
+          </a:p>
+          <a:p>
+            <a:endParaRPr lang="pt-BR" sz="2400" b="1" dirty="0"/>
+          </a:p>
+          <a:p>
+            <a:r>
+              <a:rPr lang="pt-BR" sz="2400" b="1" dirty="0" smtClean="0"/>
+              <a:t>403 </a:t>
+            </a:r>
+            <a:r>
+              <a:rPr lang="pt-BR" sz="2400" b="1" dirty="0" err="1"/>
+              <a:t>Forbidden</a:t>
+            </a:r>
+            <a:r>
+              <a:rPr lang="pt-BR" sz="2400" dirty="0"/>
+              <a:t> – </a:t>
+            </a:r>
+            <a:r>
+              <a:rPr lang="pt-BR" sz="2400" dirty="0" smtClean="0"/>
+              <a:t>O </a:t>
+            </a:r>
+            <a:r>
+              <a:rPr lang="pt-BR" sz="2400" dirty="0"/>
+              <a:t>cliente não tem permissão para executar requisições na operação em questão.</a:t>
+            </a:r>
+            <a:endParaRPr lang="pt-BR" sz="2400" dirty="0"/>
           </a:p>
         </p:txBody>
       </p:sp>
     </p:spTree>
     <p:extLst>
       <p:ext uri="{BB962C8B-B14F-4D97-AF65-F5344CB8AC3E}">
-        <p14:creationId xmlns:p14="http://schemas.microsoft.com/office/powerpoint/2010/main" val="114758951"/>
+        <p14:creationId xmlns:p14="http://schemas.microsoft.com/office/powerpoint/2010/main" val="737717234"/>
       </p:ext>
     </p:extLst>
   </p:cSld>
@@ -7339,81 +8368,193 @@
         </p:nvSpPr>
         <p:spPr/>
         <p:txBody>
+          <a:bodyPr/>
+          <a:lstStyle/>
+          <a:p>
+            <a:r>
+              <a:rPr lang="pt-BR" b="1" dirty="0"/>
+              <a:t>HTTP Status Codes em Serviços REST</a:t>
+            </a:r>
+            <a:endParaRPr lang="pt-BR" dirty="0"/>
+          </a:p>
+        </p:txBody>
+      </p:sp>
+      <p:sp>
+        <p:nvSpPr>
+          <p:cNvPr id="3" name="Espaço Reservado para Conteúdo 2"/>
+          <p:cNvSpPr>
+            <a:spLocks noGrp="1"/>
+          </p:cNvSpPr>
+          <p:nvPr>
+            <p:ph idx="1"/>
+          </p:nvPr>
+        </p:nvSpPr>
+        <p:spPr>
+          <a:xfrm>
+            <a:off x="677334" y="2160589"/>
+            <a:ext cx="8596668" cy="4697411"/>
+          </a:xfrm>
+        </p:spPr>
+        <p:txBody>
           <a:bodyPr>
-            <a:normAutofit fontScale="90000"/>
+            <a:normAutofit fontScale="92500" lnSpcReduction="10000"/>
           </a:bodyPr>
           <a:lstStyle/>
           <a:p>
             <a:r>
-              <a:rPr lang="pt-BR" cap="all" dirty="0"/>
-              <a:t>REQUEST BODY PARAMETER EXAMPLE</a:t>
+              <a:rPr lang="pt-BR" sz="2400" b="1" dirty="0"/>
+              <a:t>404 </a:t>
+            </a:r>
+            <a:r>
+              <a:rPr lang="pt-BR" sz="2400" b="1" dirty="0" err="1"/>
+              <a:t>Not</a:t>
+            </a:r>
+            <a:r>
+              <a:rPr lang="pt-BR" sz="2400" b="1" dirty="0"/>
+              <a:t> </a:t>
+            </a:r>
+            <a:r>
+              <a:rPr lang="pt-BR" sz="2400" b="1" dirty="0" err="1"/>
+              <a:t>Found</a:t>
+            </a:r>
+            <a:r>
+              <a:rPr lang="pt-BR" sz="2400" dirty="0"/>
+              <a:t> – o objeto requisitado pelo path não </a:t>
+            </a:r>
+            <a:r>
+              <a:rPr lang="pt-BR" sz="2400" dirty="0" smtClean="0"/>
+              <a:t>existe (NullPointerException ou </a:t>
+            </a:r>
+            <a:r>
+              <a:rPr lang="pt-BR" sz="2400" dirty="0" err="1" smtClean="0"/>
+              <a:t>NullReferenceException</a:t>
+            </a:r>
+            <a:r>
+              <a:rPr lang="pt-BR" sz="2400" dirty="0" smtClean="0"/>
+              <a:t>).</a:t>
+            </a:r>
+            <a:r>
+              <a:rPr lang="pt-BR" sz="2400" dirty="0"/>
+              <a:t/>
             </a:r>
             <a:br>
-              <a:rPr lang="pt-BR" cap="all" dirty="0"/>
+              <a:rPr lang="pt-BR" sz="2400" dirty="0"/>
             </a:br>
             <a:r>
-              <a:rPr lang="pt-BR" cap="all" dirty="0"/>
+              <a:rPr lang="pt-BR" sz="2400" dirty="0"/>
               <a:t/>
             </a:r>
             <a:br>
-              <a:rPr lang="pt-BR" cap="all" dirty="0"/>
+              <a:rPr lang="pt-BR" sz="2400" dirty="0"/>
             </a:br>
             <a:r>
-              <a:rPr lang="en-US" cap="all" dirty="0"/>
+              <a:rPr lang="pt-BR" sz="2400" dirty="0"/>
               <a:t/>
             </a:r>
             <a:br>
-              <a:rPr lang="en-US" cap="all" dirty="0"/>
+              <a:rPr lang="pt-BR" sz="2400" dirty="0"/>
             </a:br>
-            <a:endParaRPr lang="pt-BR" dirty="0"/>
-          </a:p>
-        </p:txBody>
-      </p:sp>
-      <p:pic>
-        <p:nvPicPr>
-          <p:cNvPr id="15362" name="Picture 2" descr="http://idratherbewriting.com/intro-to-api-documentation/media/rasters/twitterrequestexample.png"/>
-          <p:cNvPicPr>
-            <a:picLocks noChangeAspect="1" noChangeArrowheads="1"/>
-          </p:cNvPicPr>
-          <p:nvPr/>
-        </p:nvPicPr>
-        <p:blipFill>
-          <a:blip r:embed="rId2">
-            <a:extLst>
-              <a:ext uri="{28A0092B-C50C-407E-A947-70E740481C1C}">
-                <a14:useLocalDpi xmlns:a14="http://schemas.microsoft.com/office/drawing/2010/main" val="0"/>
-              </a:ext>
-            </a:extLst>
-          </a:blip>
-          <a:srcRect/>
-          <a:stretch>
-            <a:fillRect/>
-          </a:stretch>
-        </p:blipFill>
-        <p:spPr bwMode="auto">
-          <a:xfrm>
-            <a:off x="-289560" y="-1523365"/>
-            <a:ext cx="12649200" cy="8547066"/>
-          </a:xfrm>
-          <a:prstGeom prst="rect">
-            <a:avLst/>
-          </a:prstGeom>
-          <a:noFill/>
-          <a:extLst>
-            <a:ext uri="{909E8E84-426E-40DD-AFC4-6F175D3DCCD1}">
-              <a14:hiddenFill xmlns:a14="http://schemas.microsoft.com/office/drawing/2010/main">
-                <a:solidFill>
-                  <a:srgbClr val="FFFFFF"/>
-                </a:solidFill>
-              </a14:hiddenFill>
-            </a:ext>
-          </a:extLst>
-        </p:spPr>
-      </p:pic>
+            <a:r>
+              <a:rPr lang="pt-BR" sz="2400" b="1" dirty="0"/>
+              <a:t>405 Method </a:t>
+            </a:r>
+            <a:r>
+              <a:rPr lang="pt-BR" sz="2400" b="1" dirty="0" err="1"/>
+              <a:t>Not</a:t>
+            </a:r>
+            <a:r>
+              <a:rPr lang="pt-BR" sz="2400" b="1" dirty="0"/>
+              <a:t> </a:t>
+            </a:r>
+            <a:r>
+              <a:rPr lang="pt-BR" sz="2400" b="1" dirty="0" err="1"/>
+              <a:t>Allowed</a:t>
+            </a:r>
+            <a:r>
+              <a:rPr lang="pt-BR" sz="2400" dirty="0"/>
+              <a:t> – O usuário não tem permissão de acesso ao path.</a:t>
+            </a:r>
+            <a:br>
+              <a:rPr lang="pt-BR" sz="2400" dirty="0"/>
+            </a:br>
+            <a:r>
+              <a:rPr lang="pt-BR" sz="2400" dirty="0"/>
+              <a:t/>
+            </a:r>
+            <a:br>
+              <a:rPr lang="pt-BR" sz="2400" dirty="0"/>
+            </a:br>
+            <a:r>
+              <a:rPr lang="pt-BR" sz="2400" dirty="0"/>
+              <a:t/>
+            </a:r>
+            <a:br>
+              <a:rPr lang="pt-BR" sz="2400" dirty="0"/>
+            </a:br>
+            <a:r>
+              <a:rPr lang="pt-BR" sz="2400" b="1" dirty="0"/>
+              <a:t>409 </a:t>
+            </a:r>
+            <a:r>
+              <a:rPr lang="pt-BR" sz="2400" b="1" dirty="0" err="1"/>
+              <a:t>Conflict</a:t>
+            </a:r>
+            <a:r>
+              <a:rPr lang="pt-BR" sz="2400" dirty="0"/>
+              <a:t> – Um objeto já foi criado com as mesmas informações.</a:t>
+            </a:r>
+            <a:br>
+              <a:rPr lang="pt-BR" sz="2400" dirty="0"/>
+            </a:br>
+            <a:r>
+              <a:rPr lang="pt-BR" sz="2400" dirty="0"/>
+              <a:t/>
+            </a:r>
+            <a:br>
+              <a:rPr lang="pt-BR" sz="2400" dirty="0"/>
+            </a:br>
+            <a:r>
+              <a:rPr lang="pt-BR" sz="2400" dirty="0"/>
+              <a:t/>
+            </a:r>
+            <a:br>
+              <a:rPr lang="pt-BR" sz="2400" dirty="0"/>
+            </a:br>
+            <a:r>
+              <a:rPr lang="pt-BR" sz="2400" b="1" dirty="0"/>
+              <a:t>500 </a:t>
+            </a:r>
+            <a:r>
+              <a:rPr lang="pt-BR" sz="2400" b="1" dirty="0" err="1"/>
+              <a:t>Internal</a:t>
+            </a:r>
+            <a:r>
+              <a:rPr lang="pt-BR" sz="2400" b="1" dirty="0"/>
+              <a:t> Server </a:t>
+            </a:r>
+            <a:r>
+              <a:rPr lang="pt-BR" sz="2400" b="1" dirty="0" err="1"/>
+              <a:t>Error</a:t>
+            </a:r>
+            <a:r>
+              <a:rPr lang="pt-BR" sz="2400" b="1" dirty="0"/>
+              <a:t> </a:t>
+            </a:r>
+            <a:r>
+              <a:rPr lang="pt-BR" sz="2400" dirty="0"/>
+              <a:t>– Ocorreu uma falha no servidor, podendo ser desde uma falha no SQL por exemplo.</a:t>
+            </a:r>
+            <a:br>
+              <a:rPr lang="pt-BR" sz="2400" dirty="0"/>
+            </a:br>
+            <a:endParaRPr lang="pt-BR" sz="2400" dirty="0"/>
+          </a:p>
+        </p:txBody>
+      </p:sp>
     </p:spTree>
     <p:extLst>
       <p:ext uri="{BB962C8B-B14F-4D97-AF65-F5344CB8AC3E}">
-        <p14:creationId xmlns:p14="http://schemas.microsoft.com/office/powerpoint/2010/main" val="3602092926"/>
+        <p14:creationId xmlns:p14="http://schemas.microsoft.com/office/powerpoint/2010/main" val="2166346490"/>
       </p:ext>
     </p:extLst>
   </p:cSld>
@@ -7449,7 +8590,7 @@
       </p:grpSpPr>
       <p:sp>
         <p:nvSpPr>
-          <p:cNvPr id="7" name="Título 6"/>
+          <p:cNvPr id="2" name="Título 1"/>
           <p:cNvSpPr>
             <a:spLocks noGrp="1"/>
           </p:cNvSpPr>
@@ -7462,58 +8603,54 @@
           <a:bodyPr/>
           <a:lstStyle/>
           <a:p>
-            <a:pPr fontAlgn="base"/>
-            <a:r>
-              <a:rPr lang="pt-BR" cap="all" dirty="0"/>
-              <a:t>6. RESPONSE EXAMPLE</a:t>
-            </a:r>
-            <a:br>
-              <a:rPr lang="pt-BR" cap="all" dirty="0"/>
-            </a:br>
-            <a:endParaRPr lang="pt-BR" cap="all" dirty="0"/>
-          </a:p>
-        </p:txBody>
-      </p:sp>
-      <p:sp>
-        <p:nvSpPr>
-          <p:cNvPr id="8" name="Espaço Reservado para Texto 7"/>
-          <p:cNvSpPr>
-            <a:spLocks noGrp="1"/>
-          </p:cNvSpPr>
-          <p:nvPr>
-            <p:ph type="body" idx="1"/>
-          </p:nvPr>
-        </p:nvSpPr>
-        <p:spPr/>
-        <p:txBody>
-          <a:bodyPr/>
-          <a:lstStyle/>
-          <a:p>
-            <a:pPr fontAlgn="base"/>
-            <a:r>
-              <a:rPr lang="en-US" cap="all" dirty="0"/>
-              <a:t>DESCRIPTION</a:t>
-            </a:r>
-          </a:p>
-          <a:p>
-            <a:pPr fontAlgn="base"/>
-            <a:r>
-              <a:rPr lang="en-US" dirty="0"/>
-              <a:t>A sample request to the resource, showing the endpoint and parameters configured.</a:t>
-            </a:r>
-          </a:p>
-          <a:p>
-            <a:endParaRPr lang="pt-BR" dirty="0" smtClean="0"/>
-          </a:p>
-          <a:p>
+            <a:pPr algn="ctr"/>
+            <a:r>
+              <a:rPr lang="pt-BR" dirty="0" smtClean="0"/>
+              <a:t>Os métodos HTTP</a:t>
+            </a:r>
             <a:endParaRPr lang="pt-BR" dirty="0"/>
           </a:p>
         </p:txBody>
       </p:sp>
+      <p:pic>
+        <p:nvPicPr>
+          <p:cNvPr id="4" name="Imagem 3" descr="image2">
+            <a:hlinkClick r:id="rId2"/>
+          </p:cNvPr>
+          <p:cNvPicPr/>
+          <p:nvPr/>
+        </p:nvPicPr>
+        <p:blipFill>
+          <a:blip r:embed="rId3">
+            <a:extLst>
+              <a:ext uri="{28A0092B-C50C-407E-A947-70E740481C1C}">
+                <a14:useLocalDpi xmlns:a14="http://schemas.microsoft.com/office/drawing/2010/main" val="0"/>
+              </a:ext>
+            </a:extLst>
+          </a:blip>
+          <a:srcRect/>
+          <a:stretch>
+            <a:fillRect/>
+          </a:stretch>
+        </p:blipFill>
+        <p:spPr bwMode="auto">
+          <a:xfrm>
+            <a:off x="970935" y="1617027"/>
+            <a:ext cx="8009466" cy="4814253"/>
+          </a:xfrm>
+          <a:prstGeom prst="rect">
+            <a:avLst/>
+          </a:prstGeom>
+          <a:noFill/>
+          <a:ln>
+            <a:noFill/>
+          </a:ln>
+        </p:spPr>
+      </p:pic>
     </p:spTree>
     <p:extLst>
       <p:ext uri="{BB962C8B-B14F-4D97-AF65-F5344CB8AC3E}">
-        <p14:creationId xmlns:p14="http://schemas.microsoft.com/office/powerpoint/2010/main" val="4176649530"/>
+        <p14:creationId xmlns:p14="http://schemas.microsoft.com/office/powerpoint/2010/main" val="534725349"/>
       </p:ext>
     </p:extLst>
   </p:cSld>
@@ -7547,34 +8684,133 @@
           <a:chExt cx="0" cy="0"/>
         </a:xfrm>
       </p:grpSpPr>
-      <p:pic>
-        <p:nvPicPr>
-          <p:cNvPr id="4" name="Imagem 3"/>
-          <p:cNvPicPr>
-            <a:picLocks noChangeAspect="1"/>
-          </p:cNvPicPr>
-          <p:nvPr/>
-        </p:nvPicPr>
-        <p:blipFill>
-          <a:blip r:embed="rId2"/>
-          <a:stretch>
-            <a:fillRect/>
-          </a:stretch>
-        </p:blipFill>
+      <p:sp>
+        <p:nvSpPr>
+          <p:cNvPr id="2" name="Título 1"/>
+          <p:cNvSpPr>
+            <a:spLocks noGrp="1"/>
+          </p:cNvSpPr>
+          <p:nvPr>
+            <p:ph type="title"/>
+          </p:nvPr>
+        </p:nvSpPr>
+        <p:spPr/>
+        <p:txBody>
+          <a:bodyPr/>
+          <a:lstStyle/>
+          <a:p>
+            <a:pPr algn="ctr"/>
+            <a:r>
+              <a:rPr lang="pt-BR" b="1" dirty="0"/>
+              <a:t>GET – READ/para selecionar/recuperar um recurso</a:t>
+            </a:r>
+            <a:endParaRPr lang="pt-BR" dirty="0"/>
+          </a:p>
+        </p:txBody>
+      </p:sp>
+      <p:sp>
+        <p:nvSpPr>
+          <p:cNvPr id="3" name="Espaço Reservado para Conteúdo 2"/>
+          <p:cNvSpPr>
+            <a:spLocks noGrp="1"/>
+          </p:cNvSpPr>
+          <p:nvPr>
+            <p:ph idx="1"/>
+          </p:nvPr>
+        </p:nvSpPr>
         <p:spPr>
           <a:xfrm>
-            <a:off x="-288424" y="-108585"/>
-            <a:ext cx="14996833" cy="6966585"/>
+            <a:off x="677334" y="2160589"/>
+            <a:ext cx="10661226" cy="3880773"/>
           </a:xfrm>
-          <a:prstGeom prst="rect">
-            <a:avLst/>
-          </a:prstGeom>
         </p:spPr>
-      </p:pic>
+        <p:txBody>
+          <a:bodyPr>
+            <a:noAutofit/>
+          </a:bodyPr>
+          <a:lstStyle/>
+          <a:p>
+            <a:r>
+              <a:rPr lang="pt-BR" sz="3200" dirty="0"/>
+              <a:t>O </a:t>
+            </a:r>
+            <a:r>
+              <a:rPr lang="pt-BR" sz="3200" dirty="0" smtClean="0"/>
+              <a:t>método </a:t>
+            </a:r>
+            <a:r>
+              <a:rPr lang="pt-BR" sz="3200" dirty="0"/>
+              <a:t>HTTP GET é usado para ler ou recuperar uma representação de um recurso. Em um “cenário feliz”, uma requisição GET retorna uma representação em </a:t>
+            </a:r>
+            <a:r>
+              <a:rPr lang="pt-BR" sz="3200" b="1" dirty="0"/>
+              <a:t>XML </a:t>
+            </a:r>
+            <a:r>
+              <a:rPr lang="pt-BR" sz="3200" dirty="0"/>
+              <a:t>ou </a:t>
+            </a:r>
+            <a:r>
+              <a:rPr lang="pt-BR" sz="3200" b="1" dirty="0"/>
+              <a:t>JSON </a:t>
+            </a:r>
+            <a:r>
+              <a:rPr lang="pt-BR" sz="3200" dirty="0"/>
+              <a:t>e um </a:t>
+            </a:r>
+            <a:r>
+              <a:rPr lang="pt-BR" sz="3200" b="1" dirty="0"/>
+              <a:t>HTTP</a:t>
+            </a:r>
+            <a:r>
+              <a:rPr lang="pt-BR" sz="3200" dirty="0"/>
+              <a:t> </a:t>
+            </a:r>
+            <a:r>
+              <a:rPr lang="pt-BR" sz="3200" b="1" u="sng" dirty="0">
+                <a:hlinkClick r:id="rId2" tooltip="http://www.restapitutorial.com/httpstatuscodes.html"/>
+              </a:rPr>
+              <a:t>status code</a:t>
+            </a:r>
+            <a:r>
+              <a:rPr lang="pt-BR" sz="3200" dirty="0"/>
+              <a:t> 200 (OK). Em um cenário de erro o retorno mais comum é </a:t>
+            </a:r>
+            <a:r>
+              <a:rPr lang="pt-BR" sz="3200" b="1" dirty="0"/>
+              <a:t>404 (NOT FOUND)</a:t>
+            </a:r>
+            <a:r>
+              <a:rPr lang="pt-BR" sz="3200" dirty="0"/>
+              <a:t> ou </a:t>
+            </a:r>
+            <a:r>
+              <a:rPr lang="pt-BR" sz="3200" b="1" dirty="0"/>
+              <a:t>400 (BAD REQUEST</a:t>
+            </a:r>
+            <a:r>
+              <a:rPr lang="pt-BR" sz="3200" b="1" dirty="0" smtClean="0"/>
+              <a:t>)</a:t>
+            </a:r>
+            <a:r>
+              <a:rPr lang="pt-BR" sz="3200" dirty="0" smtClean="0"/>
+              <a:t>.</a:t>
+            </a:r>
+            <a:r>
+              <a:rPr lang="pt-BR" sz="3200" dirty="0"/>
+              <a:t/>
+            </a:r>
+            <a:br>
+              <a:rPr lang="pt-BR" sz="3200" dirty="0"/>
+            </a:br>
+            <a:endParaRPr lang="pt-BR" sz="3200" dirty="0"/>
+          </a:p>
+        </p:txBody>
+      </p:sp>
     </p:spTree>
     <p:extLst>
       <p:ext uri="{BB962C8B-B14F-4D97-AF65-F5344CB8AC3E}">
-        <p14:creationId xmlns:p14="http://schemas.microsoft.com/office/powerpoint/2010/main" val="4168610353"/>
+        <p14:creationId xmlns:p14="http://schemas.microsoft.com/office/powerpoint/2010/main" val="885644676"/>
       </p:ext>
     </p:extLst>
   </p:cSld>
@@ -7610,7 +8846,7 @@
       </p:grpSpPr>
       <p:sp>
         <p:nvSpPr>
-          <p:cNvPr id="7" name="Título 6"/>
+          <p:cNvPr id="2" name="Título 1"/>
           <p:cNvSpPr>
             <a:spLocks noGrp="1"/>
           </p:cNvSpPr>
@@ -7623,68 +8859,80 @@
           <a:bodyPr/>
           <a:lstStyle/>
           <a:p>
-            <a:pPr fontAlgn="base"/>
-            <a:r>
-              <a:rPr lang="en-US" cap="all" dirty="0"/>
-              <a:t>7. STATUS AND ERROR CODES</a:t>
-            </a:r>
-            <a:br>
-              <a:rPr lang="en-US" cap="all" dirty="0"/>
-            </a:br>
-            <a:endParaRPr lang="pt-BR" cap="all" dirty="0"/>
-          </a:p>
-        </p:txBody>
-      </p:sp>
-      <p:sp>
-        <p:nvSpPr>
-          <p:cNvPr id="8" name="Espaço Reservado para Texto 7"/>
-          <p:cNvSpPr>
-            <a:spLocks noGrp="1"/>
-          </p:cNvSpPr>
-          <p:nvPr>
-            <p:ph type="body" idx="1"/>
+            <a:pPr algn="ctr"/>
+            <a:r>
+              <a:rPr lang="pt-BR" b="1" dirty="0"/>
+              <a:t>GET – READ/para selecionar/recuperar um recurso</a:t>
+            </a:r>
+            <a:endParaRPr lang="pt-BR" dirty="0"/>
+          </a:p>
+        </p:txBody>
+      </p:sp>
+      <p:sp>
+        <p:nvSpPr>
+          <p:cNvPr id="3" name="Espaço Reservado para Conteúdo 2"/>
+          <p:cNvSpPr>
+            <a:spLocks noGrp="1"/>
+          </p:cNvSpPr>
+          <p:nvPr>
+            <p:ph idx="1"/>
           </p:nvPr>
         </p:nvSpPr>
         <p:spPr/>
         <p:txBody>
-          <a:bodyPr/>
-          <a:lstStyle/>
-          <a:p>
-            <a:pPr fontAlgn="base"/>
-            <a:r>
-              <a:rPr lang="en-US" cap="all" dirty="0"/>
-              <a:t>DESCRIPTION</a:t>
-            </a:r>
-          </a:p>
-          <a:p>
-            <a:pPr fontAlgn="base"/>
-            <a:r>
-              <a:rPr lang="en-US" dirty="0"/>
-              <a:t>Code in the response that indicates a general status of the response. Most status codes (e.g., 200, 302, 500, etc.) are </a:t>
-            </a:r>
-            <a:r>
-              <a:rPr lang="en-US" dirty="0">
-                <a:hlinkClick r:id="rId2"/>
-              </a:rPr>
-              <a:t>standard</a:t>
-            </a:r>
-            <a:r>
-              <a:rPr lang="en-US" dirty="0"/>
-              <a:t>.</a:t>
-            </a:r>
-          </a:p>
-          <a:p>
-            <a:endParaRPr lang="pt-BR" dirty="0" smtClean="0"/>
-          </a:p>
-          <a:p>
-            <a:endParaRPr lang="pt-BR" dirty="0"/>
+          <a:bodyPr>
+            <a:normAutofit/>
+          </a:bodyPr>
+          <a:lstStyle/>
+          <a:p>
+            <a:r>
+              <a:rPr lang="pt-BR" sz="2800" dirty="0" smtClean="0"/>
+              <a:t>De </a:t>
+            </a:r>
+            <a:r>
+              <a:rPr lang="pt-BR" sz="2800" dirty="0"/>
+              <a:t>acordo com o design da especificação </a:t>
+            </a:r>
+            <a:r>
+              <a:rPr lang="pt-BR" sz="2800" b="1" dirty="0"/>
+              <a:t>HTTP</a:t>
+            </a:r>
+            <a:r>
+              <a:rPr lang="pt-BR" sz="2800" dirty="0"/>
+              <a:t>, o </a:t>
+            </a:r>
+            <a:r>
+              <a:rPr lang="pt-BR" sz="2800" dirty="0" smtClean="0"/>
+              <a:t>método</a:t>
+            </a:r>
+            <a:r>
+              <a:rPr lang="pt-BR" sz="2800" dirty="0"/>
+              <a:t> </a:t>
+            </a:r>
+            <a:r>
+              <a:rPr lang="pt-BR" sz="2800" b="1" dirty="0"/>
+              <a:t>GET </a:t>
+            </a:r>
+            <a:r>
+              <a:rPr lang="pt-BR" sz="2800" dirty="0"/>
+              <a:t>(juntamente com o </a:t>
+            </a:r>
+            <a:r>
+              <a:rPr lang="pt-BR" sz="2800" b="1" dirty="0"/>
+              <a:t>HEAD</a:t>
+            </a:r>
+            <a:r>
+              <a:rPr lang="pt-BR" sz="2800" dirty="0"/>
+              <a:t>) é usado apenas para ler informações e não para alterá-la. Portanto quando usado dessa maneira é considerado seguro. Ou seja, ou seja eles podem ser invocados sem risco de perda ou corrupção de dados — chamando uma vez tem o mesmo efeito de chamá-lo 10 vezes, ou nenhuma. </a:t>
+            </a:r>
+            <a:endParaRPr lang="pt-BR" sz="2000" dirty="0"/>
           </a:p>
         </p:txBody>
       </p:sp>
     </p:spTree>
     <p:extLst>
       <p:ext uri="{BB962C8B-B14F-4D97-AF65-F5344CB8AC3E}">
-        <p14:creationId xmlns:p14="http://schemas.microsoft.com/office/powerpoint/2010/main" val="1992958305"/>
+        <p14:creationId xmlns:p14="http://schemas.microsoft.com/office/powerpoint/2010/main" val="2594183340"/>
       </p:ext>
     </p:extLst>
   </p:cSld>
@@ -7730,81 +8978,84 @@
         </p:nvSpPr>
         <p:spPr/>
         <p:txBody>
+          <a:bodyPr/>
+          <a:lstStyle/>
+          <a:p>
+            <a:pPr algn="ctr"/>
+            <a:r>
+              <a:rPr lang="pt-BR" b="1" dirty="0"/>
+              <a:t>GET – READ/para selecionar/recuperar um recurso</a:t>
+            </a:r>
+            <a:endParaRPr lang="pt-BR" dirty="0"/>
+          </a:p>
+        </p:txBody>
+      </p:sp>
+      <p:sp>
+        <p:nvSpPr>
+          <p:cNvPr id="3" name="Espaço Reservado para Conteúdo 2"/>
+          <p:cNvSpPr>
+            <a:spLocks noGrp="1"/>
+          </p:cNvSpPr>
+          <p:nvPr>
+            <p:ph idx="1"/>
+          </p:nvPr>
+        </p:nvSpPr>
+        <p:spPr>
+          <a:xfrm>
+            <a:off x="677334" y="2160589"/>
+            <a:ext cx="10234506" cy="3880773"/>
+          </a:xfrm>
+        </p:spPr>
+        <p:txBody>
           <a:bodyPr>
-            <a:normAutofit fontScale="90000"/>
+            <a:normAutofit/>
           </a:bodyPr>
           <a:lstStyle/>
           <a:p>
             <a:r>
-              <a:rPr lang="pt-BR" cap="all" dirty="0"/>
-              <a:t>REQUEST BODY PARAMETER EXAMPLE</a:t>
-            </a:r>
-            <a:br>
-              <a:rPr lang="pt-BR" cap="all" dirty="0"/>
-            </a:br>
-            <a:r>
-              <a:rPr lang="pt-BR" cap="all" dirty="0"/>
-              <a:t/>
-            </a:r>
-            <a:br>
-              <a:rPr lang="pt-BR" cap="all" dirty="0"/>
-            </a:br>
-            <a:r>
-              <a:rPr lang="en-US" cap="all" dirty="0"/>
-              <a:t/>
-            </a:r>
-            <a:br>
-              <a:rPr lang="en-US" cap="all" dirty="0"/>
-            </a:br>
-            <a:endParaRPr lang="pt-BR" dirty="0"/>
-          </a:p>
-        </p:txBody>
-      </p:sp>
-      <p:pic>
-        <p:nvPicPr>
-          <p:cNvPr id="15362" name="Picture 2" descr="http://idratherbewriting.com/intro-to-api-documentation/media/rasters/twitterrequestexample.png"/>
-          <p:cNvPicPr>
-            <a:picLocks noChangeAspect="1" noChangeArrowheads="1"/>
-          </p:cNvPicPr>
-          <p:nvPr/>
-        </p:nvPicPr>
-        <p:blipFill>
-          <a:blip r:embed="rId2">
-            <a:extLst>
-              <a:ext uri="{28A0092B-C50C-407E-A947-70E740481C1C}">
-                <a14:useLocalDpi xmlns:a14="http://schemas.microsoft.com/office/drawing/2010/main" val="0"/>
-              </a:ext>
-            </a:extLst>
-          </a:blip>
-          <a:srcRect/>
-          <a:stretch>
-            <a:fillRect/>
-          </a:stretch>
-        </p:blipFill>
-        <p:spPr bwMode="auto">
-          <a:xfrm>
-            <a:off x="-289560" y="-1523365"/>
-            <a:ext cx="12649200" cy="8547066"/>
-          </a:xfrm>
-          <a:prstGeom prst="rect">
-            <a:avLst/>
-          </a:prstGeom>
-          <a:noFill/>
-          <a:extLst>
-            <a:ext uri="{909E8E84-426E-40DD-AFC4-6F175D3DCCD1}">
-              <a14:hiddenFill xmlns:a14="http://schemas.microsoft.com/office/drawing/2010/main">
-                <a:solidFill>
-                  <a:srgbClr val="FFFFFF"/>
-                </a:solidFill>
-              </a14:hiddenFill>
-            </a:ext>
-          </a:extLst>
-        </p:spPr>
-      </p:pic>
+              <a:rPr lang="pt-BR" sz="4000" dirty="0" smtClean="0"/>
+              <a:t>Além </a:t>
+            </a:r>
+            <a:r>
+              <a:rPr lang="pt-BR" sz="4000" dirty="0"/>
+              <a:t>disso, o </a:t>
+            </a:r>
+            <a:r>
+              <a:rPr lang="pt-BR" sz="4000" dirty="0" smtClean="0"/>
+              <a:t>método</a:t>
+            </a:r>
+            <a:r>
+              <a:rPr lang="pt-BR" sz="4000" dirty="0"/>
+              <a:t> </a:t>
+            </a:r>
+            <a:r>
+              <a:rPr lang="pt-BR" sz="4000" b="1" dirty="0"/>
+              <a:t>GET </a:t>
+            </a:r>
+            <a:r>
+              <a:rPr lang="pt-BR" sz="4000" dirty="0"/>
+              <a:t>(e </a:t>
+            </a:r>
+            <a:r>
+              <a:rPr lang="pt-BR" sz="4000" b="1" dirty="0"/>
+              <a:t>HEAD</a:t>
+            </a:r>
+            <a:r>
+              <a:rPr lang="pt-BR" sz="4000" dirty="0"/>
+              <a:t>) é idempotente, o que significa que se fizermos múltiplas requisições teremos sempre o mesmo resultado</a:t>
+            </a:r>
+            <a:r>
+              <a:rPr lang="pt-BR" sz="4000" dirty="0" smtClean="0"/>
+              <a:t>.</a:t>
+            </a:r>
+            <a:endParaRPr lang="pt-BR" sz="3200" dirty="0"/>
+          </a:p>
+        </p:txBody>
+      </p:sp>
     </p:spTree>
     <p:extLst>
       <p:ext uri="{BB962C8B-B14F-4D97-AF65-F5344CB8AC3E}">
-        <p14:creationId xmlns:p14="http://schemas.microsoft.com/office/powerpoint/2010/main" val="2206914707"/>
+        <p14:creationId xmlns:p14="http://schemas.microsoft.com/office/powerpoint/2010/main" val="3558055673"/>
       </p:ext>
     </p:extLst>
   </p:cSld>
@@ -7838,10 +9089,78 @@
           <a:chExt cx="0" cy="0"/>
         </a:xfrm>
       </p:grpSpPr>
+      <p:sp>
+        <p:nvSpPr>
+          <p:cNvPr id="2" name="Título 1"/>
+          <p:cNvSpPr>
+            <a:spLocks noGrp="1"/>
+          </p:cNvSpPr>
+          <p:nvPr>
+            <p:ph type="title"/>
+          </p:nvPr>
+        </p:nvSpPr>
+        <p:spPr/>
+        <p:txBody>
+          <a:bodyPr/>
+          <a:lstStyle/>
+          <a:p>
+            <a:pPr algn="ctr"/>
+            <a:r>
+              <a:rPr lang="pt-BR" b="1" dirty="0"/>
+              <a:t>GET – READ/para selecionar/recuperar um recurso</a:t>
+            </a:r>
+            <a:endParaRPr lang="pt-BR" dirty="0"/>
+          </a:p>
+        </p:txBody>
+      </p:sp>
+      <p:sp>
+        <p:nvSpPr>
+          <p:cNvPr id="3" name="Espaço Reservado para Conteúdo 2"/>
+          <p:cNvSpPr>
+            <a:spLocks noGrp="1"/>
+          </p:cNvSpPr>
+          <p:nvPr>
+            <p:ph idx="1"/>
+          </p:nvPr>
+        </p:nvSpPr>
+        <p:spPr/>
+        <p:txBody>
+          <a:bodyPr>
+            <a:normAutofit/>
+          </a:bodyPr>
+          <a:lstStyle/>
+          <a:p>
+            <a:r>
+              <a:rPr lang="pt-BR" sz="3600" dirty="0" smtClean="0"/>
+              <a:t>Você </a:t>
+            </a:r>
+            <a:r>
+              <a:rPr lang="pt-BR" sz="3600" dirty="0"/>
+              <a:t>nunca deveria expor operações inseguras via </a:t>
+            </a:r>
+            <a:r>
+              <a:rPr lang="pt-BR" sz="3600" b="1" dirty="0"/>
+              <a:t>GET </a:t>
+            </a:r>
+            <a:r>
+              <a:rPr lang="pt-BR" sz="3600" dirty="0"/>
+              <a:t>— ele nunca deve ser usado para modificar informações no servidor.</a:t>
+            </a:r>
+            <a:r>
+              <a:rPr lang="pt-BR" sz="2400" dirty="0"/>
+              <a:t/>
+            </a:r>
+            <a:br>
+              <a:rPr lang="pt-BR" sz="2400" dirty="0"/>
+            </a:br>
+            <a:endParaRPr lang="pt-BR" dirty="0"/>
+          </a:p>
+        </p:txBody>
+      </p:sp>
     </p:spTree>
     <p:extLst>
       <p:ext uri="{BB962C8B-B14F-4D97-AF65-F5344CB8AC3E}">
-        <p14:creationId xmlns:p14="http://schemas.microsoft.com/office/powerpoint/2010/main" val="1811583702"/>
+        <p14:creationId xmlns:p14="http://schemas.microsoft.com/office/powerpoint/2010/main" val="4020927587"/>
       </p:ext>
     </p:extLst>
   </p:cSld>
@@ -7885,27 +9204,150 @@
             <p:ph type="title"/>
           </p:nvPr>
         </p:nvSpPr>
-        <p:spPr>
-          <a:xfrm>
-            <a:off x="2207568" y="2924944"/>
-            <a:ext cx="8229600" cy="990600"/>
-          </a:xfrm>
-        </p:spPr>
+        <p:spPr/>
+        <p:txBody>
+          <a:bodyPr/>
+          <a:lstStyle/>
+          <a:p>
+            <a:pPr algn="ctr"/>
+            <a:r>
+              <a:rPr lang="pt-BR" b="1" dirty="0"/>
+              <a:t>GET – READ/para selecionar/recuperar um recurso</a:t>
+            </a:r>
+            <a:endParaRPr lang="pt-BR" dirty="0"/>
+          </a:p>
+        </p:txBody>
+      </p:sp>
+      <p:sp>
+        <p:nvSpPr>
+          <p:cNvPr id="3" name="Espaço Reservado para Conteúdo 2"/>
+          <p:cNvSpPr>
+            <a:spLocks noGrp="1"/>
+          </p:cNvSpPr>
+          <p:nvPr>
+            <p:ph idx="1"/>
+          </p:nvPr>
+        </p:nvSpPr>
+        <p:spPr/>
         <p:txBody>
           <a:bodyPr>
-            <a:normAutofit/>
+            <a:normAutofit fontScale="85000" lnSpcReduction="10000"/>
           </a:bodyPr>
           <a:lstStyle/>
           <a:p>
-            <a:pPr algn="ctr"/>
-            <a:r>
-              <a:rPr lang="pt-BR" dirty="0"/>
-              <a:t>Versionamento de </a:t>
-            </a:r>
-            <a:r>
-              <a:rPr lang="pt-BR" dirty="0" err="1"/>
-              <a:t>API’s</a:t>
-            </a:r>
+            <a:r>
+              <a:rPr lang="pt-BR" sz="2400" dirty="0" smtClean="0"/>
+              <a:t>De </a:t>
+            </a:r>
+            <a:r>
+              <a:rPr lang="pt-BR" sz="2400" dirty="0"/>
+              <a:t>acordo com o design da especificação </a:t>
+            </a:r>
+            <a:r>
+              <a:rPr lang="pt-BR" sz="2400" b="1" dirty="0"/>
+              <a:t>HTTP</a:t>
+            </a:r>
+            <a:r>
+              <a:rPr lang="pt-BR" sz="2400" dirty="0"/>
+              <a:t>, o </a:t>
+            </a:r>
+            <a:r>
+              <a:rPr lang="pt-BR" sz="2400" dirty="0" smtClean="0"/>
+              <a:t>método</a:t>
+            </a:r>
+            <a:r>
+              <a:rPr lang="pt-BR" sz="2400" dirty="0"/>
+              <a:t> </a:t>
+            </a:r>
+            <a:r>
+              <a:rPr lang="pt-BR" sz="2400" b="1" dirty="0"/>
+              <a:t>GET </a:t>
+            </a:r>
+            <a:r>
+              <a:rPr lang="pt-BR" sz="2400" dirty="0"/>
+              <a:t>(juntamente com o </a:t>
+            </a:r>
+            <a:r>
+              <a:rPr lang="pt-BR" sz="2400" b="1" dirty="0"/>
+              <a:t>HEAD</a:t>
+            </a:r>
+            <a:r>
+              <a:rPr lang="pt-BR" sz="2400" dirty="0"/>
+              <a:t>) é usado apenas para ler informações e não para alterá-la. Portanto quando usado dessa maneira é considerado seguro</a:t>
+            </a:r>
+            <a:r>
+              <a:rPr lang="pt-BR" sz="2400" dirty="0" smtClean="0"/>
+              <a:t>.</a:t>
+            </a:r>
+          </a:p>
+          <a:p>
+            <a:r>
+              <a:rPr lang="pt-BR" sz="2400" dirty="0" smtClean="0"/>
+              <a:t> </a:t>
+            </a:r>
+            <a:r>
+              <a:rPr lang="pt-BR" sz="2400" dirty="0"/>
+              <a:t>Ou seja, ou seja eles podem ser invocados sem risco de perda ou corrupção de dados — chamando uma vez tem o mesmo efeito de chamá-lo 10 vezes, ou </a:t>
+            </a:r>
+            <a:r>
+              <a:rPr lang="pt-BR" sz="2400" dirty="0" smtClean="0"/>
+              <a:t>nenhuma.</a:t>
+            </a:r>
+          </a:p>
+          <a:p>
+            <a:r>
+              <a:rPr lang="pt-BR" sz="2400" dirty="0"/>
+              <a:t>O</a:t>
+            </a:r>
+            <a:r>
+              <a:rPr lang="pt-BR" sz="2400" dirty="0" smtClean="0"/>
+              <a:t> método</a:t>
+            </a:r>
+            <a:r>
+              <a:rPr lang="pt-BR" sz="2400" dirty="0"/>
+              <a:t> </a:t>
+            </a:r>
+            <a:r>
+              <a:rPr lang="pt-BR" sz="2400" b="1" dirty="0"/>
+              <a:t>GET </a:t>
+            </a:r>
+            <a:r>
+              <a:rPr lang="pt-BR" sz="2400" dirty="0"/>
+              <a:t>(e </a:t>
+            </a:r>
+            <a:r>
+              <a:rPr lang="pt-BR" sz="2400" b="1" dirty="0"/>
+              <a:t>HEAD</a:t>
+            </a:r>
+            <a:r>
+              <a:rPr lang="pt-BR" sz="2400" dirty="0"/>
+              <a:t>) é idempotente, o que significa que se fizermos múltiplas requisições teremos sempre o mesmo </a:t>
+            </a:r>
+            <a:r>
+              <a:rPr lang="pt-BR" sz="2400" dirty="0" smtClean="0"/>
+              <a:t>resultado.</a:t>
+            </a:r>
+          </a:p>
+          <a:p>
+            <a:r>
+              <a:rPr lang="pt-BR" sz="2400" dirty="0" smtClean="0"/>
+              <a:t>Você </a:t>
+            </a:r>
+            <a:r>
+              <a:rPr lang="pt-BR" sz="2400" dirty="0"/>
+              <a:t>nunca deveria expor operações inseguras via </a:t>
+            </a:r>
+            <a:r>
+              <a:rPr lang="pt-BR" sz="2400" b="1" dirty="0"/>
+              <a:t>GET </a:t>
+            </a:r>
+            <a:r>
+              <a:rPr lang="pt-BR" sz="2400" dirty="0"/>
+              <a:t>— ele nunca deve ser usado para modificar informações no servidor.</a:t>
+            </a:r>
+            <a:br>
+              <a:rPr lang="pt-BR" sz="2400" dirty="0"/>
+            </a:br>
             <a:endParaRPr lang="pt-BR" dirty="0"/>
           </a:p>
         </p:txBody>
@@ -7913,7 +9355,7 @@
     </p:spTree>
     <p:extLst>
       <p:ext uri="{BB962C8B-B14F-4D97-AF65-F5344CB8AC3E}">
-        <p14:creationId xmlns:p14="http://schemas.microsoft.com/office/powerpoint/2010/main" val="2111950729"/>
+        <p14:creationId xmlns:p14="http://schemas.microsoft.com/office/powerpoint/2010/main" val="3476353177"/>
       </p:ext>
     </p:extLst>
   </p:cSld>
@@ -7947,51 +9389,140 @@
           <a:chExt cx="0" cy="0"/>
         </a:xfrm>
       </p:grpSpPr>
-      <p:pic>
-        <p:nvPicPr>
-          <p:cNvPr id="3076" name="Picture 4" descr="Resultado de imagem para engrenagens"/>
-          <p:cNvPicPr>
-            <a:picLocks noChangeAspect="1" noChangeArrowheads="1"/>
-          </p:cNvPicPr>
-          <p:nvPr/>
-        </p:nvPicPr>
-        <p:blipFill>
-          <a:blip r:embed="rId2">
-            <a:extLst>
-              <a:ext uri="{28A0092B-C50C-407E-A947-70E740481C1C}">
-                <a14:useLocalDpi xmlns:a14="http://schemas.microsoft.com/office/drawing/2010/main" val="0"/>
-              </a:ext>
-            </a:extLst>
-          </a:blip>
-          <a:srcRect/>
-          <a:stretch>
-            <a:fillRect/>
-          </a:stretch>
-        </p:blipFill>
-        <p:spPr bwMode="auto">
-          <a:xfrm>
-            <a:off x="-990600" y="0"/>
-            <a:ext cx="16361229" cy="6858000"/>
-          </a:xfrm>
-          <a:prstGeom prst="rect">
-            <a:avLst/>
-          </a:prstGeom>
-          <a:noFill/>
-          <a:extLst>
-            <a:ext uri="{909E8E84-426E-40DD-AFC4-6F175D3DCCD1}">
-              <a14:hiddenFill xmlns:a14="http://schemas.microsoft.com/office/drawing/2010/main">
-                <a:solidFill>
-                  <a:srgbClr val="FFFFFF"/>
-                </a:solidFill>
-              </a14:hiddenFill>
-            </a:ext>
-          </a:extLst>
-        </p:spPr>
-      </p:pic>
+      <p:sp>
+        <p:nvSpPr>
+          <p:cNvPr id="2" name="Título 1"/>
+          <p:cNvSpPr>
+            <a:spLocks noGrp="1"/>
+          </p:cNvSpPr>
+          <p:nvPr>
+            <p:ph type="title"/>
+          </p:nvPr>
+        </p:nvSpPr>
+        <p:spPr/>
+        <p:txBody>
+          <a:bodyPr/>
+          <a:lstStyle/>
+          <a:p>
+            <a:r>
+              <a:rPr lang="pt-BR" dirty="0" smtClean="0"/>
+              <a:t>A definição do W3C</a:t>
+            </a:r>
+            <a:endParaRPr lang="pt-BR" dirty="0"/>
+          </a:p>
+        </p:txBody>
+      </p:sp>
+      <p:sp>
+        <p:nvSpPr>
+          <p:cNvPr id="3" name="Espaço Reservado para Conteúdo 2"/>
+          <p:cNvSpPr>
+            <a:spLocks noGrp="1"/>
+          </p:cNvSpPr>
+          <p:nvPr>
+            <p:ph idx="1"/>
+          </p:nvPr>
+        </p:nvSpPr>
+        <p:spPr/>
+        <p:txBody>
+          <a:bodyPr>
+            <a:normAutofit fontScale="62500" lnSpcReduction="20000"/>
+          </a:bodyPr>
+          <a:lstStyle/>
+          <a:p>
+            <a:r>
+              <a:rPr lang="pt-BR" sz="4000" dirty="0" smtClean="0"/>
+              <a:t>Para o </a:t>
+            </a:r>
+            <a:r>
+              <a:rPr lang="pt-BR" sz="4000" b="1" dirty="0" smtClean="0"/>
+              <a:t>W3C </a:t>
+            </a:r>
+            <a:r>
+              <a:rPr lang="pt-BR" sz="4000" dirty="0"/>
+              <a:t>os webservices são aplicações </a:t>
+            </a:r>
+            <a:r>
+              <a:rPr lang="pt-BR" sz="4000" dirty="0"/>
+              <a:t>cliente servidor </a:t>
+            </a:r>
+            <a:r>
+              <a:rPr lang="pt-BR" sz="4000" dirty="0"/>
+              <a:t>que se comunicam pela </a:t>
+            </a:r>
+            <a:r>
+              <a:rPr lang="pt-BR" sz="4000" b="1" dirty="0"/>
+              <a:t>World </a:t>
+            </a:r>
+            <a:r>
+              <a:rPr lang="pt-BR" sz="4000" b="1" dirty="0" err="1"/>
+              <a:t>Wide</a:t>
+            </a:r>
+            <a:r>
+              <a:rPr lang="pt-BR" sz="4000" b="1" dirty="0"/>
+              <a:t> </a:t>
+            </a:r>
+            <a:r>
+              <a:rPr lang="pt-BR" sz="4000" b="1" dirty="0" err="1"/>
+              <a:t>Web’s</a:t>
+            </a:r>
+            <a:r>
+              <a:rPr lang="pt-BR" sz="4000" b="1" dirty="0"/>
+              <a:t> (WWW)</a:t>
+            </a:r>
+            <a:r>
+              <a:rPr lang="pt-BR" sz="4000" dirty="0"/>
+              <a:t> através do protocolo </a:t>
+            </a:r>
+            <a:r>
+              <a:rPr lang="pt-BR" sz="4000" b="1" dirty="0"/>
+              <a:t>HTTP (</a:t>
+            </a:r>
+            <a:r>
+              <a:rPr lang="pt-BR" sz="4000" b="1" dirty="0" err="1"/>
+              <a:t>HyperText</a:t>
+            </a:r>
+            <a:r>
+              <a:rPr lang="pt-BR" sz="4000" b="1" dirty="0"/>
+              <a:t> </a:t>
+            </a:r>
+            <a:r>
+              <a:rPr lang="pt-BR" sz="4000" b="1" dirty="0" err="1"/>
+              <a:t>Transfer</a:t>
+            </a:r>
+            <a:r>
+              <a:rPr lang="pt-BR" sz="4000" b="1" dirty="0"/>
+              <a:t> </a:t>
+            </a:r>
+            <a:r>
+              <a:rPr lang="pt-BR" sz="4000" b="1" dirty="0" err="1"/>
+              <a:t>Protocol</a:t>
+            </a:r>
+            <a:r>
+              <a:rPr lang="pt-BR" sz="4000" b="1" dirty="0"/>
+              <a:t>)</a:t>
+            </a:r>
+            <a:r>
+              <a:rPr lang="pt-BR" sz="4000" dirty="0"/>
+              <a:t> possibilitando a interoperabilidade entre softwares e aplicações executando em uma grande variedade de plataformas e frameworks. Caracterizam-se por sua grande interoperabilidade e extensibilidade podendo ser combinados de forma </a:t>
+            </a:r>
+            <a:r>
+              <a:rPr lang="pt-BR" sz="4000" dirty="0" err="1"/>
+              <a:t>baixamente</a:t>
+            </a:r>
+            <a:r>
+              <a:rPr lang="pt-BR" sz="4000" dirty="0"/>
+              <a:t> acoplada para executarem operações complexas. Programas proveem simples serviços que podem interagir uns com os outros gerando soluções sofisticadas.</a:t>
+            </a:r>
+          </a:p>
+          <a:p>
+            <a:endParaRPr lang="pt-BR" dirty="0"/>
+          </a:p>
+        </p:txBody>
+      </p:sp>
     </p:spTree>
     <p:extLst>
       <p:ext uri="{BB962C8B-B14F-4D97-AF65-F5344CB8AC3E}">
-        <p14:creationId xmlns:p14="http://schemas.microsoft.com/office/powerpoint/2010/main" val="1619292642"/>
+        <p14:creationId xmlns:p14="http://schemas.microsoft.com/office/powerpoint/2010/main" val="3348814568"/>
       </p:ext>
     </p:extLst>
   </p:cSld>
@@ -8025,34 +9556,62 @@
           <a:chExt cx="0" cy="0"/>
         </a:xfrm>
       </p:grpSpPr>
-      <p:pic>
-        <p:nvPicPr>
-          <p:cNvPr id="3" name="Imagem 2"/>
-          <p:cNvPicPr>
-            <a:picLocks noChangeAspect="1"/>
-          </p:cNvPicPr>
-          <p:nvPr/>
-        </p:nvPicPr>
-        <p:blipFill>
-          <a:blip r:embed="rId2"/>
-          <a:stretch>
-            <a:fillRect/>
-          </a:stretch>
-        </p:blipFill>
-        <p:spPr>
-          <a:xfrm>
-            <a:off x="1165764" y="152155"/>
-            <a:ext cx="7186283" cy="5639289"/>
-          </a:xfrm>
-          <a:prstGeom prst="rect">
-            <a:avLst/>
-          </a:prstGeom>
-        </p:spPr>
-      </p:pic>
+      <p:sp>
+        <p:nvSpPr>
+          <p:cNvPr id="2" name="Título 1"/>
+          <p:cNvSpPr>
+            <a:spLocks noGrp="1"/>
+          </p:cNvSpPr>
+          <p:nvPr>
+            <p:ph type="title"/>
+          </p:nvPr>
+        </p:nvSpPr>
+        <p:spPr/>
+        <p:txBody>
+          <a:bodyPr/>
+          <a:lstStyle/>
+          <a:p>
+            <a:r>
+              <a:rPr lang="pt-BR" dirty="0" smtClean="0"/>
+              <a:t>Parâmetros suportados</a:t>
+            </a:r>
+            <a:endParaRPr lang="pt-BR" dirty="0"/>
+          </a:p>
+        </p:txBody>
+      </p:sp>
+      <p:sp>
+        <p:nvSpPr>
+          <p:cNvPr id="3" name="Espaço Reservado para Conteúdo 2"/>
+          <p:cNvSpPr>
+            <a:spLocks noGrp="1"/>
+          </p:cNvSpPr>
+          <p:nvPr>
+            <p:ph idx="1"/>
+          </p:nvPr>
+        </p:nvSpPr>
+        <p:spPr/>
+        <p:txBody>
+          <a:bodyPr/>
+          <a:lstStyle/>
+          <a:p>
+            <a:r>
+              <a:rPr lang="pt-BR" dirty="0" smtClean="0"/>
+              <a:t>Via URL (PATH ou QUERY PARAMS)</a:t>
+            </a:r>
+          </a:p>
+          <a:p>
+            <a:r>
+              <a:rPr lang="pt-BR" dirty="0" smtClean="0"/>
+              <a:t>Via HEADER</a:t>
+            </a:r>
+            <a:endParaRPr lang="pt-BR" dirty="0"/>
+          </a:p>
+        </p:txBody>
+      </p:sp>
     </p:spTree>
     <p:extLst>
       <p:ext uri="{BB962C8B-B14F-4D97-AF65-F5344CB8AC3E}">
-        <p14:creationId xmlns:p14="http://schemas.microsoft.com/office/powerpoint/2010/main" val="294600521"/>
+        <p14:creationId xmlns:p14="http://schemas.microsoft.com/office/powerpoint/2010/main" val="3236092567"/>
       </p:ext>
     </p:extLst>
   </p:cSld>
@@ -8101,7 +9660,12 @@
           <a:bodyPr/>
           <a:lstStyle/>
           <a:p>
-            <a:endParaRPr lang="pt-BR"/>
+            <a:pPr algn="ctr"/>
+            <a:r>
+              <a:rPr lang="pt-BR" b="1" dirty="0"/>
+              <a:t>POST – CREATE/para inserir recurso</a:t>
+            </a:r>
+            <a:endParaRPr lang="pt-BR" dirty="0"/>
           </a:p>
         </p:txBody>
       </p:sp>
@@ -8117,41 +9681,59 @@
         </p:nvSpPr>
         <p:spPr/>
         <p:txBody>
-          <a:bodyPr/>
-          <a:lstStyle/>
-          <a:p>
-            <a:endParaRPr lang="pt-BR"/>
-          </a:p>
-        </p:txBody>
-      </p:sp>
-      <p:pic>
-        <p:nvPicPr>
-          <p:cNvPr id="5" name="Imagem 4"/>
-          <p:cNvPicPr>
-            <a:picLocks noChangeAspect="1"/>
-          </p:cNvPicPr>
-          <p:nvPr/>
-        </p:nvPicPr>
-        <p:blipFill>
-          <a:blip r:embed="rId2"/>
-          <a:stretch>
-            <a:fillRect/>
-          </a:stretch>
-        </p:blipFill>
-        <p:spPr>
-          <a:xfrm>
-            <a:off x="-214193" y="-140169"/>
-            <a:ext cx="12580607" cy="7096553"/>
-          </a:xfrm>
-          <a:prstGeom prst="rect">
-            <a:avLst/>
-          </a:prstGeom>
-        </p:spPr>
-      </p:pic>
+          <a:bodyPr>
+            <a:normAutofit/>
+          </a:bodyPr>
+          <a:lstStyle/>
+          <a:p>
+            <a:r>
+              <a:rPr lang="pt-BR" sz="3200" dirty="0"/>
+              <a:t>O </a:t>
+            </a:r>
+            <a:r>
+              <a:rPr lang="pt-BR" sz="3200" dirty="0" smtClean="0"/>
+              <a:t>método</a:t>
+            </a:r>
+            <a:r>
+              <a:rPr lang="pt-BR" sz="3200" dirty="0"/>
+              <a:t> </a:t>
+            </a:r>
+            <a:r>
+              <a:rPr lang="pt-BR" sz="3200" b="1" dirty="0"/>
+              <a:t>HTTP POST </a:t>
+            </a:r>
+            <a:r>
+              <a:rPr lang="pt-BR" sz="3200" dirty="0"/>
+              <a:t>é mais </a:t>
+            </a:r>
+            <a:r>
+              <a:rPr lang="pt-BR" sz="3200" dirty="0" err="1"/>
+              <a:t>freqüentemente</a:t>
+            </a:r>
+            <a:r>
+              <a:rPr lang="pt-BR" sz="3200" dirty="0"/>
+              <a:t> usado para criar novos recursos — inserir um novo item na base. Em uma aplicação </a:t>
+            </a:r>
+            <a:r>
+              <a:rPr lang="pt-BR" sz="3200" b="1" dirty="0"/>
+              <a:t>REST </a:t>
+            </a:r>
+            <a:r>
+              <a:rPr lang="pt-BR" sz="3200" dirty="0"/>
+              <a:t>perfeita quando uma operação é executada com sucesso, retorna-se </a:t>
+            </a:r>
+            <a:r>
+              <a:rPr lang="pt-BR" sz="3200" dirty="0" smtClean="0"/>
+              <a:t>o status code 200 ou 201.</a:t>
+            </a:r>
+            <a:endParaRPr lang="pt-BR" sz="2400" dirty="0"/>
+          </a:p>
+        </p:txBody>
+      </p:sp>
     </p:spTree>
     <p:extLst>
       <p:ext uri="{BB962C8B-B14F-4D97-AF65-F5344CB8AC3E}">
-        <p14:creationId xmlns:p14="http://schemas.microsoft.com/office/powerpoint/2010/main" val="1872531066"/>
+        <p14:creationId xmlns:p14="http://schemas.microsoft.com/office/powerpoint/2010/main" val="3168071257"/>
       </p:ext>
     </p:extLst>
   </p:cSld>
@@ -8195,31 +9777,71 @@
             <p:ph type="title"/>
           </p:nvPr>
         </p:nvSpPr>
-        <p:spPr>
-          <a:xfrm>
-            <a:off x="2207568" y="2924944"/>
-            <a:ext cx="8229600" cy="990600"/>
-          </a:xfrm>
-        </p:spPr>
+        <p:spPr/>
+        <p:txBody>
+          <a:bodyPr/>
+          <a:lstStyle/>
+          <a:p>
+            <a:pPr algn="ctr"/>
+            <a:r>
+              <a:rPr lang="pt-BR" b="1" dirty="0"/>
+              <a:t>POST – CREATE/para inserir recurso</a:t>
+            </a:r>
+            <a:endParaRPr lang="pt-BR" dirty="0"/>
+          </a:p>
+        </p:txBody>
+      </p:sp>
+      <p:sp>
+        <p:nvSpPr>
+          <p:cNvPr id="3" name="Espaço Reservado para Conteúdo 2"/>
+          <p:cNvSpPr>
+            <a:spLocks noGrp="1"/>
+          </p:cNvSpPr>
+          <p:nvPr>
+            <p:ph idx="1"/>
+          </p:nvPr>
+        </p:nvSpPr>
+        <p:spPr/>
         <p:txBody>
           <a:bodyPr>
-            <a:normAutofit/>
+            <a:noAutofit/>
           </a:bodyPr>
           <a:lstStyle/>
           <a:p>
-            <a:pPr algn="ctr"/>
-            <a:r>
-              <a:rPr lang="pt-BR" dirty="0" smtClean="0"/>
-              <a:t>Verbos: GET</a:t>
-            </a:r>
-            <a:endParaRPr lang="pt-BR" dirty="0"/>
+            <a:r>
+              <a:rPr lang="pt-BR" sz="3200" dirty="0" smtClean="0"/>
+              <a:t>O POST não é</a:t>
+            </a:r>
+            <a:r>
+              <a:rPr lang="pt-BR" sz="3200" dirty="0"/>
+              <a:t> </a:t>
+            </a:r>
+            <a:r>
+              <a:rPr lang="pt-BR" sz="3200" b="1" u="sng" dirty="0">
+                <a:hlinkClick r:id="rId2" tooltip="https://pt.wikipedia.org/wiki/Idempot%C3%AAncia"/>
+              </a:rPr>
+              <a:t>idempotente</a:t>
+            </a:r>
+            <a:r>
+              <a:rPr lang="pt-BR" sz="3200" dirty="0"/>
+              <a:t> portanto seu uso não é recomendado quando se precisa desse tipo de comportamento em uma requisição. Fazendo duas requisições </a:t>
+            </a:r>
+            <a:r>
+              <a:rPr lang="pt-BR" sz="3200" b="1" dirty="0"/>
+              <a:t>POST</a:t>
+            </a:r>
+            <a:r>
+              <a:rPr lang="pt-BR" sz="3200" dirty="0"/>
+              <a:t> idênticas o resultado mais comum será duas respostas iguais com a mesma informação, mas ocasionalmente essa resposta pode mudar.</a:t>
+            </a:r>
+            <a:endParaRPr lang="pt-BR" sz="2400" dirty="0"/>
           </a:p>
         </p:txBody>
       </p:sp>
     </p:spTree>
     <p:extLst>
       <p:ext uri="{BB962C8B-B14F-4D97-AF65-F5344CB8AC3E}">
-        <p14:creationId xmlns:p14="http://schemas.microsoft.com/office/powerpoint/2010/main" val="3085596334"/>
+        <p14:creationId xmlns:p14="http://schemas.microsoft.com/office/powerpoint/2010/main" val="2542108232"/>
       </p:ext>
     </p:extLst>
   </p:cSld>
@@ -8253,10 +9875,74 @@
           <a:chExt cx="0" cy="0"/>
         </a:xfrm>
       </p:grpSpPr>
+      <p:sp>
+        <p:nvSpPr>
+          <p:cNvPr id="2" name="Título 1"/>
+          <p:cNvSpPr>
+            <a:spLocks noGrp="1"/>
+          </p:cNvSpPr>
+          <p:nvPr>
+            <p:ph type="title"/>
+          </p:nvPr>
+        </p:nvSpPr>
+        <p:spPr/>
+        <p:txBody>
+          <a:bodyPr/>
+          <a:lstStyle/>
+          <a:p>
+            <a:r>
+              <a:rPr lang="pt-BR" dirty="0" smtClean="0"/>
+              <a:t>Parâmetros suportados</a:t>
+            </a:r>
+            <a:endParaRPr lang="pt-BR" dirty="0"/>
+          </a:p>
+        </p:txBody>
+      </p:sp>
+      <p:sp>
+        <p:nvSpPr>
+          <p:cNvPr id="3" name="Espaço Reservado para Conteúdo 2"/>
+          <p:cNvSpPr>
+            <a:spLocks noGrp="1"/>
+          </p:cNvSpPr>
+          <p:nvPr>
+            <p:ph idx="1"/>
+          </p:nvPr>
+        </p:nvSpPr>
+        <p:spPr/>
+        <p:txBody>
+          <a:bodyPr>
+            <a:normAutofit/>
+          </a:bodyPr>
+          <a:lstStyle/>
+          <a:p>
+            <a:r>
+              <a:rPr lang="pt-BR" sz="3200" dirty="0" smtClean="0"/>
+              <a:t>Via URL (PATH ou QUERY PARAMS)</a:t>
+            </a:r>
+          </a:p>
+          <a:p>
+            <a:r>
+              <a:rPr lang="pt-BR" sz="3200" dirty="0" smtClean="0"/>
+              <a:t>Via HEADER</a:t>
+            </a:r>
+          </a:p>
+          <a:p>
+            <a:r>
+              <a:rPr lang="pt-BR" sz="3200" dirty="0" smtClean="0"/>
+              <a:t>Via </a:t>
+            </a:r>
+            <a:r>
+              <a:rPr lang="pt-BR" sz="3200" dirty="0" err="1" smtClean="0"/>
+              <a:t>Body</a:t>
+            </a:r>
+            <a:endParaRPr lang="pt-BR" sz="3200" dirty="0"/>
+          </a:p>
+        </p:txBody>
+      </p:sp>
     </p:spTree>
     <p:extLst>
       <p:ext uri="{BB962C8B-B14F-4D97-AF65-F5344CB8AC3E}">
-        <p14:creationId xmlns:p14="http://schemas.microsoft.com/office/powerpoint/2010/main" val="144656954"/>
+        <p14:creationId xmlns:p14="http://schemas.microsoft.com/office/powerpoint/2010/main" val="1140589150"/>
       </p:ext>
     </p:extLst>
   </p:cSld>
@@ -8300,31 +9986,129 @@
             <p:ph type="title"/>
           </p:nvPr>
         </p:nvSpPr>
-        <p:spPr>
-          <a:xfrm>
-            <a:off x="2207568" y="2924944"/>
-            <a:ext cx="8229600" cy="990600"/>
-          </a:xfrm>
-        </p:spPr>
+        <p:spPr/>
+        <p:txBody>
+          <a:bodyPr/>
+          <a:lstStyle/>
+          <a:p>
+            <a:pPr algn="ctr"/>
+            <a:r>
+              <a:rPr lang="pt-BR" b="1" dirty="0"/>
+              <a:t>PUT – UPDATE/para modificar um recurso</a:t>
+            </a:r>
+            <a:endParaRPr lang="pt-BR" dirty="0"/>
+          </a:p>
+        </p:txBody>
+      </p:sp>
+      <p:sp>
+        <p:nvSpPr>
+          <p:cNvPr id="3" name="Espaço Reservado para Conteúdo 2"/>
+          <p:cNvSpPr>
+            <a:spLocks noGrp="1"/>
+          </p:cNvSpPr>
+          <p:nvPr>
+            <p:ph idx="1"/>
+          </p:nvPr>
+        </p:nvSpPr>
+        <p:spPr/>
         <p:txBody>
           <a:bodyPr>
-            <a:normAutofit/>
+            <a:normAutofit fontScale="92500" lnSpcReduction="10000"/>
           </a:bodyPr>
           <a:lstStyle/>
           <a:p>
-            <a:pPr algn="ctr"/>
-            <a:r>
-              <a:rPr lang="pt-BR" dirty="0" smtClean="0"/>
-              <a:t>Verbos: POST</a:t>
-            </a:r>
-            <a:endParaRPr lang="pt-BR" dirty="0"/>
+            <a:r>
+              <a:rPr lang="pt-BR" sz="2400" dirty="0"/>
+              <a:t>O </a:t>
+            </a:r>
+            <a:r>
+              <a:rPr lang="pt-BR" sz="2400" dirty="0" smtClean="0"/>
+              <a:t>método</a:t>
+            </a:r>
+            <a:r>
+              <a:rPr lang="pt-BR" sz="2400" dirty="0"/>
+              <a:t> </a:t>
+            </a:r>
+            <a:r>
+              <a:rPr lang="pt-BR" sz="2400" b="1" dirty="0"/>
+              <a:t>PUT </a:t>
+            </a:r>
+            <a:r>
+              <a:rPr lang="pt-BR" sz="2400" dirty="0"/>
+              <a:t>é comumente usado para atualizar informações, colocando um recurso conhecido no (</a:t>
+            </a:r>
+            <a:r>
+              <a:rPr lang="pt-BR" sz="2400" dirty="0" err="1"/>
+              <a:t>body</a:t>
+            </a:r>
+            <a:r>
+              <a:rPr lang="pt-BR" sz="2400" dirty="0"/>
+              <a:t>) corpo da requisição contendo novas informações que representam o recurso original</a:t>
+            </a:r>
+            <a:r>
+              <a:rPr lang="pt-BR" sz="2400" dirty="0" smtClean="0"/>
+              <a:t>.</a:t>
+            </a:r>
+          </a:p>
+          <a:p>
+            <a:pPr marL="0" indent="0">
+              <a:buNone/>
+            </a:pPr>
+            <a:endParaRPr lang="pt-BR" sz="2400" dirty="0" smtClean="0"/>
+          </a:p>
+          <a:p>
+            <a:r>
+              <a:rPr lang="pt-BR" sz="2400" dirty="0" smtClean="0"/>
+              <a:t>O método</a:t>
+            </a:r>
+            <a:r>
+              <a:rPr lang="pt-BR" sz="2400" dirty="0"/>
+              <a:t> </a:t>
+            </a:r>
+            <a:r>
+              <a:rPr lang="pt-BR" sz="2400" b="1" dirty="0"/>
+              <a:t>PUT </a:t>
+            </a:r>
+            <a:r>
+              <a:rPr lang="pt-BR" sz="2400" dirty="0"/>
+              <a:t>também pode ser usado para criar um recurso caso o </a:t>
+            </a:r>
+            <a:r>
+              <a:rPr lang="pt-BR" sz="2400" b="1" dirty="0"/>
+              <a:t>ID </a:t>
+            </a:r>
+            <a:r>
+              <a:rPr lang="pt-BR" sz="2400" dirty="0"/>
+              <a:t>do mesmo seja definido pelo cliente ao invés do servidor. Em outras palavras se o </a:t>
+            </a:r>
+            <a:r>
+              <a:rPr lang="pt-BR" sz="2400" dirty="0" smtClean="0"/>
+              <a:t>método </a:t>
+            </a:r>
+            <a:r>
+              <a:rPr lang="pt-BR" sz="2400" dirty="0"/>
+              <a:t>PUT é proveniente de uma </a:t>
+            </a:r>
+            <a:r>
+              <a:rPr lang="pt-BR" sz="2400" b="1" dirty="0"/>
+              <a:t>URI </a:t>
+            </a:r>
+            <a:r>
+              <a:rPr lang="pt-BR" sz="2400" dirty="0"/>
+              <a:t>que não contenha um recurso com um ID preexistente. Nesse caso o corpo da requisição contém a representação de um </a:t>
+            </a:r>
+            <a:r>
+              <a:rPr lang="pt-BR" sz="2400" dirty="0" smtClean="0"/>
+              <a:t>recurso.</a:t>
+            </a:r>
+            <a:endParaRPr lang="pt-BR" sz="2400" dirty="0"/>
           </a:p>
         </p:txBody>
       </p:sp>
     </p:spTree>
     <p:extLst>
       <p:ext uri="{BB962C8B-B14F-4D97-AF65-F5344CB8AC3E}">
-        <p14:creationId xmlns:p14="http://schemas.microsoft.com/office/powerpoint/2010/main" val="4079776765"/>
+        <p14:creationId xmlns:p14="http://schemas.microsoft.com/office/powerpoint/2010/main" val="3454463550"/>
       </p:ext>
     </p:extLst>
   </p:cSld>
@@ -8358,10 +10142,165 @@
           <a:chExt cx="0" cy="0"/>
         </a:xfrm>
       </p:grpSpPr>
+      <p:sp>
+        <p:nvSpPr>
+          <p:cNvPr id="2" name="Título 1"/>
+          <p:cNvSpPr>
+            <a:spLocks noGrp="1"/>
+          </p:cNvSpPr>
+          <p:nvPr>
+            <p:ph type="title"/>
+          </p:nvPr>
+        </p:nvSpPr>
+        <p:spPr/>
+        <p:txBody>
+          <a:bodyPr/>
+          <a:lstStyle/>
+          <a:p>
+            <a:pPr algn="ctr"/>
+            <a:r>
+              <a:rPr lang="pt-BR" b="1" dirty="0"/>
+              <a:t>PUT – UPDATE/para modificar um recurso</a:t>
+            </a:r>
+            <a:endParaRPr lang="pt-BR" dirty="0"/>
+          </a:p>
+        </p:txBody>
+      </p:sp>
+      <p:sp>
+        <p:nvSpPr>
+          <p:cNvPr id="3" name="Espaço Reservado para Conteúdo 2"/>
+          <p:cNvSpPr>
+            <a:spLocks noGrp="1"/>
+          </p:cNvSpPr>
+          <p:nvPr>
+            <p:ph idx="1"/>
+          </p:nvPr>
+        </p:nvSpPr>
+        <p:spPr/>
+        <p:txBody>
+          <a:bodyPr>
+            <a:normAutofit/>
+          </a:bodyPr>
+          <a:lstStyle/>
+          <a:p>
+            <a:r>
+              <a:rPr lang="pt-BR" sz="2000" dirty="0" err="1" smtClean="0"/>
+              <a:t>Conseqüentemente</a:t>
+            </a:r>
+            <a:r>
+              <a:rPr lang="pt-BR" sz="2000" dirty="0"/>
+              <a:t>, este </a:t>
+            </a:r>
+            <a:r>
+              <a:rPr lang="pt-BR" sz="2000" dirty="0" smtClean="0"/>
+              <a:t>método </a:t>
+            </a:r>
+            <a:r>
+              <a:rPr lang="pt-BR" sz="2000" dirty="0"/>
+              <a:t>deve ser usado com moderação para a criação de um novo recurso</a:t>
+            </a:r>
+            <a:r>
+              <a:rPr lang="pt-BR" sz="2000" dirty="0" smtClean="0"/>
+              <a:t>. Uma </a:t>
+            </a:r>
+            <a:r>
+              <a:rPr lang="pt-BR" sz="2000" dirty="0"/>
+              <a:t>alternativa para isso é utilizar o </a:t>
+            </a:r>
+            <a:r>
+              <a:rPr lang="pt-BR" sz="2000" dirty="0" smtClean="0"/>
+              <a:t>método</a:t>
+            </a:r>
+            <a:r>
+              <a:rPr lang="pt-BR" sz="2000" dirty="0"/>
+              <a:t> </a:t>
+            </a:r>
+            <a:r>
+              <a:rPr lang="pt-BR" sz="2000" b="1" dirty="0"/>
+              <a:t>POST</a:t>
+            </a:r>
+            <a:r>
+              <a:rPr lang="pt-BR" sz="2000" dirty="0"/>
+              <a:t> para criar novos recursos com o ID definido pelo cliente </a:t>
+            </a:r>
+            <a:r>
+              <a:rPr lang="pt-BR" sz="2000" dirty="0" err="1"/>
+              <a:t>setado</a:t>
+            </a:r>
+            <a:r>
+              <a:rPr lang="pt-BR" sz="2000" dirty="0"/>
+              <a:t> no corpo da requisição — caso não tenha o </a:t>
+            </a:r>
+            <a:r>
+              <a:rPr lang="pt-BR" sz="2000" b="1" dirty="0"/>
+              <a:t>ID </a:t>
+            </a:r>
+            <a:r>
+              <a:rPr lang="pt-BR" sz="2000" dirty="0"/>
+              <a:t>definido para o recurso deve-se usar o </a:t>
+            </a:r>
+            <a:r>
+              <a:rPr lang="pt-BR" sz="2000" dirty="0" smtClean="0"/>
+              <a:t>método</a:t>
+            </a:r>
+            <a:r>
+              <a:rPr lang="pt-BR" sz="2000" dirty="0"/>
+              <a:t> </a:t>
+            </a:r>
+            <a:r>
+              <a:rPr lang="pt-BR" sz="2000" b="1" dirty="0"/>
+              <a:t>POST</a:t>
+            </a:r>
+            <a:r>
+              <a:rPr lang="pt-BR" sz="2000" dirty="0"/>
+              <a:t>(confira acima</a:t>
+            </a:r>
+            <a:r>
+              <a:rPr lang="pt-BR" sz="2000" dirty="0" smtClean="0"/>
+              <a:t>).</a:t>
+            </a:r>
+          </a:p>
+          <a:p>
+            <a:pPr marL="0" indent="0">
+              <a:buNone/>
+            </a:pPr>
+            <a:endParaRPr lang="pt-BR" sz="2000" dirty="0" smtClean="0"/>
+          </a:p>
+          <a:p>
+            <a:r>
+              <a:rPr lang="pt-BR" sz="2000" dirty="0" smtClean="0"/>
+              <a:t>Um </a:t>
+            </a:r>
+            <a:r>
+              <a:rPr lang="pt-BR" sz="2000" dirty="0"/>
+              <a:t>update bem sucedido, retorna um </a:t>
+            </a:r>
+            <a:r>
+              <a:rPr lang="pt-BR" sz="2000" b="1" dirty="0"/>
+              <a:t>status code</a:t>
+            </a:r>
+            <a:r>
+              <a:rPr lang="pt-BR" sz="2000" dirty="0"/>
+              <a:t> 200 (ou 204 quando não retorna nenhum conteúdo no </a:t>
+            </a:r>
+            <a:r>
+              <a:rPr lang="pt-BR" sz="2000" dirty="0" err="1"/>
+              <a:t>body</a:t>
+            </a:r>
+            <a:r>
+              <a:rPr lang="pt-BR" sz="2000" dirty="0" smtClean="0"/>
+              <a:t>.</a:t>
+            </a:r>
+          </a:p>
+          <a:p>
+            <a:endParaRPr lang="pt-BR" dirty="0"/>
+          </a:p>
+        </p:txBody>
+      </p:sp>
     </p:spTree>
     <p:extLst>
       <p:ext uri="{BB962C8B-B14F-4D97-AF65-F5344CB8AC3E}">
-        <p14:creationId xmlns:p14="http://schemas.microsoft.com/office/powerpoint/2010/main" val="3309030661"/>
+        <p14:creationId xmlns:p14="http://schemas.microsoft.com/office/powerpoint/2010/main" val="825961998"/>
       </p:ext>
     </p:extLst>
   </p:cSld>
@@ -8405,23 +10344,175 @@
             <p:ph type="title"/>
           </p:nvPr>
         </p:nvSpPr>
-        <p:spPr>
-          <a:xfrm>
-            <a:off x="2207568" y="2924944"/>
-            <a:ext cx="8229600" cy="990600"/>
-          </a:xfrm>
-        </p:spPr>
+        <p:spPr/>
+        <p:txBody>
+          <a:bodyPr/>
+          <a:lstStyle/>
+          <a:p>
+            <a:pPr algn="ctr"/>
+            <a:r>
+              <a:rPr lang="pt-BR" b="1" dirty="0"/>
+              <a:t>PUT – UPDATE/para modificar um recurso</a:t>
+            </a:r>
+            <a:endParaRPr lang="pt-BR" dirty="0"/>
+          </a:p>
+        </p:txBody>
+      </p:sp>
+      <p:sp>
+        <p:nvSpPr>
+          <p:cNvPr id="3" name="Espaço Reservado para Conteúdo 2"/>
+          <p:cNvSpPr>
+            <a:spLocks noGrp="1"/>
+          </p:cNvSpPr>
+          <p:nvPr>
+            <p:ph idx="1"/>
+          </p:nvPr>
+        </p:nvSpPr>
+        <p:spPr/>
         <p:txBody>
           <a:bodyPr>
-            <a:normAutofit/>
+            <a:normAutofit fontScale="92500" lnSpcReduction="20000"/>
           </a:bodyPr>
           <a:lstStyle/>
           <a:p>
-            <a:pPr algn="ctr"/>
             <a:r>
               <a:rPr lang="pt-BR" dirty="0" smtClean="0"/>
-              <a:t>Verbos: PUT</a:t>
-            </a:r>
+              <a:t>Se </a:t>
+            </a:r>
+            <a:r>
+              <a:rPr lang="pt-BR" dirty="0"/>
+              <a:t>estiver usando o </a:t>
+            </a:r>
+            <a:r>
+              <a:rPr lang="pt-BR" dirty="0" smtClean="0"/>
+              <a:t>método</a:t>
+            </a:r>
+            <a:r>
+              <a:rPr lang="pt-BR" dirty="0"/>
+              <a:t> </a:t>
+            </a:r>
+            <a:r>
+              <a:rPr lang="pt-BR" b="1" dirty="0"/>
+              <a:t>PUT</a:t>
+            </a:r>
+            <a:r>
+              <a:rPr lang="pt-BR" dirty="0"/>
+              <a:t> para criar um novo recurso, o retorno deve ser um </a:t>
+            </a:r>
+            <a:r>
+              <a:rPr lang="pt-BR" b="1" dirty="0"/>
+              <a:t>status code</a:t>
+            </a:r>
+            <a:r>
+              <a:rPr lang="pt-BR" dirty="0"/>
+              <a:t> 201 em caso de uma criação bem sucedida. O response </a:t>
+            </a:r>
+            <a:r>
+              <a:rPr lang="pt-BR" dirty="0" err="1"/>
+              <a:t>body</a:t>
+            </a:r>
+            <a:r>
+              <a:rPr lang="pt-BR" dirty="0"/>
+              <a:t> é opcional — lembrando que quando ele é exposto há um consumo maior de banda. </a:t>
+            </a:r>
+            <a:endParaRPr lang="pt-BR" dirty="0" smtClean="0"/>
+          </a:p>
+          <a:p>
+            <a:r>
+              <a:rPr lang="pt-BR" dirty="0" smtClean="0"/>
+              <a:t>O método</a:t>
+            </a:r>
+            <a:r>
+              <a:rPr lang="pt-BR" dirty="0"/>
+              <a:t> </a:t>
+            </a:r>
+            <a:r>
+              <a:rPr lang="pt-BR" b="1" dirty="0"/>
+              <a:t>PUT </a:t>
+            </a:r>
+            <a:r>
+              <a:rPr lang="pt-BR" dirty="0"/>
+              <a:t>não é uma operação segura, na medida em que modifica(ou cria) um recurso no servidor, mas ele é idempotente. Em outras palavras, se você cria ou atualiza um recurso usando o </a:t>
+            </a:r>
+            <a:r>
+              <a:rPr lang="pt-BR" dirty="0" smtClean="0"/>
+              <a:t>método</a:t>
+            </a:r>
+            <a:r>
+              <a:rPr lang="pt-BR" dirty="0"/>
+              <a:t> </a:t>
+            </a:r>
+            <a:r>
+              <a:rPr lang="pt-BR" b="1" dirty="0"/>
+              <a:t>PUT </a:t>
+            </a:r>
+            <a:r>
+              <a:rPr lang="pt-BR" dirty="0"/>
+              <a:t>e executa a mesma operação de novo, o recurso terá o mesmo estado que na primeira execução</a:t>
+            </a:r>
+            <a:r>
+              <a:rPr lang="pt-BR" dirty="0" smtClean="0"/>
+              <a:t>.</a:t>
+            </a:r>
+          </a:p>
+          <a:p>
+            <a:r>
+              <a:rPr lang="pt-BR" dirty="0" smtClean="0"/>
+              <a:t>Se</a:t>
+            </a:r>
+            <a:r>
+              <a:rPr lang="pt-BR" dirty="0"/>
+              <a:t>, por exemplo, você fizer uma requisição </a:t>
+            </a:r>
+            <a:r>
+              <a:rPr lang="pt-BR" b="1" dirty="0"/>
+              <a:t>PUT </a:t>
+            </a:r>
+            <a:r>
+              <a:rPr lang="pt-BR" dirty="0"/>
+              <a:t>para um recurso que incrementa um contador dentro de um recurso, a requisição perde o comportamento de idempotente. As vezes isso acontece sendo suficiente apenas documentar a requisição como não </a:t>
+            </a:r>
+            <a:r>
+              <a:rPr lang="pt-BR" dirty="0" smtClean="0"/>
+              <a:t>idempotente.</a:t>
+            </a:r>
+          </a:p>
+          <a:p>
+            <a:r>
+              <a:rPr lang="pt-BR" dirty="0" smtClean="0"/>
+              <a:t>Entretanto</a:t>
+            </a:r>
+            <a:r>
+              <a:rPr lang="pt-BR" dirty="0"/>
+              <a:t>, o recomendado para requisições </a:t>
+            </a:r>
+            <a:r>
+              <a:rPr lang="pt-BR" b="1" dirty="0"/>
+              <a:t>PUT </a:t>
+            </a:r>
+            <a:r>
+              <a:rPr lang="pt-BR" dirty="0"/>
+              <a:t>é implementar apenas requisições idempotentes. Sendo assim é fortemente recomendado o uso do </a:t>
+            </a:r>
+            <a:r>
+              <a:rPr lang="pt-BR" dirty="0" smtClean="0"/>
+              <a:t>método</a:t>
+            </a:r>
+            <a:r>
+              <a:rPr lang="pt-BR" dirty="0"/>
+              <a:t> </a:t>
+            </a:r>
+            <a:r>
+              <a:rPr lang="pt-BR" b="1" dirty="0"/>
+              <a:t>POST </a:t>
+            </a:r>
+            <a:r>
+              <a:rPr lang="pt-BR" dirty="0"/>
+              <a:t>para operações não idempotentes.</a:t>
+            </a:r>
+            <a:br>
+              <a:rPr lang="pt-BR" dirty="0"/>
+            </a:br>
             <a:endParaRPr lang="pt-BR" dirty="0"/>
           </a:p>
         </p:txBody>
@@ -8429,7 +10520,7 @@
     </p:spTree>
     <p:extLst>
       <p:ext uri="{BB962C8B-B14F-4D97-AF65-F5344CB8AC3E}">
-        <p14:creationId xmlns:p14="http://schemas.microsoft.com/office/powerpoint/2010/main" val="4152563322"/>
+        <p14:creationId xmlns:p14="http://schemas.microsoft.com/office/powerpoint/2010/main" val="3187747865"/>
       </p:ext>
     </p:extLst>
   </p:cSld>
@@ -8463,10 +10554,74 @@
           <a:chExt cx="0" cy="0"/>
         </a:xfrm>
       </p:grpSpPr>
+      <p:sp>
+        <p:nvSpPr>
+          <p:cNvPr id="2" name="Título 1"/>
+          <p:cNvSpPr>
+            <a:spLocks noGrp="1"/>
+          </p:cNvSpPr>
+          <p:nvPr>
+            <p:ph type="title"/>
+          </p:nvPr>
+        </p:nvSpPr>
+        <p:spPr/>
+        <p:txBody>
+          <a:bodyPr/>
+          <a:lstStyle/>
+          <a:p>
+            <a:r>
+              <a:rPr lang="pt-BR" dirty="0" smtClean="0"/>
+              <a:t>Parâmetros suportados</a:t>
+            </a:r>
+            <a:endParaRPr lang="pt-BR" dirty="0"/>
+          </a:p>
+        </p:txBody>
+      </p:sp>
+      <p:sp>
+        <p:nvSpPr>
+          <p:cNvPr id="3" name="Espaço Reservado para Conteúdo 2"/>
+          <p:cNvSpPr>
+            <a:spLocks noGrp="1"/>
+          </p:cNvSpPr>
+          <p:nvPr>
+            <p:ph idx="1"/>
+          </p:nvPr>
+        </p:nvSpPr>
+        <p:spPr/>
+        <p:txBody>
+          <a:bodyPr>
+            <a:normAutofit/>
+          </a:bodyPr>
+          <a:lstStyle/>
+          <a:p>
+            <a:r>
+              <a:rPr lang="pt-BR" sz="3200" dirty="0" smtClean="0"/>
+              <a:t>Via URL (PATH ou QUERY PARAMS)</a:t>
+            </a:r>
+          </a:p>
+          <a:p>
+            <a:r>
+              <a:rPr lang="pt-BR" sz="3200" dirty="0" smtClean="0"/>
+              <a:t>Via HEADER</a:t>
+            </a:r>
+          </a:p>
+          <a:p>
+            <a:r>
+              <a:rPr lang="pt-BR" sz="3200" dirty="0" smtClean="0"/>
+              <a:t>Via </a:t>
+            </a:r>
+            <a:r>
+              <a:rPr lang="pt-BR" sz="3200" dirty="0" err="1" smtClean="0"/>
+              <a:t>Body</a:t>
+            </a:r>
+            <a:endParaRPr lang="pt-BR" sz="3200" dirty="0"/>
+          </a:p>
+        </p:txBody>
+      </p:sp>
     </p:spTree>
     <p:extLst>
       <p:ext uri="{BB962C8B-B14F-4D97-AF65-F5344CB8AC3E}">
-        <p14:creationId xmlns:p14="http://schemas.microsoft.com/office/powerpoint/2010/main" val="441067410"/>
+        <p14:creationId xmlns:p14="http://schemas.microsoft.com/office/powerpoint/2010/main" val="923520388"/>
       </p:ext>
     </p:extLst>
   </p:cSld>
@@ -8510,31 +10665,186 @@
             <p:ph type="title"/>
           </p:nvPr>
         </p:nvSpPr>
-        <p:spPr>
-          <a:xfrm>
-            <a:off x="2207568" y="2924944"/>
-            <a:ext cx="8229600" cy="990600"/>
-          </a:xfrm>
-        </p:spPr>
+        <p:spPr/>
+        <p:txBody>
+          <a:bodyPr/>
+          <a:lstStyle/>
+          <a:p>
+            <a:pPr algn="ctr"/>
+            <a:r>
+              <a:rPr lang="pt-BR" b="1" dirty="0"/>
+              <a:t>DELETE – DELETE/para remover um recurso</a:t>
+            </a:r>
+            <a:endParaRPr lang="pt-BR" dirty="0"/>
+          </a:p>
+        </p:txBody>
+      </p:sp>
+      <p:sp>
+        <p:nvSpPr>
+          <p:cNvPr id="3" name="Espaço Reservado para Conteúdo 2"/>
+          <p:cNvSpPr>
+            <a:spLocks noGrp="1"/>
+          </p:cNvSpPr>
+          <p:nvPr>
+            <p:ph idx="1"/>
+          </p:nvPr>
+        </p:nvSpPr>
+        <p:spPr/>
         <p:txBody>
           <a:bodyPr>
-            <a:normAutofit/>
+            <a:normAutofit fontScale="92500"/>
           </a:bodyPr>
           <a:lstStyle/>
           <a:p>
-            <a:pPr algn="ctr"/>
-            <a:r>
-              <a:rPr lang="pt-BR" dirty="0" smtClean="0"/>
-              <a:t>Verbos: DELETE</a:t>
-            </a:r>
-            <a:endParaRPr lang="pt-BR" dirty="0"/>
+            <a:r>
+              <a:rPr lang="pt-BR" sz="2400" dirty="0"/>
+              <a:t>O </a:t>
+            </a:r>
+            <a:r>
+              <a:rPr lang="pt-BR" sz="2400" dirty="0" smtClean="0"/>
+              <a:t>método </a:t>
+            </a:r>
+            <a:r>
+              <a:rPr lang="pt-BR" sz="2400" dirty="0"/>
+              <a:t>DELETE é fácil de entender, ele é usado para deletar um recurso identificado por uma URI</a:t>
+            </a:r>
+            <a:r>
+              <a:rPr lang="pt-BR" sz="2400" dirty="0" smtClean="0"/>
+              <a:t>.</a:t>
+            </a:r>
+          </a:p>
+          <a:p>
+            <a:r>
+              <a:rPr lang="pt-BR" sz="2400" dirty="0" smtClean="0"/>
+              <a:t>Em </a:t>
+            </a:r>
+            <a:r>
+              <a:rPr lang="pt-BR" sz="2400" dirty="0"/>
+              <a:t>uma deleção bem sucedida retorna-se um </a:t>
+            </a:r>
+            <a:r>
+              <a:rPr lang="pt-BR" sz="2400" b="1" dirty="0"/>
+              <a:t>status code</a:t>
+            </a:r>
+            <a:r>
+              <a:rPr lang="pt-BR" sz="2400" dirty="0"/>
+              <a:t> </a:t>
+            </a:r>
+            <a:r>
+              <a:rPr lang="pt-BR" sz="2400" b="1" dirty="0"/>
+              <a:t>200 (OK)</a:t>
+            </a:r>
+            <a:r>
+              <a:rPr lang="pt-BR" sz="2400" dirty="0"/>
+              <a:t> juntamente com um response </a:t>
+            </a:r>
+            <a:r>
+              <a:rPr lang="pt-BR" sz="2400" dirty="0" err="1"/>
+              <a:t>body</a:t>
+            </a:r>
+            <a:r>
+              <a:rPr lang="pt-BR" sz="2400" dirty="0"/>
+              <a:t>, possivelmente uma representação do item deletado (o que acaba por demandar muita banda), ou uma response </a:t>
+            </a:r>
+            <a:r>
+              <a:rPr lang="pt-BR" sz="2400" dirty="0" smtClean="0"/>
+              <a:t>customizada.</a:t>
+            </a:r>
+          </a:p>
+          <a:p>
+            <a:r>
+              <a:rPr lang="pt-BR" sz="2400" dirty="0" smtClean="0"/>
+              <a:t>Ou </a:t>
+            </a:r>
+            <a:r>
+              <a:rPr lang="pt-BR" sz="2400" dirty="0"/>
+              <a:t>retornar o </a:t>
+            </a:r>
+            <a:r>
+              <a:rPr lang="pt-BR" sz="2400" b="1" dirty="0"/>
+              <a:t>status code</a:t>
+            </a:r>
+            <a:r>
+              <a:rPr lang="pt-BR" sz="2400" dirty="0"/>
+              <a:t> </a:t>
+            </a:r>
+            <a:r>
+              <a:rPr lang="pt-BR" sz="2400" b="1" dirty="0"/>
+              <a:t>204 (NO CONTENT)</a:t>
+            </a:r>
+            <a:r>
+              <a:rPr lang="pt-BR" sz="2400" dirty="0"/>
+              <a:t> sem response </a:t>
+            </a:r>
+            <a:r>
+              <a:rPr lang="pt-BR" sz="2400" dirty="0" err="1" smtClean="0"/>
+              <a:t>body</a:t>
+            </a:r>
+            <a:r>
+              <a:rPr lang="pt-BR" sz="2400" dirty="0"/>
+              <a:t> </a:t>
+            </a:r>
+            <a:r>
+              <a:rPr lang="pt-BR" sz="2400" dirty="0" smtClean="0"/>
+              <a:t>ou </a:t>
+            </a:r>
+            <a:r>
+              <a:rPr lang="pt-BR" sz="2400" dirty="0"/>
+              <a:t>um </a:t>
+            </a:r>
+            <a:r>
+              <a:rPr lang="pt-BR" sz="2400" b="1" dirty="0"/>
+              <a:t>status code</a:t>
+            </a:r>
+            <a:r>
+              <a:rPr lang="pt-BR" sz="2400" dirty="0"/>
+              <a:t> </a:t>
+            </a:r>
+            <a:r>
+              <a:rPr lang="pt-BR" sz="2400" b="1" dirty="0"/>
+              <a:t>204</a:t>
+            </a:r>
+            <a:r>
+              <a:rPr lang="pt-BR" sz="2400" dirty="0"/>
+              <a:t> sem corpo, ou </a:t>
+            </a:r>
+            <a:r>
+              <a:rPr lang="pt-BR" sz="2400" b="1" u="sng" dirty="0">
+                <a:hlinkClick r:id="rId2" tooltip="https://labs.omniti.com/labs/jsend"/>
+              </a:rPr>
+              <a:t>JSEND-</a:t>
+            </a:r>
+            <a:r>
+              <a:rPr lang="pt-BR" sz="2400" b="1" u="sng" dirty="0" err="1">
+                <a:hlinkClick r:id="rId2" tooltip="https://labs.omniti.com/labs/jsend"/>
+              </a:rPr>
+              <a:t>style</a:t>
+            </a:r>
+            <a:r>
+              <a:rPr lang="pt-BR" sz="2400" b="1" u="sng" dirty="0">
+                <a:hlinkClick r:id="rId2" tooltip="https://labs.omniti.com/labs/jsend"/>
+              </a:rPr>
+              <a:t> response</a:t>
+            </a:r>
+            <a:r>
+              <a:rPr lang="pt-BR" sz="2400" dirty="0"/>
+              <a:t> com um </a:t>
+            </a:r>
+            <a:r>
+              <a:rPr lang="pt-BR" sz="2400" b="1" dirty="0"/>
+              <a:t>status code</a:t>
+            </a:r>
+            <a:r>
+              <a:rPr lang="pt-BR" sz="2400" dirty="0"/>
+              <a:t> 200 são as responses mais recomendadas.</a:t>
+            </a:r>
           </a:p>
         </p:txBody>
       </p:sp>
     </p:spTree>
     <p:extLst>
       <p:ext uri="{BB962C8B-B14F-4D97-AF65-F5344CB8AC3E}">
-        <p14:creationId xmlns:p14="http://schemas.microsoft.com/office/powerpoint/2010/main" val="2622702189"/>
+        <p14:creationId xmlns:p14="http://schemas.microsoft.com/office/powerpoint/2010/main" val="714248460"/>
       </p:ext>
     </p:extLst>
   </p:cSld>
@@ -8568,10 +10878,175 @@
           <a:chExt cx="0" cy="0"/>
         </a:xfrm>
       </p:grpSpPr>
+      <p:sp>
+        <p:nvSpPr>
+          <p:cNvPr id="2" name="Título 1"/>
+          <p:cNvSpPr>
+            <a:spLocks noGrp="1"/>
+          </p:cNvSpPr>
+          <p:nvPr>
+            <p:ph type="title"/>
+          </p:nvPr>
+        </p:nvSpPr>
+        <p:spPr/>
+        <p:txBody>
+          <a:bodyPr/>
+          <a:lstStyle/>
+          <a:p>
+            <a:pPr algn="ctr"/>
+            <a:r>
+              <a:rPr lang="pt-BR" b="1" dirty="0"/>
+              <a:t>DELETE – DELETE/para remover um recurso</a:t>
+            </a:r>
+            <a:endParaRPr lang="pt-BR" dirty="0"/>
+          </a:p>
+        </p:txBody>
+      </p:sp>
+      <p:sp>
+        <p:nvSpPr>
+          <p:cNvPr id="3" name="Espaço Reservado para Conteúdo 2"/>
+          <p:cNvSpPr>
+            <a:spLocks noGrp="1"/>
+          </p:cNvSpPr>
+          <p:nvPr>
+            <p:ph idx="1"/>
+          </p:nvPr>
+        </p:nvSpPr>
+        <p:spPr/>
+        <p:txBody>
+          <a:bodyPr>
+            <a:normAutofit fontScale="92500" lnSpcReduction="10000"/>
+          </a:bodyPr>
+          <a:lstStyle/>
+          <a:p>
+            <a:r>
+              <a:rPr lang="pt-BR" dirty="0" smtClean="0"/>
+              <a:t>As </a:t>
+            </a:r>
+            <a:r>
+              <a:rPr lang="pt-BR" dirty="0"/>
+              <a:t>operações de </a:t>
+            </a:r>
+            <a:r>
+              <a:rPr lang="pt-BR" b="1" dirty="0"/>
+              <a:t>DELETE </a:t>
+            </a:r>
+            <a:r>
+              <a:rPr lang="pt-BR" dirty="0"/>
+              <a:t>são idempotentes. Se você deleta um recurso, ele é removido sendo impossível repetir a operação uma vez que o recurso não existe mais. </a:t>
+            </a:r>
+            <a:endParaRPr lang="pt-BR" dirty="0" smtClean="0"/>
+          </a:p>
+          <a:p>
+            <a:r>
+              <a:rPr lang="pt-BR" dirty="0"/>
+              <a:t>Se você utilizar o </a:t>
+            </a:r>
+            <a:r>
+              <a:rPr lang="pt-BR" dirty="0" smtClean="0"/>
+              <a:t>método</a:t>
+            </a:r>
+            <a:r>
+              <a:rPr lang="pt-BR" dirty="0"/>
+              <a:t> </a:t>
+            </a:r>
+            <a:r>
+              <a:rPr lang="pt-BR" b="1" dirty="0"/>
+              <a:t>DELETE </a:t>
+            </a:r>
+            <a:r>
+              <a:rPr lang="pt-BR" dirty="0"/>
+              <a:t>para decrementar um contador (dentro de um recurso), sua operação </a:t>
+            </a:r>
+            <a:r>
+              <a:rPr lang="pt-BR" b="1" dirty="0"/>
+              <a:t>DELETE </a:t>
+            </a:r>
+            <a:r>
+              <a:rPr lang="pt-BR" dirty="0"/>
+              <a:t>não será mais </a:t>
+            </a:r>
+            <a:r>
+              <a:rPr lang="pt-BR" dirty="0" smtClean="0"/>
+              <a:t>idempotente. Estatísticas </a:t>
+            </a:r>
+            <a:r>
+              <a:rPr lang="pt-BR" dirty="0"/>
+              <a:t>de uso e métricas podem ser atualizadas enquanto o serviço é considerado idempotente e as informações do recursos permanecem inalteradas. É recomendado o uso do </a:t>
+            </a:r>
+            <a:r>
+              <a:rPr lang="pt-BR" dirty="0" smtClean="0"/>
+              <a:t>método </a:t>
+            </a:r>
+            <a:r>
+              <a:rPr lang="pt-BR" dirty="0"/>
+              <a:t>POST para operações não </a:t>
+            </a:r>
+            <a:r>
+              <a:rPr lang="pt-BR" dirty="0" smtClean="0"/>
+              <a:t>idempotentes.</a:t>
+            </a:r>
+          </a:p>
+          <a:p>
+            <a:r>
+              <a:rPr lang="pt-BR" dirty="0" smtClean="0"/>
+              <a:t>Existe </a:t>
+            </a:r>
+            <a:r>
+              <a:rPr lang="pt-BR" dirty="0"/>
+              <a:t>uma recomendação quanto a </a:t>
+            </a:r>
+            <a:r>
+              <a:rPr lang="pt-BR" dirty="0" err="1"/>
+              <a:t>idempotência</a:t>
+            </a:r>
+            <a:r>
+              <a:rPr lang="pt-BR" dirty="0"/>
+              <a:t> do DELETE entretanto repetir uma requisição de </a:t>
+            </a:r>
+            <a:r>
+              <a:rPr lang="pt-BR" b="1" dirty="0"/>
+              <a:t>DELETE</a:t>
+            </a:r>
+            <a:r>
+              <a:rPr lang="pt-BR" dirty="0"/>
+              <a:t> em um recurso, normalmente, retorna um </a:t>
+            </a:r>
+            <a:r>
+              <a:rPr lang="pt-BR" b="1" dirty="0"/>
+              <a:t>status code</a:t>
+            </a:r>
+            <a:r>
+              <a:rPr lang="pt-BR" dirty="0"/>
+              <a:t> 404 (NOT FOUND) uma vez que já foi removido e, portanto, não existe mais. Para muitos uma operação de </a:t>
+            </a:r>
+            <a:r>
+              <a:rPr lang="pt-BR" b="1" dirty="0"/>
+              <a:t>DELETE </a:t>
+            </a:r>
+            <a:r>
+              <a:rPr lang="pt-BR" dirty="0"/>
+              <a:t>não é idempotente, entretanto, o resultado final do recurso é o mesmo. Retornar um </a:t>
+            </a:r>
+            <a:r>
+              <a:rPr lang="pt-BR" b="1" dirty="0"/>
+              <a:t>status code</a:t>
+            </a:r>
+            <a:r>
+              <a:rPr lang="pt-BR" dirty="0"/>
+              <a:t> 404 é aceitável e comunica com precisão o status da requisição.</a:t>
+            </a:r>
+            <a:br>
+              <a:rPr lang="pt-BR" dirty="0"/>
+            </a:br>
+            <a:endParaRPr lang="pt-BR" dirty="0"/>
+          </a:p>
+        </p:txBody>
+      </p:sp>
     </p:spTree>
     <p:extLst>
       <p:ext uri="{BB962C8B-B14F-4D97-AF65-F5344CB8AC3E}">
-        <p14:creationId xmlns:p14="http://schemas.microsoft.com/office/powerpoint/2010/main" val="194777113"/>
+        <p14:creationId xmlns:p14="http://schemas.microsoft.com/office/powerpoint/2010/main" val="2073760937"/>
       </p:ext>
     </p:extLst>
   </p:cSld>
@@ -8615,34 +11090,50 @@
             <p:ph type="title"/>
           </p:nvPr>
         </p:nvSpPr>
-        <p:spPr>
-          <a:xfrm>
-            <a:off x="2207568" y="2924944"/>
-            <a:ext cx="8229600" cy="990600"/>
-          </a:xfrm>
-        </p:spPr>
-        <p:txBody>
-          <a:bodyPr>
-            <a:normAutofit fontScale="90000"/>
-          </a:bodyPr>
-          <a:lstStyle/>
-          <a:p>
-            <a:pPr algn="ctr"/>
-            <a:r>
-              <a:rPr lang="en-US" dirty="0"/>
-              <a:t>WHAT IS A REST API?</a:t>
-            </a:r>
-            <a:br>
-              <a:rPr lang="en-US" dirty="0"/>
-            </a:br>
-            <a:r>
-              <a:rPr lang="en-US" dirty="0" smtClean="0"/>
-              <a:t>FUNCTIONS </a:t>
-            </a:r>
-            <a:r>
-              <a:rPr lang="en-US" dirty="0"/>
-              <a:t>BELOW INTERFACES</a:t>
-            </a:r>
+        <p:spPr/>
+        <p:txBody>
+          <a:bodyPr/>
+          <a:lstStyle/>
+          <a:p>
+            <a:r>
+              <a:rPr lang="pt-BR" dirty="0" smtClean="0"/>
+              <a:t>Os principais tipos de Webservices</a:t>
+            </a:r>
+            <a:endParaRPr lang="pt-BR" dirty="0"/>
+          </a:p>
+        </p:txBody>
+      </p:sp>
+      <p:sp>
+        <p:nvSpPr>
+          <p:cNvPr id="3" name="Espaço Reservado para Conteúdo 2"/>
+          <p:cNvSpPr>
+            <a:spLocks noGrp="1"/>
+          </p:cNvSpPr>
+          <p:nvPr>
+            <p:ph idx="1"/>
+          </p:nvPr>
+        </p:nvSpPr>
+        <p:spPr/>
+        <p:txBody>
+          <a:bodyPr/>
+          <a:lstStyle/>
+          <a:p>
+            <a:r>
+              <a:rPr lang="pt-BR" sz="4000" dirty="0" smtClean="0"/>
+              <a:t>REST</a:t>
+            </a:r>
+          </a:p>
+          <a:p>
+            <a:endParaRPr lang="pt-BR" sz="4000" dirty="0"/>
+          </a:p>
+          <a:p>
+            <a:r>
+              <a:rPr lang="pt-BR" sz="4000" dirty="0" smtClean="0"/>
+              <a:t>SOAP</a:t>
+            </a:r>
+            <a:endParaRPr lang="pt-BR" sz="4000" dirty="0"/>
+          </a:p>
+          <a:p>
             <a:endParaRPr lang="pt-BR" dirty="0"/>
           </a:p>
         </p:txBody>
@@ -8650,7 +11141,7 @@
     </p:spTree>
     <p:extLst>
       <p:ext uri="{BB962C8B-B14F-4D97-AF65-F5344CB8AC3E}">
-        <p14:creationId xmlns:p14="http://schemas.microsoft.com/office/powerpoint/2010/main" val="3483007610"/>
+        <p14:creationId xmlns:p14="http://schemas.microsoft.com/office/powerpoint/2010/main" val="2861106041"/>
       </p:ext>
     </p:extLst>
   </p:cSld>
@@ -8694,31 +11185,64 @@
             <p:ph type="title"/>
           </p:nvPr>
         </p:nvSpPr>
-        <p:spPr>
-          <a:xfrm>
-            <a:off x="2207568" y="2924944"/>
-            <a:ext cx="8229600" cy="990600"/>
-          </a:xfrm>
-        </p:spPr>
+        <p:spPr/>
+        <p:txBody>
+          <a:bodyPr/>
+          <a:lstStyle/>
+          <a:p>
+            <a:r>
+              <a:rPr lang="pt-BR" dirty="0" smtClean="0"/>
+              <a:t>Parâmetros suportados</a:t>
+            </a:r>
+            <a:endParaRPr lang="pt-BR" dirty="0"/>
+          </a:p>
+        </p:txBody>
+      </p:sp>
+      <p:sp>
+        <p:nvSpPr>
+          <p:cNvPr id="3" name="Espaço Reservado para Conteúdo 2"/>
+          <p:cNvSpPr>
+            <a:spLocks noGrp="1"/>
+          </p:cNvSpPr>
+          <p:nvPr>
+            <p:ph idx="1"/>
+          </p:nvPr>
+        </p:nvSpPr>
+        <p:spPr/>
         <p:txBody>
           <a:bodyPr>
             <a:normAutofit/>
           </a:bodyPr>
           <a:lstStyle/>
           <a:p>
-            <a:pPr algn="ctr"/>
-            <a:r>
-              <a:rPr lang="pt-BR" dirty="0"/>
-              <a:t>RATE LIMITING AND THRESHOLDS</a:t>
-            </a:r>
-            <a:endParaRPr lang="pt-BR" dirty="0"/>
+            <a:r>
+              <a:rPr lang="pt-BR" sz="3200" dirty="0" smtClean="0"/>
+              <a:t>Via URL (PATH ou QUERY PARAMS)</a:t>
+            </a:r>
+          </a:p>
+          <a:p>
+            <a:r>
+              <a:rPr lang="pt-BR" sz="3200" dirty="0" smtClean="0"/>
+              <a:t>Via HEADER</a:t>
+            </a:r>
+          </a:p>
+          <a:p>
+            <a:r>
+              <a:rPr lang="pt-BR" sz="3200" dirty="0" smtClean="0"/>
+              <a:t>Via </a:t>
+            </a:r>
+            <a:r>
+              <a:rPr lang="pt-BR" sz="3200" dirty="0" err="1" smtClean="0"/>
+              <a:t>Body</a:t>
+            </a:r>
+            <a:endParaRPr lang="pt-BR" sz="3200" dirty="0"/>
           </a:p>
         </p:txBody>
       </p:sp>
     </p:spTree>
     <p:extLst>
       <p:ext uri="{BB962C8B-B14F-4D97-AF65-F5344CB8AC3E}">
-        <p14:creationId xmlns:p14="http://schemas.microsoft.com/office/powerpoint/2010/main" val="1304159359"/>
+        <p14:creationId xmlns:p14="http://schemas.microsoft.com/office/powerpoint/2010/main" val="3013029952"/>
       </p:ext>
     </p:extLst>
   </p:cSld>
@@ -8752,34 +11276,191 @@
           <a:chExt cx="0" cy="0"/>
         </a:xfrm>
       </p:grpSpPr>
-      <p:pic>
-        <p:nvPicPr>
-          <p:cNvPr id="3" name="Imagem 2"/>
-          <p:cNvPicPr>
-            <a:picLocks noChangeAspect="1"/>
-          </p:cNvPicPr>
-          <p:nvPr/>
-        </p:nvPicPr>
-        <p:blipFill>
-          <a:blip r:embed="rId2"/>
-          <a:stretch>
-            <a:fillRect/>
-          </a:stretch>
-        </p:blipFill>
-        <p:spPr>
-          <a:xfrm>
-            <a:off x="-1993583" y="-218123"/>
-            <a:ext cx="16626362" cy="7213283"/>
-          </a:xfrm>
-          <a:prstGeom prst="rect">
-            <a:avLst/>
-          </a:prstGeom>
-        </p:spPr>
-      </p:pic>
+      <p:sp>
+        <p:nvSpPr>
+          <p:cNvPr id="2" name="Título 1"/>
+          <p:cNvSpPr>
+            <a:spLocks noGrp="1"/>
+          </p:cNvSpPr>
+          <p:nvPr>
+            <p:ph type="title"/>
+          </p:nvPr>
+        </p:nvSpPr>
+        <p:spPr/>
+        <p:txBody>
+          <a:bodyPr/>
+          <a:lstStyle/>
+          <a:p>
+            <a:pPr algn="ctr"/>
+            <a:r>
+              <a:rPr lang="pt-BR" b="1" dirty="0" smtClean="0"/>
+              <a:t>Outros métodos menos conhecidos</a:t>
+            </a:r>
+            <a:endParaRPr lang="pt-BR" dirty="0"/>
+          </a:p>
+        </p:txBody>
+      </p:sp>
+      <p:sp>
+        <p:nvSpPr>
+          <p:cNvPr id="3" name="Espaço Reservado para Conteúdo 2"/>
+          <p:cNvSpPr>
+            <a:spLocks noGrp="1"/>
+          </p:cNvSpPr>
+          <p:nvPr>
+            <p:ph idx="1"/>
+          </p:nvPr>
+        </p:nvSpPr>
+        <p:spPr/>
+        <p:txBody>
+          <a:bodyPr>
+            <a:normAutofit lnSpcReduction="10000"/>
+          </a:bodyPr>
+          <a:lstStyle/>
+          <a:p>
+            <a:r>
+              <a:rPr lang="pt-BR" b="1" dirty="0" smtClean="0">
+                <a:solidFill>
+                  <a:schemeClr val="accent1"/>
+                </a:solidFill>
+              </a:rPr>
+              <a:t>PATCH</a:t>
+            </a:r>
+            <a:r>
+              <a:rPr lang="pt-BR" b="1" dirty="0">
+                <a:solidFill>
+                  <a:schemeClr val="accent1">
+                    <a:lumMod val="60000"/>
+                    <a:lumOff val="40000"/>
+                  </a:schemeClr>
+                </a:solidFill>
+              </a:rPr>
+              <a:t> </a:t>
+            </a:r>
+            <a:r>
+              <a:rPr lang="pt-BR" dirty="0"/>
+              <a:t>– O </a:t>
+            </a:r>
+            <a:r>
+              <a:rPr lang="pt-BR" dirty="0" smtClean="0"/>
+              <a:t>método</a:t>
+            </a:r>
+            <a:r>
+              <a:rPr lang="pt-BR" dirty="0"/>
+              <a:t> </a:t>
+            </a:r>
+            <a:r>
+              <a:rPr lang="pt-BR" b="1" u="sng" dirty="0">
+                <a:hlinkClick r:id="rId2" tooltip="https://tools.ietf.org/html/rfc5789"/>
+              </a:rPr>
+              <a:t>PATCH</a:t>
+            </a:r>
+            <a:r>
+              <a:rPr lang="pt-BR" dirty="0"/>
+              <a:t> pode ser usado para realizar </a:t>
+            </a:r>
+            <a:r>
+              <a:rPr lang="pt-BR" dirty="0" err="1"/>
+              <a:t>updates</a:t>
+            </a:r>
+            <a:r>
+              <a:rPr lang="pt-BR" dirty="0"/>
+              <a:t> </a:t>
+            </a:r>
+            <a:r>
+              <a:rPr lang="pt-BR" dirty="0" smtClean="0"/>
+              <a:t>parciais </a:t>
+            </a:r>
+            <a:r>
+              <a:rPr lang="pt-BR" dirty="0"/>
+              <a:t>de um recurso. Por exemplo, quando você precisar alterar apenas um campo em um recurso, executar um POST com todo o objeto é pesado e acarreta em um maior consumo de </a:t>
+            </a:r>
+            <a:r>
+              <a:rPr lang="pt-BR" dirty="0" smtClean="0"/>
+              <a:t>banda.</a:t>
+            </a:r>
+          </a:p>
+          <a:p>
+            <a:r>
+              <a:rPr lang="pt-BR" dirty="0" smtClean="0"/>
+              <a:t>Levando </a:t>
+            </a:r>
+            <a:r>
+              <a:rPr lang="pt-BR" dirty="0"/>
+              <a:t>isso em conta a primeira coisa que vem em mente é: “por que não usar o PATCH ao invés do PUT para </a:t>
+            </a:r>
+            <a:r>
+              <a:rPr lang="pt-BR" dirty="0" err="1"/>
+              <a:t>realisar</a:t>
+            </a:r>
+            <a:r>
+              <a:rPr lang="pt-BR" dirty="0"/>
+              <a:t> atualizações sempre?”. Simples o </a:t>
+            </a:r>
+            <a:r>
+              <a:rPr lang="pt-BR" dirty="0" smtClean="0"/>
+              <a:t>método </a:t>
+            </a:r>
+            <a:r>
+              <a:rPr lang="pt-BR" dirty="0"/>
+              <a:t>PATCH pode ser um problema na medida em que não é idempotente. </a:t>
+            </a:r>
+            <a:endParaRPr lang="pt-BR" dirty="0" smtClean="0"/>
+          </a:p>
+          <a:p>
+            <a:r>
+              <a:rPr lang="pt-BR" dirty="0" smtClean="0"/>
+              <a:t>Além </a:t>
+            </a:r>
+            <a:r>
+              <a:rPr lang="pt-BR" dirty="0"/>
+              <a:t>disso minimizar seu uso previne </a:t>
+            </a:r>
+            <a:r>
+              <a:rPr lang="pt-BR" dirty="0" smtClean="0"/>
+              <a:t>corrupção </a:t>
+            </a:r>
+            <a:r>
+              <a:rPr lang="pt-BR" dirty="0"/>
+              <a:t>de dados por “colisões” entre duas PATCH requests no mesmo recurso em um mesmo frame de tempo. </a:t>
+            </a:r>
+            <a:endParaRPr lang="pt-BR" dirty="0" smtClean="0"/>
+          </a:p>
+          <a:p>
+            <a:r>
+              <a:rPr lang="pt-BR" dirty="0" smtClean="0"/>
+              <a:t>Colisões </a:t>
+            </a:r>
+            <a:r>
+              <a:rPr lang="pt-BR" dirty="0"/>
+              <a:t>entre </a:t>
+            </a:r>
+            <a:r>
+              <a:rPr lang="pt-BR" dirty="0" smtClean="0"/>
+              <a:t>múltiplas </a:t>
+            </a:r>
+            <a:r>
+              <a:rPr lang="pt-BR" dirty="0"/>
+              <a:t>PATCH requests são mais perigosas que </a:t>
+            </a:r>
+            <a:r>
+              <a:rPr lang="pt-BR" dirty="0" smtClean="0"/>
+              <a:t>colisões </a:t>
+            </a:r>
+            <a:r>
+              <a:rPr lang="pt-BR" dirty="0"/>
+              <a:t>entre PUT requests por que exige que o cliente tenha informações básicas do recurso ou irão corrompê-lo.</a:t>
+            </a:r>
+            <a:br>
+              <a:rPr lang="pt-BR" dirty="0"/>
+            </a:br>
+            <a:endParaRPr lang="pt-BR" dirty="0"/>
+          </a:p>
+        </p:txBody>
+      </p:sp>
     </p:spTree>
     <p:extLst>
       <p:ext uri="{BB962C8B-B14F-4D97-AF65-F5344CB8AC3E}">
-        <p14:creationId xmlns:p14="http://schemas.microsoft.com/office/powerpoint/2010/main" val="3611230541"/>
+        <p14:creationId xmlns:p14="http://schemas.microsoft.com/office/powerpoint/2010/main" val="4138986345"/>
       </p:ext>
     </p:extLst>
   </p:cSld>
@@ -8823,34 +11504,128 @@
             <p:ph type="title"/>
           </p:nvPr>
         </p:nvSpPr>
-        <p:spPr>
-          <a:xfrm>
-            <a:off x="2207568" y="2924944"/>
-            <a:ext cx="8229600" cy="990600"/>
-          </a:xfrm>
-        </p:spPr>
+        <p:spPr/>
+        <p:txBody>
+          <a:bodyPr/>
+          <a:lstStyle/>
+          <a:p>
+            <a:pPr algn="ctr"/>
+            <a:r>
+              <a:rPr lang="pt-BR" b="1" dirty="0" smtClean="0"/>
+              <a:t>Outros métodos menos conhecidos</a:t>
+            </a:r>
+            <a:endParaRPr lang="pt-BR" dirty="0"/>
+          </a:p>
+        </p:txBody>
+      </p:sp>
+      <p:sp>
+        <p:nvSpPr>
+          <p:cNvPr id="3" name="Espaço Reservado para Conteúdo 2"/>
+          <p:cNvSpPr>
+            <a:spLocks noGrp="1"/>
+          </p:cNvSpPr>
+          <p:nvPr>
+            <p:ph idx="1"/>
+          </p:nvPr>
+        </p:nvSpPr>
+        <p:spPr/>
         <p:txBody>
           <a:bodyPr>
-            <a:normAutofit fontScale="90000"/>
+            <a:normAutofit/>
           </a:bodyPr>
           <a:lstStyle/>
           <a:p>
-            <a:pPr algn="ctr"/>
-            <a:r>
-              <a:rPr lang="pt-BR" cap="all" dirty="0"/>
-              <a:t>SDKS AND SAMPLE APPS</a:t>
+            <a:r>
+              <a:rPr lang="pt-BR" sz="2400" b="1" dirty="0">
+                <a:solidFill>
+                  <a:schemeClr val="accent1"/>
+                </a:solidFill>
+              </a:rPr>
+              <a:t>HEAD</a:t>
+            </a:r>
+            <a:r>
+              <a:rPr lang="pt-BR" sz="2400" b="1" dirty="0"/>
+              <a:t> </a:t>
+            </a:r>
+            <a:r>
+              <a:rPr lang="pt-BR" sz="2400" dirty="0"/>
+              <a:t>– O </a:t>
+            </a:r>
+            <a:r>
+              <a:rPr lang="pt-BR" sz="2400" dirty="0" smtClean="0"/>
+              <a:t>método</a:t>
+            </a:r>
+            <a:r>
+              <a:rPr lang="pt-BR" sz="2400" dirty="0"/>
+              <a:t> </a:t>
+            </a:r>
+            <a:r>
+              <a:rPr lang="pt-BR" sz="2400" b="1" dirty="0">
+                <a:solidFill>
+                  <a:schemeClr val="accent1"/>
+                </a:solidFill>
+              </a:rPr>
+              <a:t>HEAD</a:t>
+            </a:r>
+            <a:r>
+              <a:rPr lang="pt-BR" sz="2400" dirty="0"/>
+              <a:t> possui uma funcionalidade similar ao </a:t>
+            </a:r>
+            <a:r>
+              <a:rPr lang="pt-BR" sz="2400" dirty="0" smtClean="0"/>
+              <a:t>método</a:t>
+            </a:r>
+            <a:r>
+              <a:rPr lang="pt-BR" sz="2400" dirty="0"/>
+              <a:t> </a:t>
+            </a:r>
+            <a:r>
+              <a:rPr lang="pt-BR" sz="2400" b="1" dirty="0"/>
+              <a:t>GET</a:t>
+            </a:r>
+            <a:r>
+              <a:rPr lang="pt-BR" sz="2400" dirty="0"/>
+              <a:t>, exceto pelo fato do servidor retornar uma response </a:t>
+            </a:r>
+            <a:r>
+              <a:rPr lang="pt-BR" sz="2400" dirty="0" err="1"/>
+              <a:t>line</a:t>
+            </a:r>
+            <a:r>
+              <a:rPr lang="pt-BR" sz="2400" dirty="0"/>
+              <a:t> e </a:t>
+            </a:r>
+            <a:r>
+              <a:rPr lang="pt-BR" sz="2400" dirty="0" err="1"/>
+              <a:t>headers</a:t>
+            </a:r>
+            <a:r>
+              <a:rPr lang="pt-BR" sz="2400" dirty="0"/>
+              <a:t>, mas sem um </a:t>
+            </a:r>
+            <a:r>
+              <a:rPr lang="pt-BR" sz="2400" dirty="0" err="1"/>
+              <a:t>entity-body</a:t>
+            </a:r>
+            <a:r>
+              <a:rPr lang="pt-BR" sz="2400" dirty="0" smtClean="0"/>
+              <a:t>.</a:t>
+            </a:r>
+            <a:r>
+              <a:rPr lang="pt-BR" sz="2000" dirty="0"/>
+              <a:t/>
             </a:r>
             <a:br>
-              <a:rPr lang="pt-BR" cap="all" dirty="0"/>
+              <a:rPr lang="pt-BR" sz="2000" dirty="0"/>
             </a:br>
-            <a:endParaRPr lang="pt-BR" dirty="0"/>
+            <a:endParaRPr lang="pt-BR" sz="2000" dirty="0"/>
           </a:p>
         </p:txBody>
       </p:sp>
     </p:spTree>
     <p:extLst>
       <p:ext uri="{BB962C8B-B14F-4D97-AF65-F5344CB8AC3E}">
-        <p14:creationId xmlns:p14="http://schemas.microsoft.com/office/powerpoint/2010/main" val="2872970833"/>
+        <p14:creationId xmlns:p14="http://schemas.microsoft.com/office/powerpoint/2010/main" val="1115090709"/>
       </p:ext>
     </p:extLst>
   </p:cSld>
@@ -8884,34 +11659,103 @@
           <a:chExt cx="0" cy="0"/>
         </a:xfrm>
       </p:grpSpPr>
-      <p:pic>
-        <p:nvPicPr>
-          <p:cNvPr id="2" name="Imagem 1"/>
-          <p:cNvPicPr>
-            <a:picLocks noChangeAspect="1"/>
-          </p:cNvPicPr>
-          <p:nvPr/>
-        </p:nvPicPr>
-        <p:blipFill>
-          <a:blip r:embed="rId2"/>
-          <a:stretch>
-            <a:fillRect/>
-          </a:stretch>
-        </p:blipFill>
-        <p:spPr>
-          <a:xfrm>
-            <a:off x="-1444943" y="-220028"/>
-            <a:ext cx="15913483" cy="7108508"/>
-          </a:xfrm>
-          <a:prstGeom prst="rect">
-            <a:avLst/>
-          </a:prstGeom>
-        </p:spPr>
-      </p:pic>
+      <p:sp>
+        <p:nvSpPr>
+          <p:cNvPr id="2" name="Título 1"/>
+          <p:cNvSpPr>
+            <a:spLocks noGrp="1"/>
+          </p:cNvSpPr>
+          <p:nvPr>
+            <p:ph type="title"/>
+          </p:nvPr>
+        </p:nvSpPr>
+        <p:spPr/>
+        <p:txBody>
+          <a:bodyPr/>
+          <a:lstStyle/>
+          <a:p>
+            <a:pPr algn="ctr"/>
+            <a:r>
+              <a:rPr lang="pt-BR" b="1" dirty="0" smtClean="0"/>
+              <a:t>Outros métodos menos conhecidos</a:t>
+            </a:r>
+            <a:endParaRPr lang="pt-BR" dirty="0"/>
+          </a:p>
+        </p:txBody>
+      </p:sp>
+      <p:sp>
+        <p:nvSpPr>
+          <p:cNvPr id="3" name="Espaço Reservado para Conteúdo 2"/>
+          <p:cNvSpPr>
+            <a:spLocks noGrp="1"/>
+          </p:cNvSpPr>
+          <p:nvPr>
+            <p:ph idx="1"/>
+          </p:nvPr>
+        </p:nvSpPr>
+        <p:spPr/>
+        <p:txBody>
+          <a:bodyPr>
+            <a:normAutofit/>
+          </a:bodyPr>
+          <a:lstStyle/>
+          <a:p>
+            <a:r>
+              <a:rPr lang="pt-BR" sz="2400" b="1" dirty="0" smtClean="0">
+                <a:solidFill>
+                  <a:schemeClr val="accent1"/>
+                </a:solidFill>
+              </a:rPr>
+              <a:t>TRACE</a:t>
+            </a:r>
+            <a:r>
+              <a:rPr lang="pt-BR" sz="2400" b="1" dirty="0"/>
+              <a:t> </a:t>
+            </a:r>
+            <a:r>
+              <a:rPr lang="pt-BR" sz="2400" dirty="0"/>
+              <a:t>– O </a:t>
+            </a:r>
+            <a:r>
+              <a:rPr lang="pt-BR" sz="2400" dirty="0" smtClean="0"/>
+              <a:t>método</a:t>
+            </a:r>
+            <a:r>
+              <a:rPr lang="pt-BR" sz="2400" dirty="0"/>
+              <a:t> </a:t>
+            </a:r>
+            <a:r>
+              <a:rPr lang="pt-BR" sz="2400" b="1" dirty="0">
+                <a:solidFill>
+                  <a:schemeClr val="accent1"/>
+                </a:solidFill>
+              </a:rPr>
+              <a:t>TRACE</a:t>
+            </a:r>
+            <a:r>
+              <a:rPr lang="pt-BR" sz="2400" dirty="0"/>
+              <a:t> é usado para recuperar o conteúdo de uma requisição </a:t>
+            </a:r>
+            <a:r>
+              <a:rPr lang="pt-BR" sz="2400" b="1" dirty="0"/>
+              <a:t>HTTP </a:t>
+            </a:r>
+            <a:r>
+              <a:rPr lang="pt-BR" sz="2400" dirty="0"/>
+              <a:t>de volta podendo ser usado com o propósito de debug durante o processo de desenvolvimento</a:t>
+            </a:r>
+            <a:r>
+              <a:rPr lang="pt-BR" sz="2400" dirty="0" smtClean="0"/>
+              <a:t>.</a:t>
+            </a:r>
+            <a:endParaRPr lang="pt-BR" sz="2400" dirty="0"/>
+          </a:p>
+        </p:txBody>
+      </p:sp>
     </p:spTree>
     <p:extLst>
       <p:ext uri="{BB962C8B-B14F-4D97-AF65-F5344CB8AC3E}">
-        <p14:creationId xmlns:p14="http://schemas.microsoft.com/office/powerpoint/2010/main" val="548446317"/>
+        <p14:creationId xmlns:p14="http://schemas.microsoft.com/office/powerpoint/2010/main" val="2826727141"/>
       </p:ext>
     </p:extLst>
   </p:cSld>
@@ -8955,41 +11799,125 @@
             <p:ph type="title"/>
           </p:nvPr>
         </p:nvSpPr>
-        <p:spPr>
-          <a:xfrm>
-            <a:off x="2207568" y="2924944"/>
-            <a:ext cx="8229600" cy="990600"/>
-          </a:xfrm>
-        </p:spPr>
+        <p:spPr/>
+        <p:txBody>
+          <a:bodyPr/>
+          <a:lstStyle/>
+          <a:p>
+            <a:pPr algn="ctr"/>
+            <a:r>
+              <a:rPr lang="pt-BR" b="1" dirty="0" smtClean="0"/>
+              <a:t>Outros métodos menos conhecidos</a:t>
+            </a:r>
+            <a:endParaRPr lang="pt-BR" dirty="0"/>
+          </a:p>
+        </p:txBody>
+      </p:sp>
+      <p:sp>
+        <p:nvSpPr>
+          <p:cNvPr id="3" name="Espaço Reservado para Conteúdo 2"/>
+          <p:cNvSpPr>
+            <a:spLocks noGrp="1"/>
+          </p:cNvSpPr>
+          <p:nvPr>
+            <p:ph idx="1"/>
+          </p:nvPr>
+        </p:nvSpPr>
+        <p:spPr/>
         <p:txBody>
           <a:bodyPr>
-            <a:normAutofit fontScale="90000"/>
+            <a:normAutofit/>
           </a:bodyPr>
           <a:lstStyle/>
           <a:p>
-            <a:pPr algn="ctr"/>
-            <a:r>
-              <a:rPr lang="pt-BR" cap="all" dirty="0"/>
-              <a:t>QUICK REFERENCE</a:t>
-            </a:r>
-            <a:br>
-              <a:rPr lang="pt-BR" cap="all" dirty="0"/>
-            </a:br>
-            <a:r>
-              <a:rPr lang="pt-BR" cap="all" dirty="0"/>
-              <a:t/>
-            </a:r>
-            <a:br>
-              <a:rPr lang="pt-BR" cap="all" dirty="0"/>
-            </a:br>
-            <a:endParaRPr lang="pt-BR" dirty="0"/>
+            <a:r>
+              <a:rPr lang="pt-BR" sz="2400" b="1" dirty="0" smtClean="0">
+                <a:solidFill>
+                  <a:schemeClr val="accent1"/>
+                </a:solidFill>
+              </a:rPr>
+              <a:t>OPTIONS</a:t>
+            </a:r>
+            <a:r>
+              <a:rPr lang="pt-BR" sz="2400" b="1" dirty="0"/>
+              <a:t> </a:t>
+            </a:r>
+            <a:r>
+              <a:rPr lang="pt-BR" sz="2400" dirty="0"/>
+              <a:t>– O </a:t>
+            </a:r>
+            <a:r>
+              <a:rPr lang="pt-BR" sz="2400" dirty="0" smtClean="0"/>
+              <a:t>método</a:t>
+            </a:r>
+            <a:r>
+              <a:rPr lang="pt-BR" sz="2400" dirty="0"/>
+              <a:t> </a:t>
+            </a:r>
+            <a:r>
+              <a:rPr lang="pt-BR" sz="2400" b="1" dirty="0">
+                <a:solidFill>
+                  <a:schemeClr val="accent1"/>
+                </a:solidFill>
+              </a:rPr>
+              <a:t>OPTIONS</a:t>
+            </a:r>
+            <a:r>
+              <a:rPr lang="pt-BR" sz="2400" b="1" dirty="0"/>
+              <a:t> </a:t>
+            </a:r>
+            <a:r>
+              <a:rPr lang="pt-BR" sz="2400" dirty="0"/>
+              <a:t>é usado pelo cliente para encontrar operações </a:t>
+            </a:r>
+            <a:r>
+              <a:rPr lang="pt-BR" sz="2400" b="1" dirty="0"/>
+              <a:t>HTTP </a:t>
+            </a:r>
+            <a:r>
+              <a:rPr lang="pt-BR" sz="2400" dirty="0"/>
+              <a:t>e outras opções suportadas pelo servidor. O cliente pode especificar uma </a:t>
+            </a:r>
+            <a:r>
+              <a:rPr lang="pt-BR" sz="2400" b="1" dirty="0"/>
+              <a:t>URL </a:t>
+            </a:r>
+            <a:r>
+              <a:rPr lang="pt-BR" sz="2400" dirty="0"/>
+              <a:t>para o </a:t>
+            </a:r>
+            <a:r>
+              <a:rPr lang="pt-BR" sz="2400" dirty="0" smtClean="0"/>
+              <a:t>método</a:t>
+            </a:r>
+            <a:r>
+              <a:rPr lang="pt-BR" sz="2400" dirty="0"/>
+              <a:t> </a:t>
+            </a:r>
+            <a:r>
+              <a:rPr lang="pt-BR" sz="2400" b="1" dirty="0">
+                <a:solidFill>
+                  <a:schemeClr val="accent1"/>
+                </a:solidFill>
+              </a:rPr>
+              <a:t>OPTIONS</a:t>
+            </a:r>
+            <a:r>
+              <a:rPr lang="pt-BR" sz="2400" dirty="0"/>
+              <a:t> ou um asterisco (*) para se referir a todo o servidor</a:t>
+            </a:r>
+            <a:r>
+              <a:rPr lang="pt-BR" sz="2400" dirty="0" smtClean="0"/>
+              <a:t>.</a:t>
+            </a:r>
+            <a:endParaRPr lang="pt-BR" sz="2400" dirty="0"/>
           </a:p>
         </p:txBody>
       </p:sp>
     </p:spTree>
     <p:extLst>
       <p:ext uri="{BB962C8B-B14F-4D97-AF65-F5344CB8AC3E}">
-        <p14:creationId xmlns:p14="http://schemas.microsoft.com/office/powerpoint/2010/main" val="3235070844"/>
+        <p14:creationId xmlns:p14="http://schemas.microsoft.com/office/powerpoint/2010/main" val="4234396213"/>
       </p:ext>
     </p:extLst>
   </p:cSld>
@@ -9023,34 +11951,107 @@
           <a:chExt cx="0" cy="0"/>
         </a:xfrm>
       </p:grpSpPr>
-      <p:pic>
-        <p:nvPicPr>
-          <p:cNvPr id="3" name="Imagem 2"/>
-          <p:cNvPicPr>
-            <a:picLocks noChangeAspect="1"/>
-          </p:cNvPicPr>
-          <p:nvPr/>
-        </p:nvPicPr>
-        <p:blipFill>
-          <a:blip r:embed="rId2"/>
-          <a:stretch>
-            <a:fillRect/>
-          </a:stretch>
-        </p:blipFill>
-        <p:spPr>
-          <a:xfrm>
-            <a:off x="-1073468" y="-165736"/>
-            <a:ext cx="14341930" cy="7176135"/>
-          </a:xfrm>
-          <a:prstGeom prst="rect">
-            <a:avLst/>
-          </a:prstGeom>
-        </p:spPr>
-      </p:pic>
+      <p:sp>
+        <p:nvSpPr>
+          <p:cNvPr id="2" name="Título 1"/>
+          <p:cNvSpPr>
+            <a:spLocks noGrp="1"/>
+          </p:cNvSpPr>
+          <p:nvPr>
+            <p:ph type="title"/>
+          </p:nvPr>
+        </p:nvSpPr>
+        <p:spPr/>
+        <p:txBody>
+          <a:bodyPr/>
+          <a:lstStyle/>
+          <a:p>
+            <a:pPr algn="ctr"/>
+            <a:r>
+              <a:rPr lang="pt-BR" b="1" dirty="0" smtClean="0"/>
+              <a:t>Outros métodos menos conhecidos</a:t>
+            </a:r>
+            <a:endParaRPr lang="pt-BR" dirty="0"/>
+          </a:p>
+        </p:txBody>
+      </p:sp>
+      <p:sp>
+        <p:nvSpPr>
+          <p:cNvPr id="3" name="Espaço Reservado para Conteúdo 2"/>
+          <p:cNvSpPr>
+            <a:spLocks noGrp="1"/>
+          </p:cNvSpPr>
+          <p:nvPr>
+            <p:ph idx="1"/>
+          </p:nvPr>
+        </p:nvSpPr>
+        <p:spPr/>
+        <p:txBody>
+          <a:bodyPr>
+            <a:normAutofit/>
+          </a:bodyPr>
+          <a:lstStyle/>
+          <a:p>
+            <a:r>
+              <a:rPr lang="pt-BR" sz="2400" b="1" dirty="0" smtClean="0">
+                <a:solidFill>
+                  <a:schemeClr val="accent1"/>
+                </a:solidFill>
+              </a:rPr>
+              <a:t>CONNECT</a:t>
+            </a:r>
+            <a:r>
+              <a:rPr lang="pt-BR" sz="2400" b="1" dirty="0"/>
+              <a:t> </a:t>
+            </a:r>
+            <a:r>
+              <a:rPr lang="pt-BR" sz="2400" dirty="0"/>
+              <a:t>– O </a:t>
+            </a:r>
+            <a:r>
+              <a:rPr lang="pt-BR" sz="2400" dirty="0" smtClean="0"/>
+              <a:t>método</a:t>
+            </a:r>
+            <a:r>
+              <a:rPr lang="pt-BR" sz="2400" dirty="0"/>
+              <a:t> </a:t>
+            </a:r>
+            <a:r>
+              <a:rPr lang="pt-BR" sz="2400" b="1" dirty="0">
+                <a:solidFill>
+                  <a:schemeClr val="accent1"/>
+                </a:solidFill>
+              </a:rPr>
+              <a:t>CONNECT</a:t>
+            </a:r>
+            <a:r>
+              <a:rPr lang="pt-BR" sz="2400" b="1" dirty="0"/>
+              <a:t> </a:t>
+            </a:r>
+            <a:r>
+              <a:rPr lang="pt-BR" sz="2400" dirty="0"/>
+              <a:t>é usado pelo cliente para estabelecer uma conexão de rede com um servidor </a:t>
+            </a:r>
+            <a:r>
+              <a:rPr lang="pt-BR" sz="2400" dirty="0" smtClean="0"/>
+              <a:t>via </a:t>
+            </a:r>
+            <a:r>
+              <a:rPr lang="pt-BR" sz="2400" b="1" dirty="0" smtClean="0"/>
+              <a:t>HTTP</a:t>
+            </a:r>
+            <a:r>
+              <a:rPr lang="pt-BR" sz="2400" dirty="0" smtClean="0"/>
+              <a:t>.</a:t>
+            </a:r>
+            <a:endParaRPr lang="pt-BR" sz="2400" dirty="0"/>
+          </a:p>
+        </p:txBody>
+      </p:sp>
     </p:spTree>
     <p:extLst>
       <p:ext uri="{BB962C8B-B14F-4D97-AF65-F5344CB8AC3E}">
-        <p14:creationId xmlns:p14="http://schemas.microsoft.com/office/powerpoint/2010/main" val="330918518"/>
+        <p14:creationId xmlns:p14="http://schemas.microsoft.com/office/powerpoint/2010/main" val="1168342432"/>
       </p:ext>
     </p:extLst>
   </p:cSld>
@@ -9084,9 +12085,33 @@
           <a:chExt cx="0" cy="0"/>
         </a:xfrm>
       </p:grpSpPr>
-      <p:sp>
-        <p:nvSpPr>
-          <p:cNvPr id="2" name="Título 1"/>
+      <p:pic>
+        <p:nvPicPr>
+          <p:cNvPr id="2" name="Imagem 1"/>
+          <p:cNvPicPr>
+            <a:picLocks noChangeAspect="1"/>
+          </p:cNvPicPr>
+          <p:nvPr/>
+        </p:nvPicPr>
+        <p:blipFill>
+          <a:blip r:embed="rId2"/>
+          <a:stretch>
+            <a:fillRect/>
+          </a:stretch>
+        </p:blipFill>
+        <p:spPr>
+          <a:xfrm>
+            <a:off x="0" y="-1051932"/>
+            <a:ext cx="12192000" cy="7909932"/>
+          </a:xfrm>
+          <a:prstGeom prst="rect">
+            <a:avLst/>
+          </a:prstGeom>
+        </p:spPr>
+      </p:pic>
+      <p:sp>
+        <p:nvSpPr>
+          <p:cNvPr id="3" name="Título 1"/>
           <p:cNvSpPr>
             <a:spLocks noGrp="1"/>
           </p:cNvSpPr>
@@ -9102,40 +12127,55 @@
         </p:spPr>
         <p:txBody>
           <a:bodyPr>
-            <a:normAutofit fontScale="90000"/>
+            <a:normAutofit/>
           </a:bodyPr>
           <a:lstStyle/>
           <a:p>
             <a:pPr algn="ctr"/>
             <a:r>
-              <a:rPr lang="pt-BR" cap="all" dirty="0"/>
-              <a:t>BEST PRACTICES</a:t>
-            </a:r>
-            <a:br>
-              <a:rPr lang="pt-BR" cap="all" dirty="0"/>
-            </a:br>
-            <a:r>
-              <a:rPr lang="pt-BR" cap="all" dirty="0"/>
-              <a:t/>
-            </a:r>
-            <a:br>
-              <a:rPr lang="pt-BR" cap="all" dirty="0"/>
-            </a:br>
-            <a:r>
-              <a:rPr lang="pt-BR" cap="all" dirty="0"/>
-              <a:t/>
-            </a:r>
-            <a:br>
-              <a:rPr lang="pt-BR" cap="all" dirty="0"/>
-            </a:br>
-            <a:endParaRPr lang="pt-BR" dirty="0"/>
+              <a:rPr lang="pt-BR" sz="4400" b="1" dirty="0" smtClean="0">
+                <a:solidFill>
+                  <a:schemeClr val="bg1"/>
+                </a:solidFill>
+              </a:rPr>
+              <a:t>Documentando </a:t>
+            </a:r>
+            <a:r>
+              <a:rPr lang="pt-BR" sz="4400" b="1" dirty="0" err="1" smtClean="0">
+                <a:solidFill>
+                  <a:schemeClr val="bg1"/>
+                </a:solidFill>
+              </a:rPr>
+              <a:t>RESTFull</a:t>
+            </a:r>
+            <a:r>
+              <a:rPr lang="pt-BR" sz="4400" b="1" dirty="0" smtClean="0">
+                <a:solidFill>
+                  <a:schemeClr val="bg1"/>
+                </a:solidFill>
+              </a:rPr>
+              <a:t> </a:t>
+            </a:r>
+            <a:r>
+              <a:rPr lang="pt-BR" sz="4400" b="1" dirty="0" err="1" smtClean="0">
+                <a:solidFill>
+                  <a:schemeClr val="bg1"/>
+                </a:solidFill>
+              </a:rPr>
+              <a:t>API’s</a:t>
+            </a:r>
+            <a:endParaRPr lang="pt-BR" sz="4400" b="1" dirty="0">
+              <a:solidFill>
+                <a:schemeClr val="bg1"/>
+              </a:solidFill>
+            </a:endParaRPr>
           </a:p>
         </p:txBody>
       </p:sp>
     </p:spTree>
     <p:extLst>
       <p:ext uri="{BB962C8B-B14F-4D97-AF65-F5344CB8AC3E}">
-        <p14:creationId xmlns:p14="http://schemas.microsoft.com/office/powerpoint/2010/main" val="2711349131"/>
+        <p14:creationId xmlns:p14="http://schemas.microsoft.com/office/powerpoint/2010/main" val="3388494736"/>
       </p:ext>
     </p:extLst>
   </p:cSld>
@@ -9169,34 +12209,129 @@
           <a:chExt cx="0" cy="0"/>
         </a:xfrm>
       </p:grpSpPr>
+      <p:sp>
+        <p:nvSpPr>
+          <p:cNvPr id="4" name="AutoShape 6" descr="http://idratherbewriting.com/nonref-content-api-docs/media/vectors/nonref-docs-preso_authenticationauthorization.svg"/>
+          <p:cNvSpPr>
+            <a:spLocks noChangeAspect="1" noChangeArrowheads="1"/>
+          </p:cNvSpPr>
+          <p:nvPr/>
+        </p:nvSpPr>
+        <p:spPr bwMode="auto">
+          <a:xfrm>
+            <a:off x="155575" y="-144463"/>
+            <a:ext cx="304800" cy="304801"/>
+          </a:xfrm>
+          <a:prstGeom prst="rect">
+            <a:avLst/>
+          </a:prstGeom>
+          <a:noFill/>
+          <a:extLst>
+            <a:ext uri="{909E8E84-426E-40DD-AFC4-6F175D3DCCD1}">
+              <a14:hiddenFill xmlns:a14="http://schemas.microsoft.com/office/drawing/2010/main">
+                <a:solidFill>
+                  <a:srgbClr val="FFFFFF"/>
+                </a:solidFill>
+              </a14:hiddenFill>
+            </a:ext>
+          </a:extLst>
+        </p:spPr>
+        <p:txBody>
+          <a:bodyPr vert="horz" wrap="square" lIns="91440" tIns="45720" rIns="91440" bIns="45720" numCol="1" anchor="t" anchorCtr="0" compatLnSpc="1">
+            <a:prstTxWarp prst="textNoShape">
+              <a:avLst/>
+            </a:prstTxWarp>
+          </a:bodyPr>
+          <a:lstStyle/>
+          <a:p>
+            <a:endParaRPr lang="pt-BR"/>
+          </a:p>
+        </p:txBody>
+      </p:sp>
       <p:pic>
         <p:nvPicPr>
-          <p:cNvPr id="4" name="Imagem 3"/>
+          <p:cNvPr id="8196" name="Picture 4" descr="Imagem relacionada"/>
           <p:cNvPicPr>
-            <a:picLocks noChangeAspect="1"/>
+            <a:picLocks noChangeAspect="1" noChangeArrowheads="1"/>
           </p:cNvPicPr>
           <p:nvPr/>
         </p:nvPicPr>
         <p:blipFill>
-          <a:blip r:embed="rId2"/>
+          <a:blip r:embed="rId2">
+            <a:extLst>
+              <a:ext uri="{28A0092B-C50C-407E-A947-70E740481C1C}">
+                <a14:useLocalDpi xmlns:a14="http://schemas.microsoft.com/office/drawing/2010/main" val="0"/>
+              </a:ext>
+            </a:extLst>
+          </a:blip>
+          <a:srcRect/>
           <a:stretch>
             <a:fillRect/>
           </a:stretch>
         </p:blipFill>
-        <p:spPr>
+        <p:spPr bwMode="auto">
           <a:xfrm>
-            <a:off x="-343853" y="-264796"/>
-            <a:ext cx="14435232" cy="7519035"/>
+            <a:off x="-4853123" y="0"/>
+            <a:ext cx="17045123" cy="6858000"/>
           </a:xfrm>
           <a:prstGeom prst="rect">
             <a:avLst/>
           </a:prstGeom>
+          <a:noFill/>
+          <a:extLst>
+            <a:ext uri="{909E8E84-426E-40DD-AFC4-6F175D3DCCD1}">
+              <a14:hiddenFill xmlns:a14="http://schemas.microsoft.com/office/drawing/2010/main">
+                <a:solidFill>
+                  <a:srgbClr val="FFFFFF"/>
+                </a:solidFill>
+              </a14:hiddenFill>
+            </a:ext>
+          </a:extLst>
         </p:spPr>
       </p:pic>
+      <p:sp>
+        <p:nvSpPr>
+          <p:cNvPr id="6" name="Título 1"/>
+          <p:cNvSpPr>
+            <a:spLocks noGrp="1"/>
+          </p:cNvSpPr>
+          <p:nvPr>
+            <p:ph type="title"/>
+          </p:nvPr>
+        </p:nvSpPr>
+        <p:spPr>
+          <a:xfrm>
+            <a:off x="2789499" y="2924944"/>
+            <a:ext cx="8113852" cy="990600"/>
+          </a:xfrm>
+        </p:spPr>
+        <p:txBody>
+          <a:bodyPr>
+            <a:noAutofit/>
+          </a:bodyPr>
+          <a:lstStyle/>
+          <a:p>
+            <a:pPr fontAlgn="base"/>
+            <a:r>
+              <a:rPr lang="pt-BR" sz="4400" b="1" dirty="0" smtClean="0">
+                <a:solidFill>
+                  <a:schemeClr val="bg1"/>
+                </a:solidFill>
+              </a:rPr>
+              <a:t>Autorização e Autenticação</a:t>
+            </a:r>
+            <a:endParaRPr lang="pt-BR" sz="4400" b="1" dirty="0">
+              <a:solidFill>
+                <a:schemeClr val="bg1"/>
+              </a:solidFill>
+            </a:endParaRPr>
+          </a:p>
+        </p:txBody>
+      </p:sp>
     </p:spTree>
     <p:extLst>
       <p:ext uri="{BB962C8B-B14F-4D97-AF65-F5344CB8AC3E}">
-        <p14:creationId xmlns:p14="http://schemas.microsoft.com/office/powerpoint/2010/main" val="1013917312"/>
+        <p14:creationId xmlns:p14="http://schemas.microsoft.com/office/powerpoint/2010/main" val="1459223222"/>
       </p:ext>
     </p:extLst>
   </p:cSld>
@@ -9230,9 +12365,48 @@
           <a:chExt cx="0" cy="0"/>
         </a:xfrm>
       </p:grpSpPr>
-      <p:sp>
-        <p:nvSpPr>
-          <p:cNvPr id="2" name="Título 1"/>
+      <p:pic>
+        <p:nvPicPr>
+          <p:cNvPr id="7170" name="Picture 2" descr="http://19yw4b240vb03ws8qm25h366-wpengine.netdna-ssl.com/wp-content/uploads/Introduction-to-best-practices-for-API-versioning3.png"/>
+          <p:cNvPicPr>
+            <a:picLocks noChangeAspect="1" noChangeArrowheads="1"/>
+          </p:cNvPicPr>
+          <p:nvPr/>
+        </p:nvPicPr>
+        <p:blipFill rotWithShape="1">
+          <a:blip r:embed="rId2">
+            <a:extLst>
+              <a:ext uri="{28A0092B-C50C-407E-A947-70E740481C1C}">
+                <a14:useLocalDpi xmlns:a14="http://schemas.microsoft.com/office/drawing/2010/main" val="0"/>
+              </a:ext>
+            </a:extLst>
+          </a:blip>
+          <a:srcRect b="25198"/>
+          <a:stretch/>
+        </p:blipFill>
+        <p:spPr bwMode="auto">
+          <a:xfrm>
+            <a:off x="-416690" y="-11575"/>
+            <a:ext cx="13018646" cy="7303625"/>
+          </a:xfrm>
+          <a:prstGeom prst="rect">
+            <a:avLst/>
+          </a:prstGeom>
+          <a:noFill/>
+          <a:extLst>
+            <a:ext uri="{909E8E84-426E-40DD-AFC4-6F175D3DCCD1}">
+              <a14:hiddenFill xmlns:a14="http://schemas.microsoft.com/office/drawing/2010/main">
+                <a:solidFill>
+                  <a:srgbClr val="FFFFFF"/>
+                </a:solidFill>
+              </a14:hiddenFill>
+            </a:ext>
+          </a:extLst>
+        </p:spPr>
+      </p:pic>
+      <p:sp>
+        <p:nvSpPr>
+          <p:cNvPr id="4" name="Título 1"/>
           <p:cNvSpPr>
             <a:spLocks noGrp="1"/>
           </p:cNvSpPr>
@@ -9240,232 +12414,47 @@
             <p:ph type="title"/>
           </p:nvPr>
         </p:nvSpPr>
-        <p:spPr/>
-        <p:txBody>
-          <a:bodyPr/>
-          <a:lstStyle/>
-          <a:p>
-            <a:pPr fontAlgn="base"/>
-            <a:r>
-              <a:rPr lang="pt-BR" dirty="0" err="1"/>
-              <a:t>Sample</a:t>
-            </a:r>
-            <a:r>
-              <a:rPr lang="pt-BR" dirty="0"/>
-              <a:t> </a:t>
-            </a:r>
-            <a:r>
-              <a:rPr lang="pt-BR" dirty="0" err="1"/>
-              <a:t>best</a:t>
-            </a:r>
-            <a:r>
-              <a:rPr lang="pt-BR" dirty="0"/>
-              <a:t> </a:t>
-            </a:r>
-            <a:r>
-              <a:rPr lang="pt-BR" dirty="0" err="1"/>
-              <a:t>practice</a:t>
-            </a:r>
-            <a:r>
-              <a:rPr lang="pt-BR" dirty="0"/>
-              <a:t> </a:t>
-            </a:r>
-            <a:r>
-              <a:rPr lang="pt-BR" dirty="0" err="1"/>
-              <a:t>topics</a:t>
-            </a:r>
-            <a:endParaRPr lang="pt-BR" dirty="0"/>
-          </a:p>
-        </p:txBody>
-      </p:sp>
-      <p:sp>
-        <p:nvSpPr>
-          <p:cNvPr id="3" name="Espaço Reservado para Conteúdo 2"/>
-          <p:cNvSpPr>
-            <a:spLocks noGrp="1"/>
-          </p:cNvSpPr>
-          <p:nvPr>
-            <p:ph idx="1"/>
-          </p:nvPr>
-        </p:nvSpPr>
-        <p:spPr/>
+        <p:spPr>
+          <a:xfrm>
+            <a:off x="2265441" y="89146"/>
+            <a:ext cx="8229600" cy="990600"/>
+          </a:xfrm>
+        </p:spPr>
         <p:txBody>
           <a:bodyPr>
-            <a:noAutofit/>
+            <a:normAutofit/>
           </a:bodyPr>
           <a:lstStyle/>
           <a:p>
-            <a:pPr marL="0" indent="0" algn="ctr">
-              <a:buNone/>
-            </a:pPr>
-            <a:r>
-              <a:rPr lang="pt-BR" sz="3600" dirty="0" err="1"/>
-              <a:t>pagination</a:t>
-            </a:r>
-            <a:r>
-              <a:rPr lang="pt-BR" sz="3600" dirty="0"/>
-              <a:t>, </a:t>
-            </a:r>
-            <a:r>
-              <a:rPr lang="pt-BR" sz="3600" dirty="0" smtClean="0"/>
-              <a:t>time </a:t>
-            </a:r>
-            <a:r>
-              <a:rPr lang="pt-BR" sz="3600" dirty="0"/>
-              <a:t>ranges</a:t>
-            </a:r>
-            <a:r>
-              <a:rPr lang="pt-BR" sz="3600" dirty="0" smtClean="0"/>
-              <a:t>, </a:t>
-            </a:r>
-            <a:r>
-              <a:rPr lang="pt-BR" sz="3600" dirty="0" err="1"/>
-              <a:t>fault</a:t>
-            </a:r>
-            <a:r>
-              <a:rPr lang="pt-BR" sz="3600" dirty="0"/>
-              <a:t> </a:t>
-            </a:r>
-            <a:r>
-              <a:rPr lang="pt-BR" sz="3600" dirty="0" err="1"/>
-              <a:t>tolerance</a:t>
-            </a:r>
-            <a:r>
-              <a:rPr lang="pt-BR" sz="3600" dirty="0" smtClean="0"/>
-              <a:t>, </a:t>
-            </a:r>
-            <a:r>
-              <a:rPr lang="pt-BR" sz="3600" dirty="0"/>
-              <a:t>cache </a:t>
-            </a:r>
-            <a:r>
-              <a:rPr lang="pt-BR" sz="3600" dirty="0" err="1"/>
-              <a:t>values</a:t>
-            </a:r>
-            <a:r>
-              <a:rPr lang="pt-BR" sz="3600" dirty="0" smtClean="0"/>
-              <a:t>, </a:t>
-            </a:r>
-            <a:r>
-              <a:rPr lang="pt-BR" sz="3600" dirty="0" err="1"/>
-              <a:t>connectivity</a:t>
-            </a:r>
-            <a:r>
-              <a:rPr lang="pt-BR" sz="3600" dirty="0"/>
-              <a:t>, </a:t>
-            </a:r>
-            <a:r>
-              <a:rPr lang="pt-BR" sz="3600" dirty="0" smtClean="0"/>
-              <a:t>timeouts, </a:t>
-            </a:r>
-            <a:r>
-              <a:rPr lang="pt-BR" sz="3600" dirty="0" err="1"/>
-              <a:t>downtime</a:t>
-            </a:r>
-            <a:r>
-              <a:rPr lang="pt-BR" sz="3600" dirty="0" smtClean="0"/>
-              <a:t>, </a:t>
-            </a:r>
-            <a:r>
-              <a:rPr lang="pt-BR" sz="3600" dirty="0"/>
-              <a:t>SSL, </a:t>
-            </a:r>
-            <a:r>
-              <a:rPr lang="pt-BR" sz="3600" dirty="0" err="1"/>
-              <a:t>versions</a:t>
-            </a:r>
-            <a:r>
-              <a:rPr lang="pt-BR" sz="3600" dirty="0"/>
-              <a:t>, </a:t>
-            </a:r>
-            <a:r>
-              <a:rPr lang="pt-BR" sz="3600" dirty="0" err="1"/>
-              <a:t>testing</a:t>
-            </a:r>
-            <a:r>
-              <a:rPr lang="pt-BR" sz="3600" dirty="0"/>
-              <a:t> </a:t>
-            </a:r>
-            <a:r>
-              <a:rPr lang="pt-BR" sz="3600" dirty="0" err="1"/>
-              <a:t>and</a:t>
-            </a:r>
-            <a:r>
-              <a:rPr lang="pt-BR" sz="3600" dirty="0"/>
-              <a:t> </a:t>
-            </a:r>
-            <a:r>
-              <a:rPr lang="pt-BR" sz="3600" dirty="0" err="1"/>
-              <a:t>validation</a:t>
-            </a:r>
-            <a:r>
-              <a:rPr lang="pt-BR" sz="3600" dirty="0"/>
-              <a:t>, </a:t>
-            </a:r>
-            <a:r>
-              <a:rPr lang="pt-BR" sz="3600" dirty="0" err="1"/>
-              <a:t>exports</a:t>
-            </a:r>
-            <a:r>
-              <a:rPr lang="pt-BR" sz="3600" dirty="0"/>
-              <a:t>, </a:t>
-            </a:r>
-            <a:r>
-              <a:rPr lang="pt-BR" sz="3600" dirty="0" err="1"/>
-              <a:t>languages</a:t>
-            </a:r>
-            <a:r>
-              <a:rPr lang="pt-BR" sz="3600" dirty="0"/>
-              <a:t>, </a:t>
-            </a:r>
-            <a:r>
-              <a:rPr lang="pt-BR" sz="3600" dirty="0" err="1"/>
-              <a:t>number</a:t>
-            </a:r>
-            <a:r>
-              <a:rPr lang="pt-BR" sz="3600" dirty="0"/>
-              <a:t> </a:t>
-            </a:r>
-            <a:r>
-              <a:rPr lang="pt-BR" sz="3600" dirty="0" err="1"/>
-              <a:t>handling</a:t>
-            </a:r>
-            <a:r>
-              <a:rPr lang="pt-BR" sz="3600" dirty="0"/>
-              <a:t>, </a:t>
-            </a:r>
-            <a:r>
-              <a:rPr lang="pt-BR" sz="3600" dirty="0" err="1"/>
-              <a:t>expanding</a:t>
-            </a:r>
-            <a:r>
-              <a:rPr lang="pt-BR" sz="3600" dirty="0"/>
-              <a:t> </a:t>
-            </a:r>
-            <a:r>
-              <a:rPr lang="pt-BR" sz="3600" dirty="0" err="1"/>
-              <a:t>resources</a:t>
-            </a:r>
-            <a:r>
-              <a:rPr lang="pt-BR" sz="3600" dirty="0"/>
-              <a:t>, </a:t>
-            </a:r>
-            <a:r>
-              <a:rPr lang="pt-BR" sz="3600" dirty="0" err="1"/>
-              <a:t>notifications</a:t>
-            </a:r>
-            <a:r>
-              <a:rPr lang="pt-BR" sz="3600" dirty="0"/>
-              <a:t>, etc.</a:t>
-            </a:r>
-            <a:endParaRPr lang="pt-BR" sz="3600" dirty="0"/>
+            <a:pPr algn="ctr"/>
+            <a:r>
+              <a:rPr lang="pt-BR" sz="4400" b="1" dirty="0">
+                <a:solidFill>
+                  <a:schemeClr val="bg1"/>
+                </a:solidFill>
+              </a:rPr>
+              <a:t>Versionamento de </a:t>
+            </a:r>
+            <a:r>
+              <a:rPr lang="pt-BR" sz="4400" b="1" dirty="0" err="1">
+                <a:solidFill>
+                  <a:schemeClr val="bg1"/>
+                </a:solidFill>
+              </a:rPr>
+              <a:t>API’s</a:t>
+            </a:r>
+            <a:endParaRPr lang="pt-BR" sz="4400" b="1" dirty="0">
+              <a:solidFill>
+                <a:schemeClr val="bg1"/>
+              </a:solidFill>
+            </a:endParaRPr>
           </a:p>
         </p:txBody>
       </p:sp>
     </p:spTree>
     <p:extLst>
       <p:ext uri="{BB962C8B-B14F-4D97-AF65-F5344CB8AC3E}">
-        <p14:creationId xmlns:p14="http://schemas.microsoft.com/office/powerpoint/2010/main" val="186262122"/>
+        <p14:creationId xmlns:p14="http://schemas.microsoft.com/office/powerpoint/2010/main" val="294600521"/>
       </p:ext>
     </p:extLst>
   </p:cSld>
@@ -9501,6 +12490,215 @@
       </p:grpSpPr>
       <p:sp>
         <p:nvSpPr>
+          <p:cNvPr id="3" name="Espaço Reservado para Conteúdo 2"/>
+          <p:cNvSpPr>
+            <a:spLocks noGrp="1"/>
+          </p:cNvSpPr>
+          <p:nvPr>
+            <p:ph idx="1"/>
+          </p:nvPr>
+        </p:nvSpPr>
+        <p:spPr/>
+        <p:txBody>
+          <a:bodyPr/>
+          <a:lstStyle/>
+          <a:p>
+            <a:endParaRPr lang="pt-BR"/>
+          </a:p>
+        </p:txBody>
+      </p:sp>
+      <p:pic>
+        <p:nvPicPr>
+          <p:cNvPr id="5122" name="Picture 2" descr="Resultado de imagem para Indo alÃ©m do RESTFul"/>
+          <p:cNvPicPr>
+            <a:picLocks noChangeAspect="1" noChangeArrowheads="1"/>
+          </p:cNvPicPr>
+          <p:nvPr/>
+        </p:nvPicPr>
+        <p:blipFill>
+          <a:blip r:embed="rId2">
+            <a:extLst>
+              <a:ext uri="{28A0092B-C50C-407E-A947-70E740481C1C}">
+                <a14:useLocalDpi xmlns:a14="http://schemas.microsoft.com/office/drawing/2010/main" val="0"/>
+              </a:ext>
+            </a:extLst>
+          </a:blip>
+          <a:srcRect/>
+          <a:stretch>
+            <a:fillRect/>
+          </a:stretch>
+        </p:blipFill>
+        <p:spPr bwMode="auto">
+          <a:xfrm>
+            <a:off x="0" y="0"/>
+            <a:ext cx="12192000" cy="6854653"/>
+          </a:xfrm>
+          <a:prstGeom prst="rect">
+            <a:avLst/>
+          </a:prstGeom>
+          <a:noFill/>
+          <a:extLst>
+            <a:ext uri="{909E8E84-426E-40DD-AFC4-6F175D3DCCD1}">
+              <a14:hiddenFill xmlns:a14="http://schemas.microsoft.com/office/drawing/2010/main">
+                <a:solidFill>
+                  <a:srgbClr val="FFFFFF"/>
+                </a:solidFill>
+              </a14:hiddenFill>
+            </a:ext>
+          </a:extLst>
+        </p:spPr>
+      </p:pic>
+      <p:sp>
+        <p:nvSpPr>
+          <p:cNvPr id="6" name="Título 1"/>
+          <p:cNvSpPr txBox="1">
+            <a:spLocks/>
+          </p:cNvSpPr>
+          <p:nvPr/>
+        </p:nvSpPr>
+        <p:spPr>
+          <a:xfrm>
+            <a:off x="1047724" y="2997200"/>
+            <a:ext cx="10260742" cy="1320800"/>
+          </a:xfrm>
+          <a:prstGeom prst="rect">
+            <a:avLst/>
+          </a:prstGeom>
+        </p:spPr>
+        <p:txBody>
+          <a:bodyPr vert="horz" lIns="91440" tIns="45720" rIns="91440" bIns="45720" rtlCol="0" anchor="t">
+            <a:normAutofit/>
+          </a:bodyPr>
+          <a:lstStyle>
+            <a:lvl1pPr algn="l" defTabSz="457200" rtl="0" eaLnBrk="1" latinLnBrk="0" hangingPunct="1">
+              <a:spcBef>
+                <a:spcPct val="0"/>
+              </a:spcBef>
+              <a:buNone/>
+              <a:defRPr sz="3600" kern="1200">
+                <a:solidFill>
+                  <a:schemeClr val="accent1"/>
+                </a:solidFill>
+                <a:latin typeface="+mj-lt"/>
+                <a:ea typeface="+mj-ea"/>
+                <a:cs typeface="+mj-cs"/>
+              </a:defRPr>
+            </a:lvl1pPr>
+            <a:lvl2pPr eaLnBrk="1" hangingPunct="1">
+              <a:defRPr>
+                <a:solidFill>
+                  <a:schemeClr val="tx2"/>
+                </a:solidFill>
+              </a:defRPr>
+            </a:lvl2pPr>
+            <a:lvl3pPr eaLnBrk="1" hangingPunct="1">
+              <a:defRPr>
+                <a:solidFill>
+                  <a:schemeClr val="tx2"/>
+                </a:solidFill>
+              </a:defRPr>
+            </a:lvl3pPr>
+            <a:lvl4pPr eaLnBrk="1" hangingPunct="1">
+              <a:defRPr>
+                <a:solidFill>
+                  <a:schemeClr val="tx2"/>
+                </a:solidFill>
+              </a:defRPr>
+            </a:lvl4pPr>
+            <a:lvl5pPr eaLnBrk="1" hangingPunct="1">
+              <a:defRPr>
+                <a:solidFill>
+                  <a:schemeClr val="tx2"/>
+                </a:solidFill>
+              </a:defRPr>
+            </a:lvl5pPr>
+            <a:lvl6pPr eaLnBrk="1" hangingPunct="1">
+              <a:defRPr>
+                <a:solidFill>
+                  <a:schemeClr val="tx2"/>
+                </a:solidFill>
+              </a:defRPr>
+            </a:lvl6pPr>
+            <a:lvl7pPr eaLnBrk="1" hangingPunct="1">
+              <a:defRPr>
+                <a:solidFill>
+                  <a:schemeClr val="tx2"/>
+                </a:solidFill>
+              </a:defRPr>
+            </a:lvl7pPr>
+            <a:lvl8pPr eaLnBrk="1" hangingPunct="1">
+              <a:defRPr>
+                <a:solidFill>
+                  <a:schemeClr val="tx2"/>
+                </a:solidFill>
+              </a:defRPr>
+            </a:lvl8pPr>
+            <a:lvl9pPr eaLnBrk="1" hangingPunct="1">
+              <a:defRPr>
+                <a:solidFill>
+                  <a:schemeClr val="tx2"/>
+                </a:solidFill>
+              </a:defRPr>
+            </a:lvl9pPr>
+          </a:lstStyle>
+          <a:p>
+            <a:pPr algn="ctr"/>
+            <a:r>
+              <a:rPr lang="pt-BR" sz="4800" b="1" dirty="0" smtClean="0">
+                <a:solidFill>
+                  <a:schemeClr val="bg1"/>
+                </a:solidFill>
+              </a:rPr>
+              <a:t>Indo além do </a:t>
+            </a:r>
+            <a:r>
+              <a:rPr lang="pt-BR" sz="4800" b="1" dirty="0" err="1" smtClean="0">
+                <a:solidFill>
+                  <a:schemeClr val="bg1"/>
+                </a:solidFill>
+              </a:rPr>
+              <a:t>RESTFul</a:t>
+            </a:r>
+            <a:endParaRPr lang="pt-BR" sz="4800" b="1" dirty="0">
+              <a:solidFill>
+                <a:schemeClr val="bg1"/>
+              </a:solidFill>
+            </a:endParaRPr>
+          </a:p>
+        </p:txBody>
+      </p:sp>
+    </p:spTree>
+    <p:extLst>
+      <p:ext uri="{BB962C8B-B14F-4D97-AF65-F5344CB8AC3E}">
+        <p14:creationId xmlns:p14="http://schemas.microsoft.com/office/powerpoint/2010/main" val="4275388999"/>
+      </p:ext>
+    </p:extLst>
+  </p:cSld>
+  <p:clrMapOvr>
+    <a:masterClrMapping/>
+  </p:clrMapOvr>
+</p:sld>
+</file>
+
+<file path=ppt/slides/slide5.xml><?xml version="1.0" encoding="utf-8"?>
+<p:sld xmlns:a="http://schemas.openxmlformats.org/drawingml/2006/main" xmlns:r="http://schemas.openxmlformats.org/officeDocument/2006/relationships" xmlns:p="http://schemas.openxmlformats.org/presentationml/2006/main">
+  <p:cSld>
+    <p:spTree>
+      <p:nvGrpSpPr>
+        <p:cNvPr id="1" name=""/>
+        <p:cNvGrpSpPr/>
+        <p:nvPr/>
+      </p:nvGrpSpPr>
+      <p:grpSpPr>
+        <a:xfrm>
+          <a:off x="0" y="0"/>
+          <a:ext cx="0" cy="0"/>
+          <a:chOff x="0" y="0"/>
+          <a:chExt cx="0" cy="0"/>
+        </a:xfrm>
+      </p:grpSpPr>
+      <p:sp>
+        <p:nvSpPr>
           <p:cNvPr id="2" name="Título 1"/>
           <p:cNvSpPr>
             <a:spLocks noGrp="1"/>
@@ -9517,14 +12715,45 @@
         </p:spPr>
         <p:txBody>
           <a:bodyPr>
-            <a:normAutofit/>
+            <a:normAutofit fontScale="90000"/>
           </a:bodyPr>
           <a:lstStyle/>
           <a:p>
             <a:pPr algn="ctr"/>
             <a:r>
-              <a:rPr lang="pt-BR" dirty="0"/>
-              <a:t>STATUS AND ERROR CODES</a:t>
+              <a:rPr lang="en-US" dirty="0" smtClean="0"/>
+              <a:t>O que é </a:t>
+            </a:r>
+            <a:r>
+              <a:rPr lang="en-US" dirty="0" err="1" smtClean="0"/>
+              <a:t>uma</a:t>
+            </a:r>
+            <a:r>
+              <a:rPr lang="en-US" dirty="0" smtClean="0"/>
+              <a:t> API REST?</a:t>
+            </a:r>
+            <a:r>
+              <a:rPr lang="en-US" dirty="0"/>
+              <a:t/>
+            </a:r>
+            <a:br>
+              <a:rPr lang="en-US" dirty="0"/>
+            </a:br>
+            <a:r>
+              <a:rPr lang="en-US" dirty="0" err="1" smtClean="0"/>
+              <a:t>Funções</a:t>
+            </a:r>
+            <a:r>
+              <a:rPr lang="en-US" dirty="0" smtClean="0"/>
+              <a:t> </a:t>
+            </a:r>
+            <a:r>
+              <a:rPr lang="en-US" dirty="0" err="1" smtClean="0"/>
+              <a:t>sobre</a:t>
+            </a:r>
+            <a:r>
+              <a:rPr lang="en-US" dirty="0" smtClean="0"/>
+              <a:t> interfaces</a:t>
             </a:r>
             <a:endParaRPr lang="pt-BR" dirty="0"/>
           </a:p>
@@ -9533,7 +12762,7 @@
     </p:spTree>
     <p:extLst>
       <p:ext uri="{BB962C8B-B14F-4D97-AF65-F5344CB8AC3E}">
-        <p14:creationId xmlns:p14="http://schemas.microsoft.com/office/powerpoint/2010/main" val="449248358"/>
+        <p14:creationId xmlns:p14="http://schemas.microsoft.com/office/powerpoint/2010/main" val="3483007610"/>
       </p:ext>
     </p:extLst>
   </p:cSld>
@@ -9550,7 +12779,1075 @@
 </p:sld>
 </file>
 
-<file path=ppt/slides/slide5.xml><?xml version="1.0" encoding="utf-8"?>
+<file path=ppt/slides/slide50.xml><?xml version="1.0" encoding="utf-8"?>
+<p:sld xmlns:a="http://schemas.openxmlformats.org/drawingml/2006/main" xmlns:r="http://schemas.openxmlformats.org/officeDocument/2006/relationships" xmlns:p="http://schemas.openxmlformats.org/presentationml/2006/main">
+  <p:cSld>
+    <p:spTree>
+      <p:nvGrpSpPr>
+        <p:cNvPr id="1" name=""/>
+        <p:cNvGrpSpPr/>
+        <p:nvPr/>
+      </p:nvGrpSpPr>
+      <p:grpSpPr>
+        <a:xfrm>
+          <a:off x="0" y="0"/>
+          <a:ext cx="0" cy="0"/>
+          <a:chOff x="0" y="0"/>
+          <a:chExt cx="0" cy="0"/>
+        </a:xfrm>
+      </p:grpSpPr>
+      <p:pic>
+        <p:nvPicPr>
+          <p:cNvPr id="2" name="Imagem 1"/>
+          <p:cNvPicPr>
+            <a:picLocks noChangeAspect="1"/>
+          </p:cNvPicPr>
+          <p:nvPr/>
+        </p:nvPicPr>
+        <p:blipFill>
+          <a:blip r:embed="rId2"/>
+          <a:stretch>
+            <a:fillRect/>
+          </a:stretch>
+        </p:blipFill>
+        <p:spPr>
+          <a:xfrm>
+            <a:off x="-1134312" y="-115450"/>
+            <a:ext cx="14455881" cy="7060260"/>
+          </a:xfrm>
+          <a:prstGeom prst="rect">
+            <a:avLst/>
+          </a:prstGeom>
+        </p:spPr>
+      </p:pic>
+      <p:sp>
+        <p:nvSpPr>
+          <p:cNvPr id="5" name="Título 1"/>
+          <p:cNvSpPr txBox="1">
+            <a:spLocks/>
+          </p:cNvSpPr>
+          <p:nvPr/>
+        </p:nvSpPr>
+        <p:spPr>
+          <a:xfrm>
+            <a:off x="1608881" y="297491"/>
+            <a:ext cx="9198677" cy="990600"/>
+          </a:xfrm>
+          <a:prstGeom prst="rect">
+            <a:avLst/>
+          </a:prstGeom>
+        </p:spPr>
+        <p:txBody>
+          <a:bodyPr vert="horz" lIns="91440" tIns="45720" rIns="91440" bIns="45720" rtlCol="0" anchor="t">
+            <a:normAutofit/>
+          </a:bodyPr>
+          <a:lstStyle>
+            <a:lvl1pPr algn="l" defTabSz="457200" rtl="0" eaLnBrk="1" latinLnBrk="0" hangingPunct="1">
+              <a:spcBef>
+                <a:spcPct val="0"/>
+              </a:spcBef>
+              <a:buNone/>
+              <a:defRPr sz="3600" kern="1200">
+                <a:solidFill>
+                  <a:schemeClr val="accent1"/>
+                </a:solidFill>
+                <a:latin typeface="+mj-lt"/>
+                <a:ea typeface="+mj-ea"/>
+                <a:cs typeface="+mj-cs"/>
+              </a:defRPr>
+            </a:lvl1pPr>
+            <a:lvl2pPr eaLnBrk="1" hangingPunct="1">
+              <a:defRPr>
+                <a:solidFill>
+                  <a:schemeClr val="tx2"/>
+                </a:solidFill>
+              </a:defRPr>
+            </a:lvl2pPr>
+            <a:lvl3pPr eaLnBrk="1" hangingPunct="1">
+              <a:defRPr>
+                <a:solidFill>
+                  <a:schemeClr val="tx2"/>
+                </a:solidFill>
+              </a:defRPr>
+            </a:lvl3pPr>
+            <a:lvl4pPr eaLnBrk="1" hangingPunct="1">
+              <a:defRPr>
+                <a:solidFill>
+                  <a:schemeClr val="tx2"/>
+                </a:solidFill>
+              </a:defRPr>
+            </a:lvl4pPr>
+            <a:lvl5pPr eaLnBrk="1" hangingPunct="1">
+              <a:defRPr>
+                <a:solidFill>
+                  <a:schemeClr val="tx2"/>
+                </a:solidFill>
+              </a:defRPr>
+            </a:lvl5pPr>
+            <a:lvl6pPr eaLnBrk="1" hangingPunct="1">
+              <a:defRPr>
+                <a:solidFill>
+                  <a:schemeClr val="tx2"/>
+                </a:solidFill>
+              </a:defRPr>
+            </a:lvl6pPr>
+            <a:lvl7pPr eaLnBrk="1" hangingPunct="1">
+              <a:defRPr>
+                <a:solidFill>
+                  <a:schemeClr val="tx2"/>
+                </a:solidFill>
+              </a:defRPr>
+            </a:lvl7pPr>
+            <a:lvl8pPr eaLnBrk="1" hangingPunct="1">
+              <a:defRPr>
+                <a:solidFill>
+                  <a:schemeClr val="tx2"/>
+                </a:solidFill>
+              </a:defRPr>
+            </a:lvl8pPr>
+            <a:lvl9pPr eaLnBrk="1" hangingPunct="1">
+              <a:defRPr>
+                <a:solidFill>
+                  <a:schemeClr val="tx2"/>
+                </a:solidFill>
+              </a:defRPr>
+            </a:lvl9pPr>
+          </a:lstStyle>
+          <a:p>
+            <a:pPr algn="ctr"/>
+            <a:r>
+              <a:rPr lang="pt-BR" dirty="0" smtClean="0">
+                <a:solidFill>
+                  <a:schemeClr val="tx1"/>
+                </a:solidFill>
+              </a:rPr>
+              <a:t>Limite de requisições e acessos</a:t>
+            </a:r>
+            <a:endParaRPr lang="pt-BR" dirty="0">
+              <a:solidFill>
+                <a:schemeClr val="tx1"/>
+              </a:solidFill>
+            </a:endParaRPr>
+          </a:p>
+        </p:txBody>
+      </p:sp>
+    </p:spTree>
+    <p:extLst>
+      <p:ext uri="{BB962C8B-B14F-4D97-AF65-F5344CB8AC3E}">
+        <p14:creationId xmlns:p14="http://schemas.microsoft.com/office/powerpoint/2010/main" val="3611230541"/>
+      </p:ext>
+    </p:extLst>
+  </p:cSld>
+  <p:clrMapOvr>
+    <a:masterClrMapping/>
+  </p:clrMapOvr>
+  <p:timing>
+    <p:tnLst>
+      <p:par>
+        <p:cTn id="1" dur="indefinite" restart="never" nodeType="tmRoot"/>
+      </p:par>
+    </p:tnLst>
+  </p:timing>
+</p:sld>
+</file>
+
+<file path=ppt/slides/slide51.xml><?xml version="1.0" encoding="utf-8"?>
+<p:sld xmlns:a="http://schemas.openxmlformats.org/drawingml/2006/main" xmlns:r="http://schemas.openxmlformats.org/officeDocument/2006/relationships" xmlns:p="http://schemas.openxmlformats.org/presentationml/2006/main">
+  <p:cSld>
+    <p:spTree>
+      <p:nvGrpSpPr>
+        <p:cNvPr id="1" name=""/>
+        <p:cNvGrpSpPr/>
+        <p:nvPr/>
+      </p:nvGrpSpPr>
+      <p:grpSpPr>
+        <a:xfrm>
+          <a:off x="0" y="0"/>
+          <a:ext cx="0" cy="0"/>
+          <a:chOff x="0" y="0"/>
+          <a:chExt cx="0" cy="0"/>
+        </a:xfrm>
+      </p:grpSpPr>
+      <p:pic>
+        <p:nvPicPr>
+          <p:cNvPr id="3" name="Imagem 2"/>
+          <p:cNvPicPr>
+            <a:picLocks noChangeAspect="1"/>
+          </p:cNvPicPr>
+          <p:nvPr/>
+        </p:nvPicPr>
+        <p:blipFill>
+          <a:blip r:embed="rId2"/>
+          <a:stretch>
+            <a:fillRect/>
+          </a:stretch>
+        </p:blipFill>
+        <p:spPr>
+          <a:xfrm>
+            <a:off x="-219924" y="-167172"/>
+            <a:ext cx="13326608" cy="7077256"/>
+          </a:xfrm>
+          <a:prstGeom prst="rect">
+            <a:avLst/>
+          </a:prstGeom>
+        </p:spPr>
+      </p:pic>
+      <p:sp>
+        <p:nvSpPr>
+          <p:cNvPr id="4" name="Título 1"/>
+          <p:cNvSpPr>
+            <a:spLocks noGrp="1"/>
+          </p:cNvSpPr>
+          <p:nvPr>
+            <p:ph type="title"/>
+          </p:nvPr>
+        </p:nvSpPr>
+        <p:spPr>
+          <a:xfrm>
+            <a:off x="1932972" y="0"/>
+            <a:ext cx="8717806" cy="990600"/>
+          </a:xfrm>
+        </p:spPr>
+        <p:txBody>
+          <a:bodyPr>
+            <a:normAutofit fontScale="90000"/>
+          </a:bodyPr>
+          <a:lstStyle/>
+          <a:p>
+            <a:pPr algn="ctr"/>
+            <a:r>
+              <a:rPr lang="pt-BR" sz="4000" dirty="0" err="1" smtClean="0">
+                <a:solidFill>
+                  <a:schemeClr val="tx1"/>
+                </a:solidFill>
+              </a:rPr>
+              <a:t>SDK’s</a:t>
+            </a:r>
+            <a:r>
+              <a:rPr lang="pt-BR" sz="4000" dirty="0" smtClean="0">
+                <a:solidFill>
+                  <a:schemeClr val="tx1"/>
+                </a:solidFill>
+              </a:rPr>
+              <a:t> e </a:t>
+            </a:r>
+            <a:r>
+              <a:rPr lang="pt-BR" sz="4000" dirty="0" err="1" smtClean="0">
+                <a:solidFill>
+                  <a:schemeClr val="tx1"/>
+                </a:solidFill>
+              </a:rPr>
+              <a:t>sample</a:t>
+            </a:r>
+            <a:r>
+              <a:rPr lang="pt-BR" sz="4000" dirty="0" smtClean="0">
+                <a:solidFill>
+                  <a:schemeClr val="tx1"/>
+                </a:solidFill>
+              </a:rPr>
+              <a:t> </a:t>
+            </a:r>
+            <a:r>
+              <a:rPr lang="pt-BR" sz="4000" dirty="0" err="1" smtClean="0">
+                <a:solidFill>
+                  <a:schemeClr val="tx1"/>
+                </a:solidFill>
+              </a:rPr>
+              <a:t>apps</a:t>
+            </a:r>
+            <a:r>
+              <a:rPr lang="pt-BR" cap="all" dirty="0" smtClean="0"/>
+              <a:t/>
+            </a:r>
+            <a:br>
+              <a:rPr lang="pt-BR" cap="all" dirty="0" smtClean="0"/>
+            </a:br>
+            <a:endParaRPr lang="pt-BR" dirty="0"/>
+          </a:p>
+        </p:txBody>
+      </p:sp>
+    </p:spTree>
+    <p:extLst>
+      <p:ext uri="{BB962C8B-B14F-4D97-AF65-F5344CB8AC3E}">
+        <p14:creationId xmlns:p14="http://schemas.microsoft.com/office/powerpoint/2010/main" val="548446317"/>
+      </p:ext>
+    </p:extLst>
+  </p:cSld>
+  <p:clrMapOvr>
+    <a:masterClrMapping/>
+  </p:clrMapOvr>
+  <p:timing>
+    <p:tnLst>
+      <p:par>
+        <p:cTn id="1" dur="indefinite" restart="never" nodeType="tmRoot"/>
+      </p:par>
+    </p:tnLst>
+  </p:timing>
+</p:sld>
+</file>
+
+<file path=ppt/slides/slide52.xml><?xml version="1.0" encoding="utf-8"?>
+<p:sld xmlns:a="http://schemas.openxmlformats.org/drawingml/2006/main" xmlns:r="http://schemas.openxmlformats.org/officeDocument/2006/relationships" xmlns:p="http://schemas.openxmlformats.org/presentationml/2006/main">
+  <p:cSld>
+    <p:spTree>
+      <p:nvGrpSpPr>
+        <p:cNvPr id="1" name=""/>
+        <p:cNvGrpSpPr/>
+        <p:nvPr/>
+      </p:nvGrpSpPr>
+      <p:grpSpPr>
+        <a:xfrm>
+          <a:off x="0" y="0"/>
+          <a:ext cx="0" cy="0"/>
+          <a:chOff x="0" y="0"/>
+          <a:chExt cx="0" cy="0"/>
+        </a:xfrm>
+      </p:grpSpPr>
+      <p:pic>
+        <p:nvPicPr>
+          <p:cNvPr id="2" name="Imagem 1"/>
+          <p:cNvPicPr>
+            <a:picLocks noChangeAspect="1"/>
+          </p:cNvPicPr>
+          <p:nvPr/>
+        </p:nvPicPr>
+        <p:blipFill>
+          <a:blip r:embed="rId3"/>
+          <a:stretch>
+            <a:fillRect/>
+          </a:stretch>
+        </p:blipFill>
+        <p:spPr>
+          <a:xfrm>
+            <a:off x="-1273215" y="-221502"/>
+            <a:ext cx="14425740" cy="7091077"/>
+          </a:xfrm>
+          <a:prstGeom prst="rect">
+            <a:avLst/>
+          </a:prstGeom>
+        </p:spPr>
+      </p:pic>
+      <p:sp>
+        <p:nvSpPr>
+          <p:cNvPr id="4" name="Título 1"/>
+          <p:cNvSpPr>
+            <a:spLocks noGrp="1"/>
+          </p:cNvSpPr>
+          <p:nvPr>
+            <p:ph type="title"/>
+          </p:nvPr>
+        </p:nvSpPr>
+        <p:spPr>
+          <a:xfrm>
+            <a:off x="1824855" y="-107623"/>
+            <a:ext cx="8229600" cy="990600"/>
+          </a:xfrm>
+        </p:spPr>
+        <p:txBody>
+          <a:bodyPr>
+            <a:noAutofit/>
+          </a:bodyPr>
+          <a:lstStyle/>
+          <a:p>
+            <a:pPr algn="ctr"/>
+            <a:r>
+              <a:rPr lang="pt-BR" dirty="0">
+                <a:solidFill>
+                  <a:schemeClr val="tx1"/>
+                </a:solidFill>
+              </a:rPr>
+              <a:t>Referência </a:t>
+            </a:r>
+            <a:r>
+              <a:rPr lang="pt-BR" dirty="0" smtClean="0">
+                <a:solidFill>
+                  <a:schemeClr val="tx1"/>
+                </a:solidFill>
+              </a:rPr>
+              <a:t>Rápida</a:t>
+            </a:r>
+            <a:r>
+              <a:rPr lang="pt-BR" dirty="0"/>
+              <a:t/>
+            </a:r>
+            <a:br>
+              <a:rPr lang="pt-BR" dirty="0"/>
+            </a:br>
+            <a:endParaRPr lang="pt-BR" dirty="0"/>
+          </a:p>
+        </p:txBody>
+      </p:sp>
+    </p:spTree>
+    <p:extLst>
+      <p:ext uri="{BB962C8B-B14F-4D97-AF65-F5344CB8AC3E}">
+        <p14:creationId xmlns:p14="http://schemas.microsoft.com/office/powerpoint/2010/main" val="330918518"/>
+      </p:ext>
+    </p:extLst>
+  </p:cSld>
+  <p:clrMapOvr>
+    <a:masterClrMapping/>
+  </p:clrMapOvr>
+  <p:timing>
+    <p:tnLst>
+      <p:par>
+        <p:cTn id="1" dur="indefinite" restart="never" nodeType="tmRoot"/>
+      </p:par>
+    </p:tnLst>
+  </p:timing>
+</p:sld>
+</file>
+
+<file path=ppt/slides/slide53.xml><?xml version="1.0" encoding="utf-8"?>
+<p:sld xmlns:a="http://schemas.openxmlformats.org/drawingml/2006/main" xmlns:r="http://schemas.openxmlformats.org/officeDocument/2006/relationships" xmlns:p="http://schemas.openxmlformats.org/presentationml/2006/main">
+  <p:cSld>
+    <p:spTree>
+      <p:nvGrpSpPr>
+        <p:cNvPr id="1" name=""/>
+        <p:cNvGrpSpPr/>
+        <p:nvPr/>
+      </p:nvGrpSpPr>
+      <p:grpSpPr>
+        <a:xfrm>
+          <a:off x="0" y="0"/>
+          <a:ext cx="0" cy="0"/>
+          <a:chOff x="0" y="0"/>
+          <a:chExt cx="0" cy="0"/>
+        </a:xfrm>
+      </p:grpSpPr>
+      <p:pic>
+        <p:nvPicPr>
+          <p:cNvPr id="6146" name="Picture 2" descr="Resultado de imagem para boas idÃ©ias"/>
+          <p:cNvPicPr>
+            <a:picLocks noChangeAspect="1" noChangeArrowheads="1"/>
+          </p:cNvPicPr>
+          <p:nvPr/>
+        </p:nvPicPr>
+        <p:blipFill>
+          <a:blip r:embed="rId2">
+            <a:extLst>
+              <a:ext uri="{28A0092B-C50C-407E-A947-70E740481C1C}">
+                <a14:useLocalDpi xmlns:a14="http://schemas.microsoft.com/office/drawing/2010/main" val="0"/>
+              </a:ext>
+            </a:extLst>
+          </a:blip>
+          <a:srcRect/>
+          <a:stretch>
+            <a:fillRect/>
+          </a:stretch>
+        </p:blipFill>
+        <p:spPr bwMode="auto">
+          <a:xfrm>
+            <a:off x="-601885" y="0"/>
+            <a:ext cx="13195466" cy="6858000"/>
+          </a:xfrm>
+          <a:prstGeom prst="rect">
+            <a:avLst/>
+          </a:prstGeom>
+          <a:noFill/>
+          <a:extLst>
+            <a:ext uri="{909E8E84-426E-40DD-AFC4-6F175D3DCCD1}">
+              <a14:hiddenFill xmlns:a14="http://schemas.microsoft.com/office/drawing/2010/main">
+                <a:solidFill>
+                  <a:srgbClr val="FFFFFF"/>
+                </a:solidFill>
+              </a14:hiddenFill>
+            </a:ext>
+          </a:extLst>
+        </p:spPr>
+      </p:pic>
+      <p:sp>
+        <p:nvSpPr>
+          <p:cNvPr id="5" name="Título 1"/>
+          <p:cNvSpPr>
+            <a:spLocks noGrp="1"/>
+          </p:cNvSpPr>
+          <p:nvPr>
+            <p:ph type="title"/>
+          </p:nvPr>
+        </p:nvSpPr>
+        <p:spPr>
+          <a:xfrm>
+            <a:off x="2482932" y="0"/>
+            <a:ext cx="8229600" cy="990600"/>
+          </a:xfrm>
+        </p:spPr>
+        <p:txBody>
+          <a:bodyPr>
+            <a:normAutofit fontScale="90000"/>
+          </a:bodyPr>
+          <a:lstStyle/>
+          <a:p>
+            <a:pPr algn="ctr"/>
+            <a:r>
+              <a:rPr lang="pt-BR" sz="5300" b="1" dirty="0">
+                <a:solidFill>
+                  <a:schemeClr val="bg1"/>
+                </a:solidFill>
+              </a:rPr>
+              <a:t>Boas Práticas</a:t>
+            </a:r>
+            <a:r>
+              <a:rPr lang="pt-BR" sz="5300" b="1" dirty="0">
+                <a:solidFill>
+                  <a:schemeClr val="bg1"/>
+                </a:solidFill>
+              </a:rPr>
+              <a:t/>
+            </a:r>
+            <a:br>
+              <a:rPr lang="pt-BR" sz="5300" b="1" dirty="0">
+                <a:solidFill>
+                  <a:schemeClr val="bg1"/>
+                </a:solidFill>
+              </a:rPr>
+            </a:br>
+            <a:r>
+              <a:rPr lang="pt-BR" sz="5300" b="1" dirty="0">
+                <a:solidFill>
+                  <a:schemeClr val="bg1"/>
+                </a:solidFill>
+              </a:rPr>
+              <a:t/>
+            </a:r>
+            <a:br>
+              <a:rPr lang="pt-BR" sz="5300" b="1" dirty="0">
+                <a:solidFill>
+                  <a:schemeClr val="bg1"/>
+                </a:solidFill>
+              </a:rPr>
+            </a:br>
+            <a:r>
+              <a:rPr lang="pt-BR" cap="all" dirty="0"/>
+              <a:t/>
+            </a:r>
+            <a:br>
+              <a:rPr lang="pt-BR" cap="all" dirty="0"/>
+            </a:br>
+            <a:endParaRPr lang="pt-BR" dirty="0"/>
+          </a:p>
+        </p:txBody>
+      </p:sp>
+    </p:spTree>
+    <p:extLst>
+      <p:ext uri="{BB962C8B-B14F-4D97-AF65-F5344CB8AC3E}">
+        <p14:creationId xmlns:p14="http://schemas.microsoft.com/office/powerpoint/2010/main" val="1013917312"/>
+      </p:ext>
+    </p:extLst>
+  </p:cSld>
+  <p:clrMapOvr>
+    <a:masterClrMapping/>
+  </p:clrMapOvr>
+  <p:timing>
+    <p:tnLst>
+      <p:par>
+        <p:cTn id="1" dur="indefinite" restart="never" nodeType="tmRoot"/>
+      </p:par>
+    </p:tnLst>
+  </p:timing>
+</p:sld>
+</file>
+
+<file path=ppt/slides/slide54.xml><?xml version="1.0" encoding="utf-8"?>
+<p:sld xmlns:a="http://schemas.openxmlformats.org/drawingml/2006/main" xmlns:r="http://schemas.openxmlformats.org/officeDocument/2006/relationships" xmlns:p="http://schemas.openxmlformats.org/presentationml/2006/main">
+  <p:cSld>
+    <p:spTree>
+      <p:nvGrpSpPr>
+        <p:cNvPr id="1" name=""/>
+        <p:cNvGrpSpPr/>
+        <p:nvPr/>
+      </p:nvGrpSpPr>
+      <p:grpSpPr>
+        <a:xfrm>
+          <a:off x="0" y="0"/>
+          <a:ext cx="0" cy="0"/>
+          <a:chOff x="0" y="0"/>
+          <a:chExt cx="0" cy="0"/>
+        </a:xfrm>
+      </p:grpSpPr>
+      <p:sp>
+        <p:nvSpPr>
+          <p:cNvPr id="2" name="Título 1"/>
+          <p:cNvSpPr>
+            <a:spLocks noGrp="1"/>
+          </p:cNvSpPr>
+          <p:nvPr>
+            <p:ph type="title"/>
+          </p:nvPr>
+        </p:nvSpPr>
+        <p:spPr/>
+        <p:txBody>
+          <a:bodyPr/>
+          <a:lstStyle/>
+          <a:p>
+            <a:pPr fontAlgn="base"/>
+            <a:r>
+              <a:rPr lang="pt-BR" dirty="0"/>
+              <a:t>Boas Práticas</a:t>
+            </a:r>
+            <a:endParaRPr lang="pt-BR" dirty="0"/>
+          </a:p>
+        </p:txBody>
+      </p:sp>
+      <p:sp>
+        <p:nvSpPr>
+          <p:cNvPr id="3" name="Espaço Reservado para Conteúdo 2"/>
+          <p:cNvSpPr>
+            <a:spLocks noGrp="1"/>
+          </p:cNvSpPr>
+          <p:nvPr>
+            <p:ph idx="1"/>
+          </p:nvPr>
+        </p:nvSpPr>
+        <p:spPr>
+          <a:xfrm>
+            <a:off x="677334" y="2160589"/>
+            <a:ext cx="10029248" cy="4697411"/>
+          </a:xfrm>
+        </p:spPr>
+        <p:txBody>
+          <a:bodyPr>
+            <a:noAutofit/>
+          </a:bodyPr>
+          <a:lstStyle/>
+          <a:p>
+            <a:r>
+              <a:rPr lang="pt-BR" sz="4400" dirty="0" smtClean="0"/>
+              <a:t>Paginação,</a:t>
+            </a:r>
+          </a:p>
+          <a:p>
+            <a:r>
+              <a:rPr lang="pt-BR" sz="4400" dirty="0" smtClean="0"/>
+              <a:t>Intervalos </a:t>
+            </a:r>
+            <a:r>
+              <a:rPr lang="pt-BR" sz="4400" dirty="0"/>
+              <a:t>de tempo, </a:t>
+            </a:r>
+            <a:endParaRPr lang="pt-BR" sz="4400" dirty="0" smtClean="0"/>
+          </a:p>
+          <a:p>
+            <a:r>
+              <a:rPr lang="pt-BR" sz="4400" dirty="0"/>
+              <a:t>T</a:t>
+            </a:r>
+            <a:r>
+              <a:rPr lang="pt-BR" sz="4400" dirty="0" smtClean="0"/>
+              <a:t>olerância </a:t>
+            </a:r>
+            <a:r>
+              <a:rPr lang="pt-BR" sz="4400" dirty="0"/>
+              <a:t>a </a:t>
+            </a:r>
+            <a:r>
+              <a:rPr lang="pt-BR" sz="4400" dirty="0" smtClean="0"/>
+              <a:t>falhas,</a:t>
+            </a:r>
+          </a:p>
+          <a:p>
+            <a:r>
+              <a:rPr lang="pt-BR" sz="4400" dirty="0" smtClean="0"/>
+              <a:t>Cache,</a:t>
+            </a:r>
+          </a:p>
+          <a:p>
+            <a:r>
+              <a:rPr lang="pt-BR" sz="4400" dirty="0" smtClean="0"/>
+              <a:t>Conectividade,</a:t>
+            </a:r>
+            <a:endParaRPr lang="pt-BR" sz="4400" dirty="0"/>
+          </a:p>
+        </p:txBody>
+      </p:sp>
+    </p:spTree>
+    <p:extLst>
+      <p:ext uri="{BB962C8B-B14F-4D97-AF65-F5344CB8AC3E}">
+        <p14:creationId xmlns:p14="http://schemas.microsoft.com/office/powerpoint/2010/main" val="2298826682"/>
+      </p:ext>
+    </p:extLst>
+  </p:cSld>
+  <p:clrMapOvr>
+    <a:masterClrMapping/>
+  </p:clrMapOvr>
+  <p:timing>
+    <p:tnLst>
+      <p:par>
+        <p:cTn id="1" dur="indefinite" restart="never" nodeType="tmRoot"/>
+      </p:par>
+    </p:tnLst>
+  </p:timing>
+</p:sld>
+</file>
+
+<file path=ppt/slides/slide55.xml><?xml version="1.0" encoding="utf-8"?>
+<p:sld xmlns:a="http://schemas.openxmlformats.org/drawingml/2006/main" xmlns:r="http://schemas.openxmlformats.org/officeDocument/2006/relationships" xmlns:p="http://schemas.openxmlformats.org/presentationml/2006/main">
+  <p:cSld>
+    <p:spTree>
+      <p:nvGrpSpPr>
+        <p:cNvPr id="1" name=""/>
+        <p:cNvGrpSpPr/>
+        <p:nvPr/>
+      </p:nvGrpSpPr>
+      <p:grpSpPr>
+        <a:xfrm>
+          <a:off x="0" y="0"/>
+          <a:ext cx="0" cy="0"/>
+          <a:chOff x="0" y="0"/>
+          <a:chExt cx="0" cy="0"/>
+        </a:xfrm>
+      </p:grpSpPr>
+      <p:sp>
+        <p:nvSpPr>
+          <p:cNvPr id="2" name="Título 1"/>
+          <p:cNvSpPr>
+            <a:spLocks noGrp="1"/>
+          </p:cNvSpPr>
+          <p:nvPr>
+            <p:ph type="title"/>
+          </p:nvPr>
+        </p:nvSpPr>
+        <p:spPr/>
+        <p:txBody>
+          <a:bodyPr/>
+          <a:lstStyle/>
+          <a:p>
+            <a:pPr fontAlgn="base"/>
+            <a:r>
+              <a:rPr lang="pt-BR" dirty="0"/>
+              <a:t>Boas Práticas</a:t>
+            </a:r>
+            <a:endParaRPr lang="pt-BR" dirty="0"/>
+          </a:p>
+        </p:txBody>
+      </p:sp>
+      <p:sp>
+        <p:nvSpPr>
+          <p:cNvPr id="3" name="Espaço Reservado para Conteúdo 2"/>
+          <p:cNvSpPr>
+            <a:spLocks noGrp="1"/>
+          </p:cNvSpPr>
+          <p:nvPr>
+            <p:ph idx="1"/>
+          </p:nvPr>
+        </p:nvSpPr>
+        <p:spPr>
+          <a:xfrm>
+            <a:off x="677334" y="2160589"/>
+            <a:ext cx="9682008" cy="4697411"/>
+          </a:xfrm>
+        </p:spPr>
+        <p:txBody>
+          <a:bodyPr>
+            <a:noAutofit/>
+          </a:bodyPr>
+          <a:lstStyle/>
+          <a:p>
+            <a:r>
+              <a:rPr lang="pt-BR" sz="4000" dirty="0" smtClean="0"/>
+              <a:t>Timeouts,</a:t>
+            </a:r>
+          </a:p>
+          <a:p>
+            <a:r>
+              <a:rPr lang="pt-BR" sz="4000" dirty="0" err="1" smtClean="0"/>
+              <a:t>Downtime</a:t>
+            </a:r>
+            <a:r>
+              <a:rPr lang="pt-BR" sz="4000" dirty="0" smtClean="0"/>
+              <a:t>,</a:t>
+            </a:r>
+          </a:p>
+          <a:p>
+            <a:r>
+              <a:rPr lang="pt-BR" sz="4000" dirty="0" smtClean="0"/>
+              <a:t>SSL,</a:t>
+            </a:r>
+          </a:p>
+          <a:p>
+            <a:r>
+              <a:rPr lang="pt-BR" sz="4000" dirty="0" smtClean="0"/>
+              <a:t>Versionamento,</a:t>
+            </a:r>
+          </a:p>
+          <a:p>
+            <a:r>
+              <a:rPr lang="pt-BR" sz="4000" dirty="0" smtClean="0"/>
+              <a:t>Teste </a:t>
+            </a:r>
+            <a:r>
+              <a:rPr lang="pt-BR" sz="4000" dirty="0"/>
+              <a:t>e </a:t>
+            </a:r>
+            <a:r>
+              <a:rPr lang="pt-BR" sz="4000" dirty="0" smtClean="0"/>
+              <a:t>validação,</a:t>
+            </a:r>
+          </a:p>
+          <a:p>
+            <a:r>
+              <a:rPr lang="pt-BR" sz="4000" dirty="0" smtClean="0"/>
+              <a:t>Exportações</a:t>
+            </a:r>
+            <a:r>
+              <a:rPr lang="pt-BR" sz="4000" dirty="0"/>
+              <a:t>, </a:t>
+            </a:r>
+            <a:endParaRPr lang="pt-BR" sz="4000" dirty="0"/>
+          </a:p>
+        </p:txBody>
+      </p:sp>
+    </p:spTree>
+    <p:extLst>
+      <p:ext uri="{BB962C8B-B14F-4D97-AF65-F5344CB8AC3E}">
+        <p14:creationId xmlns:p14="http://schemas.microsoft.com/office/powerpoint/2010/main" val="186262122"/>
+      </p:ext>
+    </p:extLst>
+  </p:cSld>
+  <p:clrMapOvr>
+    <a:masterClrMapping/>
+  </p:clrMapOvr>
+  <p:timing>
+    <p:tnLst>
+      <p:par>
+        <p:cTn id="1" dur="indefinite" restart="never" nodeType="tmRoot"/>
+      </p:par>
+    </p:tnLst>
+  </p:timing>
+</p:sld>
+</file>
+
+<file path=ppt/slides/slide56.xml><?xml version="1.0" encoding="utf-8"?>
+<p:sld xmlns:a="http://schemas.openxmlformats.org/drawingml/2006/main" xmlns:r="http://schemas.openxmlformats.org/officeDocument/2006/relationships" xmlns:p="http://schemas.openxmlformats.org/presentationml/2006/main">
+  <p:cSld>
+    <p:spTree>
+      <p:nvGrpSpPr>
+        <p:cNvPr id="1" name=""/>
+        <p:cNvGrpSpPr/>
+        <p:nvPr/>
+      </p:nvGrpSpPr>
+      <p:grpSpPr>
+        <a:xfrm>
+          <a:off x="0" y="0"/>
+          <a:ext cx="0" cy="0"/>
+          <a:chOff x="0" y="0"/>
+          <a:chExt cx="0" cy="0"/>
+        </a:xfrm>
+      </p:grpSpPr>
+      <p:sp>
+        <p:nvSpPr>
+          <p:cNvPr id="2" name="Título 1"/>
+          <p:cNvSpPr>
+            <a:spLocks noGrp="1"/>
+          </p:cNvSpPr>
+          <p:nvPr>
+            <p:ph type="title"/>
+          </p:nvPr>
+        </p:nvSpPr>
+        <p:spPr/>
+        <p:txBody>
+          <a:bodyPr/>
+          <a:lstStyle/>
+          <a:p>
+            <a:pPr fontAlgn="base"/>
+            <a:r>
+              <a:rPr lang="pt-BR" dirty="0"/>
+              <a:t>Boas Práticas</a:t>
+            </a:r>
+            <a:endParaRPr lang="pt-BR" dirty="0"/>
+          </a:p>
+        </p:txBody>
+      </p:sp>
+      <p:sp>
+        <p:nvSpPr>
+          <p:cNvPr id="3" name="Espaço Reservado para Conteúdo 2"/>
+          <p:cNvSpPr>
+            <a:spLocks noGrp="1"/>
+          </p:cNvSpPr>
+          <p:nvPr>
+            <p:ph idx="1"/>
+          </p:nvPr>
+        </p:nvSpPr>
+        <p:spPr/>
+        <p:txBody>
+          <a:bodyPr>
+            <a:noAutofit/>
+          </a:bodyPr>
+          <a:lstStyle/>
+          <a:p>
+            <a:r>
+              <a:rPr lang="pt-BR" sz="3600" dirty="0" smtClean="0"/>
+              <a:t>Exportações,</a:t>
+            </a:r>
+          </a:p>
+          <a:p>
+            <a:r>
+              <a:rPr lang="pt-BR" sz="3600" dirty="0" smtClean="0"/>
+              <a:t>I18n / </a:t>
+            </a:r>
+            <a:r>
+              <a:rPr lang="pt-BR" sz="3600" dirty="0" err="1" smtClean="0"/>
+              <a:t>Globalization</a:t>
+            </a:r>
+            <a:r>
+              <a:rPr lang="pt-BR" sz="3600" dirty="0" smtClean="0"/>
+              <a:t>,</a:t>
+            </a:r>
+          </a:p>
+          <a:p>
+            <a:r>
+              <a:rPr lang="pt-BR" sz="3600" dirty="0" smtClean="0"/>
+              <a:t>Notificações,</a:t>
+            </a:r>
+          </a:p>
+          <a:p>
+            <a:r>
+              <a:rPr lang="pt-BR" sz="3600" dirty="0" smtClean="0"/>
+              <a:t>etc</a:t>
+            </a:r>
+            <a:r>
+              <a:rPr lang="pt-BR" sz="3600" dirty="0"/>
+              <a:t>.</a:t>
+            </a:r>
+            <a:endParaRPr lang="pt-BR" sz="3600" dirty="0"/>
+          </a:p>
+        </p:txBody>
+      </p:sp>
+    </p:spTree>
+    <p:extLst>
+      <p:ext uri="{BB962C8B-B14F-4D97-AF65-F5344CB8AC3E}">
+        <p14:creationId xmlns:p14="http://schemas.microsoft.com/office/powerpoint/2010/main" val="4086923714"/>
+      </p:ext>
+    </p:extLst>
+  </p:cSld>
+  <p:clrMapOvr>
+    <a:masterClrMapping/>
+  </p:clrMapOvr>
+  <p:timing>
+    <p:tnLst>
+      <p:par>
+        <p:cTn id="1" dur="indefinite" restart="never" nodeType="tmRoot"/>
+      </p:par>
+    </p:tnLst>
+  </p:timing>
+</p:sld>
+</file>
+
+<file path=ppt/slides/slide57.xml><?xml version="1.0" encoding="utf-8"?>
+<p:sld xmlns:a="http://schemas.openxmlformats.org/drawingml/2006/main" xmlns:r="http://schemas.openxmlformats.org/officeDocument/2006/relationships" xmlns:p="http://schemas.openxmlformats.org/presentationml/2006/main">
+  <p:cSld>
+    <p:spTree>
+      <p:nvGrpSpPr>
+        <p:cNvPr id="1" name=""/>
+        <p:cNvGrpSpPr/>
+        <p:nvPr/>
+      </p:nvGrpSpPr>
+      <p:grpSpPr>
+        <a:xfrm>
+          <a:off x="0" y="0"/>
+          <a:ext cx="0" cy="0"/>
+          <a:chOff x="0" y="0"/>
+          <a:chExt cx="0" cy="0"/>
+        </a:xfrm>
+      </p:grpSpPr>
+      <p:sp>
+        <p:nvSpPr>
+          <p:cNvPr id="2" name="Título 1"/>
+          <p:cNvSpPr>
+            <a:spLocks noGrp="1"/>
+          </p:cNvSpPr>
+          <p:nvPr>
+            <p:ph type="title"/>
+          </p:nvPr>
+        </p:nvSpPr>
+        <p:spPr/>
+        <p:txBody>
+          <a:bodyPr/>
+          <a:lstStyle/>
+          <a:p>
+            <a:r>
+              <a:rPr lang="pt-BR" dirty="0" smtClean="0"/>
+              <a:t>REFERÊNCIAS</a:t>
+            </a:r>
+            <a:endParaRPr lang="pt-BR" dirty="0"/>
+          </a:p>
+        </p:txBody>
+      </p:sp>
+      <p:sp>
+        <p:nvSpPr>
+          <p:cNvPr id="3" name="Espaço Reservado para Conteúdo 2"/>
+          <p:cNvSpPr>
+            <a:spLocks noGrp="1"/>
+          </p:cNvSpPr>
+          <p:nvPr>
+            <p:ph idx="1"/>
+          </p:nvPr>
+        </p:nvSpPr>
+        <p:spPr/>
+        <p:txBody>
+          <a:bodyPr/>
+          <a:lstStyle/>
+          <a:p>
+            <a:r>
+              <a:rPr lang="en-US" dirty="0">
+                <a:hlinkClick r:id="rId2"/>
+              </a:rPr>
+              <a:t>http://</a:t>
+            </a:r>
+            <a:r>
+              <a:rPr lang="en-US" dirty="0" smtClean="0">
+                <a:hlinkClick r:id="rId2"/>
+              </a:rPr>
+              <a:t>idratherbewriting.com/learnapidoc/docapis_introtoapis.html</a:t>
+            </a:r>
+            <a:endParaRPr lang="en-US" dirty="0" smtClean="0"/>
+          </a:p>
+          <a:p>
+            <a:endParaRPr lang="en-US" dirty="0"/>
+          </a:p>
+          <a:p>
+            <a:r>
+              <a:rPr lang="pt-BR" dirty="0">
+                <a:hlinkClick r:id="rId3"/>
+              </a:rPr>
+              <a:t>https://</a:t>
+            </a:r>
+            <a:r>
+              <a:rPr lang="pt-BR" dirty="0" smtClean="0">
+                <a:hlinkClick r:id="rId3"/>
+              </a:rPr>
+              <a:t>github.com/nbarbettini/BeautifulRestApi</a:t>
+            </a:r>
+            <a:endParaRPr lang="pt-BR" dirty="0" smtClean="0"/>
+          </a:p>
+          <a:p>
+            <a:endParaRPr lang="pt-BR" dirty="0"/>
+          </a:p>
+          <a:p>
+            <a:endParaRPr lang="pt-BR" dirty="0"/>
+          </a:p>
+        </p:txBody>
+      </p:sp>
+    </p:spTree>
+    <p:extLst>
+      <p:ext uri="{BB962C8B-B14F-4D97-AF65-F5344CB8AC3E}">
+        <p14:creationId xmlns:p14="http://schemas.microsoft.com/office/powerpoint/2010/main" val="1004777352"/>
+      </p:ext>
+    </p:extLst>
+  </p:cSld>
+  <p:clrMapOvr>
+    <a:masterClrMapping/>
+  </p:clrMapOvr>
+  <p:timing>
+    <p:tnLst>
+      <p:par>
+        <p:cTn id="1" dur="indefinite" restart="never" nodeType="tmRoot"/>
+      </p:par>
+    </p:tnLst>
+  </p:timing>
+</p:sld>
+</file>
+
+<file path=ppt/slides/slide6.xml><?xml version="1.0" encoding="utf-8"?>
 <p:sld xmlns:a="http://schemas.openxmlformats.org/drawingml/2006/main" xmlns:r="http://schemas.openxmlformats.org/officeDocument/2006/relationships" xmlns:p="http://schemas.openxmlformats.org/presentationml/2006/main">
   <p:cSld>
     <p:spTree>
@@ -9628,7 +13925,7 @@
 </p:sld>
 </file>
 
-<file path=ppt/slides/slide50.xml><?xml version="1.0" encoding="utf-8"?>
+<file path=ppt/slides/slide7.xml><?xml version="1.0" encoding="utf-8"?>
 <p:sld xmlns:a="http://schemas.openxmlformats.org/drawingml/2006/main" xmlns:r="http://schemas.openxmlformats.org/officeDocument/2006/relationships" xmlns:p="http://schemas.openxmlformats.org/presentationml/2006/main">
   <p:cSld>
     <p:spTree>
@@ -9645,67 +13942,6 @@
           <a:chExt cx="0" cy="0"/>
         </a:xfrm>
       </p:grpSpPr>
-      <p:pic>
-        <p:nvPicPr>
-          <p:cNvPr id="2" name="Imagem 1"/>
-          <p:cNvPicPr>
-            <a:picLocks noChangeAspect="1"/>
-          </p:cNvPicPr>
-          <p:nvPr/>
-        </p:nvPicPr>
-        <p:blipFill>
-          <a:blip r:embed="rId2"/>
-          <a:stretch>
-            <a:fillRect/>
-          </a:stretch>
-        </p:blipFill>
-        <p:spPr>
-          <a:xfrm>
-            <a:off x="-2316481" y="-209550"/>
-            <a:ext cx="16716309" cy="7174230"/>
-          </a:xfrm>
-          <a:prstGeom prst="rect">
-            <a:avLst/>
-          </a:prstGeom>
-        </p:spPr>
-      </p:pic>
-    </p:spTree>
-    <p:extLst>
-      <p:ext uri="{BB962C8B-B14F-4D97-AF65-F5344CB8AC3E}">
-        <p14:creationId xmlns:p14="http://schemas.microsoft.com/office/powerpoint/2010/main" val="3368832831"/>
-      </p:ext>
-    </p:extLst>
-  </p:cSld>
-  <p:clrMapOvr>
-    <a:masterClrMapping/>
-  </p:clrMapOvr>
-  <p:timing>
-    <p:tnLst>
-      <p:par>
-        <p:cTn id="1" dur="indefinite" restart="never" nodeType="tmRoot"/>
-      </p:par>
-    </p:tnLst>
-  </p:timing>
-</p:sld>
-</file>
-
-<file path=ppt/slides/slide51.xml><?xml version="1.0" encoding="utf-8"?>
-<p:sld xmlns:a="http://schemas.openxmlformats.org/drawingml/2006/main" xmlns:r="http://schemas.openxmlformats.org/officeDocument/2006/relationships" xmlns:p="http://schemas.openxmlformats.org/presentationml/2006/main">
-  <p:cSld>
-    <p:spTree>
-      <p:nvGrpSpPr>
-        <p:cNvPr id="1" name=""/>
-        <p:cNvGrpSpPr/>
-        <p:nvPr/>
-      </p:nvGrpSpPr>
-      <p:grpSpPr>
-        <a:xfrm>
-          <a:off x="0" y="0"/>
-          <a:ext cx="0" cy="0"/>
-          <a:chOff x="0" y="0"/>
-          <a:chExt cx="0" cy="0"/>
-        </a:xfrm>
-      </p:grpSpPr>
       <p:sp>
         <p:nvSpPr>
           <p:cNvPr id="2" name="Título 1"/>
@@ -9724,536 +13960,6 @@
         </p:spPr>
         <p:txBody>
           <a:bodyPr>
-            <a:normAutofit/>
-          </a:bodyPr>
-          <a:lstStyle/>
-          <a:p>
-            <a:pPr algn="ctr"/>
-            <a:r>
-              <a:rPr lang="pt-BR" dirty="0" smtClean="0"/>
-              <a:t>Documentando </a:t>
-            </a:r>
-            <a:r>
-              <a:rPr lang="pt-BR" dirty="0" err="1" smtClean="0"/>
-              <a:t>RESTFull</a:t>
-            </a:r>
-            <a:r>
-              <a:rPr lang="pt-BR" dirty="0" smtClean="0"/>
-              <a:t> </a:t>
-            </a:r>
-            <a:r>
-              <a:rPr lang="pt-BR" dirty="0" err="1" smtClean="0"/>
-              <a:t>API’s</a:t>
-            </a:r>
-            <a:endParaRPr lang="pt-BR" dirty="0"/>
-          </a:p>
-        </p:txBody>
-      </p:sp>
-    </p:spTree>
-    <p:extLst>
-      <p:ext uri="{BB962C8B-B14F-4D97-AF65-F5344CB8AC3E}">
-        <p14:creationId xmlns:p14="http://schemas.microsoft.com/office/powerpoint/2010/main" val="1272573886"/>
-      </p:ext>
-    </p:extLst>
-  </p:cSld>
-  <p:clrMapOvr>
-    <a:masterClrMapping/>
-  </p:clrMapOvr>
-  <p:timing>
-    <p:tnLst>
-      <p:par>
-        <p:cTn id="1" dur="indefinite" restart="never" nodeType="tmRoot"/>
-      </p:par>
-    </p:tnLst>
-  </p:timing>
-</p:sld>
-</file>
-
-<file path=ppt/slides/slide52.xml><?xml version="1.0" encoding="utf-8"?>
-<p:sld xmlns:a="http://schemas.openxmlformats.org/drawingml/2006/main" xmlns:r="http://schemas.openxmlformats.org/officeDocument/2006/relationships" xmlns:p="http://schemas.openxmlformats.org/presentationml/2006/main">
-  <p:cSld>
-    <p:spTree>
-      <p:nvGrpSpPr>
-        <p:cNvPr id="1" name=""/>
-        <p:cNvGrpSpPr/>
-        <p:nvPr/>
-      </p:nvGrpSpPr>
-      <p:grpSpPr>
-        <a:xfrm>
-          <a:off x="0" y="0"/>
-          <a:ext cx="0" cy="0"/>
-          <a:chOff x="0" y="0"/>
-          <a:chExt cx="0" cy="0"/>
-        </a:xfrm>
-      </p:grpSpPr>
-      <p:pic>
-        <p:nvPicPr>
-          <p:cNvPr id="2" name="Imagem 1"/>
-          <p:cNvPicPr>
-            <a:picLocks noChangeAspect="1"/>
-          </p:cNvPicPr>
-          <p:nvPr/>
-        </p:nvPicPr>
-        <p:blipFill>
-          <a:blip r:embed="rId2"/>
-          <a:stretch>
-            <a:fillRect/>
-          </a:stretch>
-        </p:blipFill>
-        <p:spPr>
-          <a:xfrm>
-            <a:off x="0" y="-1051932"/>
-            <a:ext cx="12192000" cy="7909932"/>
-          </a:xfrm>
-          <a:prstGeom prst="rect">
-            <a:avLst/>
-          </a:prstGeom>
-        </p:spPr>
-      </p:pic>
-    </p:spTree>
-    <p:extLst>
-      <p:ext uri="{BB962C8B-B14F-4D97-AF65-F5344CB8AC3E}">
-        <p14:creationId xmlns:p14="http://schemas.microsoft.com/office/powerpoint/2010/main" val="3388494736"/>
-      </p:ext>
-    </p:extLst>
-  </p:cSld>
-  <p:clrMapOvr>
-    <a:masterClrMapping/>
-  </p:clrMapOvr>
-  <p:timing>
-    <p:tnLst>
-      <p:par>
-        <p:cTn id="1" dur="indefinite" restart="never" nodeType="tmRoot"/>
-      </p:par>
-    </p:tnLst>
-  </p:timing>
-</p:sld>
-</file>
-
-<file path=ppt/slides/slide53.xml><?xml version="1.0" encoding="utf-8"?>
-<p:sld xmlns:a="http://schemas.openxmlformats.org/drawingml/2006/main" xmlns:r="http://schemas.openxmlformats.org/officeDocument/2006/relationships" xmlns:p="http://schemas.openxmlformats.org/presentationml/2006/main">
-  <p:cSld>
-    <p:spTree>
-      <p:nvGrpSpPr>
-        <p:cNvPr id="1" name=""/>
-        <p:cNvGrpSpPr/>
-        <p:nvPr/>
-      </p:nvGrpSpPr>
-      <p:grpSpPr>
-        <a:xfrm>
-          <a:off x="0" y="0"/>
-          <a:ext cx="0" cy="0"/>
-          <a:chOff x="0" y="0"/>
-          <a:chExt cx="0" cy="0"/>
-        </a:xfrm>
-      </p:grpSpPr>
-      <p:sp>
-        <p:nvSpPr>
-          <p:cNvPr id="2" name="Título 1"/>
-          <p:cNvSpPr>
-            <a:spLocks noGrp="1"/>
-          </p:cNvSpPr>
-          <p:nvPr>
-            <p:ph type="title"/>
-          </p:nvPr>
-        </p:nvSpPr>
-        <p:spPr/>
-        <p:txBody>
-          <a:bodyPr/>
-          <a:lstStyle/>
-          <a:p>
-            <a:endParaRPr lang="pt-BR"/>
-          </a:p>
-        </p:txBody>
-      </p:sp>
-      <p:sp>
-        <p:nvSpPr>
-          <p:cNvPr id="3" name="Espaço Reservado para Conteúdo 2"/>
-          <p:cNvSpPr>
-            <a:spLocks noGrp="1"/>
-          </p:cNvSpPr>
-          <p:nvPr>
-            <p:ph idx="1"/>
-          </p:nvPr>
-        </p:nvSpPr>
-        <p:spPr/>
-        <p:txBody>
-          <a:bodyPr/>
-          <a:lstStyle/>
-          <a:p>
-            <a:r>
-              <a:rPr lang="en-US" dirty="0"/>
-              <a:t>Concepts more than technical details</a:t>
-            </a:r>
-          </a:p>
-          <a:p>
-            <a:r>
-              <a:rPr lang="en-US" dirty="0"/>
-              <a:t>The kind of documentation engineers want</a:t>
-            </a:r>
-          </a:p>
-          <a:p>
-            <a:r>
-              <a:rPr lang="en-US" dirty="0"/>
-              <a:t>Swagger UI and how to use it</a:t>
-            </a:r>
-          </a:p>
-          <a:p>
-            <a:r>
-              <a:rPr lang="en-US" dirty="0" err="1"/>
-              <a:t>OpenAPI</a:t>
-            </a:r>
-            <a:r>
-              <a:rPr lang="en-US" dirty="0"/>
-              <a:t> specification and how to create them</a:t>
-            </a:r>
-          </a:p>
-          <a:p>
-            <a:r>
-              <a:rPr lang="en-US" dirty="0"/>
-              <a:t>Other interactive documentation platforms</a:t>
-            </a:r>
-            <a:endParaRPr lang="pt-BR" dirty="0"/>
-          </a:p>
-        </p:txBody>
-      </p:sp>
-    </p:spTree>
-    <p:extLst>
-      <p:ext uri="{BB962C8B-B14F-4D97-AF65-F5344CB8AC3E}">
-        <p14:creationId xmlns:p14="http://schemas.microsoft.com/office/powerpoint/2010/main" val="62104314"/>
-      </p:ext>
-    </p:extLst>
-  </p:cSld>
-  <p:clrMapOvr>
-    <a:masterClrMapping/>
-  </p:clrMapOvr>
-  <p:timing>
-    <p:tnLst>
-      <p:par>
-        <p:cTn id="1" dur="indefinite" restart="never" nodeType="tmRoot"/>
-      </p:par>
-    </p:tnLst>
-  </p:timing>
-</p:sld>
-</file>
-
-<file path=ppt/slides/slide54.xml><?xml version="1.0" encoding="utf-8"?>
-<p:sld xmlns:a="http://schemas.openxmlformats.org/drawingml/2006/main" xmlns:r="http://schemas.openxmlformats.org/officeDocument/2006/relationships" xmlns:p="http://schemas.openxmlformats.org/presentationml/2006/main">
-  <p:cSld>
-    <p:spTree>
-      <p:nvGrpSpPr>
-        <p:cNvPr id="1" name=""/>
-        <p:cNvGrpSpPr/>
-        <p:nvPr/>
-      </p:nvGrpSpPr>
-      <p:grpSpPr>
-        <a:xfrm>
-          <a:off x="0" y="0"/>
-          <a:ext cx="0" cy="0"/>
-          <a:chOff x="0" y="0"/>
-          <a:chExt cx="0" cy="0"/>
-        </a:xfrm>
-      </p:grpSpPr>
-      <p:sp>
-        <p:nvSpPr>
-          <p:cNvPr id="2" name="Título 1"/>
-          <p:cNvSpPr>
-            <a:spLocks noGrp="1"/>
-          </p:cNvSpPr>
-          <p:nvPr>
-            <p:ph type="title"/>
-          </p:nvPr>
-        </p:nvSpPr>
-        <p:spPr>
-          <a:xfrm>
-            <a:off x="2207568" y="2924944"/>
-            <a:ext cx="8229600" cy="990600"/>
-          </a:xfrm>
-        </p:spPr>
-        <p:txBody>
-          <a:bodyPr>
-            <a:normAutofit/>
-          </a:bodyPr>
-          <a:lstStyle/>
-          <a:p>
-            <a:pPr fontAlgn="base"/>
-            <a:r>
-              <a:rPr lang="pt-BR" cap="all" dirty="0"/>
-              <a:t>AUTHORIZATION AND AUTHENTICATION</a:t>
-            </a:r>
-          </a:p>
-        </p:txBody>
-      </p:sp>
-    </p:spTree>
-    <p:extLst>
-      <p:ext uri="{BB962C8B-B14F-4D97-AF65-F5344CB8AC3E}">
-        <p14:creationId xmlns:p14="http://schemas.microsoft.com/office/powerpoint/2010/main" val="1188841835"/>
-      </p:ext>
-    </p:extLst>
-  </p:cSld>
-  <p:clrMapOvr>
-    <a:masterClrMapping/>
-  </p:clrMapOvr>
-  <p:timing>
-    <p:tnLst>
-      <p:par>
-        <p:cTn id="1" dur="indefinite" restart="never" nodeType="tmRoot"/>
-      </p:par>
-    </p:tnLst>
-  </p:timing>
-</p:sld>
-</file>
-
-<file path=ppt/slides/slide55.xml><?xml version="1.0" encoding="utf-8"?>
-<p:sld xmlns:a="http://schemas.openxmlformats.org/drawingml/2006/main" xmlns:r="http://schemas.openxmlformats.org/officeDocument/2006/relationships" xmlns:p="http://schemas.openxmlformats.org/presentationml/2006/main">
-  <p:cSld>
-    <p:spTree>
-      <p:nvGrpSpPr>
-        <p:cNvPr id="1" name=""/>
-        <p:cNvGrpSpPr/>
-        <p:nvPr/>
-      </p:nvGrpSpPr>
-      <p:grpSpPr>
-        <a:xfrm>
-          <a:off x="0" y="0"/>
-          <a:ext cx="0" cy="0"/>
-          <a:chOff x="0" y="0"/>
-          <a:chExt cx="0" cy="0"/>
-        </a:xfrm>
-      </p:grpSpPr>
-      <p:sp>
-        <p:nvSpPr>
-          <p:cNvPr id="4" name="AutoShape 6" descr="http://idratherbewriting.com/nonref-content-api-docs/media/vectors/nonref-docs-preso_authenticationauthorization.svg"/>
-          <p:cNvSpPr>
-            <a:spLocks noChangeAspect="1" noChangeArrowheads="1"/>
-          </p:cNvSpPr>
-          <p:nvPr/>
-        </p:nvSpPr>
-        <p:spPr bwMode="auto">
-          <a:xfrm>
-            <a:off x="155575" y="-144463"/>
-            <a:ext cx="304800" cy="304801"/>
-          </a:xfrm>
-          <a:prstGeom prst="rect">
-            <a:avLst/>
-          </a:prstGeom>
-          <a:noFill/>
-          <a:extLst>
-            <a:ext uri="{909E8E84-426E-40DD-AFC4-6F175D3DCCD1}">
-              <a14:hiddenFill xmlns:a14="http://schemas.microsoft.com/office/drawing/2010/main">
-                <a:solidFill>
-                  <a:srgbClr val="FFFFFF"/>
-                </a:solidFill>
-              </a14:hiddenFill>
-            </a:ext>
-          </a:extLst>
-        </p:spPr>
-        <p:txBody>
-          <a:bodyPr vert="horz" wrap="square" lIns="91440" tIns="45720" rIns="91440" bIns="45720" numCol="1" anchor="t" anchorCtr="0" compatLnSpc="1">
-            <a:prstTxWarp prst="textNoShape">
-              <a:avLst/>
-            </a:prstTxWarp>
-          </a:bodyPr>
-          <a:lstStyle/>
-          <a:p>
-            <a:endParaRPr lang="pt-BR"/>
-          </a:p>
-        </p:txBody>
-      </p:sp>
-      <p:pic>
-        <p:nvPicPr>
-          <p:cNvPr id="5" name="Imagem 4"/>
-          <p:cNvPicPr>
-            <a:picLocks noChangeAspect="1"/>
-          </p:cNvPicPr>
-          <p:nvPr/>
-        </p:nvPicPr>
-        <p:blipFill>
-          <a:blip r:embed="rId2"/>
-          <a:stretch>
-            <a:fillRect/>
-          </a:stretch>
-        </p:blipFill>
-        <p:spPr>
-          <a:xfrm>
-            <a:off x="-274319" y="0"/>
-            <a:ext cx="12954890" cy="6858000"/>
-          </a:xfrm>
-          <a:prstGeom prst="rect">
-            <a:avLst/>
-          </a:prstGeom>
-        </p:spPr>
-      </p:pic>
-    </p:spTree>
-    <p:extLst>
-      <p:ext uri="{BB962C8B-B14F-4D97-AF65-F5344CB8AC3E}">
-        <p14:creationId xmlns:p14="http://schemas.microsoft.com/office/powerpoint/2010/main" val="1459223222"/>
-      </p:ext>
-    </p:extLst>
-  </p:cSld>
-  <p:clrMapOvr>
-    <a:masterClrMapping/>
-  </p:clrMapOvr>
-  <p:timing>
-    <p:tnLst>
-      <p:par>
-        <p:cTn id="1" dur="indefinite" restart="never" nodeType="tmRoot"/>
-      </p:par>
-    </p:tnLst>
-  </p:timing>
-</p:sld>
-</file>
-
-<file path=ppt/slides/slide56.xml><?xml version="1.0" encoding="utf-8"?>
-<p:sld xmlns:a="http://schemas.openxmlformats.org/drawingml/2006/main" xmlns:r="http://schemas.openxmlformats.org/officeDocument/2006/relationships" xmlns:p="http://schemas.openxmlformats.org/presentationml/2006/main">
-  <p:cSld>
-    <p:spTree>
-      <p:nvGrpSpPr>
-        <p:cNvPr id="1" name=""/>
-        <p:cNvGrpSpPr/>
-        <p:nvPr/>
-      </p:nvGrpSpPr>
-      <p:grpSpPr>
-        <a:xfrm>
-          <a:off x="0" y="0"/>
-          <a:ext cx="0" cy="0"/>
-          <a:chOff x="0" y="0"/>
-          <a:chExt cx="0" cy="0"/>
-        </a:xfrm>
-      </p:grpSpPr>
-      <p:sp>
-        <p:nvSpPr>
-          <p:cNvPr id="2" name="Título 1"/>
-          <p:cNvSpPr>
-            <a:spLocks noGrp="1"/>
-          </p:cNvSpPr>
-          <p:nvPr>
-            <p:ph type="title"/>
-          </p:nvPr>
-        </p:nvSpPr>
-        <p:spPr/>
-        <p:txBody>
-          <a:bodyPr/>
-          <a:lstStyle/>
-          <a:p>
-            <a:r>
-              <a:rPr lang="pt-BR" dirty="0" smtClean="0"/>
-              <a:t>REFERÊNCIAS</a:t>
-            </a:r>
-            <a:endParaRPr lang="pt-BR" dirty="0"/>
-          </a:p>
-        </p:txBody>
-      </p:sp>
-      <p:sp>
-        <p:nvSpPr>
-          <p:cNvPr id="3" name="Espaço Reservado para Conteúdo 2"/>
-          <p:cNvSpPr>
-            <a:spLocks noGrp="1"/>
-          </p:cNvSpPr>
-          <p:nvPr>
-            <p:ph idx="1"/>
-          </p:nvPr>
-        </p:nvSpPr>
-        <p:spPr/>
-        <p:txBody>
-          <a:bodyPr/>
-          <a:lstStyle/>
-          <a:p>
-            <a:r>
-              <a:rPr lang="en-US" dirty="0">
-                <a:hlinkClick r:id="rId2"/>
-              </a:rPr>
-              <a:t>http://</a:t>
-            </a:r>
-            <a:r>
-              <a:rPr lang="en-US" dirty="0" smtClean="0">
-                <a:hlinkClick r:id="rId2"/>
-              </a:rPr>
-              <a:t>idratherbewriting.com/learnapidoc/docapis_introtoapis.html</a:t>
-            </a:r>
-            <a:endParaRPr lang="en-US" dirty="0" smtClean="0"/>
-          </a:p>
-          <a:p>
-            <a:endParaRPr lang="en-US" dirty="0"/>
-          </a:p>
-          <a:p>
-            <a:r>
-              <a:rPr lang="pt-BR" dirty="0">
-                <a:hlinkClick r:id="rId3"/>
-              </a:rPr>
-              <a:t>https://</a:t>
-            </a:r>
-            <a:r>
-              <a:rPr lang="pt-BR" dirty="0" smtClean="0">
-                <a:hlinkClick r:id="rId3"/>
-              </a:rPr>
-              <a:t>github.com/nbarbettini/BeautifulRestApi</a:t>
-            </a:r>
-            <a:endParaRPr lang="pt-BR" dirty="0" smtClean="0"/>
-          </a:p>
-          <a:p>
-            <a:endParaRPr lang="pt-BR" dirty="0"/>
-          </a:p>
-          <a:p>
-            <a:endParaRPr lang="pt-BR" dirty="0"/>
-          </a:p>
-        </p:txBody>
-      </p:sp>
-    </p:spTree>
-    <p:extLst>
-      <p:ext uri="{BB962C8B-B14F-4D97-AF65-F5344CB8AC3E}">
-        <p14:creationId xmlns:p14="http://schemas.microsoft.com/office/powerpoint/2010/main" val="1004777352"/>
-      </p:ext>
-    </p:extLst>
-  </p:cSld>
-  <p:clrMapOvr>
-    <a:masterClrMapping/>
-  </p:clrMapOvr>
-  <p:timing>
-    <p:tnLst>
-      <p:par>
-        <p:cTn id="1" dur="indefinite" restart="never" nodeType="tmRoot"/>
-      </p:par>
-    </p:tnLst>
-  </p:timing>
-</p:sld>
-</file>
-
-<file path=ppt/slides/slide6.xml><?xml version="1.0" encoding="utf-8"?>
-<p:sld xmlns:a="http://schemas.openxmlformats.org/drawingml/2006/main" xmlns:r="http://schemas.openxmlformats.org/officeDocument/2006/relationships" xmlns:p="http://schemas.openxmlformats.org/presentationml/2006/main">
-  <p:cSld>
-    <p:spTree>
-      <p:nvGrpSpPr>
-        <p:cNvPr id="1" name=""/>
-        <p:cNvGrpSpPr/>
-        <p:nvPr/>
-      </p:nvGrpSpPr>
-      <p:grpSpPr>
-        <a:xfrm>
-          <a:off x="0" y="0"/>
-          <a:ext cx="0" cy="0"/>
-          <a:chOff x="0" y="0"/>
-          <a:chExt cx="0" cy="0"/>
-        </a:xfrm>
-      </p:grpSpPr>
-      <p:sp>
-        <p:nvSpPr>
-          <p:cNvPr id="2" name="Título 1"/>
-          <p:cNvSpPr>
-            <a:spLocks noGrp="1"/>
-          </p:cNvSpPr>
-          <p:nvPr>
-            <p:ph type="title"/>
-          </p:nvPr>
-        </p:nvSpPr>
-        <p:spPr>
-          <a:xfrm>
-            <a:off x="2207568" y="2924944"/>
-            <a:ext cx="8229600" cy="990600"/>
-          </a:xfrm>
-        </p:spPr>
-        <p:txBody>
-          <a:bodyPr>
             <a:normAutofit fontScale="90000"/>
           </a:bodyPr>
           <a:lstStyle/>
@@ -10261,21 +13967,26 @@
             <a:pPr algn="ctr"/>
             <a:r>
               <a:rPr lang="en-US" dirty="0"/>
-              <a:t>WHAT IS A REST API?</a:t>
+              <a:t>O que é </a:t>
+            </a:r>
+            <a:r>
+              <a:rPr lang="en-US" dirty="0" err="1"/>
+              <a:t>uma</a:t>
+            </a:r>
+            <a:r>
+              <a:rPr lang="en-US" dirty="0"/>
+              <a:t> API REST?</a:t>
             </a:r>
             <a:br>
               <a:rPr lang="en-US" dirty="0"/>
             </a:br>
             <a:r>
               <a:rPr lang="en-US" dirty="0"/>
-              <a:t/>
-            </a:r>
-            <a:br>
-              <a:rPr lang="en-US" dirty="0"/>
-            </a:br>
-            <a:r>
-              <a:rPr lang="en-US" dirty="0"/>
-              <a:t>REQUESTS AND RESPONSES</a:t>
+              <a:t>REQUESTS </a:t>
+            </a:r>
+            <a:r>
+              <a:rPr lang="en-US" dirty="0" smtClean="0"/>
+              <a:t>e RESPONSES</a:t>
             </a:r>
             <a:endParaRPr lang="pt-BR" dirty="0"/>
           </a:p>
@@ -10301,7 +14012,7 @@
 </p:sld>
 </file>
 
-<file path=ppt/slides/slide7.xml><?xml version="1.0" encoding="utf-8"?>
+<file path=ppt/slides/slide8.xml><?xml version="1.0" encoding="utf-8"?>
 <p:sld xmlns:a="http://schemas.openxmlformats.org/drawingml/2006/main" xmlns:r="http://schemas.openxmlformats.org/officeDocument/2006/relationships" xmlns:p="http://schemas.openxmlformats.org/presentationml/2006/main">
   <p:cSld>
     <p:spTree>
@@ -10362,81 +14073,6 @@
 </p:sld>
 </file>
 
-<file path=ppt/slides/slide8.xml><?xml version="1.0" encoding="utf-8"?>
-<p:sld xmlns:a="http://schemas.openxmlformats.org/drawingml/2006/main" xmlns:r="http://schemas.openxmlformats.org/officeDocument/2006/relationships" xmlns:p="http://schemas.openxmlformats.org/presentationml/2006/main">
-  <p:cSld>
-    <p:spTree>
-      <p:nvGrpSpPr>
-        <p:cNvPr id="1" name=""/>
-        <p:cNvGrpSpPr/>
-        <p:nvPr/>
-      </p:nvGrpSpPr>
-      <p:grpSpPr>
-        <a:xfrm>
-          <a:off x="0" y="0"/>
-          <a:ext cx="0" cy="0"/>
-          <a:chOff x="0" y="0"/>
-          <a:chExt cx="0" cy="0"/>
-        </a:xfrm>
-      </p:grpSpPr>
-      <p:sp>
-        <p:nvSpPr>
-          <p:cNvPr id="2" name="Título 1"/>
-          <p:cNvSpPr>
-            <a:spLocks noGrp="1"/>
-          </p:cNvSpPr>
-          <p:nvPr>
-            <p:ph type="title"/>
-          </p:nvPr>
-        </p:nvSpPr>
-        <p:spPr>
-          <a:xfrm>
-            <a:off x="2207568" y="2924944"/>
-            <a:ext cx="8229600" cy="990600"/>
-          </a:xfrm>
-        </p:spPr>
-        <p:txBody>
-          <a:bodyPr>
-            <a:normAutofit fontScale="90000"/>
-          </a:bodyPr>
-          <a:lstStyle/>
-          <a:p>
-            <a:pPr algn="ctr"/>
-            <a:r>
-              <a:rPr lang="en-US" dirty="0"/>
-              <a:t>WHAT IS A REST API?</a:t>
-            </a:r>
-            <a:br>
-              <a:rPr lang="en-US" dirty="0"/>
-            </a:br>
-            <a:r>
-              <a:rPr lang="en-US" dirty="0"/>
-              <a:t>THE WEB FOLLOWS REST</a:t>
-            </a:r>
-            <a:endParaRPr lang="pt-BR" dirty="0"/>
-          </a:p>
-        </p:txBody>
-      </p:sp>
-    </p:spTree>
-    <p:extLst>
-      <p:ext uri="{BB962C8B-B14F-4D97-AF65-F5344CB8AC3E}">
-        <p14:creationId xmlns:p14="http://schemas.microsoft.com/office/powerpoint/2010/main" val="4207980367"/>
-      </p:ext>
-    </p:extLst>
-  </p:cSld>
-  <p:clrMapOvr>
-    <a:masterClrMapping/>
-  </p:clrMapOvr>
-  <p:timing>
-    <p:tnLst>
-      <p:par>
-        <p:cTn id="1" dur="indefinite" restart="never" nodeType="tmRoot"/>
-      </p:par>
-    </p:tnLst>
-  </p:timing>
-</p:sld>
-</file>
-
 <file path=ppt/slides/slide9.xml><?xml version="1.0" encoding="utf-8"?>
 <p:sld xmlns:a="http://schemas.openxmlformats.org/drawingml/2006/main" xmlns:r="http://schemas.openxmlformats.org/officeDocument/2006/relationships" xmlns:p="http://schemas.openxmlformats.org/presentationml/2006/main">
   <p:cSld>
@@ -10454,34 +14090,113 @@
           <a:chExt cx="0" cy="0"/>
         </a:xfrm>
       </p:grpSpPr>
-      <p:pic>
-        <p:nvPicPr>
-          <p:cNvPr id="2" name="Imagem 1"/>
-          <p:cNvPicPr>
-            <a:picLocks noChangeAspect="1"/>
-          </p:cNvPicPr>
-          <p:nvPr/>
-        </p:nvPicPr>
-        <p:blipFill>
-          <a:blip r:embed="rId2"/>
-          <a:stretch>
-            <a:fillRect/>
-          </a:stretch>
-        </p:blipFill>
+      <p:sp>
+        <p:nvSpPr>
+          <p:cNvPr id="2" name="Título 1"/>
+          <p:cNvSpPr>
+            <a:spLocks noGrp="1"/>
+          </p:cNvSpPr>
+          <p:nvPr>
+            <p:ph type="title"/>
+          </p:nvPr>
+        </p:nvSpPr>
+        <p:spPr/>
+        <p:txBody>
+          <a:bodyPr/>
+          <a:lstStyle/>
+          <a:p>
+            <a:pPr algn="ctr"/>
+            <a:r>
+              <a:rPr lang="pt-BR" b="1" dirty="0"/>
+              <a:t>Formatos Suportados em Web Services REST</a:t>
+            </a:r>
+            <a:endParaRPr lang="pt-BR" dirty="0"/>
+          </a:p>
+        </p:txBody>
+      </p:sp>
+      <p:sp>
+        <p:nvSpPr>
+          <p:cNvPr id="3" name="Espaço Reservado para Conteúdo 2"/>
+          <p:cNvSpPr>
+            <a:spLocks noGrp="1"/>
+          </p:cNvSpPr>
+          <p:nvPr>
+            <p:ph idx="1"/>
+          </p:nvPr>
+        </p:nvSpPr>
         <p:spPr>
           <a:xfrm>
-            <a:off x="-1668780" y="-225552"/>
-            <a:ext cx="15737888" cy="7098792"/>
+            <a:off x="677334" y="2160589"/>
+            <a:ext cx="8596668" cy="4697411"/>
           </a:xfrm>
-          <a:prstGeom prst="rect">
-            <a:avLst/>
-          </a:prstGeom>
         </p:spPr>
-      </p:pic>
+        <p:txBody>
+          <a:bodyPr/>
+          <a:lstStyle/>
+          <a:p>
+            <a:r>
+              <a:rPr lang="pt-BR" sz="2400" dirty="0"/>
+              <a:t>XML</a:t>
+            </a:r>
+          </a:p>
+          <a:p>
+            <a:r>
+              <a:rPr lang="pt-BR" sz="2400" dirty="0"/>
+              <a:t>JSON</a:t>
+            </a:r>
+          </a:p>
+          <a:p>
+            <a:r>
+              <a:rPr lang="pt-BR" sz="2400" dirty="0"/>
+              <a:t>CSV</a:t>
+            </a:r>
+          </a:p>
+          <a:p>
+            <a:r>
+              <a:rPr lang="pt-BR" sz="2400" dirty="0"/>
+              <a:t>Texto</a:t>
+            </a:r>
+          </a:p>
+          <a:p>
+            <a:r>
+              <a:rPr lang="pt-BR" sz="2400" dirty="0"/>
+              <a:t>Imagens</a:t>
+            </a:r>
+          </a:p>
+          <a:p>
+            <a:r>
+              <a:rPr lang="pt-BR" sz="2400" dirty="0"/>
+              <a:t>HTML</a:t>
+            </a:r>
+          </a:p>
+          <a:p>
+            <a:r>
+              <a:rPr lang="pt-BR" sz="2400" dirty="0"/>
+              <a:t>PDF</a:t>
+            </a:r>
+          </a:p>
+          <a:p>
+            <a:r>
+              <a:rPr lang="pt-BR" sz="2400" dirty="0"/>
+              <a:t>binário</a:t>
+            </a:r>
+          </a:p>
+          <a:p>
+            <a:r>
+              <a:rPr lang="pt-BR" sz="2400" dirty="0" err="1"/>
+              <a:t>etc</a:t>
+            </a:r>
+            <a:endParaRPr lang="pt-BR" sz="2400" dirty="0"/>
+          </a:p>
+          <a:p>
+            <a:endParaRPr lang="pt-BR" dirty="0"/>
+          </a:p>
+        </p:txBody>
+      </p:sp>
     </p:spTree>
     <p:extLst>
       <p:ext uri="{BB962C8B-B14F-4D97-AF65-F5344CB8AC3E}">
-        <p14:creationId xmlns:p14="http://schemas.microsoft.com/office/powerpoint/2010/main" val="2654688204"/>
+        <p14:creationId xmlns:p14="http://schemas.microsoft.com/office/powerpoint/2010/main" val="1966695702"/>
       </p:ext>
     </p:extLst>
   </p:cSld>
@@ -10753,4 +14468,265 @@
     </a:ext>
   </a:extLst>
 </a:theme>
+</file>
+
+<file path=ppt/theme/theme2.xml><?xml version="1.0" encoding="utf-8"?>
+<a:theme xmlns:a="http://schemas.openxmlformats.org/drawingml/2006/main" name="Tema do Office">
+  <a:themeElements>
+    <a:clrScheme name="Escritório">
+      <a:dk1>
+        <a:sysClr val="windowText" lastClr="000000"/>
+      </a:dk1>
+      <a:lt1>
+        <a:sysClr val="window" lastClr="FFFFFF"/>
+      </a:lt1>
+      <a:dk2>
+        <a:srgbClr val="44546A"/>
+      </a:dk2>
+      <a:lt2>
+        <a:srgbClr val="E7E6E6"/>
+      </a:lt2>
+      <a:accent1>
+        <a:srgbClr val="5B9BD5"/>
+      </a:accent1>
+      <a:accent2>
+        <a:srgbClr val="ED7D31"/>
+      </a:accent2>
+      <a:accent3>
+        <a:srgbClr val="A5A5A5"/>
+      </a:accent3>
+      <a:accent4>
+        <a:srgbClr val="FFC000"/>
+      </a:accent4>
+      <a:accent5>
+        <a:srgbClr val="4472C4"/>
+      </a:accent5>
+      <a:accent6>
+        <a:srgbClr val="70AD47"/>
+      </a:accent6>
+      <a:hlink>
+        <a:srgbClr val="0563C1"/>
+      </a:hlink>
+      <a:folHlink>
+        <a:srgbClr val="954F72"/>
+      </a:folHlink>
+    </a:clrScheme>
+    <a:fontScheme name="Escritório">
+      <a:majorFont>
+        <a:latin typeface="Calibri Light" panose="020F0302020204030204"/>
+        <a:ea typeface=""/>
+        <a:cs typeface=""/>
+        <a:font script="Jpan" typeface="ＭＳ Ｐゴシック"/>
+        <a:font script="Hang" typeface="맑은 고딕"/>
+        <a:font script="Hans" typeface="宋体"/>
+        <a:font script="Hant" typeface="新細明體"/>
+        <a:font script="Arab" typeface="Times New Roman"/>
+        <a:font script="Hebr" typeface="Times New Roman"/>
+        <a:font script="Thai" typeface="Angsana New"/>
+        <a:font script="Ethi" typeface="Nyala"/>
+        <a:font script="Beng" typeface="Vrinda"/>
+        <a:font script="Gujr" typeface="Shruti"/>
+        <a:font script="Khmr" typeface="MoolBoran"/>
+        <a:font script="Knda" typeface="Tunga"/>
+        <a:font script="Guru" typeface="Raavi"/>
+        <a:font script="Cans" typeface="Euphemia"/>
+        <a:font script="Cher" typeface="Plantagenet Cherokee"/>
+        <a:font script="Yiii" typeface="Microsoft Yi Baiti"/>
+        <a:font script="Tibt" typeface="Microsoft Himalaya"/>
+        <a:font script="Thaa" typeface="MV Boli"/>
+        <a:font script="Deva" typeface="Mangal"/>
+        <a:font script="Telu" typeface="Gautami"/>
+        <a:font script="Taml" typeface="Latha"/>
+        <a:font script="Syrc" typeface="Estrangelo Edessa"/>
+        <a:font script="Orya" typeface="Kalinga"/>
+        <a:font script="Mlym" typeface="Kartika"/>
+        <a:font script="Laoo" typeface="DokChampa"/>
+        <a:font script="Sinh" typeface="Iskoola Pota"/>
+        <a:font script="Mong" typeface="Mongolian Baiti"/>
+        <a:font script="Viet" typeface="Times New Roman"/>
+        <a:font script="Uigh" typeface="Microsoft Uighur"/>
+        <a:font script="Geor" typeface="Sylfaen"/>
+      </a:majorFont>
+      <a:minorFont>
+        <a:latin typeface="Calibri" panose="020F0502020204030204"/>
+        <a:ea typeface=""/>
+        <a:cs typeface=""/>
+        <a:font script="Jpan" typeface="ＭＳ Ｐゴシック"/>
+        <a:font script="Hang" typeface="맑은 고딕"/>
+        <a:font script="Hans" typeface="宋体"/>
+        <a:font script="Hant" typeface="新細明體"/>
+        <a:font script="Arab" typeface="Arial"/>
+        <a:font script="Hebr" typeface="Arial"/>
+        <a:font script="Thai" typeface="Cordia New"/>
+        <a:font script="Ethi" typeface="Nyala"/>
+        <a:font script="Beng" typeface="Vrinda"/>
+        <a:font script="Gujr" typeface="Shruti"/>
+        <a:font script="Khmr" typeface="DaunPenh"/>
+        <a:font script="Knda" typeface="Tunga"/>
+        <a:font script="Guru" typeface="Raavi"/>
+        <a:font script="Cans" typeface="Euphemia"/>
+        <a:font script="Cher" typeface="Plantagenet Cherokee"/>
+        <a:font script="Yiii" typeface="Microsoft Yi Baiti"/>
+        <a:font script="Tibt" typeface="Microsoft Himalaya"/>
+        <a:font script="Thaa" typeface="MV Boli"/>
+        <a:font script="Deva" typeface="Mangal"/>
+        <a:font script="Telu" typeface="Gautami"/>
+        <a:font script="Taml" typeface="Latha"/>
+        <a:font script="Syrc" typeface="Estrangelo Edessa"/>
+        <a:font script="Orya" typeface="Kalinga"/>
+        <a:font script="Mlym" typeface="Kartika"/>
+        <a:font script="Laoo" typeface="DokChampa"/>
+        <a:font script="Sinh" typeface="Iskoola Pota"/>
+        <a:font script="Mong" typeface="Mongolian Baiti"/>
+        <a:font script="Viet" typeface="Arial"/>
+        <a:font script="Uigh" typeface="Microsoft Uighur"/>
+        <a:font script="Geor" typeface="Sylfaen"/>
+      </a:minorFont>
+    </a:fontScheme>
+    <a:fmtScheme name="Escritório">
+      <a:fillStyleLst>
+        <a:solidFill>
+          <a:schemeClr val="phClr"/>
+        </a:solidFill>
+        <a:gradFill rotWithShape="1">
+          <a:gsLst>
+            <a:gs pos="0">
+              <a:schemeClr val="phClr">
+                <a:lumMod val="110000"/>
+                <a:satMod val="105000"/>
+                <a:tint val="67000"/>
+              </a:schemeClr>
+            </a:gs>
+            <a:gs pos="50000">
+              <a:schemeClr val="phClr">
+                <a:lumMod val="105000"/>
+                <a:satMod val="103000"/>
+                <a:tint val="73000"/>
+              </a:schemeClr>
+            </a:gs>
+            <a:gs pos="100000">
+              <a:schemeClr val="phClr">
+                <a:lumMod val="105000"/>
+                <a:satMod val="109000"/>
+                <a:tint val="81000"/>
+              </a:schemeClr>
+            </a:gs>
+          </a:gsLst>
+          <a:lin ang="5400000" scaled="0"/>
+        </a:gradFill>
+        <a:gradFill rotWithShape="1">
+          <a:gsLst>
+            <a:gs pos="0">
+              <a:schemeClr val="phClr">
+                <a:satMod val="103000"/>
+                <a:lumMod val="102000"/>
+                <a:tint val="94000"/>
+              </a:schemeClr>
+            </a:gs>
+            <a:gs pos="50000">
+              <a:schemeClr val="phClr">
+                <a:satMod val="110000"/>
+                <a:lumMod val="100000"/>
+                <a:shade val="100000"/>
+              </a:schemeClr>
+            </a:gs>
+            <a:gs pos="100000">
+              <a:schemeClr val="phClr">
+                <a:lumMod val="99000"/>
+                <a:satMod val="120000"/>
+                <a:shade val="78000"/>
+              </a:schemeClr>
+            </a:gs>
+          </a:gsLst>
+          <a:lin ang="5400000" scaled="0"/>
+        </a:gradFill>
+      </a:fillStyleLst>
+      <a:lnStyleLst>
+        <a:ln w="6350" cap="flat" cmpd="sng" algn="ctr">
+          <a:solidFill>
+            <a:schemeClr val="phClr"/>
+          </a:solidFill>
+          <a:prstDash val="solid"/>
+          <a:miter lim="800000"/>
+        </a:ln>
+        <a:ln w="12700" cap="flat" cmpd="sng" algn="ctr">
+          <a:solidFill>
+            <a:schemeClr val="phClr"/>
+          </a:solidFill>
+          <a:prstDash val="solid"/>
+          <a:miter lim="800000"/>
+        </a:ln>
+        <a:ln w="19050" cap="flat" cmpd="sng" algn="ctr">
+          <a:solidFill>
+            <a:schemeClr val="phClr"/>
+          </a:solidFill>
+          <a:prstDash val="solid"/>
+          <a:miter lim="800000"/>
+        </a:ln>
+      </a:lnStyleLst>
+      <a:effectStyleLst>
+        <a:effectStyle>
+          <a:effectLst/>
+        </a:effectStyle>
+        <a:effectStyle>
+          <a:effectLst/>
+        </a:effectStyle>
+        <a:effectStyle>
+          <a:effectLst>
+            <a:outerShdw blurRad="57150" dist="19050" dir="5400000" algn="ctr" rotWithShape="0">
+              <a:srgbClr val="000000">
+                <a:alpha val="63000"/>
+              </a:srgbClr>
+            </a:outerShdw>
+          </a:effectLst>
+        </a:effectStyle>
+      </a:effectStyleLst>
+      <a:bgFillStyleLst>
+        <a:solidFill>
+          <a:schemeClr val="phClr"/>
+        </a:solidFill>
+        <a:solidFill>
+          <a:schemeClr val="phClr">
+            <a:tint val="95000"/>
+            <a:satMod val="170000"/>
+          </a:schemeClr>
+        </a:solidFill>
+        <a:gradFill rotWithShape="1">
+          <a:gsLst>
+            <a:gs pos="0">
+              <a:schemeClr val="phClr">
+                <a:tint val="93000"/>
+                <a:satMod val="150000"/>
+                <a:shade val="98000"/>
+                <a:lumMod val="102000"/>
+              </a:schemeClr>
+            </a:gs>
+            <a:gs pos="50000">
+              <a:schemeClr val="phClr">
+                <a:tint val="98000"/>
+                <a:satMod val="130000"/>
+                <a:shade val="90000"/>
+                <a:lumMod val="103000"/>
+              </a:schemeClr>
+            </a:gs>
+            <a:gs pos="100000">
+              <a:schemeClr val="phClr">
+                <a:shade val="63000"/>
+                <a:satMod val="120000"/>
+              </a:schemeClr>
+            </a:gs>
+          </a:gsLst>
+          <a:lin ang="5400000" scaled="0"/>
+        </a:gradFill>
+      </a:bgFillStyleLst>
+    </a:fmtScheme>
+  </a:themeElements>
+  <a:objectDefaults/>
+  <a:extraClrSchemeLst/>
+  <a:extLst>
+    <a:ext uri="{05A4C25C-085E-4340-85A3-A5531E510DB2}">
+      <thm15:themeFamily xmlns:thm15="http://schemas.microsoft.com/office/thememl/2012/main" name="Office Theme" id="{62F939B6-93AF-4DB8-9C6B-D6C7DFDC589F}" vid="{4A3C46E8-61CC-4603-A589-7422A47A8E4A}"/>
+    </a:ext>
+  </a:extLst>
+</a:theme>
 </file>